--- a/Design/Medino Pharmacy.pptx
+++ b/Design/Medino Pharmacy.pptx
@@ -2,12 +2,53 @@
 <file path=ppt/presentation.xml><?xml version="1.0" encoding="utf-8"?>
 <p:presentation xmlns:a="http://schemas.openxmlformats.org/drawingml/2006/main" xmlns:r="http://schemas.openxmlformats.org/officeDocument/2006/relationships" xmlns:p="http://schemas.openxmlformats.org/presentationml/2006/main" autoCompressPictures="0">
   <p:sldMasterIdLst>
-    <p:sldMasterId id="2147483648" r:id="rId1"/>
+    <p:sldMasterId id="2147483723" r:id="rId1"/>
   </p:sldMasterIdLst>
   <p:sldIdLst>
     <p:sldId id="256" r:id="rId2"/>
-    <p:sldId id="257" r:id="rId3"/>
-    <p:sldId id="258" r:id="rId4"/>
+    <p:sldId id="258" r:id="rId3"/>
+    <p:sldId id="259" r:id="rId4"/>
+    <p:sldId id="260" r:id="rId5"/>
+    <p:sldId id="261" r:id="rId6"/>
+    <p:sldId id="262" r:id="rId7"/>
+    <p:sldId id="263" r:id="rId8"/>
+    <p:sldId id="267" r:id="rId9"/>
+    <p:sldId id="264" r:id="rId10"/>
+    <p:sldId id="265" r:id="rId11"/>
+    <p:sldId id="270" r:id="rId12"/>
+    <p:sldId id="268" r:id="rId13"/>
+    <p:sldId id="269" r:id="rId14"/>
+    <p:sldId id="272" r:id="rId15"/>
+    <p:sldId id="273" r:id="rId16"/>
+    <p:sldId id="274" r:id="rId17"/>
+    <p:sldId id="275" r:id="rId18"/>
+    <p:sldId id="276" r:id="rId19"/>
+    <p:sldId id="277" r:id="rId20"/>
+    <p:sldId id="278" r:id="rId21"/>
+    <p:sldId id="279" r:id="rId22"/>
+    <p:sldId id="291" r:id="rId23"/>
+    <p:sldId id="284" r:id="rId24"/>
+    <p:sldId id="289" r:id="rId25"/>
+    <p:sldId id="290" r:id="rId26"/>
+    <p:sldId id="292" r:id="rId27"/>
+    <p:sldId id="293" r:id="rId28"/>
+    <p:sldId id="294" r:id="rId29"/>
+    <p:sldId id="295" r:id="rId30"/>
+    <p:sldId id="296" r:id="rId31"/>
+    <p:sldId id="297" r:id="rId32"/>
+    <p:sldId id="298" r:id="rId33"/>
+    <p:sldId id="299" r:id="rId34"/>
+    <p:sldId id="300" r:id="rId35"/>
+    <p:sldId id="301" r:id="rId36"/>
+    <p:sldId id="302" r:id="rId37"/>
+    <p:sldId id="303" r:id="rId38"/>
+    <p:sldId id="304" r:id="rId39"/>
+    <p:sldId id="305" r:id="rId40"/>
+    <p:sldId id="306" r:id="rId41"/>
+    <p:sldId id="307" r:id="rId42"/>
+    <p:sldId id="308" r:id="rId43"/>
+    <p:sldId id="310" r:id="rId44"/>
+    <p:sldId id="309" r:id="rId45"/>
   </p:sldIdLst>
   <p:sldSz cx="12192000" cy="6858000"/>
   <p:notesSz cx="6858000" cy="9144000"/>
@@ -164,7 +205,7 @@
           <a:noFill/>
           <a:extLst>
             <a:ext uri="{909E8E84-426E-40dd-AFC4-6F175D3DCCD1}">
-              <a14:hiddenFill xmlns="" xmlns:a14="http://schemas.microsoft.com/office/drawing/2010/main">
+              <a14:hiddenFill xmlns:a14="http://schemas.microsoft.com/office/drawing/2010/main" xmlns="">
                 <a:solidFill>
                   <a:srgbClr val="FFFFFF"/>
                 </a:solidFill>
@@ -224,7 +265,7 @@
             </a:ln>
             <a:extLst>
               <a:ext uri="{91240B29-F687-4f45-9708-019B960494DF}">
-                <a14:hiddenLine xmlns="" xmlns:a14="http://schemas.microsoft.com/office/drawing/2010/main" w="9525">
+                <a14:hiddenLine xmlns:a14="http://schemas.microsoft.com/office/drawing/2010/main" xmlns="" w="9525">
                   <a:solidFill>
                     <a:srgbClr val="000000"/>
                   </a:solidFill>
@@ -314,7 +355,7 @@
             </a:ln>
             <a:extLst>
               <a:ext uri="{91240B29-F687-4f45-9708-019B960494DF}">
-                <a14:hiddenLine xmlns="" xmlns:a14="http://schemas.microsoft.com/office/drawing/2010/main" w="9525">
+                <a14:hiddenLine xmlns:a14="http://schemas.microsoft.com/office/drawing/2010/main" xmlns="" w="9525">
                   <a:solidFill>
                     <a:srgbClr val="000000"/>
                   </a:solidFill>
@@ -404,7 +445,7 @@
             </a:ln>
             <a:extLst>
               <a:ext uri="{91240B29-F687-4f45-9708-019B960494DF}">
-                <a14:hiddenLine xmlns="" xmlns:a14="http://schemas.microsoft.com/office/drawing/2010/main" w="9525">
+                <a14:hiddenLine xmlns:a14="http://schemas.microsoft.com/office/drawing/2010/main" xmlns="" w="9525">
                   <a:solidFill>
                     <a:srgbClr val="000000"/>
                   </a:solidFill>
@@ -438,7 +479,7 @@
             </a:ln>
             <a:extLst>
               <a:ext uri="{91240B29-F687-4f45-9708-019B960494DF}">
-                <a14:hiddenLine xmlns="" xmlns:a14="http://schemas.microsoft.com/office/drawing/2010/main" w="9525">
+                <a14:hiddenLine xmlns:a14="http://schemas.microsoft.com/office/drawing/2010/main" xmlns="" w="9525">
                   <a:solidFill>
                     <a:srgbClr val="000000"/>
                   </a:solidFill>
@@ -528,7 +569,7 @@
             </a:ln>
             <a:extLst>
               <a:ext uri="{91240B29-F687-4f45-9708-019B960494DF}">
-                <a14:hiddenLine xmlns="" xmlns:a14="http://schemas.microsoft.com/office/drawing/2010/main" w="9525">
+                <a14:hiddenLine xmlns:a14="http://schemas.microsoft.com/office/drawing/2010/main" xmlns="" w="9525">
                   <a:solidFill>
                     <a:srgbClr val="000000"/>
                   </a:solidFill>
@@ -590,7 +631,7 @@
             </a:ln>
             <a:extLst>
               <a:ext uri="{91240B29-F687-4f45-9708-019B960494DF}">
-                <a14:hiddenLine xmlns="" xmlns:a14="http://schemas.microsoft.com/office/drawing/2010/main" w="9525">
+                <a14:hiddenLine xmlns:a14="http://schemas.microsoft.com/office/drawing/2010/main" xmlns="" w="9525">
                   <a:solidFill>
                     <a:srgbClr val="000000"/>
                   </a:solidFill>
@@ -652,7 +693,7 @@
             </a:ln>
             <a:extLst>
               <a:ext uri="{91240B29-F687-4f45-9708-019B960494DF}">
-                <a14:hiddenLine xmlns="" xmlns:a14="http://schemas.microsoft.com/office/drawing/2010/main" w="9525">
+                <a14:hiddenLine xmlns:a14="http://schemas.microsoft.com/office/drawing/2010/main" xmlns="" w="9525">
                   <a:solidFill>
                     <a:srgbClr val="000000"/>
                   </a:solidFill>
@@ -742,7 +783,7 @@
             </a:ln>
             <a:extLst>
               <a:ext uri="{91240B29-F687-4f45-9708-019B960494DF}">
-                <a14:hiddenLine xmlns="" xmlns:a14="http://schemas.microsoft.com/office/drawing/2010/main" w="9525">
+                <a14:hiddenLine xmlns:a14="http://schemas.microsoft.com/office/drawing/2010/main" xmlns="" w="9525">
                   <a:solidFill>
                     <a:srgbClr val="000000"/>
                   </a:solidFill>
@@ -804,7 +845,7 @@
             </a:ln>
             <a:extLst>
               <a:ext uri="{91240B29-F687-4f45-9708-019B960494DF}">
-                <a14:hiddenLine xmlns="" xmlns:a14="http://schemas.microsoft.com/office/drawing/2010/main" w="9525">
+                <a14:hiddenLine xmlns:a14="http://schemas.microsoft.com/office/drawing/2010/main" xmlns="" w="9525">
                   <a:solidFill>
                     <a:srgbClr val="000000"/>
                   </a:solidFill>
@@ -866,7 +907,7 @@
             </a:ln>
             <a:extLst>
               <a:ext uri="{91240B29-F687-4f45-9708-019B960494DF}">
-                <a14:hiddenLine xmlns="" xmlns:a14="http://schemas.microsoft.com/office/drawing/2010/main" w="9525">
+                <a14:hiddenLine xmlns:a14="http://schemas.microsoft.com/office/drawing/2010/main" xmlns="" w="9525">
                   <a:solidFill>
                     <a:srgbClr val="000000"/>
                   </a:solidFill>
@@ -956,7 +997,7 @@
             </a:ln>
             <a:extLst>
               <a:ext uri="{91240B29-F687-4f45-9708-019B960494DF}">
-                <a14:hiddenLine xmlns="" xmlns:a14="http://schemas.microsoft.com/office/drawing/2010/main" w="9525">
+                <a14:hiddenLine xmlns:a14="http://schemas.microsoft.com/office/drawing/2010/main" xmlns="" w="9525">
                   <a:solidFill>
                     <a:srgbClr val="000000"/>
                   </a:solidFill>
@@ -1046,7 +1087,7 @@
             </a:ln>
             <a:extLst>
               <a:ext uri="{91240B29-F687-4f45-9708-019B960494DF}">
-                <a14:hiddenLine xmlns="" xmlns:a14="http://schemas.microsoft.com/office/drawing/2010/main" w="9525">
+                <a14:hiddenLine xmlns:a14="http://schemas.microsoft.com/office/drawing/2010/main" xmlns="" w="9525">
                   <a:solidFill>
                     <a:srgbClr val="000000"/>
                   </a:solidFill>
@@ -1108,7 +1149,7 @@
             </a:ln>
             <a:extLst>
               <a:ext uri="{91240B29-F687-4f45-9708-019B960494DF}">
-                <a14:hiddenLine xmlns="" xmlns:a14="http://schemas.microsoft.com/office/drawing/2010/main" w="9525">
+                <a14:hiddenLine xmlns:a14="http://schemas.microsoft.com/office/drawing/2010/main" xmlns="" w="9525">
                   <a:solidFill>
                     <a:srgbClr val="000000"/>
                   </a:solidFill>
@@ -1218,7 +1259,7 @@
             </a:ln>
             <a:extLst>
               <a:ext uri="{91240B29-F687-4f45-9708-019B960494DF}">
-                <a14:hiddenLine xmlns="" xmlns:a14="http://schemas.microsoft.com/office/drawing/2010/main" w="9525">
+                <a14:hiddenLine xmlns:a14="http://schemas.microsoft.com/office/drawing/2010/main" xmlns="" w="9525">
                   <a:solidFill>
                     <a:srgbClr val="000000"/>
                   </a:solidFill>
@@ -1280,7 +1321,7 @@
             </a:ln>
             <a:extLst>
               <a:ext uri="{91240B29-F687-4f45-9708-019B960494DF}">
-                <a14:hiddenLine xmlns="" xmlns:a14="http://schemas.microsoft.com/office/drawing/2010/main" w="9525">
+                <a14:hiddenLine xmlns:a14="http://schemas.microsoft.com/office/drawing/2010/main" xmlns="" w="9525">
                   <a:solidFill>
                     <a:srgbClr val="000000"/>
                   </a:solidFill>
@@ -1370,7 +1411,7 @@
             </a:ln>
             <a:extLst>
               <a:ext uri="{91240B29-F687-4f45-9708-019B960494DF}">
-                <a14:hiddenLine xmlns="" xmlns:a14="http://schemas.microsoft.com/office/drawing/2010/main" w="9525">
+                <a14:hiddenLine xmlns:a14="http://schemas.microsoft.com/office/drawing/2010/main" xmlns="" w="9525">
                   <a:solidFill>
                     <a:srgbClr val="000000"/>
                   </a:solidFill>
@@ -1460,7 +1501,7 @@
             </a:ln>
             <a:extLst>
               <a:ext uri="{91240B29-F687-4f45-9708-019B960494DF}">
-                <a14:hiddenLine xmlns="" xmlns:a14="http://schemas.microsoft.com/office/drawing/2010/main" w="9525">
+                <a14:hiddenLine xmlns:a14="http://schemas.microsoft.com/office/drawing/2010/main" xmlns="" w="9525">
                   <a:solidFill>
                     <a:srgbClr val="000000"/>
                   </a:solidFill>
@@ -1522,7 +1563,7 @@
             </a:ln>
             <a:extLst>
               <a:ext uri="{91240B29-F687-4f45-9708-019B960494DF}">
-                <a14:hiddenLine xmlns="" xmlns:a14="http://schemas.microsoft.com/office/drawing/2010/main" w="9525">
+                <a14:hiddenLine xmlns:a14="http://schemas.microsoft.com/office/drawing/2010/main" xmlns="" w="9525">
                   <a:solidFill>
                     <a:srgbClr val="000000"/>
                   </a:solidFill>
@@ -1612,7 +1653,7 @@
             </a:ln>
             <a:extLst>
               <a:ext uri="{91240B29-F687-4f45-9708-019B960494DF}">
-                <a14:hiddenLine xmlns="" xmlns:a14="http://schemas.microsoft.com/office/drawing/2010/main" w="9525">
+                <a14:hiddenLine xmlns:a14="http://schemas.microsoft.com/office/drawing/2010/main" xmlns="" w="9525">
                   <a:solidFill>
                     <a:srgbClr val="000000"/>
                   </a:solidFill>
@@ -1702,7 +1743,7 @@
             </a:ln>
             <a:extLst>
               <a:ext uri="{91240B29-F687-4f45-9708-019B960494DF}">
-                <a14:hiddenLine xmlns="" xmlns:a14="http://schemas.microsoft.com/office/drawing/2010/main" w="9525">
+                <a14:hiddenLine xmlns:a14="http://schemas.microsoft.com/office/drawing/2010/main" xmlns="" w="9525">
                   <a:solidFill>
                     <a:srgbClr val="000000"/>
                   </a:solidFill>
@@ -1758,7 +1799,7 @@
             </a:ln>
             <a:extLst>
               <a:ext uri="{91240B29-F687-4f45-9708-019B960494DF}">
-                <a14:hiddenLine xmlns="" xmlns:a14="http://schemas.microsoft.com/office/drawing/2010/main" w="9525">
+                <a14:hiddenLine xmlns:a14="http://schemas.microsoft.com/office/drawing/2010/main" xmlns="" w="9525">
                   <a:solidFill>
                     <a:srgbClr val="000000"/>
                   </a:solidFill>
@@ -1848,7 +1889,7 @@
             </a:ln>
             <a:extLst>
               <a:ext uri="{91240B29-F687-4f45-9708-019B960494DF}">
-                <a14:hiddenLine xmlns="" xmlns:a14="http://schemas.microsoft.com/office/drawing/2010/main" w="9525">
+                <a14:hiddenLine xmlns:a14="http://schemas.microsoft.com/office/drawing/2010/main" xmlns="" w="9525">
                   <a:solidFill>
                     <a:srgbClr val="000000"/>
                   </a:solidFill>
@@ -1904,7 +1945,7 @@
             </a:ln>
             <a:extLst>
               <a:ext uri="{91240B29-F687-4f45-9708-019B960494DF}">
-                <a14:hiddenLine xmlns="" xmlns:a14="http://schemas.microsoft.com/office/drawing/2010/main" w="9525">
+                <a14:hiddenLine xmlns:a14="http://schemas.microsoft.com/office/drawing/2010/main" xmlns="" w="9525">
                   <a:solidFill>
                     <a:srgbClr val="000000"/>
                   </a:solidFill>
@@ -1994,7 +2035,7 @@
             </a:ln>
             <a:extLst>
               <a:ext uri="{91240B29-F687-4f45-9708-019B960494DF}">
-                <a14:hiddenLine xmlns="" xmlns:a14="http://schemas.microsoft.com/office/drawing/2010/main" w="9525">
+                <a14:hiddenLine xmlns:a14="http://schemas.microsoft.com/office/drawing/2010/main" xmlns="" w="9525">
                   <a:solidFill>
                     <a:srgbClr val="000000"/>
                   </a:solidFill>
@@ -2062,7 +2103,7 @@
             </a:ln>
             <a:extLst>
               <a:ext uri="{91240B29-F687-4f45-9708-019B960494DF}">
-                <a14:hiddenLine xmlns="" xmlns:a14="http://schemas.microsoft.com/office/drawing/2010/main" w="9525">
+                <a14:hiddenLine xmlns:a14="http://schemas.microsoft.com/office/drawing/2010/main" xmlns="" w="9525">
                   <a:solidFill>
                     <a:srgbClr val="000000"/>
                   </a:solidFill>
@@ -2152,7 +2193,7 @@
             </a:ln>
             <a:extLst>
               <a:ext uri="{91240B29-F687-4f45-9708-019B960494DF}">
-                <a14:hiddenLine xmlns="" xmlns:a14="http://schemas.microsoft.com/office/drawing/2010/main" w="9525">
+                <a14:hiddenLine xmlns:a14="http://schemas.microsoft.com/office/drawing/2010/main" xmlns="" w="9525">
                   <a:solidFill>
                     <a:srgbClr val="000000"/>
                   </a:solidFill>
@@ -2220,7 +2261,7 @@
             </a:ln>
             <a:extLst>
               <a:ext uri="{91240B29-F687-4f45-9708-019B960494DF}">
-                <a14:hiddenLine xmlns="" xmlns:a14="http://schemas.microsoft.com/office/drawing/2010/main" w="9525">
+                <a14:hiddenLine xmlns:a14="http://schemas.microsoft.com/office/drawing/2010/main" xmlns="" w="9525">
                   <a:solidFill>
                     <a:srgbClr val="000000"/>
                   </a:solidFill>
@@ -2310,7 +2351,7 @@
             </a:ln>
             <a:extLst>
               <a:ext uri="{91240B29-F687-4f45-9708-019B960494DF}">
-                <a14:hiddenLine xmlns="" xmlns:a14="http://schemas.microsoft.com/office/drawing/2010/main" w="9525">
+                <a14:hiddenLine xmlns:a14="http://schemas.microsoft.com/office/drawing/2010/main" xmlns="" w="9525">
                   <a:solidFill>
                     <a:srgbClr val="000000"/>
                   </a:solidFill>
@@ -2344,7 +2385,7 @@
             </a:ln>
             <a:extLst>
               <a:ext uri="{91240B29-F687-4f45-9708-019B960494DF}">
-                <a14:hiddenLine xmlns="" xmlns:a14="http://schemas.microsoft.com/office/drawing/2010/main" w="9525">
+                <a14:hiddenLine xmlns:a14="http://schemas.microsoft.com/office/drawing/2010/main" xmlns="" w="9525">
                   <a:solidFill>
                     <a:srgbClr val="000000"/>
                   </a:solidFill>
@@ -2434,7 +2475,7 @@
             </a:ln>
             <a:extLst>
               <a:ext uri="{91240B29-F687-4f45-9708-019B960494DF}">
-                <a14:hiddenLine xmlns="" xmlns:a14="http://schemas.microsoft.com/office/drawing/2010/main" w="9525">
+                <a14:hiddenLine xmlns:a14="http://schemas.microsoft.com/office/drawing/2010/main" xmlns="" w="9525">
                   <a:solidFill>
                     <a:srgbClr val="000000"/>
                   </a:solidFill>
@@ -2496,7 +2537,7 @@
             </a:ln>
             <a:extLst>
               <a:ext uri="{91240B29-F687-4f45-9708-019B960494DF}">
-                <a14:hiddenLine xmlns="" xmlns:a14="http://schemas.microsoft.com/office/drawing/2010/main" w="9525">
+                <a14:hiddenLine xmlns:a14="http://schemas.microsoft.com/office/drawing/2010/main" xmlns="" w="9525">
                   <a:solidFill>
                     <a:srgbClr val="000000"/>
                   </a:solidFill>
@@ -2558,7 +2599,7 @@
             </a:ln>
             <a:extLst>
               <a:ext uri="{91240B29-F687-4f45-9708-019B960494DF}">
-                <a14:hiddenLine xmlns="" xmlns:a14="http://schemas.microsoft.com/office/drawing/2010/main" w="9525">
+                <a14:hiddenLine xmlns:a14="http://schemas.microsoft.com/office/drawing/2010/main" xmlns="" w="9525">
                   <a:solidFill>
                     <a:srgbClr val="000000"/>
                   </a:solidFill>
@@ -2648,7 +2689,7 @@
             </a:ln>
             <a:extLst>
               <a:ext uri="{91240B29-F687-4f45-9708-019B960494DF}">
-                <a14:hiddenLine xmlns="" xmlns:a14="http://schemas.microsoft.com/office/drawing/2010/main" w="9525">
+                <a14:hiddenLine xmlns:a14="http://schemas.microsoft.com/office/drawing/2010/main" xmlns="" w="9525">
                   <a:solidFill>
                     <a:srgbClr val="000000"/>
                   </a:solidFill>
@@ -2716,7 +2757,7 @@
             </a:ln>
             <a:extLst>
               <a:ext uri="{91240B29-F687-4f45-9708-019B960494DF}">
-                <a14:hiddenLine xmlns="" xmlns:a14="http://schemas.microsoft.com/office/drawing/2010/main" w="9525">
+                <a14:hiddenLine xmlns:a14="http://schemas.microsoft.com/office/drawing/2010/main" xmlns="" w="9525">
                   <a:solidFill>
                     <a:srgbClr val="000000"/>
                   </a:solidFill>
@@ -2778,7 +2819,7 @@
             </a:ln>
             <a:extLst>
               <a:ext uri="{91240B29-F687-4f45-9708-019B960494DF}">
-                <a14:hiddenLine xmlns="" xmlns:a14="http://schemas.microsoft.com/office/drawing/2010/main" w="9525">
+                <a14:hiddenLine xmlns:a14="http://schemas.microsoft.com/office/drawing/2010/main" xmlns="" w="9525">
                   <a:solidFill>
                     <a:srgbClr val="000000"/>
                   </a:solidFill>
@@ -2868,7 +2909,7 @@
             </a:ln>
             <a:extLst>
               <a:ext uri="{91240B29-F687-4f45-9708-019B960494DF}">
-                <a14:hiddenLine xmlns="" xmlns:a14="http://schemas.microsoft.com/office/drawing/2010/main" w="9525">
+                <a14:hiddenLine xmlns:a14="http://schemas.microsoft.com/office/drawing/2010/main" xmlns="" w="9525">
                   <a:solidFill>
                     <a:srgbClr val="000000"/>
                   </a:solidFill>
@@ -2930,7 +2971,7 @@
             </a:ln>
             <a:extLst>
               <a:ext uri="{91240B29-F687-4f45-9708-019B960494DF}">
-                <a14:hiddenLine xmlns="" xmlns:a14="http://schemas.microsoft.com/office/drawing/2010/main" w="9525">
+                <a14:hiddenLine xmlns:a14="http://schemas.microsoft.com/office/drawing/2010/main" xmlns="" w="9525">
                   <a:solidFill>
                     <a:srgbClr val="000000"/>
                   </a:solidFill>
@@ -3020,7 +3061,7 @@
             </a:ln>
             <a:extLst>
               <a:ext uri="{91240B29-F687-4f45-9708-019B960494DF}">
-                <a14:hiddenLine xmlns="" xmlns:a14="http://schemas.microsoft.com/office/drawing/2010/main" w="9525">
+                <a14:hiddenLine xmlns:a14="http://schemas.microsoft.com/office/drawing/2010/main" xmlns="" w="9525">
                   <a:solidFill>
                     <a:srgbClr val="000000"/>
                   </a:solidFill>
@@ -3082,7 +3123,7 @@
             </a:ln>
             <a:extLst>
               <a:ext uri="{91240B29-F687-4f45-9708-019B960494DF}">
-                <a14:hiddenLine xmlns="" xmlns:a14="http://schemas.microsoft.com/office/drawing/2010/main" w="9525">
+                <a14:hiddenLine xmlns:a14="http://schemas.microsoft.com/office/drawing/2010/main" xmlns="" w="9525">
                   <a:solidFill>
                     <a:srgbClr val="000000"/>
                   </a:solidFill>
@@ -3172,7 +3213,7 @@
             </a:ln>
             <a:extLst>
               <a:ext uri="{91240B29-F687-4f45-9708-019B960494DF}">
-                <a14:hiddenLine xmlns="" xmlns:a14="http://schemas.microsoft.com/office/drawing/2010/main" w="9525">
+                <a14:hiddenLine xmlns:a14="http://schemas.microsoft.com/office/drawing/2010/main" xmlns="" w="9525">
                   <a:solidFill>
                     <a:srgbClr val="000000"/>
                   </a:solidFill>
@@ -3206,7 +3247,7 @@
             </a:ln>
             <a:extLst>
               <a:ext uri="{91240B29-F687-4f45-9708-019B960494DF}">
-                <a14:hiddenLine xmlns="" xmlns:a14="http://schemas.microsoft.com/office/drawing/2010/main" w="9525">
+                <a14:hiddenLine xmlns:a14="http://schemas.microsoft.com/office/drawing/2010/main" xmlns="" w="9525">
                   <a:solidFill>
                     <a:srgbClr val="000000"/>
                   </a:solidFill>
@@ -3271,7 +3312,7 @@
             </a:ln>
             <a:extLst>
               <a:ext uri="{91240B29-F687-4f45-9708-019B960494DF}">
-                <a14:hiddenLine xmlns="" xmlns:a14="http://schemas.microsoft.com/office/drawing/2010/main" w="9525">
+                <a14:hiddenLine xmlns:a14="http://schemas.microsoft.com/office/drawing/2010/main" xmlns="" w="9525">
                   <a:solidFill>
                     <a:srgbClr val="000000"/>
                   </a:solidFill>
@@ -3361,7 +3402,7 @@
             </a:ln>
             <a:extLst>
               <a:ext uri="{91240B29-F687-4f45-9708-019B960494DF}">
-                <a14:hiddenLine xmlns="" xmlns:a14="http://schemas.microsoft.com/office/drawing/2010/main" w="9525">
+                <a14:hiddenLine xmlns:a14="http://schemas.microsoft.com/office/drawing/2010/main" xmlns="" w="9525">
                   <a:solidFill>
                     <a:srgbClr val="000000"/>
                   </a:solidFill>
@@ -3423,7 +3464,7 @@
             </a:ln>
             <a:extLst>
               <a:ext uri="{91240B29-F687-4f45-9708-019B960494DF}">
-                <a14:hiddenLine xmlns="" xmlns:a14="http://schemas.microsoft.com/office/drawing/2010/main" w="9525">
+                <a14:hiddenLine xmlns:a14="http://schemas.microsoft.com/office/drawing/2010/main" xmlns="" w="9525">
                   <a:solidFill>
                     <a:srgbClr val="000000"/>
                   </a:solidFill>
@@ -3513,7 +3554,7 @@
             </a:ln>
             <a:extLst>
               <a:ext uri="{91240B29-F687-4f45-9708-019B960494DF}">
-                <a14:hiddenLine xmlns="" xmlns:a14="http://schemas.microsoft.com/office/drawing/2010/main" w="9525">
+                <a14:hiddenLine xmlns:a14="http://schemas.microsoft.com/office/drawing/2010/main" xmlns="" w="9525">
                   <a:solidFill>
                     <a:srgbClr val="000000"/>
                   </a:solidFill>
@@ -3603,7 +3644,7 @@
             </a:ln>
             <a:extLst>
               <a:ext uri="{91240B29-F687-4f45-9708-019B960494DF}">
-                <a14:hiddenLine xmlns="" xmlns:a14="http://schemas.microsoft.com/office/drawing/2010/main" w="9525">
+                <a14:hiddenLine xmlns:a14="http://schemas.microsoft.com/office/drawing/2010/main" xmlns="" w="9525">
                   <a:solidFill>
                     <a:srgbClr val="000000"/>
                   </a:solidFill>
@@ -3668,7 +3709,7 @@
             </a:ln>
             <a:extLst>
               <a:ext uri="{91240B29-F687-4f45-9708-019B960494DF}">
-                <a14:hiddenLine xmlns="" xmlns:a14="http://schemas.microsoft.com/office/drawing/2010/main" w="9525">
+                <a14:hiddenLine xmlns:a14="http://schemas.microsoft.com/office/drawing/2010/main" xmlns="" w="9525">
                   <a:solidFill>
                     <a:srgbClr val="000000"/>
                   </a:solidFill>
@@ -3730,7 +3771,7 @@
             </a:ln>
             <a:extLst>
               <a:ext uri="{91240B29-F687-4f45-9708-019B960494DF}">
-                <a14:hiddenLine xmlns="" xmlns:a14="http://schemas.microsoft.com/office/drawing/2010/main" w="9525">
+                <a14:hiddenLine xmlns:a14="http://schemas.microsoft.com/office/drawing/2010/main" xmlns="" w="9525">
                   <a:solidFill>
                     <a:srgbClr val="000000"/>
                   </a:solidFill>
@@ -3820,7 +3861,7 @@
             </a:ln>
             <a:extLst>
               <a:ext uri="{91240B29-F687-4f45-9708-019B960494DF}">
-                <a14:hiddenLine xmlns="" xmlns:a14="http://schemas.microsoft.com/office/drawing/2010/main" w="9525">
+                <a14:hiddenLine xmlns:a14="http://schemas.microsoft.com/office/drawing/2010/main" xmlns="" w="9525">
                   <a:solidFill>
                     <a:srgbClr val="000000"/>
                   </a:solidFill>
@@ -3910,7 +3951,7 @@
             </a:ln>
             <a:extLst>
               <a:ext uri="{91240B29-F687-4f45-9708-019B960494DF}">
-                <a14:hiddenLine xmlns="" xmlns:a14="http://schemas.microsoft.com/office/drawing/2010/main" w="9525">
+                <a14:hiddenLine xmlns:a14="http://schemas.microsoft.com/office/drawing/2010/main" xmlns="" w="9525">
                   <a:solidFill>
                     <a:srgbClr val="000000"/>
                   </a:solidFill>
@@ -3972,7 +4013,7 @@
             </a:ln>
             <a:extLst>
               <a:ext uri="{91240B29-F687-4f45-9708-019B960494DF}">
-                <a14:hiddenLine xmlns="" xmlns:a14="http://schemas.microsoft.com/office/drawing/2010/main" w="9525">
+                <a14:hiddenLine xmlns:a14="http://schemas.microsoft.com/office/drawing/2010/main" xmlns="" w="9525">
                   <a:solidFill>
                     <a:srgbClr val="000000"/>
                   </a:solidFill>
@@ -4092,7 +4133,7 @@
             </a:ln>
             <a:extLst>
               <a:ext uri="{91240B29-F687-4f45-9708-019B960494DF}">
-                <a14:hiddenLine xmlns="" xmlns:a14="http://schemas.microsoft.com/office/drawing/2010/main" w="9525">
+                <a14:hiddenLine xmlns:a14="http://schemas.microsoft.com/office/drawing/2010/main" xmlns="" w="9525">
                   <a:solidFill>
                     <a:srgbClr val="000000"/>
                   </a:solidFill>
@@ -4160,7 +4201,7 @@
             </a:ln>
             <a:extLst>
               <a:ext uri="{91240B29-F687-4f45-9708-019B960494DF}">
-                <a14:hiddenLine xmlns="" xmlns:a14="http://schemas.microsoft.com/office/drawing/2010/main" w="9525">
+                <a14:hiddenLine xmlns:a14="http://schemas.microsoft.com/office/drawing/2010/main" xmlns="" w="9525">
                   <a:solidFill>
                     <a:srgbClr val="000000"/>
                   </a:solidFill>
@@ -4250,7 +4291,7 @@
             </a:ln>
             <a:extLst>
               <a:ext uri="{91240B29-F687-4f45-9708-019B960494DF}">
-                <a14:hiddenLine xmlns="" xmlns:a14="http://schemas.microsoft.com/office/drawing/2010/main" w="9525">
+                <a14:hiddenLine xmlns:a14="http://schemas.microsoft.com/office/drawing/2010/main" xmlns="" w="9525">
                   <a:solidFill>
                     <a:srgbClr val="000000"/>
                   </a:solidFill>
@@ -4389,8 +4430,8 @@
           <a:lstStyle/>
           <a:p>
             <a:fld id="{48A87A34-81AB-432B-8DAE-1953F412C126}" type="datetimeFigureOut">
-              <a:rPr lang="en-US" dirty="0"/>
-              <a:t>3/28/2019</a:t>
+              <a:rPr lang="en-US" smtClean="0"/>
+              <a:t>4/1/2019</a:t>
             </a:fld>
             <a:endParaRPr lang="en-US" dirty="0"/>
           </a:p>
@@ -4441,7 +4482,7 @@
           <a:lstStyle/>
           <a:p>
             <a:fld id="{6D22F896-40B5-4ADD-8801-0D06FADFA095}" type="slidenum">
-              <a:rPr lang="en-US" dirty="0"/>
+              <a:rPr lang="en-US" smtClean="0"/>
               <a:t>‹#›</a:t>
             </a:fld>
             <a:endParaRPr lang="en-US" dirty="0"/>
@@ -4449,6 +4490,11 @@
         </p:txBody>
       </p:sp>
     </p:spTree>
+    <p:extLst>
+      <p:ext uri="{BB962C8B-B14F-4D97-AF65-F5344CB8AC3E}">
+        <p14:creationId xmlns:p14="http://schemas.microsoft.com/office/powerpoint/2010/main" val="1018589788"/>
+      </p:ext>
+    </p:extLst>
   </p:cSld>
   <p:clrMapOvr>
     <a:masterClrMapping/>
@@ -4651,8 +4697,8 @@
           <a:lstStyle/>
           <a:p>
             <a:fld id="{48A87A34-81AB-432B-8DAE-1953F412C126}" type="datetimeFigureOut">
-              <a:rPr lang="en-US" dirty="0"/>
-              <a:t>3/28/2019</a:t>
+              <a:rPr lang="en-US" smtClean="0"/>
+              <a:t>4/1/2019</a:t>
             </a:fld>
             <a:endParaRPr lang="en-US" dirty="0"/>
           </a:p>
@@ -4693,7 +4739,7 @@
           <a:lstStyle/>
           <a:p>
             <a:fld id="{6D22F896-40B5-4ADD-8801-0D06FADFA095}" type="slidenum">
-              <a:rPr lang="en-US" dirty="0"/>
+              <a:rPr lang="en-US" smtClean="0"/>
               <a:t>‹#›</a:t>
             </a:fld>
             <a:endParaRPr lang="en-US" dirty="0"/>
@@ -4701,6 +4747,11 @@
         </p:txBody>
       </p:sp>
     </p:spTree>
+    <p:extLst>
+      <p:ext uri="{BB962C8B-B14F-4D97-AF65-F5344CB8AC3E}">
+        <p14:creationId xmlns:p14="http://schemas.microsoft.com/office/powerpoint/2010/main" val="3180950779"/>
+      </p:ext>
+    </p:extLst>
   </p:cSld>
   <p:clrMapOvr>
     <a:masterClrMapping/>
@@ -4842,8 +4893,8 @@
           <a:lstStyle/>
           <a:p>
             <a:fld id="{48A87A34-81AB-432B-8DAE-1953F412C126}" type="datetimeFigureOut">
-              <a:rPr lang="en-US" dirty="0"/>
-              <a:t>3/28/2019</a:t>
+              <a:rPr lang="en-US" smtClean="0"/>
+              <a:t>4/1/2019</a:t>
             </a:fld>
             <a:endParaRPr lang="en-US" dirty="0"/>
           </a:p>
@@ -4884,7 +4935,7 @@
           <a:lstStyle/>
           <a:p>
             <a:fld id="{6D22F896-40B5-4ADD-8801-0D06FADFA095}" type="slidenum">
-              <a:rPr lang="en-US" dirty="0"/>
+              <a:rPr lang="en-US" smtClean="0"/>
               <a:t>‹#›</a:t>
             </a:fld>
             <a:endParaRPr lang="en-US" dirty="0"/>
@@ -4892,6 +4943,11 @@
         </p:txBody>
       </p:sp>
     </p:spTree>
+    <p:extLst>
+      <p:ext uri="{BB962C8B-B14F-4D97-AF65-F5344CB8AC3E}">
+        <p14:creationId xmlns:p14="http://schemas.microsoft.com/office/powerpoint/2010/main" val="3652565312"/>
+      </p:ext>
+    </p:extLst>
   </p:cSld>
   <p:clrMapOvr>
     <a:masterClrMapping/>
@@ -5100,8 +5156,8 @@
           <a:lstStyle/>
           <a:p>
             <a:fld id="{48A87A34-81AB-432B-8DAE-1953F412C126}" type="datetimeFigureOut">
-              <a:rPr lang="en-US" dirty="0"/>
-              <a:t>3/28/2019</a:t>
+              <a:rPr lang="en-US" smtClean="0"/>
+              <a:t>4/1/2019</a:t>
             </a:fld>
             <a:endParaRPr lang="en-US" dirty="0"/>
           </a:p>
@@ -5142,7 +5198,7 @@
           <a:lstStyle/>
           <a:p>
             <a:fld id="{6D22F896-40B5-4ADD-8801-0D06FADFA095}" type="slidenum">
-              <a:rPr lang="en-US" dirty="0"/>
+              <a:rPr lang="en-US" smtClean="0"/>
               <a:t>‹#›</a:t>
             </a:fld>
             <a:endParaRPr lang="en-US" dirty="0"/>
@@ -5388,6 +5444,11 @@
         </p:txBody>
       </p:sp>
     </p:spTree>
+    <p:extLst>
+      <p:ext uri="{BB962C8B-B14F-4D97-AF65-F5344CB8AC3E}">
+        <p14:creationId xmlns:p14="http://schemas.microsoft.com/office/powerpoint/2010/main" val="2742741270"/>
+      </p:ext>
+    </p:extLst>
   </p:cSld>
   <p:clrMapOvr>
     <a:masterClrMapping/>
@@ -5529,8 +5590,8 @@
           <a:lstStyle/>
           <a:p>
             <a:fld id="{48A87A34-81AB-432B-8DAE-1953F412C126}" type="datetimeFigureOut">
-              <a:rPr lang="en-US" dirty="0"/>
-              <a:t>3/28/2019</a:t>
+              <a:rPr lang="en-US" smtClean="0"/>
+              <a:t>4/1/2019</a:t>
             </a:fld>
             <a:endParaRPr lang="en-US" dirty="0"/>
           </a:p>
@@ -5571,7 +5632,7 @@
           <a:lstStyle/>
           <a:p>
             <a:fld id="{6D22F896-40B5-4ADD-8801-0D06FADFA095}" type="slidenum">
-              <a:rPr lang="en-US" dirty="0"/>
+              <a:rPr lang="en-US" smtClean="0"/>
               <a:t>‹#›</a:t>
             </a:fld>
             <a:endParaRPr lang="en-US" dirty="0"/>
@@ -5579,6 +5640,11 @@
         </p:txBody>
       </p:sp>
     </p:spTree>
+    <p:extLst>
+      <p:ext uri="{BB962C8B-B14F-4D97-AF65-F5344CB8AC3E}">
+        <p14:creationId xmlns:p14="http://schemas.microsoft.com/office/powerpoint/2010/main" val="3022562567"/>
+      </p:ext>
+    </p:extLst>
   </p:cSld>
   <p:clrMapOvr>
     <a:masterClrMapping/>
@@ -6070,8 +6136,8 @@
           <a:lstStyle/>
           <a:p>
             <a:fld id="{48A87A34-81AB-432B-8DAE-1953F412C126}" type="datetimeFigureOut">
-              <a:rPr lang="en-US" dirty="0"/>
-              <a:t>3/28/2019</a:t>
+              <a:rPr lang="en-US" smtClean="0"/>
+              <a:t>4/1/2019</a:t>
             </a:fld>
             <a:endParaRPr lang="en-US" dirty="0"/>
           </a:p>
@@ -6112,7 +6178,7 @@
           <a:lstStyle/>
           <a:p>
             <a:fld id="{6D22F896-40B5-4ADD-8801-0D06FADFA095}" type="slidenum">
-              <a:rPr lang="en-US" dirty="0"/>
+              <a:rPr lang="en-US" smtClean="0"/>
               <a:t>‹#›</a:t>
             </a:fld>
             <a:endParaRPr lang="en-US" dirty="0"/>
@@ -6120,6 +6186,11 @@
         </p:txBody>
       </p:sp>
     </p:spTree>
+    <p:extLst>
+      <p:ext uri="{BB962C8B-B14F-4D97-AF65-F5344CB8AC3E}">
+        <p14:creationId xmlns:p14="http://schemas.microsoft.com/office/powerpoint/2010/main" val="1195728538"/>
+      </p:ext>
+    </p:extLst>
   </p:cSld>
   <p:clrMapOvr>
     <a:masterClrMapping/>
@@ -6785,8 +6856,8 @@
           <a:lstStyle/>
           <a:p>
             <a:fld id="{48A87A34-81AB-432B-8DAE-1953F412C126}" type="datetimeFigureOut">
-              <a:rPr lang="en-US" dirty="0"/>
-              <a:t>3/28/2019</a:t>
+              <a:rPr lang="en-US" smtClean="0"/>
+              <a:t>4/1/2019</a:t>
             </a:fld>
             <a:endParaRPr lang="en-US" dirty="0"/>
           </a:p>
@@ -6827,7 +6898,7 @@
           <a:lstStyle/>
           <a:p>
             <a:fld id="{6D22F896-40B5-4ADD-8801-0D06FADFA095}" type="slidenum">
-              <a:rPr lang="en-US" dirty="0"/>
+              <a:rPr lang="en-US" smtClean="0"/>
               <a:t>‹#›</a:t>
             </a:fld>
             <a:endParaRPr lang="en-US" dirty="0"/>
@@ -6835,6 +6906,11 @@
         </p:txBody>
       </p:sp>
     </p:spTree>
+    <p:extLst>
+      <p:ext uri="{BB962C8B-B14F-4D97-AF65-F5344CB8AC3E}">
+        <p14:creationId xmlns:p14="http://schemas.microsoft.com/office/powerpoint/2010/main" val="2912236319"/>
+      </p:ext>
+    </p:extLst>
   </p:cSld>
   <p:clrMapOvr>
     <a:masterClrMapping/>
@@ -6950,8 +7026,8 @@
           <a:lstStyle/>
           <a:p>
             <a:fld id="{48A87A34-81AB-432B-8DAE-1953F412C126}" type="datetimeFigureOut">
-              <a:rPr lang="en-US" dirty="0"/>
-              <a:t>3/28/2019</a:t>
+              <a:rPr lang="en-US" smtClean="0"/>
+              <a:t>4/1/2019</a:t>
             </a:fld>
             <a:endParaRPr lang="en-US" dirty="0"/>
           </a:p>
@@ -6992,7 +7068,7 @@
           <a:lstStyle/>
           <a:p>
             <a:fld id="{6D22F896-40B5-4ADD-8801-0D06FADFA095}" type="slidenum">
-              <a:rPr lang="en-US" dirty="0"/>
+              <a:rPr lang="en-US" smtClean="0"/>
               <a:t>‹#›</a:t>
             </a:fld>
             <a:endParaRPr lang="en-US" dirty="0"/>
@@ -7000,6 +7076,11 @@
         </p:txBody>
       </p:sp>
     </p:spTree>
+    <p:extLst>
+      <p:ext uri="{BB962C8B-B14F-4D97-AF65-F5344CB8AC3E}">
+        <p14:creationId xmlns:p14="http://schemas.microsoft.com/office/powerpoint/2010/main" val="562927301"/>
+      </p:ext>
+    </p:extLst>
   </p:cSld>
   <p:clrMapOvr>
     <a:masterClrMapping/>
@@ -7125,8 +7206,8 @@
           <a:lstStyle/>
           <a:p>
             <a:fld id="{48A87A34-81AB-432B-8DAE-1953F412C126}" type="datetimeFigureOut">
-              <a:rPr lang="en-US" dirty="0"/>
-              <a:t>3/28/2019</a:t>
+              <a:rPr lang="en-US" smtClean="0"/>
+              <a:t>4/1/2019</a:t>
             </a:fld>
             <a:endParaRPr lang="en-US" dirty="0"/>
           </a:p>
@@ -7167,7 +7248,7 @@
           <a:lstStyle/>
           <a:p>
             <a:fld id="{6D22F896-40B5-4ADD-8801-0D06FADFA095}" type="slidenum">
-              <a:rPr lang="en-US" dirty="0"/>
+              <a:rPr lang="en-US" smtClean="0"/>
               <a:t>‹#›</a:t>
             </a:fld>
             <a:endParaRPr lang="en-US" dirty="0"/>
@@ -7175,6 +7256,11 @@
         </p:txBody>
       </p:sp>
     </p:spTree>
+    <p:extLst>
+      <p:ext uri="{BB962C8B-B14F-4D97-AF65-F5344CB8AC3E}">
+        <p14:creationId xmlns:p14="http://schemas.microsoft.com/office/powerpoint/2010/main" val="3949908802"/>
+      </p:ext>
+    </p:extLst>
   </p:cSld>
   <p:clrMapOvr>
     <a:masterClrMapping/>
@@ -7290,8 +7376,8 @@
           <a:lstStyle/>
           <a:p>
             <a:fld id="{48A87A34-81AB-432B-8DAE-1953F412C126}" type="datetimeFigureOut">
-              <a:rPr lang="en-US" dirty="0"/>
-              <a:t>3/28/2019</a:t>
+              <a:rPr lang="en-US" smtClean="0"/>
+              <a:t>4/1/2019</a:t>
             </a:fld>
             <a:endParaRPr lang="en-US" dirty="0"/>
           </a:p>
@@ -7332,7 +7418,7 @@
           <a:lstStyle/>
           <a:p>
             <a:fld id="{6D22F896-40B5-4ADD-8801-0D06FADFA095}" type="slidenum">
-              <a:rPr lang="en-US" dirty="0"/>
+              <a:rPr lang="en-US" smtClean="0"/>
               <a:t>‹#›</a:t>
             </a:fld>
             <a:endParaRPr lang="en-US" dirty="0"/>
@@ -7340,6 +7426,11 @@
         </p:txBody>
       </p:sp>
     </p:spTree>
+    <p:extLst>
+      <p:ext uri="{BB962C8B-B14F-4D97-AF65-F5344CB8AC3E}">
+        <p14:creationId xmlns:p14="http://schemas.microsoft.com/office/powerpoint/2010/main" val="4236081344"/>
+      </p:ext>
+    </p:extLst>
   </p:cSld>
   <p:clrMapOvr>
     <a:masterClrMapping/>
@@ -7535,8 +7626,8 @@
           <a:lstStyle/>
           <a:p>
             <a:fld id="{48A87A34-81AB-432B-8DAE-1953F412C126}" type="datetimeFigureOut">
-              <a:rPr lang="en-US" dirty="0"/>
-              <a:t>3/28/2019</a:t>
+              <a:rPr lang="en-US" smtClean="0"/>
+              <a:t>4/1/2019</a:t>
             </a:fld>
             <a:endParaRPr lang="en-US" dirty="0"/>
           </a:p>
@@ -7577,7 +7668,7 @@
           <a:lstStyle/>
           <a:p>
             <a:fld id="{6D22F896-40B5-4ADD-8801-0D06FADFA095}" type="slidenum">
-              <a:rPr lang="en-US" dirty="0"/>
+              <a:rPr lang="en-US" smtClean="0"/>
               <a:t>‹#›</a:t>
             </a:fld>
             <a:endParaRPr lang="en-US" dirty="0"/>
@@ -7585,6 +7676,11 @@
         </p:txBody>
       </p:sp>
     </p:spTree>
+    <p:extLst>
+      <p:ext uri="{BB962C8B-B14F-4D97-AF65-F5344CB8AC3E}">
+        <p14:creationId xmlns:p14="http://schemas.microsoft.com/office/powerpoint/2010/main" val="2350127581"/>
+      </p:ext>
+    </p:extLst>
   </p:cSld>
   <p:clrMapOvr>
     <a:masterClrMapping/>
@@ -7762,8 +7858,8 @@
           <a:lstStyle/>
           <a:p>
             <a:fld id="{48A87A34-81AB-432B-8DAE-1953F412C126}" type="datetimeFigureOut">
-              <a:rPr lang="en-US" dirty="0"/>
-              <a:t>3/28/2019</a:t>
+              <a:rPr lang="en-US" smtClean="0"/>
+              <a:t>4/1/2019</a:t>
             </a:fld>
             <a:endParaRPr lang="en-US" dirty="0"/>
           </a:p>
@@ -7804,7 +7900,7 @@
           <a:lstStyle/>
           <a:p>
             <a:fld id="{6D22F896-40B5-4ADD-8801-0D06FADFA095}" type="slidenum">
-              <a:rPr lang="en-US" dirty="0"/>
+              <a:rPr lang="en-US" smtClean="0"/>
               <a:t>‹#›</a:t>
             </a:fld>
             <a:endParaRPr lang="en-US" dirty="0"/>
@@ -7812,6 +7908,11 @@
         </p:txBody>
       </p:sp>
     </p:spTree>
+    <p:extLst>
+      <p:ext uri="{BB962C8B-B14F-4D97-AF65-F5344CB8AC3E}">
+        <p14:creationId xmlns:p14="http://schemas.microsoft.com/office/powerpoint/2010/main" val="1156512421"/>
+      </p:ext>
+    </p:extLst>
   </p:cSld>
   <p:clrMapOvr>
     <a:masterClrMapping/>
@@ -8138,8 +8239,8 @@
           <a:lstStyle/>
           <a:p>
             <a:fld id="{48A87A34-81AB-432B-8DAE-1953F412C126}" type="datetimeFigureOut">
-              <a:rPr lang="en-US" dirty="0"/>
-              <a:t>3/28/2019</a:t>
+              <a:rPr lang="en-US" smtClean="0"/>
+              <a:t>4/1/2019</a:t>
             </a:fld>
             <a:endParaRPr lang="en-US" dirty="0"/>
           </a:p>
@@ -8180,7 +8281,7 @@
           <a:lstStyle/>
           <a:p>
             <a:fld id="{6D22F896-40B5-4ADD-8801-0D06FADFA095}" type="slidenum">
-              <a:rPr lang="en-US" dirty="0"/>
+              <a:rPr lang="en-US" smtClean="0"/>
               <a:t>‹#›</a:t>
             </a:fld>
             <a:endParaRPr lang="en-US" dirty="0"/>
@@ -8188,6 +8289,11 @@
         </p:txBody>
       </p:sp>
     </p:spTree>
+    <p:extLst>
+      <p:ext uri="{BB962C8B-B14F-4D97-AF65-F5344CB8AC3E}">
+        <p14:creationId xmlns:p14="http://schemas.microsoft.com/office/powerpoint/2010/main" val="392423967"/>
+      </p:ext>
+    </p:extLst>
   </p:cSld>
   <p:clrMapOvr>
     <a:masterClrMapping/>
@@ -8251,8 +8357,8 @@
           <a:lstStyle/>
           <a:p>
             <a:fld id="{48A87A34-81AB-432B-8DAE-1953F412C126}" type="datetimeFigureOut">
-              <a:rPr lang="en-US" dirty="0"/>
-              <a:t>3/28/2019</a:t>
+              <a:rPr lang="en-US" smtClean="0"/>
+              <a:t>4/1/2019</a:t>
             </a:fld>
             <a:endParaRPr lang="en-US" dirty="0"/>
           </a:p>
@@ -8293,7 +8399,7 @@
           <a:lstStyle/>
           <a:p>
             <a:fld id="{6D22F896-40B5-4ADD-8801-0D06FADFA095}" type="slidenum">
-              <a:rPr lang="en-US" dirty="0"/>
+              <a:rPr lang="en-US" smtClean="0"/>
               <a:t>‹#›</a:t>
             </a:fld>
             <a:endParaRPr lang="en-US" dirty="0"/>
@@ -8301,6 +8407,11 @@
         </p:txBody>
       </p:sp>
     </p:spTree>
+    <p:extLst>
+      <p:ext uri="{BB962C8B-B14F-4D97-AF65-F5344CB8AC3E}">
+        <p14:creationId xmlns:p14="http://schemas.microsoft.com/office/powerpoint/2010/main" val="255762224"/>
+      </p:ext>
+    </p:extLst>
   </p:cSld>
   <p:clrMapOvr>
     <a:masterClrMapping/>
@@ -8341,8 +8452,8 @@
           <a:lstStyle/>
           <a:p>
             <a:fld id="{48A87A34-81AB-432B-8DAE-1953F412C126}" type="datetimeFigureOut">
-              <a:rPr lang="en-US" dirty="0"/>
-              <a:t>3/28/2019</a:t>
+              <a:rPr lang="en-US" smtClean="0"/>
+              <a:t>4/1/2019</a:t>
             </a:fld>
             <a:endParaRPr lang="en-US" dirty="0"/>
           </a:p>
@@ -8383,7 +8494,7 @@
           <a:lstStyle/>
           <a:p>
             <a:fld id="{6D22F896-40B5-4ADD-8801-0D06FADFA095}" type="slidenum">
-              <a:rPr lang="en-US" dirty="0"/>
+              <a:rPr lang="en-US" smtClean="0"/>
               <a:t>‹#›</a:t>
             </a:fld>
             <a:endParaRPr lang="en-US" dirty="0"/>
@@ -8391,6 +8502,11 @@
         </p:txBody>
       </p:sp>
     </p:spTree>
+    <p:extLst>
+      <p:ext uri="{BB962C8B-B14F-4D97-AF65-F5344CB8AC3E}">
+        <p14:creationId xmlns:p14="http://schemas.microsoft.com/office/powerpoint/2010/main" val="1965718279"/>
+      </p:ext>
+    </p:extLst>
   </p:cSld>
   <p:clrMapOvr>
     <a:masterClrMapping/>
@@ -8585,8 +8701,8 @@
           <a:lstStyle/>
           <a:p>
             <a:fld id="{48A87A34-81AB-432B-8DAE-1953F412C126}" type="datetimeFigureOut">
-              <a:rPr lang="en-US" dirty="0"/>
-              <a:t>3/28/2019</a:t>
+              <a:rPr lang="en-US" smtClean="0"/>
+              <a:t>4/1/2019</a:t>
             </a:fld>
             <a:endParaRPr lang="en-US" dirty="0"/>
           </a:p>
@@ -8627,7 +8743,7 @@
           <a:lstStyle/>
           <a:p>
             <a:fld id="{6D22F896-40B5-4ADD-8801-0D06FADFA095}" type="slidenum">
-              <a:rPr lang="en-US" dirty="0"/>
+              <a:rPr lang="en-US" smtClean="0"/>
               <a:t>‹#›</a:t>
             </a:fld>
             <a:endParaRPr lang="en-US" dirty="0"/>
@@ -8635,6 +8751,11 @@
         </p:txBody>
       </p:sp>
     </p:spTree>
+    <p:extLst>
+      <p:ext uri="{BB962C8B-B14F-4D97-AF65-F5344CB8AC3E}">
+        <p14:creationId xmlns:p14="http://schemas.microsoft.com/office/powerpoint/2010/main" val="478980940"/>
+      </p:ext>
+    </p:extLst>
   </p:cSld>
   <p:clrMapOvr>
     <a:masterClrMapping/>
@@ -8860,8 +8981,8 @@
           <a:lstStyle/>
           <a:p>
             <a:fld id="{48A87A34-81AB-432B-8DAE-1953F412C126}" type="datetimeFigureOut">
-              <a:rPr lang="en-US" dirty="0"/>
-              <a:t>3/28/2019</a:t>
+              <a:rPr lang="en-US" smtClean="0"/>
+              <a:t>4/1/2019</a:t>
             </a:fld>
             <a:endParaRPr lang="en-US" dirty="0"/>
           </a:p>
@@ -8902,7 +9023,7 @@
           <a:lstStyle/>
           <a:p>
             <a:fld id="{6D22F896-40B5-4ADD-8801-0D06FADFA095}" type="slidenum">
-              <a:rPr lang="en-US" dirty="0"/>
+              <a:rPr lang="en-US" smtClean="0"/>
               <a:t>‹#›</a:t>
             </a:fld>
             <a:endParaRPr lang="en-US" dirty="0"/>
@@ -8910,6 +9031,11 @@
         </p:txBody>
       </p:sp>
     </p:spTree>
+    <p:extLst>
+      <p:ext uri="{BB962C8B-B14F-4D97-AF65-F5344CB8AC3E}">
+        <p14:creationId xmlns:p14="http://schemas.microsoft.com/office/powerpoint/2010/main" val="1827556109"/>
+      </p:ext>
+    </p:extLst>
   </p:cSld>
   <p:clrMapOvr>
     <a:masterClrMapping/>
@@ -8972,7 +9098,7 @@
           <a:noFill/>
           <a:extLst>
             <a:ext uri="{909E8E84-426E-40dd-AFC4-6F175D3DCCD1}">
-              <a14:hiddenFill xmlns="" xmlns:a14="http://schemas.microsoft.com/office/drawing/2010/main">
+              <a14:hiddenFill xmlns:a14="http://schemas.microsoft.com/office/drawing/2010/main" xmlns="">
                 <a:solidFill>
                   <a:srgbClr val="FFFFFF"/>
                 </a:solidFill>
@@ -9046,7 +9172,7 @@
               </a:ln>
               <a:extLst>
                 <a:ext uri="{91240B29-F687-4f45-9708-019B960494DF}">
-                  <a14:hiddenLine xmlns="" xmlns:a14="http://schemas.microsoft.com/office/drawing/2010/main" w="9525">
+                  <a14:hiddenLine xmlns:a14="http://schemas.microsoft.com/office/drawing/2010/main" xmlns="" w="9525">
                     <a:solidFill>
                       <a:srgbClr val="000000"/>
                     </a:solidFill>
@@ -9136,7 +9262,7 @@
               </a:ln>
               <a:extLst>
                 <a:ext uri="{91240B29-F687-4f45-9708-019B960494DF}">
-                  <a14:hiddenLine xmlns="" xmlns:a14="http://schemas.microsoft.com/office/drawing/2010/main" w="9525">
+                  <a14:hiddenLine xmlns:a14="http://schemas.microsoft.com/office/drawing/2010/main" xmlns="" w="9525">
                     <a:solidFill>
                       <a:srgbClr val="000000"/>
                     </a:solidFill>
@@ -9226,7 +9352,7 @@
               </a:ln>
               <a:extLst>
                 <a:ext uri="{91240B29-F687-4f45-9708-019B960494DF}">
-                  <a14:hiddenLine xmlns="" xmlns:a14="http://schemas.microsoft.com/office/drawing/2010/main" w="9525">
+                  <a14:hiddenLine xmlns:a14="http://schemas.microsoft.com/office/drawing/2010/main" xmlns="" w="9525">
                     <a:solidFill>
                       <a:srgbClr val="000000"/>
                     </a:solidFill>
@@ -9288,7 +9414,7 @@
               </a:ln>
               <a:extLst>
                 <a:ext uri="{91240B29-F687-4f45-9708-019B960494DF}">
-                  <a14:hiddenLine xmlns="" xmlns:a14="http://schemas.microsoft.com/office/drawing/2010/main" w="9525">
+                  <a14:hiddenLine xmlns:a14="http://schemas.microsoft.com/office/drawing/2010/main" xmlns="" w="9525">
                     <a:solidFill>
                       <a:srgbClr val="000000"/>
                     </a:solidFill>
@@ -9378,7 +9504,7 @@
               </a:ln>
               <a:extLst>
                 <a:ext uri="{91240B29-F687-4f45-9708-019B960494DF}">
-                  <a14:hiddenLine xmlns="" xmlns:a14="http://schemas.microsoft.com/office/drawing/2010/main" w="9525">
+                  <a14:hiddenLine xmlns:a14="http://schemas.microsoft.com/office/drawing/2010/main" xmlns="" w="9525">
                     <a:solidFill>
                       <a:srgbClr val="000000"/>
                     </a:solidFill>
@@ -9440,7 +9566,7 @@
               </a:ln>
               <a:extLst>
                 <a:ext uri="{91240B29-F687-4f45-9708-019B960494DF}">
-                  <a14:hiddenLine xmlns="" xmlns:a14="http://schemas.microsoft.com/office/drawing/2010/main" w="9525">
+                  <a14:hiddenLine xmlns:a14="http://schemas.microsoft.com/office/drawing/2010/main" xmlns="" w="9525">
                     <a:solidFill>
                       <a:srgbClr val="000000"/>
                     </a:solidFill>
@@ -9502,7 +9628,7 @@
               </a:ln>
               <a:extLst>
                 <a:ext uri="{91240B29-F687-4f45-9708-019B960494DF}">
-                  <a14:hiddenLine xmlns="" xmlns:a14="http://schemas.microsoft.com/office/drawing/2010/main" w="9525">
+                  <a14:hiddenLine xmlns:a14="http://schemas.microsoft.com/office/drawing/2010/main" xmlns="" w="9525">
                     <a:solidFill>
                       <a:srgbClr val="000000"/>
                     </a:solidFill>
@@ -9592,7 +9718,7 @@
               </a:ln>
               <a:extLst>
                 <a:ext uri="{91240B29-F687-4f45-9708-019B960494DF}">
-                  <a14:hiddenLine xmlns="" xmlns:a14="http://schemas.microsoft.com/office/drawing/2010/main" w="9525">
+                  <a14:hiddenLine xmlns:a14="http://schemas.microsoft.com/office/drawing/2010/main" xmlns="" w="9525">
                     <a:solidFill>
                       <a:srgbClr val="000000"/>
                     </a:solidFill>
@@ -9682,7 +9808,7 @@
               </a:ln>
               <a:extLst>
                 <a:ext uri="{91240B29-F687-4f45-9708-019B960494DF}">
-                  <a14:hiddenLine xmlns="" xmlns:a14="http://schemas.microsoft.com/office/drawing/2010/main" w="9525">
+                  <a14:hiddenLine xmlns:a14="http://schemas.microsoft.com/office/drawing/2010/main" xmlns="" w="9525">
                     <a:solidFill>
                       <a:srgbClr val="000000"/>
                     </a:solidFill>
@@ -9744,7 +9870,7 @@
               </a:ln>
               <a:extLst>
                 <a:ext uri="{91240B29-F687-4f45-9708-019B960494DF}">
-                  <a14:hiddenLine xmlns="" xmlns:a14="http://schemas.microsoft.com/office/drawing/2010/main" w="9525">
+                  <a14:hiddenLine xmlns:a14="http://schemas.microsoft.com/office/drawing/2010/main" xmlns="" w="9525">
                     <a:solidFill>
                       <a:srgbClr val="000000"/>
                     </a:solidFill>
@@ -9854,7 +9980,7 @@
               </a:ln>
               <a:extLst>
                 <a:ext uri="{91240B29-F687-4f45-9708-019B960494DF}">
-                  <a14:hiddenLine xmlns="" xmlns:a14="http://schemas.microsoft.com/office/drawing/2010/main" w="9525">
+                  <a14:hiddenLine xmlns:a14="http://schemas.microsoft.com/office/drawing/2010/main" xmlns="" w="9525">
                     <a:solidFill>
                       <a:srgbClr val="000000"/>
                     </a:solidFill>
@@ -9938,7 +10064,7 @@
               </a:ln>
               <a:extLst>
                 <a:ext uri="{91240B29-F687-4f45-9708-019B960494DF}">
-                  <a14:hiddenLine xmlns="" xmlns:a14="http://schemas.microsoft.com/office/drawing/2010/main" w="9525">
+                  <a14:hiddenLine xmlns:a14="http://schemas.microsoft.com/office/drawing/2010/main" xmlns="" w="9525">
                     <a:solidFill>
                       <a:srgbClr val="000000"/>
                     </a:solidFill>
@@ -10000,7 +10126,7 @@
               </a:ln>
               <a:extLst>
                 <a:ext uri="{91240B29-F687-4f45-9708-019B960494DF}">
-                  <a14:hiddenLine xmlns="" xmlns:a14="http://schemas.microsoft.com/office/drawing/2010/main" w="9525">
+                  <a14:hiddenLine xmlns:a14="http://schemas.microsoft.com/office/drawing/2010/main" xmlns="" w="9525">
                     <a:solidFill>
                       <a:srgbClr val="000000"/>
                     </a:solidFill>
@@ -10062,7 +10188,7 @@
               </a:ln>
               <a:extLst>
                 <a:ext uri="{91240B29-F687-4f45-9708-019B960494DF}">
-                  <a14:hiddenLine xmlns="" xmlns:a14="http://schemas.microsoft.com/office/drawing/2010/main" w="9525">
+                  <a14:hiddenLine xmlns:a14="http://schemas.microsoft.com/office/drawing/2010/main" xmlns="" w="9525">
                     <a:solidFill>
                       <a:srgbClr val="000000"/>
                     </a:solidFill>
@@ -10152,7 +10278,7 @@
               </a:ln>
               <a:extLst>
                 <a:ext uri="{91240B29-F687-4f45-9708-019B960494DF}">
-                  <a14:hiddenLine xmlns="" xmlns:a14="http://schemas.microsoft.com/office/drawing/2010/main" w="9525">
+                  <a14:hiddenLine xmlns:a14="http://schemas.microsoft.com/office/drawing/2010/main" xmlns="" w="9525">
                     <a:solidFill>
                       <a:srgbClr val="000000"/>
                     </a:solidFill>
@@ -10186,7 +10312,7 @@
               </a:ln>
               <a:extLst>
                 <a:ext uri="{91240B29-F687-4f45-9708-019B960494DF}">
-                  <a14:hiddenLine xmlns="" xmlns:a14="http://schemas.microsoft.com/office/drawing/2010/main" w="9525">
+                  <a14:hiddenLine xmlns:a14="http://schemas.microsoft.com/office/drawing/2010/main" xmlns="" w="9525">
                     <a:solidFill>
                       <a:srgbClr val="000000"/>
                     </a:solidFill>
@@ -10251,7 +10377,7 @@
               </a:ln>
               <a:extLst>
                 <a:ext uri="{91240B29-F687-4f45-9708-019B960494DF}">
-                  <a14:hiddenLine xmlns="" xmlns:a14="http://schemas.microsoft.com/office/drawing/2010/main" w="9525">
+                  <a14:hiddenLine xmlns:a14="http://schemas.microsoft.com/office/drawing/2010/main" xmlns="" w="9525">
                     <a:solidFill>
                       <a:srgbClr val="000000"/>
                     </a:solidFill>
@@ -10341,7 +10467,7 @@
               </a:ln>
               <a:extLst>
                 <a:ext uri="{91240B29-F687-4f45-9708-019B960494DF}">
-                  <a14:hiddenLine xmlns="" xmlns:a14="http://schemas.microsoft.com/office/drawing/2010/main" w="9525">
+                  <a14:hiddenLine xmlns:a14="http://schemas.microsoft.com/office/drawing/2010/main" xmlns="" w="9525">
                     <a:solidFill>
                       <a:srgbClr val="000000"/>
                     </a:solidFill>
@@ -10403,7 +10529,7 @@
               </a:ln>
               <a:extLst>
                 <a:ext uri="{91240B29-F687-4f45-9708-019B960494DF}">
-                  <a14:hiddenLine xmlns="" xmlns:a14="http://schemas.microsoft.com/office/drawing/2010/main" w="9525">
+                  <a14:hiddenLine xmlns:a14="http://schemas.microsoft.com/office/drawing/2010/main" xmlns="" w="9525">
                     <a:solidFill>
                       <a:srgbClr val="000000"/>
                     </a:solidFill>
@@ -10493,7 +10619,7 @@
               </a:ln>
               <a:extLst>
                 <a:ext uri="{91240B29-F687-4f45-9708-019B960494DF}">
-                  <a14:hiddenLine xmlns="" xmlns:a14="http://schemas.microsoft.com/office/drawing/2010/main" w="9525">
+                  <a14:hiddenLine xmlns:a14="http://schemas.microsoft.com/office/drawing/2010/main" xmlns="" w="9525">
                     <a:solidFill>
                       <a:srgbClr val="000000"/>
                     </a:solidFill>
@@ -10558,7 +10684,7 @@
               </a:ln>
               <a:extLst>
                 <a:ext uri="{91240B29-F687-4f45-9708-019B960494DF}">
-                  <a14:hiddenLine xmlns="" xmlns:a14="http://schemas.microsoft.com/office/drawing/2010/main" w="9525">
+                  <a14:hiddenLine xmlns:a14="http://schemas.microsoft.com/office/drawing/2010/main" xmlns="" w="9525">
                     <a:solidFill>
                       <a:srgbClr val="000000"/>
                     </a:solidFill>
@@ -10620,7 +10746,7 @@
               </a:ln>
               <a:extLst>
                 <a:ext uri="{91240B29-F687-4f45-9708-019B960494DF}">
-                  <a14:hiddenLine xmlns="" xmlns:a14="http://schemas.microsoft.com/office/drawing/2010/main" w="9525">
+                  <a14:hiddenLine xmlns:a14="http://schemas.microsoft.com/office/drawing/2010/main" xmlns="" w="9525">
                     <a:solidFill>
                       <a:srgbClr val="000000"/>
                     </a:solidFill>
@@ -10710,7 +10836,7 @@
               </a:ln>
               <a:extLst>
                 <a:ext uri="{91240B29-F687-4f45-9708-019B960494DF}">
-                  <a14:hiddenLine xmlns="" xmlns:a14="http://schemas.microsoft.com/office/drawing/2010/main" w="9525">
+                  <a14:hiddenLine xmlns:a14="http://schemas.microsoft.com/office/drawing/2010/main" xmlns="" w="9525">
                     <a:solidFill>
                       <a:srgbClr val="000000"/>
                     </a:solidFill>
@@ -10800,7 +10926,7 @@
               </a:ln>
               <a:extLst>
                 <a:ext uri="{91240B29-F687-4f45-9708-019B960494DF}">
-                  <a14:hiddenLine xmlns="" xmlns:a14="http://schemas.microsoft.com/office/drawing/2010/main" w="9525">
+                  <a14:hiddenLine xmlns:a14="http://schemas.microsoft.com/office/drawing/2010/main" xmlns="" w="9525">
                     <a:solidFill>
                       <a:srgbClr val="000000"/>
                     </a:solidFill>
@@ -10865,7 +10991,7 @@
               </a:ln>
               <a:extLst>
                 <a:ext uri="{91240B29-F687-4f45-9708-019B960494DF}">
-                  <a14:hiddenLine xmlns="" xmlns:a14="http://schemas.microsoft.com/office/drawing/2010/main" w="9525">
+                  <a14:hiddenLine xmlns:a14="http://schemas.microsoft.com/office/drawing/2010/main" xmlns="" w="9525">
                     <a:solidFill>
                       <a:srgbClr val="000000"/>
                     </a:solidFill>
@@ -10985,7 +11111,7 @@
               </a:ln>
               <a:extLst>
                 <a:ext uri="{91240B29-F687-4f45-9708-019B960494DF}">
-                  <a14:hiddenLine xmlns="" xmlns:a14="http://schemas.microsoft.com/office/drawing/2010/main" w="9525">
+                  <a14:hiddenLine xmlns:a14="http://schemas.microsoft.com/office/drawing/2010/main" xmlns="" w="9525">
                     <a:solidFill>
                       <a:srgbClr val="000000"/>
                     </a:solidFill>
@@ -11083,7 +11209,7 @@
               </a:ln>
               <a:extLst>
                 <a:ext uri="{91240B29-F687-4f45-9708-019B960494DF}">
-                  <a14:hiddenLine xmlns="" xmlns:a14="http://schemas.microsoft.com/office/drawing/2010/main" w="9525">
+                  <a14:hiddenLine xmlns:a14="http://schemas.microsoft.com/office/drawing/2010/main" xmlns="" w="9525">
                     <a:solidFill>
                       <a:srgbClr val="000000"/>
                     </a:solidFill>
@@ -11198,7 +11324,7 @@
               </a:ln>
               <a:extLst>
                 <a:ext uri="{91240B29-F687-4f45-9708-019B960494DF}">
-                  <a14:hiddenLine xmlns="" xmlns:a14="http://schemas.microsoft.com/office/drawing/2010/main" w="9525">
+                  <a14:hiddenLine xmlns:a14="http://schemas.microsoft.com/office/drawing/2010/main" xmlns="" w="9525">
                     <a:solidFill>
                       <a:srgbClr val="000000"/>
                     </a:solidFill>
@@ -11288,7 +11414,7 @@
               </a:ln>
               <a:extLst>
                 <a:ext uri="{91240B29-F687-4f45-9708-019B960494DF}">
-                  <a14:hiddenLine xmlns="" xmlns:a14="http://schemas.microsoft.com/office/drawing/2010/main" w="9525">
+                  <a14:hiddenLine xmlns:a14="http://schemas.microsoft.com/office/drawing/2010/main" xmlns="" w="9525">
                     <a:solidFill>
                       <a:srgbClr val="000000"/>
                     </a:solidFill>
@@ -11353,7 +11479,7 @@
               </a:ln>
               <a:extLst>
                 <a:ext uri="{91240B29-F687-4f45-9708-019B960494DF}">
-                  <a14:hiddenLine xmlns="" xmlns:a14="http://schemas.microsoft.com/office/drawing/2010/main" w="9525">
+                  <a14:hiddenLine xmlns:a14="http://schemas.microsoft.com/office/drawing/2010/main" xmlns="" w="9525">
                     <a:solidFill>
                       <a:srgbClr val="000000"/>
                     </a:solidFill>
@@ -11443,7 +11569,7 @@
               </a:ln>
               <a:extLst>
                 <a:ext uri="{91240B29-F687-4f45-9708-019B960494DF}">
-                  <a14:hiddenLine xmlns="" xmlns:a14="http://schemas.microsoft.com/office/drawing/2010/main" w="9525">
+                  <a14:hiddenLine xmlns:a14="http://schemas.microsoft.com/office/drawing/2010/main" xmlns="" w="9525">
                     <a:solidFill>
                       <a:srgbClr val="000000"/>
                     </a:solidFill>
@@ -11511,7 +11637,7 @@
               </a:ln>
               <a:extLst>
                 <a:ext uri="{91240B29-F687-4f45-9708-019B960494DF}">
-                  <a14:hiddenLine xmlns="" xmlns:a14="http://schemas.microsoft.com/office/drawing/2010/main" w="9525">
+                  <a14:hiddenLine xmlns:a14="http://schemas.microsoft.com/office/drawing/2010/main" xmlns="" w="9525">
                     <a:solidFill>
                       <a:srgbClr val="000000"/>
                     </a:solidFill>
@@ -11601,7 +11727,7 @@
               </a:ln>
               <a:extLst>
                 <a:ext uri="{91240B29-F687-4f45-9708-019B960494DF}">
-                  <a14:hiddenLine xmlns="" xmlns:a14="http://schemas.microsoft.com/office/drawing/2010/main" w="9525">
+                  <a14:hiddenLine xmlns:a14="http://schemas.microsoft.com/office/drawing/2010/main" xmlns="" w="9525">
                     <a:solidFill>
                       <a:srgbClr val="000000"/>
                     </a:solidFill>
@@ -11669,7 +11795,7 @@
               </a:ln>
               <a:extLst>
                 <a:ext uri="{91240B29-F687-4f45-9708-019B960494DF}">
-                  <a14:hiddenLine xmlns="" xmlns:a14="http://schemas.microsoft.com/office/drawing/2010/main" w="9525">
+                  <a14:hiddenLine xmlns:a14="http://schemas.microsoft.com/office/drawing/2010/main" xmlns="" w="9525">
                     <a:solidFill>
                       <a:srgbClr val="000000"/>
                     </a:solidFill>
@@ -11759,7 +11885,7 @@
               </a:ln>
               <a:extLst>
                 <a:ext uri="{91240B29-F687-4f45-9708-019B960494DF}">
-                  <a14:hiddenLine xmlns="" xmlns:a14="http://schemas.microsoft.com/office/drawing/2010/main" w="9525">
+                  <a14:hiddenLine xmlns:a14="http://schemas.microsoft.com/office/drawing/2010/main" xmlns="" w="9525">
                     <a:solidFill>
                       <a:srgbClr val="000000"/>
                     </a:solidFill>
@@ -11793,7 +11919,7 @@
               </a:ln>
               <a:extLst>
                 <a:ext uri="{91240B29-F687-4f45-9708-019B960494DF}">
-                  <a14:hiddenLine xmlns="" xmlns:a14="http://schemas.microsoft.com/office/drawing/2010/main" w="9525">
+                  <a14:hiddenLine xmlns:a14="http://schemas.microsoft.com/office/drawing/2010/main" xmlns="" w="9525">
                     <a:solidFill>
                       <a:srgbClr val="000000"/>
                     </a:solidFill>
@@ -11932,9 +12058,9 @@
           </a:lstStyle>
           <a:p>
             <a:fld id="{48A87A34-81AB-432B-8DAE-1953F412C126}" type="datetimeFigureOut">
-              <a:rPr lang="en-US" dirty="0"/>
+              <a:rPr lang="en-US" smtClean="0"/>
               <a:pPr/>
-              <a:t>3/28/2019</a:t>
+              <a:t>4/1/2019</a:t>
             </a:fld>
             <a:endParaRPr lang="en-US" dirty="0"/>
           </a:p>
@@ -12011,7 +12137,7 @@
           </a:lstStyle>
           <a:p>
             <a:fld id="{6D22F896-40B5-4ADD-8801-0D06FADFA095}" type="slidenum">
-              <a:rPr lang="en-US" dirty="0"/>
+              <a:rPr lang="en-US" smtClean="0"/>
               <a:pPr/>
               <a:t>‹#›</a:t>
             </a:fld>
@@ -12020,26 +12146,31 @@
         </p:txBody>
       </p:sp>
     </p:spTree>
+    <p:extLst>
+      <p:ext uri="{BB962C8B-B14F-4D97-AF65-F5344CB8AC3E}">
+        <p14:creationId xmlns:p14="http://schemas.microsoft.com/office/powerpoint/2010/main" val="2120544051"/>
+      </p:ext>
+    </p:extLst>
   </p:cSld>
   <p:clrMap bg1="dk1" tx1="lt1" bg2="dk2" tx2="lt2" accent1="accent1" accent2="accent2" accent3="accent3" accent4="accent4" accent5="accent5" accent6="accent6" hlink="hlink" folHlink="folHlink"/>
   <p:sldLayoutIdLst>
-    <p:sldLayoutId id="2147483649" r:id="rId1"/>
-    <p:sldLayoutId id="2147483650" r:id="rId2"/>
-    <p:sldLayoutId id="2147483651" r:id="rId3"/>
-    <p:sldLayoutId id="2147483652" r:id="rId4"/>
-    <p:sldLayoutId id="2147483653" r:id="rId5"/>
-    <p:sldLayoutId id="2147483654" r:id="rId6"/>
-    <p:sldLayoutId id="2147483655" r:id="rId7"/>
-    <p:sldLayoutId id="2147483656" r:id="rId8"/>
-    <p:sldLayoutId id="2147483657" r:id="rId9"/>
-    <p:sldLayoutId id="2147483660" r:id="rId10"/>
-    <p:sldLayoutId id="2147483661" r:id="rId11"/>
-    <p:sldLayoutId id="2147483666" r:id="rId12"/>
-    <p:sldLayoutId id="2147483663" r:id="rId13"/>
-    <p:sldLayoutId id="2147483667" r:id="rId14"/>
-    <p:sldLayoutId id="2147483668" r:id="rId15"/>
-    <p:sldLayoutId id="2147483658" r:id="rId16"/>
-    <p:sldLayoutId id="2147483659" r:id="rId17"/>
+    <p:sldLayoutId id="2147483724" r:id="rId1"/>
+    <p:sldLayoutId id="2147483725" r:id="rId2"/>
+    <p:sldLayoutId id="2147483726" r:id="rId3"/>
+    <p:sldLayoutId id="2147483727" r:id="rId4"/>
+    <p:sldLayoutId id="2147483728" r:id="rId5"/>
+    <p:sldLayoutId id="2147483729" r:id="rId6"/>
+    <p:sldLayoutId id="2147483730" r:id="rId7"/>
+    <p:sldLayoutId id="2147483731" r:id="rId8"/>
+    <p:sldLayoutId id="2147483732" r:id="rId9"/>
+    <p:sldLayoutId id="2147483733" r:id="rId10"/>
+    <p:sldLayoutId id="2147483734" r:id="rId11"/>
+    <p:sldLayoutId id="2147483735" r:id="rId12"/>
+    <p:sldLayoutId id="2147483736" r:id="rId13"/>
+    <p:sldLayoutId id="2147483737" r:id="rId14"/>
+    <p:sldLayoutId id="2147483738" r:id="rId15"/>
+    <p:sldLayoutId id="2147483739" r:id="rId16"/>
+    <p:sldLayoutId id="2147483740" r:id="rId17"/>
   </p:sldLayoutIdLst>
   <p:txStyles>
     <p:titleStyle>
@@ -12462,10 +12593,10 @@
       </p:sp>
       <p:pic>
         <p:nvPicPr>
-          <p:cNvPr id="5" name="Picture 4">
+          <p:cNvPr id="6" name="Picture 5">
             <a:extLst>
               <a:ext uri="{FF2B5EF4-FFF2-40B4-BE49-F238E27FC236}">
-                <a16:creationId xmlns:a16="http://schemas.microsoft.com/office/drawing/2014/main" id="{ACE8A625-4F82-4D2A-9899-A3ED6FA070E2}"/>
+                <a16:creationId xmlns:a16="http://schemas.microsoft.com/office/drawing/2014/main" id="{362655FC-AE77-4983-A7B8-874042582093}"/>
               </a:ext>
             </a:extLst>
           </p:cNvPr>
@@ -12482,8 +12613,8 @@
         </p:blipFill>
         <p:spPr>
           <a:xfrm>
-            <a:off x="4013200" y="1355725"/>
-            <a:ext cx="4587875" cy="3061667"/>
+            <a:off x="4157553" y="1352240"/>
+            <a:ext cx="4425914" cy="3315010"/>
           </a:xfrm>
           <a:prstGeom prst="rect">
             <a:avLst/>
@@ -12494,6 +12625,986 @@
     <p:extLst>
       <p:ext uri="{BB962C8B-B14F-4D97-AF65-F5344CB8AC3E}">
         <p14:creationId xmlns:p14="http://schemas.microsoft.com/office/powerpoint/2010/main" val="2219806447"/>
+      </p:ext>
+    </p:extLst>
+  </p:cSld>
+  <p:clrMapOvr>
+    <a:masterClrMapping/>
+  </p:clrMapOvr>
+</p:sld>
+</file>
+
+<file path=ppt/slides/slide10.xml><?xml version="1.0" encoding="utf-8"?>
+<p:sld xmlns:a="http://schemas.openxmlformats.org/drawingml/2006/main" xmlns:r="http://schemas.openxmlformats.org/officeDocument/2006/relationships" xmlns:p="http://schemas.openxmlformats.org/presentationml/2006/main">
+  <p:cSld>
+    <p:spTree>
+      <p:nvGrpSpPr>
+        <p:cNvPr id="1" name=""/>
+        <p:cNvGrpSpPr/>
+        <p:nvPr/>
+      </p:nvGrpSpPr>
+      <p:grpSpPr>
+        <a:xfrm>
+          <a:off x="0" y="0"/>
+          <a:ext cx="0" cy="0"/>
+          <a:chOff x="0" y="0"/>
+          <a:chExt cx="0" cy="0"/>
+        </a:xfrm>
+      </p:grpSpPr>
+      <p:sp>
+        <p:nvSpPr>
+          <p:cNvPr id="2" name="Title 1">
+            <a:extLst>
+              <a:ext uri="{FF2B5EF4-FFF2-40B4-BE49-F238E27FC236}">
+                <a16:creationId xmlns:a16="http://schemas.microsoft.com/office/drawing/2014/main" id="{A3740691-7912-4AB3-B11F-554D10EED576}"/>
+              </a:ext>
+            </a:extLst>
+          </p:cNvPr>
+          <p:cNvSpPr>
+            <a:spLocks noGrp="1"/>
+          </p:cNvSpPr>
+          <p:nvPr>
+            <p:ph type="title"/>
+          </p:nvPr>
+        </p:nvSpPr>
+        <p:spPr>
+          <a:xfrm>
+            <a:off x="1141413" y="180368"/>
+            <a:ext cx="9905998" cy="1124557"/>
+          </a:xfrm>
+        </p:spPr>
+        <p:txBody>
+          <a:bodyPr/>
+          <a:lstStyle/>
+          <a:p>
+            <a:r>
+              <a:rPr lang="en-US" dirty="0"/>
+              <a:t>Gantt Chart</a:t>
+            </a:r>
+          </a:p>
+        </p:txBody>
+      </p:sp>
+      <p:pic>
+        <p:nvPicPr>
+          <p:cNvPr id="5" name="Content Placeholder 4">
+            <a:extLst>
+              <a:ext uri="{FF2B5EF4-FFF2-40B4-BE49-F238E27FC236}">
+                <a16:creationId xmlns:a16="http://schemas.microsoft.com/office/drawing/2014/main" id="{106D05EE-6E62-4F2F-8A26-D09D8AC82B0D}"/>
+              </a:ext>
+            </a:extLst>
+          </p:cNvPr>
+          <p:cNvPicPr>
+            <a:picLocks noGrp="1" noChangeAspect="1"/>
+          </p:cNvPicPr>
+          <p:nvPr>
+            <p:ph idx="1"/>
+          </p:nvPr>
+        </p:nvPicPr>
+        <p:blipFill>
+          <a:blip r:embed="rId2"/>
+          <a:stretch>
+            <a:fillRect/>
+          </a:stretch>
+        </p:blipFill>
+        <p:spPr>
+          <a:xfrm>
+            <a:off x="1141412" y="1047749"/>
+            <a:ext cx="10002837" cy="5438775"/>
+          </a:xfrm>
+        </p:spPr>
+      </p:pic>
+    </p:spTree>
+    <p:extLst>
+      <p:ext uri="{BB962C8B-B14F-4D97-AF65-F5344CB8AC3E}">
+        <p14:creationId xmlns:p14="http://schemas.microsoft.com/office/powerpoint/2010/main" val="3006045755"/>
+      </p:ext>
+    </p:extLst>
+  </p:cSld>
+  <p:clrMapOvr>
+    <a:masterClrMapping/>
+  </p:clrMapOvr>
+</p:sld>
+</file>
+
+<file path=ppt/slides/slide11.xml><?xml version="1.0" encoding="utf-8"?>
+<p:sld xmlns:a="http://schemas.openxmlformats.org/drawingml/2006/main" xmlns:r="http://schemas.openxmlformats.org/officeDocument/2006/relationships" xmlns:p="http://schemas.openxmlformats.org/presentationml/2006/main">
+  <p:cSld>
+    <p:spTree>
+      <p:nvGrpSpPr>
+        <p:cNvPr id="1" name=""/>
+        <p:cNvGrpSpPr/>
+        <p:nvPr/>
+      </p:nvGrpSpPr>
+      <p:grpSpPr>
+        <a:xfrm>
+          <a:off x="0" y="0"/>
+          <a:ext cx="0" cy="0"/>
+          <a:chOff x="0" y="0"/>
+          <a:chExt cx="0" cy="0"/>
+        </a:xfrm>
+      </p:grpSpPr>
+      <p:sp>
+        <p:nvSpPr>
+          <p:cNvPr id="2" name="Title 1">
+            <a:extLst>
+              <a:ext uri="{FF2B5EF4-FFF2-40B4-BE49-F238E27FC236}">
+                <a16:creationId xmlns:a16="http://schemas.microsoft.com/office/drawing/2014/main" id="{C51F0BF3-C97B-4885-8AF3-7F7596707C91}"/>
+              </a:ext>
+            </a:extLst>
+          </p:cNvPr>
+          <p:cNvSpPr>
+            <a:spLocks noGrp="1"/>
+          </p:cNvSpPr>
+          <p:nvPr>
+            <p:ph type="title"/>
+          </p:nvPr>
+        </p:nvSpPr>
+        <p:spPr>
+          <a:xfrm>
+            <a:off x="1141413" y="327514"/>
+            <a:ext cx="9905998" cy="1063136"/>
+          </a:xfrm>
+        </p:spPr>
+        <p:txBody>
+          <a:bodyPr/>
+          <a:lstStyle/>
+          <a:p>
+            <a:r>
+              <a:rPr lang="en-US" dirty="0"/>
+              <a:t>Scheduling</a:t>
+            </a:r>
+          </a:p>
+        </p:txBody>
+      </p:sp>
+      <p:pic>
+        <p:nvPicPr>
+          <p:cNvPr id="5" name="Content Placeholder 4">
+            <a:extLst>
+              <a:ext uri="{FF2B5EF4-FFF2-40B4-BE49-F238E27FC236}">
+                <a16:creationId xmlns:a16="http://schemas.microsoft.com/office/drawing/2014/main" id="{B9F26F95-104B-4FC8-8580-DEAF498E587C}"/>
+              </a:ext>
+            </a:extLst>
+          </p:cNvPr>
+          <p:cNvPicPr>
+            <a:picLocks noGrp="1" noChangeAspect="1"/>
+          </p:cNvPicPr>
+          <p:nvPr>
+            <p:ph idx="1"/>
+          </p:nvPr>
+        </p:nvPicPr>
+        <p:blipFill>
+          <a:blip r:embed="rId2"/>
+          <a:stretch>
+            <a:fillRect/>
+          </a:stretch>
+        </p:blipFill>
+        <p:spPr>
+          <a:xfrm>
+            <a:off x="1362076" y="1190626"/>
+            <a:ext cx="8220074" cy="5339860"/>
+          </a:xfrm>
+        </p:spPr>
+      </p:pic>
+    </p:spTree>
+    <p:extLst>
+      <p:ext uri="{BB962C8B-B14F-4D97-AF65-F5344CB8AC3E}">
+        <p14:creationId xmlns:p14="http://schemas.microsoft.com/office/powerpoint/2010/main" val="1613813923"/>
+      </p:ext>
+    </p:extLst>
+  </p:cSld>
+  <p:clrMapOvr>
+    <a:masterClrMapping/>
+  </p:clrMapOvr>
+</p:sld>
+</file>
+
+<file path=ppt/slides/slide12.xml><?xml version="1.0" encoding="utf-8"?>
+<p:sld xmlns:a="http://schemas.openxmlformats.org/drawingml/2006/main" xmlns:r="http://schemas.openxmlformats.org/officeDocument/2006/relationships" xmlns:p="http://schemas.openxmlformats.org/presentationml/2006/main">
+  <p:cSld>
+    <p:spTree>
+      <p:nvGrpSpPr>
+        <p:cNvPr id="1" name=""/>
+        <p:cNvGrpSpPr/>
+        <p:nvPr/>
+      </p:nvGrpSpPr>
+      <p:grpSpPr>
+        <a:xfrm>
+          <a:off x="0" y="0"/>
+          <a:ext cx="0" cy="0"/>
+          <a:chOff x="0" y="0"/>
+          <a:chExt cx="0" cy="0"/>
+        </a:xfrm>
+      </p:grpSpPr>
+      <p:sp>
+        <p:nvSpPr>
+          <p:cNvPr id="2" name="Title 1">
+            <a:extLst>
+              <a:ext uri="{FF2B5EF4-FFF2-40B4-BE49-F238E27FC236}">
+                <a16:creationId xmlns:a16="http://schemas.microsoft.com/office/drawing/2014/main" id="{AC4BC68A-E598-4605-94C4-56AEAA047782}"/>
+              </a:ext>
+            </a:extLst>
+          </p:cNvPr>
+          <p:cNvSpPr>
+            <a:spLocks noGrp="1"/>
+          </p:cNvSpPr>
+          <p:nvPr>
+            <p:ph type="title"/>
+          </p:nvPr>
+        </p:nvSpPr>
+        <p:spPr>
+          <a:xfrm>
+            <a:off x="1141410" y="170843"/>
+            <a:ext cx="9905998" cy="1124557"/>
+          </a:xfrm>
+        </p:spPr>
+        <p:txBody>
+          <a:bodyPr/>
+          <a:lstStyle/>
+          <a:p>
+            <a:r>
+              <a:rPr lang="en-US" dirty="0"/>
+              <a:t>Waterfall methodology</a:t>
+            </a:r>
+          </a:p>
+        </p:txBody>
+      </p:sp>
+      <p:sp>
+        <p:nvSpPr>
+          <p:cNvPr id="3" name="Content Placeholder 2">
+            <a:extLst>
+              <a:ext uri="{FF2B5EF4-FFF2-40B4-BE49-F238E27FC236}">
+                <a16:creationId xmlns:a16="http://schemas.microsoft.com/office/drawing/2014/main" id="{9CE0A39C-FB26-4FCB-A831-E10C1CFFD9DE}"/>
+              </a:ext>
+            </a:extLst>
+          </p:cNvPr>
+          <p:cNvSpPr>
+            <a:spLocks noGrp="1"/>
+          </p:cNvSpPr>
+          <p:nvPr>
+            <p:ph sz="half" idx="1"/>
+          </p:nvPr>
+        </p:nvSpPr>
+        <p:spPr>
+          <a:xfrm>
+            <a:off x="1141410" y="1072355"/>
+            <a:ext cx="4878389" cy="4713290"/>
+          </a:xfrm>
+        </p:spPr>
+        <p:txBody>
+          <a:bodyPr>
+            <a:normAutofit/>
+          </a:bodyPr>
+          <a:lstStyle/>
+          <a:p>
+            <a:r>
+              <a:rPr lang="en-US" dirty="0">
+                <a:latin typeface="Arial" panose="020B0604020202020204" pitchFamily="34" charset="0"/>
+                <a:cs typeface="Arial" panose="020B0604020202020204" pitchFamily="34" charset="0"/>
+              </a:rPr>
+              <a:t>It is linear-sequential software development model in which development is seen as flowing steadily downwards like a waterfall through phases.</a:t>
+            </a:r>
+          </a:p>
+          <a:p>
+            <a:r>
+              <a:rPr lang="en-US" dirty="0">
+                <a:latin typeface="Arial" panose="020B0604020202020204" pitchFamily="34" charset="0"/>
+                <a:cs typeface="Arial" panose="020B0604020202020204" pitchFamily="34" charset="0"/>
+              </a:rPr>
+              <a:t>Each phase must be completed before beginning another phase.</a:t>
+            </a:r>
+          </a:p>
+        </p:txBody>
+      </p:sp>
+      <p:pic>
+        <p:nvPicPr>
+          <p:cNvPr id="6" name="Content Placeholder 5">
+            <a:extLst>
+              <a:ext uri="{FF2B5EF4-FFF2-40B4-BE49-F238E27FC236}">
+                <a16:creationId xmlns:a16="http://schemas.microsoft.com/office/drawing/2014/main" id="{97A5EFD5-0BD0-4738-909D-A8E38E40924A}"/>
+              </a:ext>
+            </a:extLst>
+          </p:cNvPr>
+          <p:cNvPicPr>
+            <a:picLocks noGrp="1" noChangeAspect="1"/>
+          </p:cNvPicPr>
+          <p:nvPr>
+            <p:ph sz="half" idx="2"/>
+          </p:nvPr>
+        </p:nvPicPr>
+        <p:blipFill>
+          <a:blip r:embed="rId2"/>
+          <a:stretch>
+            <a:fillRect/>
+          </a:stretch>
+        </p:blipFill>
+        <p:spPr>
+          <a:xfrm>
+            <a:off x="6172203" y="1072355"/>
+            <a:ext cx="4746106" cy="4838700"/>
+          </a:xfrm>
+        </p:spPr>
+      </p:pic>
+    </p:spTree>
+    <p:extLst>
+      <p:ext uri="{BB962C8B-B14F-4D97-AF65-F5344CB8AC3E}">
+        <p14:creationId xmlns:p14="http://schemas.microsoft.com/office/powerpoint/2010/main" val="2400934173"/>
+      </p:ext>
+    </p:extLst>
+  </p:cSld>
+  <p:clrMapOvr>
+    <a:masterClrMapping/>
+  </p:clrMapOvr>
+</p:sld>
+</file>
+
+<file path=ppt/slides/slide13.xml><?xml version="1.0" encoding="utf-8"?>
+<p:sld xmlns:a="http://schemas.openxmlformats.org/drawingml/2006/main" xmlns:r="http://schemas.openxmlformats.org/officeDocument/2006/relationships" xmlns:p="http://schemas.openxmlformats.org/presentationml/2006/main">
+  <p:cSld>
+    <p:spTree>
+      <p:nvGrpSpPr>
+        <p:cNvPr id="1" name=""/>
+        <p:cNvGrpSpPr/>
+        <p:nvPr/>
+      </p:nvGrpSpPr>
+      <p:grpSpPr>
+        <a:xfrm>
+          <a:off x="0" y="0"/>
+          <a:ext cx="0" cy="0"/>
+          <a:chOff x="0" y="0"/>
+          <a:chExt cx="0" cy="0"/>
+        </a:xfrm>
+      </p:grpSpPr>
+      <p:sp>
+        <p:nvSpPr>
+          <p:cNvPr id="2" name="Title 1">
+            <a:extLst>
+              <a:ext uri="{FF2B5EF4-FFF2-40B4-BE49-F238E27FC236}">
+                <a16:creationId xmlns:a16="http://schemas.microsoft.com/office/drawing/2014/main" id="{2CCA556A-D5D9-4E59-A161-BF62EE63A8D8}"/>
+              </a:ext>
+            </a:extLst>
+          </p:cNvPr>
+          <p:cNvSpPr>
+            <a:spLocks noGrp="1"/>
+          </p:cNvSpPr>
+          <p:nvPr>
+            <p:ph type="title"/>
+          </p:nvPr>
+        </p:nvSpPr>
+        <p:spPr>
+          <a:xfrm>
+            <a:off x="1141413" y="208943"/>
+            <a:ext cx="9905998" cy="1153132"/>
+          </a:xfrm>
+        </p:spPr>
+        <p:txBody>
+          <a:bodyPr/>
+          <a:lstStyle/>
+          <a:p>
+            <a:r>
+              <a:rPr lang="en-US" dirty="0">
+                <a:latin typeface="Arial" panose="020B0604020202020204" pitchFamily="34" charset="0"/>
+                <a:cs typeface="Arial" panose="020B0604020202020204" pitchFamily="34" charset="0"/>
+              </a:rPr>
+              <a:t>Why Waterfall ?</a:t>
+            </a:r>
+          </a:p>
+        </p:txBody>
+      </p:sp>
+      <p:sp>
+        <p:nvSpPr>
+          <p:cNvPr id="3" name="Content Placeholder 2">
+            <a:extLst>
+              <a:ext uri="{FF2B5EF4-FFF2-40B4-BE49-F238E27FC236}">
+                <a16:creationId xmlns:a16="http://schemas.microsoft.com/office/drawing/2014/main" id="{70434DF5-333A-40A2-B9C4-ECD2AB4E568E}"/>
+              </a:ext>
+            </a:extLst>
+          </p:cNvPr>
+          <p:cNvSpPr>
+            <a:spLocks noGrp="1"/>
+          </p:cNvSpPr>
+          <p:nvPr>
+            <p:ph idx="1"/>
+          </p:nvPr>
+        </p:nvSpPr>
+        <p:spPr>
+          <a:xfrm>
+            <a:off x="1141413" y="1468437"/>
+            <a:ext cx="9905999" cy="3541714"/>
+          </a:xfrm>
+        </p:spPr>
+        <p:txBody>
+          <a:bodyPr/>
+          <a:lstStyle/>
+          <a:p>
+            <a:endParaRPr lang="en-US" dirty="0">
+              <a:latin typeface="Arial" panose="020B0604020202020204" pitchFamily="34" charset="0"/>
+              <a:cs typeface="Arial" panose="020B0604020202020204" pitchFamily="34" charset="0"/>
+            </a:endParaRPr>
+          </a:p>
+        </p:txBody>
+      </p:sp>
+    </p:spTree>
+    <p:extLst>
+      <p:ext uri="{BB962C8B-B14F-4D97-AF65-F5344CB8AC3E}">
+        <p14:creationId xmlns:p14="http://schemas.microsoft.com/office/powerpoint/2010/main" val="4231805142"/>
+      </p:ext>
+    </p:extLst>
+  </p:cSld>
+  <p:clrMapOvr>
+    <a:masterClrMapping/>
+  </p:clrMapOvr>
+</p:sld>
+</file>
+
+<file path=ppt/slides/slide14.xml><?xml version="1.0" encoding="utf-8"?>
+<p:sld xmlns:a="http://schemas.openxmlformats.org/drawingml/2006/main" xmlns:r="http://schemas.openxmlformats.org/officeDocument/2006/relationships" xmlns:p="http://schemas.openxmlformats.org/presentationml/2006/main">
+  <p:cSld>
+    <p:spTree>
+      <p:nvGrpSpPr>
+        <p:cNvPr id="1" name=""/>
+        <p:cNvGrpSpPr/>
+        <p:nvPr/>
+      </p:nvGrpSpPr>
+      <p:grpSpPr>
+        <a:xfrm>
+          <a:off x="0" y="0"/>
+          <a:ext cx="0" cy="0"/>
+          <a:chOff x="0" y="0"/>
+          <a:chExt cx="0" cy="0"/>
+        </a:xfrm>
+      </p:grpSpPr>
+      <p:sp>
+        <p:nvSpPr>
+          <p:cNvPr id="2" name="Title 1">
+            <a:extLst>
+              <a:ext uri="{FF2B5EF4-FFF2-40B4-BE49-F238E27FC236}">
+                <a16:creationId xmlns:a16="http://schemas.microsoft.com/office/drawing/2014/main" id="{88D14137-6208-4276-8C08-9CC2947B630E}"/>
+              </a:ext>
+            </a:extLst>
+          </p:cNvPr>
+          <p:cNvSpPr>
+            <a:spLocks noGrp="1"/>
+          </p:cNvSpPr>
+          <p:nvPr>
+            <p:ph type="title"/>
+          </p:nvPr>
+        </p:nvSpPr>
+        <p:spPr>
+          <a:xfrm>
+            <a:off x="1141410" y="313718"/>
+            <a:ext cx="9905998" cy="905482"/>
+          </a:xfrm>
+        </p:spPr>
+        <p:txBody>
+          <a:bodyPr/>
+          <a:lstStyle/>
+          <a:p>
+            <a:r>
+              <a:rPr lang="en-US" dirty="0">
+                <a:latin typeface="Arial" panose="020B0604020202020204" pitchFamily="34" charset="0"/>
+                <a:cs typeface="Arial" panose="020B0604020202020204" pitchFamily="34" charset="0"/>
+              </a:rPr>
+              <a:t>Architecture</a:t>
+            </a:r>
+          </a:p>
+        </p:txBody>
+      </p:sp>
+      <p:sp>
+        <p:nvSpPr>
+          <p:cNvPr id="3" name="Content Placeholder 2">
+            <a:extLst>
+              <a:ext uri="{FF2B5EF4-FFF2-40B4-BE49-F238E27FC236}">
+                <a16:creationId xmlns:a16="http://schemas.microsoft.com/office/drawing/2014/main" id="{9D097E65-5C92-46FA-B689-48AD83B27433}"/>
+              </a:ext>
+            </a:extLst>
+          </p:cNvPr>
+          <p:cNvSpPr>
+            <a:spLocks noGrp="1"/>
+          </p:cNvSpPr>
+          <p:nvPr>
+            <p:ph sz="half" idx="1"/>
+          </p:nvPr>
+        </p:nvSpPr>
+        <p:spPr>
+          <a:xfrm>
+            <a:off x="1141412" y="1506536"/>
+            <a:ext cx="4878389" cy="3541714"/>
+          </a:xfrm>
+        </p:spPr>
+        <p:txBody>
+          <a:bodyPr/>
+          <a:lstStyle/>
+          <a:p>
+            <a:endParaRPr lang="en-US" dirty="0">
+              <a:latin typeface="Arial" panose="020B0604020202020204" pitchFamily="34" charset="0"/>
+              <a:cs typeface="Arial" panose="020B0604020202020204" pitchFamily="34" charset="0"/>
+            </a:endParaRPr>
+          </a:p>
+        </p:txBody>
+      </p:sp>
+      <p:sp>
+        <p:nvSpPr>
+          <p:cNvPr id="4" name="Content Placeholder 3">
+            <a:extLst>
+              <a:ext uri="{FF2B5EF4-FFF2-40B4-BE49-F238E27FC236}">
+                <a16:creationId xmlns:a16="http://schemas.microsoft.com/office/drawing/2014/main" id="{437106C8-21AB-44B1-B6A0-C04B25F2AD70}"/>
+              </a:ext>
+            </a:extLst>
+          </p:cNvPr>
+          <p:cNvSpPr>
+            <a:spLocks noGrp="1"/>
+          </p:cNvSpPr>
+          <p:nvPr>
+            <p:ph sz="half" idx="2"/>
+          </p:nvPr>
+        </p:nvSpPr>
+        <p:spPr>
+          <a:xfrm>
+            <a:off x="6172197" y="1506536"/>
+            <a:ext cx="4875211" cy="3541714"/>
+          </a:xfrm>
+        </p:spPr>
+        <p:txBody>
+          <a:bodyPr/>
+          <a:lstStyle/>
+          <a:p>
+            <a:endParaRPr lang="en-US">
+              <a:latin typeface="Arial" panose="020B0604020202020204" pitchFamily="34" charset="0"/>
+              <a:cs typeface="Arial" panose="020B0604020202020204" pitchFamily="34" charset="0"/>
+            </a:endParaRPr>
+          </a:p>
+        </p:txBody>
+      </p:sp>
+    </p:spTree>
+    <p:extLst>
+      <p:ext uri="{BB962C8B-B14F-4D97-AF65-F5344CB8AC3E}">
+        <p14:creationId xmlns:p14="http://schemas.microsoft.com/office/powerpoint/2010/main" val="3950957174"/>
+      </p:ext>
+    </p:extLst>
+  </p:cSld>
+  <p:clrMapOvr>
+    <a:masterClrMapping/>
+  </p:clrMapOvr>
+</p:sld>
+</file>
+
+<file path=ppt/slides/slide15.xml><?xml version="1.0" encoding="utf-8"?>
+<p:sld xmlns:a="http://schemas.openxmlformats.org/drawingml/2006/main" xmlns:r="http://schemas.openxmlformats.org/officeDocument/2006/relationships" xmlns:p="http://schemas.openxmlformats.org/presentationml/2006/main">
+  <p:cSld>
+    <p:spTree>
+      <p:nvGrpSpPr>
+        <p:cNvPr id="1" name=""/>
+        <p:cNvGrpSpPr/>
+        <p:nvPr/>
+      </p:nvGrpSpPr>
+      <p:grpSpPr>
+        <a:xfrm>
+          <a:off x="0" y="0"/>
+          <a:ext cx="0" cy="0"/>
+          <a:chOff x="0" y="0"/>
+          <a:chExt cx="0" cy="0"/>
+        </a:xfrm>
+      </p:grpSpPr>
+      <p:sp>
+        <p:nvSpPr>
+          <p:cNvPr id="2" name="Title 1">
+            <a:extLst>
+              <a:ext uri="{FF2B5EF4-FFF2-40B4-BE49-F238E27FC236}">
+                <a16:creationId xmlns:a16="http://schemas.microsoft.com/office/drawing/2014/main" id="{E456A989-6B4B-4783-8270-BE4F090E5D15}"/>
+              </a:ext>
+            </a:extLst>
+          </p:cNvPr>
+          <p:cNvSpPr>
+            <a:spLocks noGrp="1"/>
+          </p:cNvSpPr>
+          <p:nvPr>
+            <p:ph type="title"/>
+          </p:nvPr>
+        </p:nvSpPr>
+        <p:spPr>
+          <a:xfrm>
+            <a:off x="1141412" y="438525"/>
+            <a:ext cx="9905998" cy="905481"/>
+          </a:xfrm>
+        </p:spPr>
+        <p:txBody>
+          <a:bodyPr/>
+          <a:lstStyle/>
+          <a:p>
+            <a:r>
+              <a:rPr lang="en-US" dirty="0">
+                <a:latin typeface="Arial" panose="020B0604020202020204" pitchFamily="34" charset="0"/>
+                <a:cs typeface="Arial" panose="020B0604020202020204" pitchFamily="34" charset="0"/>
+              </a:rPr>
+              <a:t>Risk management</a:t>
+            </a:r>
+          </a:p>
+        </p:txBody>
+      </p:sp>
+      <p:sp>
+        <p:nvSpPr>
+          <p:cNvPr id="3" name="Content Placeholder 2">
+            <a:extLst>
+              <a:ext uri="{FF2B5EF4-FFF2-40B4-BE49-F238E27FC236}">
+                <a16:creationId xmlns:a16="http://schemas.microsoft.com/office/drawing/2014/main" id="{389083B9-99BA-4487-8265-8C8134AC6AAA}"/>
+              </a:ext>
+            </a:extLst>
+          </p:cNvPr>
+          <p:cNvSpPr>
+            <a:spLocks noGrp="1"/>
+          </p:cNvSpPr>
+          <p:nvPr>
+            <p:ph idx="1"/>
+          </p:nvPr>
+        </p:nvSpPr>
+        <p:spPr>
+          <a:xfrm>
+            <a:off x="1168398" y="1658143"/>
+            <a:ext cx="9905999" cy="3541714"/>
+          </a:xfrm>
+        </p:spPr>
+        <p:txBody>
+          <a:bodyPr/>
+          <a:lstStyle/>
+          <a:p>
+            <a:endParaRPr lang="en-US" dirty="0">
+              <a:latin typeface="Arial" panose="020B0604020202020204" pitchFamily="34" charset="0"/>
+              <a:cs typeface="Arial" panose="020B0604020202020204" pitchFamily="34" charset="0"/>
+            </a:endParaRPr>
+          </a:p>
+        </p:txBody>
+      </p:sp>
+    </p:spTree>
+    <p:extLst>
+      <p:ext uri="{BB962C8B-B14F-4D97-AF65-F5344CB8AC3E}">
+        <p14:creationId xmlns:p14="http://schemas.microsoft.com/office/powerpoint/2010/main" val="137171941"/>
+      </p:ext>
+    </p:extLst>
+  </p:cSld>
+  <p:clrMapOvr>
+    <a:masterClrMapping/>
+  </p:clrMapOvr>
+</p:sld>
+</file>
+
+<file path=ppt/slides/slide16.xml><?xml version="1.0" encoding="utf-8"?>
+<p:sld xmlns:a="http://schemas.openxmlformats.org/drawingml/2006/main" xmlns:r="http://schemas.openxmlformats.org/officeDocument/2006/relationships" xmlns:p="http://schemas.openxmlformats.org/presentationml/2006/main">
+  <p:cSld>
+    <p:spTree>
+      <p:nvGrpSpPr>
+        <p:cNvPr id="1" name=""/>
+        <p:cNvGrpSpPr/>
+        <p:nvPr/>
+      </p:nvGrpSpPr>
+      <p:grpSpPr>
+        <a:xfrm>
+          <a:off x="0" y="0"/>
+          <a:ext cx="0" cy="0"/>
+          <a:chOff x="0" y="0"/>
+          <a:chExt cx="0" cy="0"/>
+        </a:xfrm>
+      </p:grpSpPr>
+      <p:sp>
+        <p:nvSpPr>
+          <p:cNvPr id="2" name="Title 1">
+            <a:extLst>
+              <a:ext uri="{FF2B5EF4-FFF2-40B4-BE49-F238E27FC236}">
+                <a16:creationId xmlns:a16="http://schemas.microsoft.com/office/drawing/2014/main" id="{50F1B316-3F65-43E5-8EA5-9A5B4DBAD449}"/>
+              </a:ext>
+            </a:extLst>
+          </p:cNvPr>
+          <p:cNvSpPr>
+            <a:spLocks noGrp="1"/>
+          </p:cNvSpPr>
+          <p:nvPr>
+            <p:ph type="title"/>
+          </p:nvPr>
+        </p:nvSpPr>
+        <p:spPr>
+          <a:xfrm>
+            <a:off x="1141413" y="151793"/>
+            <a:ext cx="9905998" cy="1210282"/>
+          </a:xfrm>
+        </p:spPr>
+        <p:txBody>
+          <a:bodyPr/>
+          <a:lstStyle/>
+          <a:p>
+            <a:r>
+              <a:rPr lang="en-US" dirty="0">
+                <a:latin typeface="Arial" panose="020B0604020202020204" pitchFamily="34" charset="0"/>
+                <a:cs typeface="Arial" panose="020B0604020202020204" pitchFamily="34" charset="0"/>
+              </a:rPr>
+              <a:t>Configuration management</a:t>
+            </a:r>
+          </a:p>
+        </p:txBody>
+      </p:sp>
+      <p:sp>
+        <p:nvSpPr>
+          <p:cNvPr id="3" name="Content Placeholder 2">
+            <a:extLst>
+              <a:ext uri="{FF2B5EF4-FFF2-40B4-BE49-F238E27FC236}">
+                <a16:creationId xmlns:a16="http://schemas.microsoft.com/office/drawing/2014/main" id="{37DE6060-F230-4EA8-833B-92586F9D8BE1}"/>
+              </a:ext>
+            </a:extLst>
+          </p:cNvPr>
+          <p:cNvSpPr>
+            <a:spLocks noGrp="1"/>
+          </p:cNvSpPr>
+          <p:nvPr>
+            <p:ph idx="1"/>
+          </p:nvPr>
+        </p:nvSpPr>
+        <p:spPr>
+          <a:xfrm>
+            <a:off x="1141413" y="1688912"/>
+            <a:ext cx="9905999" cy="3541714"/>
+          </a:xfrm>
+        </p:spPr>
+        <p:txBody>
+          <a:bodyPr/>
+          <a:lstStyle/>
+          <a:p>
+            <a:endParaRPr lang="en-US" dirty="0">
+              <a:latin typeface="Arial" panose="020B0604020202020204" pitchFamily="34" charset="0"/>
+              <a:cs typeface="Arial" panose="020B0604020202020204" pitchFamily="34" charset="0"/>
+            </a:endParaRPr>
+          </a:p>
+        </p:txBody>
+      </p:sp>
+    </p:spTree>
+    <p:extLst>
+      <p:ext uri="{BB962C8B-B14F-4D97-AF65-F5344CB8AC3E}">
+        <p14:creationId xmlns:p14="http://schemas.microsoft.com/office/powerpoint/2010/main" val="740623200"/>
+      </p:ext>
+    </p:extLst>
+  </p:cSld>
+  <p:clrMapOvr>
+    <a:masterClrMapping/>
+  </p:clrMapOvr>
+</p:sld>
+</file>
+
+<file path=ppt/slides/slide17.xml><?xml version="1.0" encoding="utf-8"?>
+<p:sld xmlns:a="http://schemas.openxmlformats.org/drawingml/2006/main" xmlns:r="http://schemas.openxmlformats.org/officeDocument/2006/relationships" xmlns:p="http://schemas.openxmlformats.org/presentationml/2006/main">
+  <p:cSld>
+    <p:spTree>
+      <p:nvGrpSpPr>
+        <p:cNvPr id="1" name=""/>
+        <p:cNvGrpSpPr/>
+        <p:nvPr/>
+      </p:nvGrpSpPr>
+      <p:grpSpPr>
+        <a:xfrm>
+          <a:off x="0" y="0"/>
+          <a:ext cx="0" cy="0"/>
+          <a:chOff x="0" y="0"/>
+          <a:chExt cx="0" cy="0"/>
+        </a:xfrm>
+      </p:grpSpPr>
+      <p:sp>
+        <p:nvSpPr>
+          <p:cNvPr id="2" name="Title 1">
+            <a:extLst>
+              <a:ext uri="{FF2B5EF4-FFF2-40B4-BE49-F238E27FC236}">
+                <a16:creationId xmlns:a16="http://schemas.microsoft.com/office/drawing/2014/main" id="{1C4EFCA2-DC43-4669-B92D-90B5BE159043}"/>
+              </a:ext>
+            </a:extLst>
+          </p:cNvPr>
+          <p:cNvSpPr>
+            <a:spLocks noGrp="1"/>
+          </p:cNvSpPr>
+          <p:nvPr>
+            <p:ph type="title"/>
+          </p:nvPr>
+        </p:nvSpPr>
+        <p:spPr>
+          <a:xfrm>
+            <a:off x="1141413" y="327514"/>
+            <a:ext cx="9905998" cy="996461"/>
+          </a:xfrm>
+        </p:spPr>
+        <p:txBody>
+          <a:bodyPr/>
+          <a:lstStyle/>
+          <a:p>
+            <a:r>
+              <a:rPr lang="en-US" dirty="0">
+                <a:latin typeface="Arial" panose="020B0604020202020204" pitchFamily="34" charset="0"/>
+                <a:cs typeface="Arial" panose="020B0604020202020204" pitchFamily="34" charset="0"/>
+              </a:rPr>
+              <a:t>Design – initial class diagram</a:t>
+            </a:r>
+          </a:p>
+        </p:txBody>
+      </p:sp>
+      <p:sp>
+        <p:nvSpPr>
+          <p:cNvPr id="3" name="Content Placeholder 2">
+            <a:extLst>
+              <a:ext uri="{FF2B5EF4-FFF2-40B4-BE49-F238E27FC236}">
+                <a16:creationId xmlns:a16="http://schemas.microsoft.com/office/drawing/2014/main" id="{6B878EF5-712F-4683-AE18-79E0F8AE2E4F}"/>
+              </a:ext>
+            </a:extLst>
+          </p:cNvPr>
+          <p:cNvSpPr>
+            <a:spLocks noGrp="1"/>
+          </p:cNvSpPr>
+          <p:nvPr>
+            <p:ph idx="1"/>
+          </p:nvPr>
+        </p:nvSpPr>
+        <p:spPr>
+          <a:xfrm>
+            <a:off x="1141412" y="1487487"/>
+            <a:ext cx="9905999" cy="3541714"/>
+          </a:xfrm>
+        </p:spPr>
+        <p:txBody>
+          <a:bodyPr/>
+          <a:lstStyle/>
+          <a:p>
+            <a:endParaRPr lang="en-US">
+              <a:latin typeface="Arial" panose="020B0604020202020204" pitchFamily="34" charset="0"/>
+              <a:cs typeface="Arial" panose="020B0604020202020204" pitchFamily="34" charset="0"/>
+            </a:endParaRPr>
+          </a:p>
+        </p:txBody>
+      </p:sp>
+    </p:spTree>
+    <p:extLst>
+      <p:ext uri="{BB962C8B-B14F-4D97-AF65-F5344CB8AC3E}">
+        <p14:creationId xmlns:p14="http://schemas.microsoft.com/office/powerpoint/2010/main" val="888697162"/>
+      </p:ext>
+    </p:extLst>
+  </p:cSld>
+  <p:clrMapOvr>
+    <a:masterClrMapping/>
+  </p:clrMapOvr>
+</p:sld>
+</file>
+
+<file path=ppt/slides/slide18.xml><?xml version="1.0" encoding="utf-8"?>
+<p:sld xmlns:a="http://schemas.openxmlformats.org/drawingml/2006/main" xmlns:r="http://schemas.openxmlformats.org/officeDocument/2006/relationships" xmlns:p="http://schemas.openxmlformats.org/presentationml/2006/main">
+  <p:cSld>
+    <p:spTree>
+      <p:nvGrpSpPr>
+        <p:cNvPr id="1" name=""/>
+        <p:cNvGrpSpPr/>
+        <p:nvPr/>
+      </p:nvGrpSpPr>
+      <p:grpSpPr>
+        <a:xfrm>
+          <a:off x="0" y="0"/>
+          <a:ext cx="0" cy="0"/>
+          <a:chOff x="0" y="0"/>
+          <a:chExt cx="0" cy="0"/>
+        </a:xfrm>
+      </p:grpSpPr>
+    </p:spTree>
+    <p:extLst>
+      <p:ext uri="{BB962C8B-B14F-4D97-AF65-F5344CB8AC3E}">
+        <p14:creationId xmlns:p14="http://schemas.microsoft.com/office/powerpoint/2010/main" val="816022677"/>
+      </p:ext>
+    </p:extLst>
+  </p:cSld>
+  <p:clrMapOvr>
+    <a:masterClrMapping/>
+  </p:clrMapOvr>
+</p:sld>
+</file>
+
+<file path=ppt/slides/slide19.xml><?xml version="1.0" encoding="utf-8"?>
+<p:sld xmlns:a="http://schemas.openxmlformats.org/drawingml/2006/main" xmlns:r="http://schemas.openxmlformats.org/officeDocument/2006/relationships" xmlns:p="http://schemas.openxmlformats.org/presentationml/2006/main">
+  <p:cSld>
+    <p:spTree>
+      <p:nvGrpSpPr>
+        <p:cNvPr id="1" name=""/>
+        <p:cNvGrpSpPr/>
+        <p:nvPr/>
+      </p:nvGrpSpPr>
+      <p:grpSpPr>
+        <a:xfrm>
+          <a:off x="0" y="0"/>
+          <a:ext cx="0" cy="0"/>
+          <a:chOff x="0" y="0"/>
+          <a:chExt cx="0" cy="0"/>
+        </a:xfrm>
+      </p:grpSpPr>
+      <p:sp>
+        <p:nvSpPr>
+          <p:cNvPr id="2" name="Title 1">
+            <a:extLst>
+              <a:ext uri="{FF2B5EF4-FFF2-40B4-BE49-F238E27FC236}">
+                <a16:creationId xmlns:a16="http://schemas.microsoft.com/office/drawing/2014/main" id="{2997996C-55AB-43B9-AC26-D074C79C5AAB}"/>
+              </a:ext>
+            </a:extLst>
+          </p:cNvPr>
+          <p:cNvSpPr>
+            <a:spLocks noGrp="1"/>
+          </p:cNvSpPr>
+          <p:nvPr>
+            <p:ph type="title"/>
+          </p:nvPr>
+        </p:nvSpPr>
+        <p:spPr>
+          <a:xfrm>
+            <a:off x="1141412" y="227993"/>
+            <a:ext cx="9905998" cy="1191232"/>
+          </a:xfrm>
+        </p:spPr>
+        <p:txBody>
+          <a:bodyPr/>
+          <a:lstStyle/>
+          <a:p>
+            <a:r>
+              <a:rPr lang="en-US" dirty="0">
+                <a:latin typeface="Arial" panose="020B0604020202020204" pitchFamily="34" charset="0"/>
+                <a:cs typeface="Arial" panose="020B0604020202020204" pitchFamily="34" charset="0"/>
+              </a:rPr>
+              <a:t>Design – class diagram</a:t>
+            </a:r>
+          </a:p>
+        </p:txBody>
+      </p:sp>
+      <p:sp>
+        <p:nvSpPr>
+          <p:cNvPr id="3" name="Content Placeholder 2">
+            <a:extLst>
+              <a:ext uri="{FF2B5EF4-FFF2-40B4-BE49-F238E27FC236}">
+                <a16:creationId xmlns:a16="http://schemas.microsoft.com/office/drawing/2014/main" id="{669846E0-BB7F-4B35-AD24-A45D4DEBE8CC}"/>
+              </a:ext>
+            </a:extLst>
+          </p:cNvPr>
+          <p:cNvSpPr>
+            <a:spLocks noGrp="1"/>
+          </p:cNvSpPr>
+          <p:nvPr>
+            <p:ph idx="1"/>
+          </p:nvPr>
+        </p:nvSpPr>
+        <p:spPr>
+          <a:xfrm>
+            <a:off x="1141411" y="1554162"/>
+            <a:ext cx="9905999" cy="3541714"/>
+          </a:xfrm>
+        </p:spPr>
+        <p:txBody>
+          <a:bodyPr/>
+          <a:lstStyle/>
+          <a:p>
+            <a:endParaRPr lang="en-US">
+              <a:latin typeface="Arial" panose="020B0604020202020204" pitchFamily="34" charset="0"/>
+              <a:cs typeface="Arial" panose="020B0604020202020204" pitchFamily="34" charset="0"/>
+            </a:endParaRPr>
+          </a:p>
+        </p:txBody>
+      </p:sp>
+    </p:spTree>
+    <p:extLst>
+      <p:ext uri="{BB962C8B-B14F-4D97-AF65-F5344CB8AC3E}">
+        <p14:creationId xmlns:p14="http://schemas.microsoft.com/office/powerpoint/2010/main" val="3762583143"/>
       </p:ext>
     </p:extLst>
   </p:cSld>
@@ -12525,7 +13636,7 @@
           <p:cNvPr id="2" name="Title 1">
             <a:extLst>
               <a:ext uri="{FF2B5EF4-FFF2-40B4-BE49-F238E27FC236}">
-                <a16:creationId xmlns:a16="http://schemas.microsoft.com/office/drawing/2014/main" id="{7670D981-B572-44B4-86DB-8A7B4B3252FD}"/>
+                <a16:creationId xmlns:a16="http://schemas.microsoft.com/office/drawing/2014/main" id="{2438BD8A-A683-4E3E-9C92-E812AEC8B8FE}"/>
               </a:ext>
             </a:extLst>
           </p:cNvPr>
@@ -12539,7 +13650,7 @@
         <p:spPr>
           <a:xfrm>
             <a:off x="1141413" y="327514"/>
-            <a:ext cx="9905998" cy="1478570"/>
+            <a:ext cx="9905998" cy="1206011"/>
           </a:xfrm>
         </p:spPr>
         <p:txBody>
@@ -12547,126 +13658,907 @@
           <a:lstStyle/>
           <a:p>
             <a:r>
-              <a:rPr lang="en-US" dirty="0"/>
-              <a:t>Table of Contents</a:t>
-            </a:r>
-          </a:p>
-        </p:txBody>
-      </p:sp>
-      <p:sp>
-        <p:nvSpPr>
-          <p:cNvPr id="3" name="Content Placeholder 2">
-            <a:extLst>
-              <a:ext uri="{FF2B5EF4-FFF2-40B4-BE49-F238E27FC236}">
-                <a16:creationId xmlns:a16="http://schemas.microsoft.com/office/drawing/2014/main" id="{62447955-B97F-451E-8091-9D8371A6A0E1}"/>
-              </a:ext>
-            </a:extLst>
-          </p:cNvPr>
-          <p:cNvSpPr>
-            <a:spLocks noGrp="1"/>
-          </p:cNvSpPr>
-          <p:nvPr>
-            <p:ph idx="1"/>
-          </p:nvPr>
-        </p:nvSpPr>
-        <p:spPr>
-          <a:xfrm>
-            <a:off x="1141412" y="1658143"/>
-            <a:ext cx="9905999" cy="4714082"/>
-          </a:xfrm>
-        </p:spPr>
-        <p:txBody>
-          <a:bodyPr>
-            <a:noAutofit/>
-          </a:bodyPr>
-          <a:lstStyle/>
-          <a:p>
-            <a:r>
-              <a:rPr lang="en-US" sz="1800" dirty="0">
+              <a:rPr lang="en-US" dirty="0">
                 <a:latin typeface="Arial" panose="020B0604020202020204" pitchFamily="34" charset="0"/>
                 <a:cs typeface="Arial" panose="020B0604020202020204" pitchFamily="34" charset="0"/>
               </a:rPr>
               <a:t>Introduction</a:t>
             </a:r>
           </a:p>
-          <a:p>
-            <a:r>
-              <a:rPr lang="en-US" sz="1800" dirty="0">
+        </p:txBody>
+      </p:sp>
+      <p:sp>
+        <p:nvSpPr>
+          <p:cNvPr id="3" name="Content Placeholder 2">
+            <a:extLst>
+              <a:ext uri="{FF2B5EF4-FFF2-40B4-BE49-F238E27FC236}">
+                <a16:creationId xmlns:a16="http://schemas.microsoft.com/office/drawing/2014/main" id="{040C12E8-8CBC-4FFD-A552-FAD4A4FBD5B6}"/>
+              </a:ext>
+            </a:extLst>
+          </p:cNvPr>
+          <p:cNvSpPr>
+            <a:spLocks noGrp="1"/>
+          </p:cNvSpPr>
+          <p:nvPr>
+            <p:ph idx="1"/>
+          </p:nvPr>
+        </p:nvSpPr>
+        <p:spPr>
+          <a:xfrm>
+            <a:off x="1143000" y="1897062"/>
+            <a:ext cx="9905999" cy="3541714"/>
+          </a:xfrm>
+        </p:spPr>
+        <p:txBody>
+          <a:bodyPr/>
+          <a:lstStyle/>
+          <a:p>
+            <a:r>
+              <a:rPr lang="en-US" dirty="0">
                 <a:latin typeface="Arial" panose="020B0604020202020204" pitchFamily="34" charset="0"/>
                 <a:cs typeface="Arial" panose="020B0604020202020204" pitchFamily="34" charset="0"/>
               </a:rPr>
-              <a:t>Aims and objectives</a:t>
-            </a:r>
-          </a:p>
-          <a:p>
-            <a:r>
-              <a:rPr lang="en-US" sz="1800" dirty="0">
+              <a:t>Medino, a web-based pharmacy management system.</a:t>
+            </a:r>
+          </a:p>
+          <a:p>
+            <a:r>
+              <a:rPr lang="en-US" dirty="0">
                 <a:latin typeface="Arial" panose="020B0604020202020204" pitchFamily="34" charset="0"/>
                 <a:cs typeface="Arial" panose="020B0604020202020204" pitchFamily="34" charset="0"/>
               </a:rPr>
-              <a:t>Features of the project</a:t>
-            </a:r>
-          </a:p>
-          <a:p>
-            <a:r>
-              <a:rPr lang="en-US" sz="1800" dirty="0">
+              <a:t>Also known as drug information system.</a:t>
+            </a:r>
+          </a:p>
+          <a:p>
+            <a:r>
+              <a:rPr lang="en-US" dirty="0">
                 <a:latin typeface="Arial" panose="020B0604020202020204" pitchFamily="34" charset="0"/>
                 <a:cs typeface="Arial" panose="020B0604020202020204" pitchFamily="34" charset="0"/>
               </a:rPr>
-              <a:t>Design</a:t>
-            </a:r>
-          </a:p>
-          <a:p>
-            <a:r>
-              <a:rPr lang="en-US" sz="1800" dirty="0">
+              <a:t>Enable user to access medicine information from anywhere through online and purchase them. </a:t>
+            </a:r>
+          </a:p>
+          <a:p>
+            <a:r>
+              <a:rPr lang="en-US" dirty="0">
                 <a:latin typeface="Arial" panose="020B0604020202020204" pitchFamily="34" charset="0"/>
                 <a:cs typeface="Arial" panose="020B0604020202020204" pitchFamily="34" charset="0"/>
               </a:rPr>
-              <a:t>Coding and Testing</a:t>
-            </a:r>
-          </a:p>
-          <a:p>
-            <a:r>
-              <a:rPr lang="en-US" sz="1800" dirty="0">
+              <a:t>Easy handles data and reduce paper work.</a:t>
+            </a:r>
+          </a:p>
+          <a:p>
+            <a:r>
+              <a:rPr lang="en-US" dirty="0">
                 <a:latin typeface="Arial" panose="020B0604020202020204" pitchFamily="34" charset="0"/>
                 <a:cs typeface="Arial" panose="020B0604020202020204" pitchFamily="34" charset="0"/>
               </a:rPr>
-              <a:t>Future Works</a:t>
-            </a:r>
-          </a:p>
-          <a:p>
-            <a:r>
-              <a:rPr lang="en-US" sz="1800" dirty="0">
+              <a:t>User-friendly and reliable.</a:t>
+            </a:r>
+          </a:p>
+          <a:p>
+            <a:endParaRPr lang="en-US" dirty="0">
+              <a:latin typeface="Arial" panose="020B0604020202020204" pitchFamily="34" charset="0"/>
+              <a:cs typeface="Arial" panose="020B0604020202020204" pitchFamily="34" charset="0"/>
+            </a:endParaRPr>
+          </a:p>
+          <a:p>
+            <a:endParaRPr lang="en-US" dirty="0">
+              <a:latin typeface="Arial" panose="020B0604020202020204" pitchFamily="34" charset="0"/>
+              <a:cs typeface="Arial" panose="020B0604020202020204" pitchFamily="34" charset="0"/>
+            </a:endParaRPr>
+          </a:p>
+          <a:p>
+            <a:endParaRPr lang="en-US" dirty="0">
+              <a:latin typeface="Arial" panose="020B0604020202020204" pitchFamily="34" charset="0"/>
+              <a:cs typeface="Arial" panose="020B0604020202020204" pitchFamily="34" charset="0"/>
+            </a:endParaRPr>
+          </a:p>
+          <a:p>
+            <a:endParaRPr lang="en-US" dirty="0">
+              <a:latin typeface="Arial" panose="020B0604020202020204" pitchFamily="34" charset="0"/>
+              <a:cs typeface="Arial" panose="020B0604020202020204" pitchFamily="34" charset="0"/>
+            </a:endParaRPr>
+          </a:p>
+          <a:p>
+            <a:endParaRPr lang="en-US" dirty="0">
+              <a:latin typeface="Arial" panose="020B0604020202020204" pitchFamily="34" charset="0"/>
+              <a:cs typeface="Arial" panose="020B0604020202020204" pitchFamily="34" charset="0"/>
+            </a:endParaRPr>
+          </a:p>
+          <a:p>
+            <a:endParaRPr lang="en-US" dirty="0">
+              <a:latin typeface="Arial" panose="020B0604020202020204" pitchFamily="34" charset="0"/>
+              <a:cs typeface="Arial" panose="020B0604020202020204" pitchFamily="34" charset="0"/>
+            </a:endParaRPr>
+          </a:p>
+          <a:p>
+            <a:endParaRPr lang="en-US" dirty="0">
+              <a:latin typeface="Arial" panose="020B0604020202020204" pitchFamily="34" charset="0"/>
+              <a:cs typeface="Arial" panose="020B0604020202020204" pitchFamily="34" charset="0"/>
+            </a:endParaRPr>
+          </a:p>
+        </p:txBody>
+      </p:sp>
+    </p:spTree>
+    <p:extLst>
+      <p:ext uri="{BB962C8B-B14F-4D97-AF65-F5344CB8AC3E}">
+        <p14:creationId xmlns:p14="http://schemas.microsoft.com/office/powerpoint/2010/main" val="2717478459"/>
+      </p:ext>
+    </p:extLst>
+  </p:cSld>
+  <p:clrMapOvr>
+    <a:masterClrMapping/>
+  </p:clrMapOvr>
+</p:sld>
+</file>
+
+<file path=ppt/slides/slide20.xml><?xml version="1.0" encoding="utf-8"?>
+<p:sld xmlns:a="http://schemas.openxmlformats.org/drawingml/2006/main" xmlns:r="http://schemas.openxmlformats.org/officeDocument/2006/relationships" xmlns:p="http://schemas.openxmlformats.org/presentationml/2006/main">
+  <p:cSld>
+    <p:spTree>
+      <p:nvGrpSpPr>
+        <p:cNvPr id="1" name=""/>
+        <p:cNvGrpSpPr/>
+        <p:nvPr/>
+      </p:nvGrpSpPr>
+      <p:grpSpPr>
+        <a:xfrm>
+          <a:off x="0" y="0"/>
+          <a:ext cx="0" cy="0"/>
+          <a:chOff x="0" y="0"/>
+          <a:chExt cx="0" cy="0"/>
+        </a:xfrm>
+      </p:grpSpPr>
+    </p:spTree>
+    <p:extLst>
+      <p:ext uri="{BB962C8B-B14F-4D97-AF65-F5344CB8AC3E}">
+        <p14:creationId xmlns:p14="http://schemas.microsoft.com/office/powerpoint/2010/main" val="3390182370"/>
+      </p:ext>
+    </p:extLst>
+  </p:cSld>
+  <p:clrMapOvr>
+    <a:masterClrMapping/>
+  </p:clrMapOvr>
+</p:sld>
+</file>
+
+<file path=ppt/slides/slide21.xml><?xml version="1.0" encoding="utf-8"?>
+<p:sld xmlns:a="http://schemas.openxmlformats.org/drawingml/2006/main" xmlns:r="http://schemas.openxmlformats.org/officeDocument/2006/relationships" xmlns:p="http://schemas.openxmlformats.org/presentationml/2006/main">
+  <p:cSld>
+    <p:spTree>
+      <p:nvGrpSpPr>
+        <p:cNvPr id="1" name=""/>
+        <p:cNvGrpSpPr/>
+        <p:nvPr/>
+      </p:nvGrpSpPr>
+      <p:grpSpPr>
+        <a:xfrm>
+          <a:off x="0" y="0"/>
+          <a:ext cx="0" cy="0"/>
+          <a:chOff x="0" y="0"/>
+          <a:chExt cx="0" cy="0"/>
+        </a:xfrm>
+      </p:grpSpPr>
+      <p:sp>
+        <p:nvSpPr>
+          <p:cNvPr id="2" name="Title 1">
+            <a:extLst>
+              <a:ext uri="{FF2B5EF4-FFF2-40B4-BE49-F238E27FC236}">
+                <a16:creationId xmlns:a16="http://schemas.microsoft.com/office/drawing/2014/main" id="{3E7EE023-9D69-4BE4-B447-BCD954B5ABAC}"/>
+              </a:ext>
+            </a:extLst>
+          </p:cNvPr>
+          <p:cNvSpPr>
+            <a:spLocks noGrp="1"/>
+          </p:cNvSpPr>
+          <p:nvPr>
+            <p:ph type="title"/>
+          </p:nvPr>
+        </p:nvSpPr>
+        <p:spPr>
+          <a:xfrm>
+            <a:off x="1141413" y="327514"/>
+            <a:ext cx="9905998" cy="1148861"/>
+          </a:xfrm>
+        </p:spPr>
+        <p:txBody>
+          <a:bodyPr/>
+          <a:lstStyle/>
+          <a:p>
+            <a:r>
+              <a:rPr lang="en-US" dirty="0">
                 <a:latin typeface="Arial" panose="020B0604020202020204" pitchFamily="34" charset="0"/>
                 <a:cs typeface="Arial" panose="020B0604020202020204" pitchFamily="34" charset="0"/>
               </a:rPr>
-              <a:t>Limitation</a:t>
-            </a:r>
-          </a:p>
-          <a:p>
-            <a:r>
-              <a:rPr lang="en-US" sz="1800" dirty="0">
+              <a:t>Design – Er-diagram </a:t>
+            </a:r>
+          </a:p>
+        </p:txBody>
+      </p:sp>
+      <p:sp>
+        <p:nvSpPr>
+          <p:cNvPr id="3" name="Content Placeholder 2">
+            <a:extLst>
+              <a:ext uri="{FF2B5EF4-FFF2-40B4-BE49-F238E27FC236}">
+                <a16:creationId xmlns:a16="http://schemas.microsoft.com/office/drawing/2014/main" id="{6593562A-4E05-4D02-84E0-D4DDC4069A00}"/>
+              </a:ext>
+            </a:extLst>
+          </p:cNvPr>
+          <p:cNvSpPr>
+            <a:spLocks noGrp="1"/>
+          </p:cNvSpPr>
+          <p:nvPr>
+            <p:ph idx="1"/>
+          </p:nvPr>
+        </p:nvSpPr>
+        <p:spPr>
+          <a:xfrm>
+            <a:off x="1141413" y="1573212"/>
+            <a:ext cx="9905999" cy="3541714"/>
+          </a:xfrm>
+        </p:spPr>
+        <p:txBody>
+          <a:bodyPr/>
+          <a:lstStyle/>
+          <a:p>
+            <a:endParaRPr lang="en-US" dirty="0">
+              <a:latin typeface="Arial" panose="020B0604020202020204" pitchFamily="34" charset="0"/>
+              <a:cs typeface="Arial" panose="020B0604020202020204" pitchFamily="34" charset="0"/>
+            </a:endParaRPr>
+          </a:p>
+        </p:txBody>
+      </p:sp>
+    </p:spTree>
+    <p:extLst>
+      <p:ext uri="{BB962C8B-B14F-4D97-AF65-F5344CB8AC3E}">
+        <p14:creationId xmlns:p14="http://schemas.microsoft.com/office/powerpoint/2010/main" val="3623085918"/>
+      </p:ext>
+    </p:extLst>
+  </p:cSld>
+  <p:clrMapOvr>
+    <a:masterClrMapping/>
+  </p:clrMapOvr>
+</p:sld>
+</file>
+
+<file path=ppt/slides/slide22.xml><?xml version="1.0" encoding="utf-8"?>
+<p:sld xmlns:a="http://schemas.openxmlformats.org/drawingml/2006/main" xmlns:r="http://schemas.openxmlformats.org/officeDocument/2006/relationships" xmlns:p="http://schemas.openxmlformats.org/presentationml/2006/main">
+  <p:cSld>
+    <p:spTree>
+      <p:nvGrpSpPr>
+        <p:cNvPr id="1" name=""/>
+        <p:cNvGrpSpPr/>
+        <p:nvPr/>
+      </p:nvGrpSpPr>
+      <p:grpSpPr>
+        <a:xfrm>
+          <a:off x="0" y="0"/>
+          <a:ext cx="0" cy="0"/>
+          <a:chOff x="0" y="0"/>
+          <a:chExt cx="0" cy="0"/>
+        </a:xfrm>
+      </p:grpSpPr>
+    </p:spTree>
+    <p:extLst>
+      <p:ext uri="{BB962C8B-B14F-4D97-AF65-F5344CB8AC3E}">
+        <p14:creationId xmlns:p14="http://schemas.microsoft.com/office/powerpoint/2010/main" val="1712369369"/>
+      </p:ext>
+    </p:extLst>
+  </p:cSld>
+  <p:clrMapOvr>
+    <a:masterClrMapping/>
+  </p:clrMapOvr>
+</p:sld>
+</file>
+
+<file path=ppt/slides/slide23.xml><?xml version="1.0" encoding="utf-8"?>
+<p:sld xmlns:a="http://schemas.openxmlformats.org/drawingml/2006/main" xmlns:r="http://schemas.openxmlformats.org/officeDocument/2006/relationships" xmlns:p="http://schemas.openxmlformats.org/presentationml/2006/main">
+  <p:cSld>
+    <p:spTree>
+      <p:nvGrpSpPr>
+        <p:cNvPr id="1" name=""/>
+        <p:cNvGrpSpPr/>
+        <p:nvPr/>
+      </p:nvGrpSpPr>
+      <p:grpSpPr>
+        <a:xfrm>
+          <a:off x="0" y="0"/>
+          <a:ext cx="0" cy="0"/>
+          <a:chOff x="0" y="0"/>
+          <a:chExt cx="0" cy="0"/>
+        </a:xfrm>
+      </p:grpSpPr>
+      <p:sp>
+        <p:nvSpPr>
+          <p:cNvPr id="2" name="Title 1">
+            <a:extLst>
+              <a:ext uri="{FF2B5EF4-FFF2-40B4-BE49-F238E27FC236}">
+                <a16:creationId xmlns:a16="http://schemas.microsoft.com/office/drawing/2014/main" id="{6A63AD4E-4C5F-4CBC-945A-D0EE37608585}"/>
+              </a:ext>
+            </a:extLst>
+          </p:cNvPr>
+          <p:cNvSpPr>
+            <a:spLocks noGrp="1"/>
+          </p:cNvSpPr>
+          <p:nvPr>
+            <p:ph type="title"/>
+          </p:nvPr>
+        </p:nvSpPr>
+        <p:spPr>
+          <a:xfrm>
+            <a:off x="1141413" y="323243"/>
+            <a:ext cx="9905998" cy="1038832"/>
+          </a:xfrm>
+        </p:spPr>
+        <p:txBody>
+          <a:bodyPr/>
+          <a:lstStyle/>
+          <a:p>
+            <a:r>
+              <a:rPr lang="en-US" dirty="0">
                 <a:latin typeface="Arial" panose="020B0604020202020204" pitchFamily="34" charset="0"/>
                 <a:cs typeface="Arial" panose="020B0604020202020204" pitchFamily="34" charset="0"/>
               </a:rPr>
-              <a:t>User Manual</a:t>
-            </a:r>
-          </a:p>
-          <a:p>
-            <a:r>
-              <a:rPr lang="en-US" sz="1800" dirty="0">
+              <a:t>Design – Use case diagram </a:t>
+            </a:r>
+          </a:p>
+        </p:txBody>
+      </p:sp>
+      <p:sp>
+        <p:nvSpPr>
+          <p:cNvPr id="3" name="Content Placeholder 2">
+            <a:extLst>
+              <a:ext uri="{FF2B5EF4-FFF2-40B4-BE49-F238E27FC236}">
+                <a16:creationId xmlns:a16="http://schemas.microsoft.com/office/drawing/2014/main" id="{486AA1F0-1FDF-4DFF-95CF-8B21C3953E55}"/>
+              </a:ext>
+            </a:extLst>
+          </p:cNvPr>
+          <p:cNvSpPr>
+            <a:spLocks noGrp="1"/>
+          </p:cNvSpPr>
+          <p:nvPr>
+            <p:ph idx="1"/>
+          </p:nvPr>
+        </p:nvSpPr>
+        <p:spPr>
+          <a:xfrm>
+            <a:off x="1141413" y="1516062"/>
+            <a:ext cx="9905999" cy="3541714"/>
+          </a:xfrm>
+        </p:spPr>
+        <p:txBody>
+          <a:bodyPr/>
+          <a:lstStyle/>
+          <a:p>
+            <a:endParaRPr lang="en-US" dirty="0">
+              <a:latin typeface="Arial" panose="020B0604020202020204" pitchFamily="34" charset="0"/>
+              <a:cs typeface="Arial" panose="020B0604020202020204" pitchFamily="34" charset="0"/>
+            </a:endParaRPr>
+          </a:p>
+        </p:txBody>
+      </p:sp>
+    </p:spTree>
+    <p:extLst>
+      <p:ext uri="{BB962C8B-B14F-4D97-AF65-F5344CB8AC3E}">
+        <p14:creationId xmlns:p14="http://schemas.microsoft.com/office/powerpoint/2010/main" val="3130339992"/>
+      </p:ext>
+    </p:extLst>
+  </p:cSld>
+  <p:clrMapOvr>
+    <a:masterClrMapping/>
+  </p:clrMapOvr>
+</p:sld>
+</file>
+
+<file path=ppt/slides/slide24.xml><?xml version="1.0" encoding="utf-8"?>
+<p:sld xmlns:a="http://schemas.openxmlformats.org/drawingml/2006/main" xmlns:r="http://schemas.openxmlformats.org/officeDocument/2006/relationships" xmlns:p="http://schemas.openxmlformats.org/presentationml/2006/main">
+  <p:cSld>
+    <p:spTree>
+      <p:nvGrpSpPr>
+        <p:cNvPr id="1" name=""/>
+        <p:cNvGrpSpPr/>
+        <p:nvPr/>
+      </p:nvGrpSpPr>
+      <p:grpSpPr>
+        <a:xfrm>
+          <a:off x="0" y="0"/>
+          <a:ext cx="0" cy="0"/>
+          <a:chOff x="0" y="0"/>
+          <a:chExt cx="0" cy="0"/>
+        </a:xfrm>
+      </p:grpSpPr>
+    </p:spTree>
+    <p:extLst>
+      <p:ext uri="{BB962C8B-B14F-4D97-AF65-F5344CB8AC3E}">
+        <p14:creationId xmlns:p14="http://schemas.microsoft.com/office/powerpoint/2010/main" val="3254536861"/>
+      </p:ext>
+    </p:extLst>
+  </p:cSld>
+  <p:clrMapOvr>
+    <a:masterClrMapping/>
+  </p:clrMapOvr>
+</p:sld>
+</file>
+
+<file path=ppt/slides/slide25.xml><?xml version="1.0" encoding="utf-8"?>
+<p:sld xmlns:a="http://schemas.openxmlformats.org/drawingml/2006/main" xmlns:r="http://schemas.openxmlformats.org/officeDocument/2006/relationships" xmlns:p="http://schemas.openxmlformats.org/presentationml/2006/main">
+  <p:cSld>
+    <p:spTree>
+      <p:nvGrpSpPr>
+        <p:cNvPr id="1" name=""/>
+        <p:cNvGrpSpPr/>
+        <p:nvPr/>
+      </p:nvGrpSpPr>
+      <p:grpSpPr>
+        <a:xfrm>
+          <a:off x="0" y="0"/>
+          <a:ext cx="0" cy="0"/>
+          <a:chOff x="0" y="0"/>
+          <a:chExt cx="0" cy="0"/>
+        </a:xfrm>
+      </p:grpSpPr>
+      <p:sp>
+        <p:nvSpPr>
+          <p:cNvPr id="2" name="Title 1">
+            <a:extLst>
+              <a:ext uri="{FF2B5EF4-FFF2-40B4-BE49-F238E27FC236}">
+                <a16:creationId xmlns:a16="http://schemas.microsoft.com/office/drawing/2014/main" id="{E061F906-E05F-486F-BF44-A0FF57FB17A6}"/>
+              </a:ext>
+            </a:extLst>
+          </p:cNvPr>
+          <p:cNvSpPr>
+            <a:spLocks noGrp="1"/>
+          </p:cNvSpPr>
+          <p:nvPr>
+            <p:ph type="title"/>
+          </p:nvPr>
+        </p:nvSpPr>
+        <p:spPr>
+          <a:xfrm>
+            <a:off x="1141412" y="247043"/>
+            <a:ext cx="9905998" cy="1172182"/>
+          </a:xfrm>
+        </p:spPr>
+        <p:txBody>
+          <a:bodyPr/>
+          <a:lstStyle/>
+          <a:p>
+            <a:r>
+              <a:rPr lang="en-US" dirty="0">
                 <a:latin typeface="Arial" panose="020B0604020202020204" pitchFamily="34" charset="0"/>
                 <a:cs typeface="Arial" panose="020B0604020202020204" pitchFamily="34" charset="0"/>
               </a:rPr>
-              <a:t>Conclusion and References </a:t>
-            </a:r>
+              <a:t>Design – activity diagram </a:t>
+            </a:r>
+          </a:p>
+        </p:txBody>
+      </p:sp>
+      <p:sp>
+        <p:nvSpPr>
+          <p:cNvPr id="3" name="Content Placeholder 2">
+            <a:extLst>
+              <a:ext uri="{FF2B5EF4-FFF2-40B4-BE49-F238E27FC236}">
+                <a16:creationId xmlns:a16="http://schemas.microsoft.com/office/drawing/2014/main" id="{E98A64D0-0D68-4070-8832-C6E8D0862088}"/>
+              </a:ext>
+            </a:extLst>
+          </p:cNvPr>
+          <p:cNvSpPr>
+            <a:spLocks noGrp="1"/>
+          </p:cNvSpPr>
+          <p:nvPr>
+            <p:ph idx="1"/>
+          </p:nvPr>
+        </p:nvSpPr>
+        <p:spPr>
+          <a:xfrm>
+            <a:off x="1141411" y="1419225"/>
+            <a:ext cx="9905999" cy="3541714"/>
+          </a:xfrm>
+        </p:spPr>
+        <p:txBody>
+          <a:bodyPr/>
+          <a:lstStyle/>
+          <a:p>
+            <a:endParaRPr lang="en-US" dirty="0">
+              <a:latin typeface="Arial" panose="020B0604020202020204" pitchFamily="34" charset="0"/>
+              <a:cs typeface="Arial" panose="020B0604020202020204" pitchFamily="34" charset="0"/>
+            </a:endParaRPr>
           </a:p>
         </p:txBody>
       </p:sp>
     </p:spTree>
     <p:extLst>
       <p:ext uri="{BB962C8B-B14F-4D97-AF65-F5344CB8AC3E}">
-        <p14:creationId xmlns:p14="http://schemas.microsoft.com/office/powerpoint/2010/main" val="3351924526"/>
+        <p14:creationId xmlns:p14="http://schemas.microsoft.com/office/powerpoint/2010/main" val="910121684"/>
+      </p:ext>
+    </p:extLst>
+  </p:cSld>
+  <p:clrMapOvr>
+    <a:masterClrMapping/>
+  </p:clrMapOvr>
+</p:sld>
+</file>
+
+<file path=ppt/slides/slide26.xml><?xml version="1.0" encoding="utf-8"?>
+<p:sld xmlns:a="http://schemas.openxmlformats.org/drawingml/2006/main" xmlns:r="http://schemas.openxmlformats.org/officeDocument/2006/relationships" xmlns:p="http://schemas.openxmlformats.org/presentationml/2006/main">
+  <p:cSld>
+    <p:spTree>
+      <p:nvGrpSpPr>
+        <p:cNvPr id="1" name=""/>
+        <p:cNvGrpSpPr/>
+        <p:nvPr/>
+      </p:nvGrpSpPr>
+      <p:grpSpPr>
+        <a:xfrm>
+          <a:off x="0" y="0"/>
+          <a:ext cx="0" cy="0"/>
+          <a:chOff x="0" y="0"/>
+          <a:chExt cx="0" cy="0"/>
+        </a:xfrm>
+      </p:grpSpPr>
+      <p:sp>
+        <p:nvSpPr>
+          <p:cNvPr id="2" name="Title 1">
+            <a:extLst>
+              <a:ext uri="{FF2B5EF4-FFF2-40B4-BE49-F238E27FC236}">
+                <a16:creationId xmlns:a16="http://schemas.microsoft.com/office/drawing/2014/main" id="{41ADEB29-2525-48F7-A943-B1449C894DDA}"/>
+              </a:ext>
+            </a:extLst>
+          </p:cNvPr>
+          <p:cNvSpPr>
+            <a:spLocks noGrp="1"/>
+          </p:cNvSpPr>
+          <p:nvPr>
+            <p:ph type="title"/>
+          </p:nvPr>
+        </p:nvSpPr>
+        <p:spPr/>
+        <p:txBody>
+          <a:bodyPr/>
+          <a:lstStyle/>
+          <a:p>
+            <a:endParaRPr lang="en-US"/>
+          </a:p>
+        </p:txBody>
+      </p:sp>
+      <p:sp>
+        <p:nvSpPr>
+          <p:cNvPr id="3" name="Picture Placeholder 2">
+            <a:extLst>
+              <a:ext uri="{FF2B5EF4-FFF2-40B4-BE49-F238E27FC236}">
+                <a16:creationId xmlns:a16="http://schemas.microsoft.com/office/drawing/2014/main" id="{A9CF99E6-EF8C-4C18-BF34-8E52876B1436}"/>
+              </a:ext>
+            </a:extLst>
+          </p:cNvPr>
+          <p:cNvSpPr>
+            <a:spLocks noGrp="1"/>
+          </p:cNvSpPr>
+          <p:nvPr>
+            <p:ph type="pic" idx="1"/>
+          </p:nvPr>
+        </p:nvSpPr>
+        <p:spPr/>
+      </p:sp>
+      <p:sp>
+        <p:nvSpPr>
+          <p:cNvPr id="4" name="Text Placeholder 3">
+            <a:extLst>
+              <a:ext uri="{FF2B5EF4-FFF2-40B4-BE49-F238E27FC236}">
+                <a16:creationId xmlns:a16="http://schemas.microsoft.com/office/drawing/2014/main" id="{76ED3A76-654D-4845-8195-71EAABC3B2E1}"/>
+              </a:ext>
+            </a:extLst>
+          </p:cNvPr>
+          <p:cNvSpPr>
+            <a:spLocks noGrp="1"/>
+          </p:cNvSpPr>
+          <p:nvPr>
+            <p:ph type="body" sz="half" idx="2"/>
+          </p:nvPr>
+        </p:nvSpPr>
+        <p:spPr/>
+        <p:txBody>
+          <a:bodyPr/>
+          <a:lstStyle/>
+          <a:p>
+            <a:endParaRPr lang="en-US"/>
+          </a:p>
+        </p:txBody>
+      </p:sp>
+    </p:spTree>
+    <p:extLst>
+      <p:ext uri="{BB962C8B-B14F-4D97-AF65-F5344CB8AC3E}">
+        <p14:creationId xmlns:p14="http://schemas.microsoft.com/office/powerpoint/2010/main" val="4014128296"/>
+      </p:ext>
+    </p:extLst>
+  </p:cSld>
+  <p:clrMapOvr>
+    <a:masterClrMapping/>
+  </p:clrMapOvr>
+</p:sld>
+</file>
+
+<file path=ppt/slides/slide27.xml><?xml version="1.0" encoding="utf-8"?>
+<p:sld xmlns:a="http://schemas.openxmlformats.org/drawingml/2006/main" xmlns:r="http://schemas.openxmlformats.org/officeDocument/2006/relationships" xmlns:p="http://schemas.openxmlformats.org/presentationml/2006/main">
+  <p:cSld>
+    <p:spTree>
+      <p:nvGrpSpPr>
+        <p:cNvPr id="1" name=""/>
+        <p:cNvGrpSpPr/>
+        <p:nvPr/>
+      </p:nvGrpSpPr>
+      <p:grpSpPr>
+        <a:xfrm>
+          <a:off x="0" y="0"/>
+          <a:ext cx="0" cy="0"/>
+          <a:chOff x="0" y="0"/>
+          <a:chExt cx="0" cy="0"/>
+        </a:xfrm>
+      </p:grpSpPr>
+      <p:sp>
+        <p:nvSpPr>
+          <p:cNvPr id="2" name="Title 1">
+            <a:extLst>
+              <a:ext uri="{FF2B5EF4-FFF2-40B4-BE49-F238E27FC236}">
+                <a16:creationId xmlns:a16="http://schemas.microsoft.com/office/drawing/2014/main" id="{08FBB0C8-22F7-4181-BB29-069ECAFA43F1}"/>
+              </a:ext>
+            </a:extLst>
+          </p:cNvPr>
+          <p:cNvSpPr>
+            <a:spLocks noGrp="1"/>
+          </p:cNvSpPr>
+          <p:nvPr>
+            <p:ph type="title"/>
+          </p:nvPr>
+        </p:nvSpPr>
+        <p:spPr/>
+        <p:txBody>
+          <a:bodyPr/>
+          <a:lstStyle/>
+          <a:p>
+            <a:endParaRPr lang="en-US"/>
+          </a:p>
+        </p:txBody>
+      </p:sp>
+      <p:sp>
+        <p:nvSpPr>
+          <p:cNvPr id="3" name="Picture Placeholder 2">
+            <a:extLst>
+              <a:ext uri="{FF2B5EF4-FFF2-40B4-BE49-F238E27FC236}">
+                <a16:creationId xmlns:a16="http://schemas.microsoft.com/office/drawing/2014/main" id="{07D1A8CB-C1DE-47F6-A8B7-2E05163A2DB0}"/>
+              </a:ext>
+            </a:extLst>
+          </p:cNvPr>
+          <p:cNvSpPr>
+            <a:spLocks noGrp="1"/>
+          </p:cNvSpPr>
+          <p:nvPr>
+            <p:ph type="pic" idx="1"/>
+          </p:nvPr>
+        </p:nvSpPr>
+        <p:spPr/>
+      </p:sp>
+      <p:sp>
+        <p:nvSpPr>
+          <p:cNvPr id="4" name="Text Placeholder 3">
+            <a:extLst>
+              <a:ext uri="{FF2B5EF4-FFF2-40B4-BE49-F238E27FC236}">
+                <a16:creationId xmlns:a16="http://schemas.microsoft.com/office/drawing/2014/main" id="{30343783-76E9-48EE-B36E-347A19C70E45}"/>
+              </a:ext>
+            </a:extLst>
+          </p:cNvPr>
+          <p:cNvSpPr>
+            <a:spLocks noGrp="1"/>
+          </p:cNvSpPr>
+          <p:nvPr>
+            <p:ph type="body" sz="half" idx="2"/>
+          </p:nvPr>
+        </p:nvSpPr>
+        <p:spPr/>
+        <p:txBody>
+          <a:bodyPr/>
+          <a:lstStyle/>
+          <a:p>
+            <a:endParaRPr lang="en-US"/>
+          </a:p>
+        </p:txBody>
+      </p:sp>
+    </p:spTree>
+    <p:extLst>
+      <p:ext uri="{BB962C8B-B14F-4D97-AF65-F5344CB8AC3E}">
+        <p14:creationId xmlns:p14="http://schemas.microsoft.com/office/powerpoint/2010/main" val="490055022"/>
+      </p:ext>
+    </p:extLst>
+  </p:cSld>
+  <p:clrMapOvr>
+    <a:masterClrMapping/>
+  </p:clrMapOvr>
+</p:sld>
+</file>
+
+<file path=ppt/slides/slide28.xml><?xml version="1.0" encoding="utf-8"?>
+<p:sld xmlns:a="http://schemas.openxmlformats.org/drawingml/2006/main" xmlns:r="http://schemas.openxmlformats.org/officeDocument/2006/relationships" xmlns:p="http://schemas.openxmlformats.org/presentationml/2006/main">
+  <p:cSld>
+    <p:spTree>
+      <p:nvGrpSpPr>
+        <p:cNvPr id="1" name=""/>
+        <p:cNvGrpSpPr/>
+        <p:nvPr/>
+      </p:nvGrpSpPr>
+      <p:grpSpPr>
+        <a:xfrm>
+          <a:off x="0" y="0"/>
+          <a:ext cx="0" cy="0"/>
+          <a:chOff x="0" y="0"/>
+          <a:chExt cx="0" cy="0"/>
+        </a:xfrm>
+      </p:grpSpPr>
+      <p:sp>
+        <p:nvSpPr>
+          <p:cNvPr id="2" name="Title 1">
+            <a:extLst>
+              <a:ext uri="{FF2B5EF4-FFF2-40B4-BE49-F238E27FC236}">
+                <a16:creationId xmlns:a16="http://schemas.microsoft.com/office/drawing/2014/main" id="{F7EEA196-BE5B-4AC9-95B5-150D62D1B85B}"/>
+              </a:ext>
+            </a:extLst>
+          </p:cNvPr>
+          <p:cNvSpPr>
+            <a:spLocks noGrp="1"/>
+          </p:cNvSpPr>
+          <p:nvPr>
+            <p:ph type="title"/>
+          </p:nvPr>
+        </p:nvSpPr>
+        <p:spPr/>
+        <p:txBody>
+          <a:bodyPr/>
+          <a:lstStyle/>
+          <a:p>
+            <a:endParaRPr lang="en-US"/>
+          </a:p>
+        </p:txBody>
+      </p:sp>
+      <p:sp>
+        <p:nvSpPr>
+          <p:cNvPr id="3" name="Picture Placeholder 2">
+            <a:extLst>
+              <a:ext uri="{FF2B5EF4-FFF2-40B4-BE49-F238E27FC236}">
+                <a16:creationId xmlns:a16="http://schemas.microsoft.com/office/drawing/2014/main" id="{F3804F79-5CA3-4F78-A9C1-26E885BDD290}"/>
+              </a:ext>
+            </a:extLst>
+          </p:cNvPr>
+          <p:cNvSpPr>
+            <a:spLocks noGrp="1"/>
+          </p:cNvSpPr>
+          <p:nvPr>
+            <p:ph type="pic" idx="1"/>
+          </p:nvPr>
+        </p:nvSpPr>
+        <p:spPr/>
+      </p:sp>
+      <p:sp>
+        <p:nvSpPr>
+          <p:cNvPr id="4" name="Text Placeholder 3">
+            <a:extLst>
+              <a:ext uri="{FF2B5EF4-FFF2-40B4-BE49-F238E27FC236}">
+                <a16:creationId xmlns:a16="http://schemas.microsoft.com/office/drawing/2014/main" id="{540CF9D0-0896-4710-8972-3B38602ED066}"/>
+              </a:ext>
+            </a:extLst>
+          </p:cNvPr>
+          <p:cNvSpPr>
+            <a:spLocks noGrp="1"/>
+          </p:cNvSpPr>
+          <p:nvPr>
+            <p:ph type="body" sz="half" idx="2"/>
+          </p:nvPr>
+        </p:nvSpPr>
+        <p:spPr/>
+        <p:txBody>
+          <a:bodyPr/>
+          <a:lstStyle/>
+          <a:p>
+            <a:endParaRPr lang="en-US"/>
+          </a:p>
+        </p:txBody>
+      </p:sp>
+    </p:spTree>
+    <p:extLst>
+      <p:ext uri="{BB962C8B-B14F-4D97-AF65-F5344CB8AC3E}">
+        <p14:creationId xmlns:p14="http://schemas.microsoft.com/office/powerpoint/2010/main" val="220699234"/>
+      </p:ext>
+    </p:extLst>
+  </p:cSld>
+  <p:clrMapOvr>
+    <a:masterClrMapping/>
+  </p:clrMapOvr>
+</p:sld>
+</file>
+
+<file path=ppt/slides/slide29.xml><?xml version="1.0" encoding="utf-8"?>
+<p:sld xmlns:a="http://schemas.openxmlformats.org/drawingml/2006/main" xmlns:r="http://schemas.openxmlformats.org/officeDocument/2006/relationships" xmlns:p="http://schemas.openxmlformats.org/presentationml/2006/main">
+  <p:cSld>
+    <p:spTree>
+      <p:nvGrpSpPr>
+        <p:cNvPr id="1" name=""/>
+        <p:cNvGrpSpPr/>
+        <p:nvPr/>
+      </p:nvGrpSpPr>
+      <p:grpSpPr>
+        <a:xfrm>
+          <a:off x="0" y="0"/>
+          <a:ext cx="0" cy="0"/>
+          <a:chOff x="0" y="0"/>
+          <a:chExt cx="0" cy="0"/>
+        </a:xfrm>
+      </p:grpSpPr>
+      <p:sp>
+        <p:nvSpPr>
+          <p:cNvPr id="2" name="Title 1">
+            <a:extLst>
+              <a:ext uri="{FF2B5EF4-FFF2-40B4-BE49-F238E27FC236}">
+                <a16:creationId xmlns:a16="http://schemas.microsoft.com/office/drawing/2014/main" id="{5AC7E32A-353C-4589-9AA9-F1A34D9B05AC}"/>
+              </a:ext>
+            </a:extLst>
+          </p:cNvPr>
+          <p:cNvSpPr>
+            <a:spLocks noGrp="1"/>
+          </p:cNvSpPr>
+          <p:nvPr>
+            <p:ph type="title"/>
+          </p:nvPr>
+        </p:nvSpPr>
+        <p:spPr>
+          <a:xfrm>
+            <a:off x="1141412" y="351818"/>
+            <a:ext cx="9905998" cy="934057"/>
+          </a:xfrm>
+        </p:spPr>
+        <p:txBody>
+          <a:bodyPr/>
+          <a:lstStyle/>
+          <a:p>
+            <a:r>
+              <a:rPr lang="en-US" dirty="0"/>
+              <a:t>Design – sequence diagram</a:t>
+            </a:r>
+          </a:p>
+        </p:txBody>
+      </p:sp>
+      <p:sp>
+        <p:nvSpPr>
+          <p:cNvPr id="3" name="Content Placeholder 2">
+            <a:extLst>
+              <a:ext uri="{FF2B5EF4-FFF2-40B4-BE49-F238E27FC236}">
+                <a16:creationId xmlns:a16="http://schemas.microsoft.com/office/drawing/2014/main" id="{38943E30-995C-4E45-9CC9-59CBD506ACDE}"/>
+              </a:ext>
+            </a:extLst>
+          </p:cNvPr>
+          <p:cNvSpPr>
+            <a:spLocks noGrp="1"/>
+          </p:cNvSpPr>
+          <p:nvPr>
+            <p:ph idx="1"/>
+          </p:nvPr>
+        </p:nvSpPr>
+        <p:spPr>
+          <a:xfrm>
+            <a:off x="1141411" y="1497012"/>
+            <a:ext cx="9905999" cy="3541714"/>
+          </a:xfrm>
+        </p:spPr>
+        <p:txBody>
+          <a:bodyPr/>
+          <a:lstStyle/>
+          <a:p>
+            <a:endParaRPr lang="en-US" dirty="0"/>
+          </a:p>
+        </p:txBody>
+      </p:sp>
+    </p:spTree>
+    <p:extLst>
+      <p:ext uri="{BB962C8B-B14F-4D97-AF65-F5344CB8AC3E}">
+        <p14:creationId xmlns:p14="http://schemas.microsoft.com/office/powerpoint/2010/main" val="1519005315"/>
       </p:ext>
     </p:extLst>
   </p:cSld>
@@ -12698,7 +14590,7 @@
           <p:cNvPr id="2" name="Title 1">
             <a:extLst>
               <a:ext uri="{FF2B5EF4-FFF2-40B4-BE49-F238E27FC236}">
-                <a16:creationId xmlns:a16="http://schemas.microsoft.com/office/drawing/2014/main" id="{2438BD8A-A683-4E3E-9C92-E812AEC8B8FE}"/>
+                <a16:creationId xmlns:a16="http://schemas.microsoft.com/office/drawing/2014/main" id="{64A83E48-DC60-4210-BB5D-DA9EEDDA9EE7}"/>
               </a:ext>
             </a:extLst>
           </p:cNvPr>
@@ -12712,7 +14604,7 @@
         <p:spPr>
           <a:xfrm>
             <a:off x="1141413" y="327514"/>
-            <a:ext cx="9905998" cy="1206011"/>
+            <a:ext cx="9905998" cy="1478570"/>
           </a:xfrm>
         </p:spPr>
         <p:txBody>
@@ -12720,8 +14612,11 @@
           <a:lstStyle/>
           <a:p>
             <a:r>
-              <a:rPr lang="en-US" dirty="0"/>
-              <a:t>Introduction</a:t>
+              <a:rPr lang="en-US" dirty="0">
+                <a:latin typeface="Arial" panose="020B0604020202020204" pitchFamily="34" charset="0"/>
+                <a:cs typeface="Arial" panose="020B0604020202020204" pitchFamily="34" charset="0"/>
+              </a:rPr>
+              <a:t>Existing system</a:t>
             </a:r>
           </a:p>
         </p:txBody>
@@ -12731,7 +14626,7 @@
           <p:cNvPr id="3" name="Content Placeholder 2">
             <a:extLst>
               <a:ext uri="{FF2B5EF4-FFF2-40B4-BE49-F238E27FC236}">
-                <a16:creationId xmlns:a16="http://schemas.microsoft.com/office/drawing/2014/main" id="{040C12E8-8CBC-4FFD-A552-FAD4A4FBD5B6}"/>
+                <a16:creationId xmlns:a16="http://schemas.microsoft.com/office/drawing/2014/main" id="{A6FDCFB7-11F0-437A-A19C-CC855331CB40}"/>
               </a:ext>
             </a:extLst>
           </p:cNvPr>
@@ -12744,7 +14639,7 @@
         </p:nvSpPr>
         <p:spPr>
           <a:xfrm>
-            <a:off x="1143000" y="1897062"/>
+            <a:off x="1141412" y="1925637"/>
             <a:ext cx="9905999" cy="3541714"/>
           </a:xfrm>
         </p:spPr>
@@ -12753,16 +14648,2294 @@
           <a:lstStyle/>
           <a:p>
             <a:r>
-              <a:rPr lang="en-US" dirty="0"/>
-              <a:t>Medino, a web-based </a:t>
-            </a:r>
+              <a:rPr lang="en-US" dirty="0">
+                <a:latin typeface="Arial" panose="020B0604020202020204" pitchFamily="34" charset="0"/>
+                <a:cs typeface="Arial" panose="020B0604020202020204" pitchFamily="34" charset="0"/>
+              </a:rPr>
+              <a:t>It requires more paper-work.</a:t>
+            </a:r>
+          </a:p>
+          <a:p>
+            <a:r>
+              <a:rPr lang="en-US" dirty="0">
+                <a:latin typeface="Arial" panose="020B0604020202020204" pitchFamily="34" charset="0"/>
+                <a:cs typeface="Arial" panose="020B0604020202020204" pitchFamily="34" charset="0"/>
+              </a:rPr>
+              <a:t>Less secure for data storage.</a:t>
+            </a:r>
+          </a:p>
+          <a:p>
+            <a:r>
+              <a:rPr lang="en-US" dirty="0">
+                <a:latin typeface="Arial" panose="020B0604020202020204" pitchFamily="34" charset="0"/>
+                <a:cs typeface="Arial" panose="020B0604020202020204" pitchFamily="34" charset="0"/>
+              </a:rPr>
+              <a:t>Manual calculation resulting budget error.</a:t>
+            </a:r>
+          </a:p>
+          <a:p>
+            <a:r>
+              <a:rPr lang="en-US" dirty="0">
+                <a:latin typeface="Arial" panose="020B0604020202020204" pitchFamily="34" charset="0"/>
+                <a:cs typeface="Arial" panose="020B0604020202020204" pitchFamily="34" charset="0"/>
+              </a:rPr>
+              <a:t>Lack of drug knowledge.</a:t>
+            </a:r>
+          </a:p>
+          <a:p>
+            <a:r>
+              <a:rPr lang="en-US" dirty="0">
+                <a:latin typeface="Arial" panose="020B0604020202020204" pitchFamily="34" charset="0"/>
+                <a:cs typeface="Arial" panose="020B0604020202020204" pitchFamily="34" charset="0"/>
+              </a:rPr>
+              <a:t>Difficulty for user in finding their required medicine.</a:t>
+            </a:r>
+          </a:p>
+          <a:p>
+            <a:r>
+              <a:rPr lang="en-US" dirty="0">
+                <a:latin typeface="Arial" panose="020B0604020202020204" pitchFamily="34" charset="0"/>
+                <a:cs typeface="Arial" panose="020B0604020202020204" pitchFamily="34" charset="0"/>
+              </a:rPr>
+              <a:t>Less reliable for correct medication</a:t>
+            </a:r>
+          </a:p>
+          <a:p>
+            <a:endParaRPr lang="en-US" dirty="0">
+              <a:latin typeface="Arial" panose="020B0604020202020204" pitchFamily="34" charset="0"/>
+              <a:cs typeface="Arial" panose="020B0604020202020204" pitchFamily="34" charset="0"/>
+            </a:endParaRPr>
+          </a:p>
+          <a:p>
+            <a:endParaRPr lang="en-US" dirty="0">
+              <a:latin typeface="Arial" panose="020B0604020202020204" pitchFamily="34" charset="0"/>
+              <a:cs typeface="Arial" panose="020B0604020202020204" pitchFamily="34" charset="0"/>
+            </a:endParaRPr>
+          </a:p>
+          <a:p>
+            <a:endParaRPr lang="en-US" dirty="0">
+              <a:latin typeface="Arial" panose="020B0604020202020204" pitchFamily="34" charset="0"/>
+              <a:cs typeface="Arial" panose="020B0604020202020204" pitchFamily="34" charset="0"/>
+            </a:endParaRPr>
+          </a:p>
+          <a:p>
+            <a:endParaRPr lang="en-US" dirty="0">
+              <a:latin typeface="Arial" panose="020B0604020202020204" pitchFamily="34" charset="0"/>
+              <a:cs typeface="Arial" panose="020B0604020202020204" pitchFamily="34" charset="0"/>
+            </a:endParaRPr>
           </a:p>
         </p:txBody>
       </p:sp>
     </p:spTree>
     <p:extLst>
       <p:ext uri="{BB962C8B-B14F-4D97-AF65-F5344CB8AC3E}">
-        <p14:creationId xmlns:p14="http://schemas.microsoft.com/office/powerpoint/2010/main" val="2717478459"/>
+        <p14:creationId xmlns:p14="http://schemas.microsoft.com/office/powerpoint/2010/main" val="3273941016"/>
+      </p:ext>
+    </p:extLst>
+  </p:cSld>
+  <p:clrMapOvr>
+    <a:masterClrMapping/>
+  </p:clrMapOvr>
+</p:sld>
+</file>
+
+<file path=ppt/slides/slide30.xml><?xml version="1.0" encoding="utf-8"?>
+<p:sld xmlns:a="http://schemas.openxmlformats.org/drawingml/2006/main" xmlns:r="http://schemas.openxmlformats.org/officeDocument/2006/relationships" xmlns:p="http://schemas.openxmlformats.org/presentationml/2006/main">
+  <p:cSld>
+    <p:spTree>
+      <p:nvGrpSpPr>
+        <p:cNvPr id="1" name=""/>
+        <p:cNvGrpSpPr/>
+        <p:nvPr/>
+      </p:nvGrpSpPr>
+      <p:grpSpPr>
+        <a:xfrm>
+          <a:off x="0" y="0"/>
+          <a:ext cx="0" cy="0"/>
+          <a:chOff x="0" y="0"/>
+          <a:chExt cx="0" cy="0"/>
+        </a:xfrm>
+      </p:grpSpPr>
+      <p:sp>
+        <p:nvSpPr>
+          <p:cNvPr id="2" name="Title 1">
+            <a:extLst>
+              <a:ext uri="{FF2B5EF4-FFF2-40B4-BE49-F238E27FC236}">
+                <a16:creationId xmlns:a16="http://schemas.microsoft.com/office/drawing/2014/main" id="{EFCD2672-A4F7-4CD7-AC3D-28C7A3ADA034}"/>
+              </a:ext>
+            </a:extLst>
+          </p:cNvPr>
+          <p:cNvSpPr>
+            <a:spLocks noGrp="1"/>
+          </p:cNvSpPr>
+          <p:nvPr>
+            <p:ph type="title"/>
+          </p:nvPr>
+        </p:nvSpPr>
+        <p:spPr/>
+        <p:txBody>
+          <a:bodyPr/>
+          <a:lstStyle/>
+          <a:p>
+            <a:endParaRPr lang="en-US"/>
+          </a:p>
+        </p:txBody>
+      </p:sp>
+      <p:sp>
+        <p:nvSpPr>
+          <p:cNvPr id="3" name="Picture Placeholder 2">
+            <a:extLst>
+              <a:ext uri="{FF2B5EF4-FFF2-40B4-BE49-F238E27FC236}">
+                <a16:creationId xmlns:a16="http://schemas.microsoft.com/office/drawing/2014/main" id="{5D7563EE-BC50-493A-A373-735A8A072D3C}"/>
+              </a:ext>
+            </a:extLst>
+          </p:cNvPr>
+          <p:cNvSpPr>
+            <a:spLocks noGrp="1"/>
+          </p:cNvSpPr>
+          <p:nvPr>
+            <p:ph type="pic" idx="1"/>
+          </p:nvPr>
+        </p:nvSpPr>
+        <p:spPr/>
+      </p:sp>
+      <p:sp>
+        <p:nvSpPr>
+          <p:cNvPr id="4" name="Text Placeholder 3">
+            <a:extLst>
+              <a:ext uri="{FF2B5EF4-FFF2-40B4-BE49-F238E27FC236}">
+                <a16:creationId xmlns:a16="http://schemas.microsoft.com/office/drawing/2014/main" id="{110A8C58-AF77-4C12-AA9C-5E0F80BCDF5B}"/>
+              </a:ext>
+            </a:extLst>
+          </p:cNvPr>
+          <p:cNvSpPr>
+            <a:spLocks noGrp="1"/>
+          </p:cNvSpPr>
+          <p:nvPr>
+            <p:ph type="body" sz="half" idx="2"/>
+          </p:nvPr>
+        </p:nvSpPr>
+        <p:spPr/>
+        <p:txBody>
+          <a:bodyPr/>
+          <a:lstStyle/>
+          <a:p>
+            <a:endParaRPr lang="en-US"/>
+          </a:p>
+        </p:txBody>
+      </p:sp>
+    </p:spTree>
+    <p:extLst>
+      <p:ext uri="{BB962C8B-B14F-4D97-AF65-F5344CB8AC3E}">
+        <p14:creationId xmlns:p14="http://schemas.microsoft.com/office/powerpoint/2010/main" val="2898451970"/>
+      </p:ext>
+    </p:extLst>
+  </p:cSld>
+  <p:clrMapOvr>
+    <a:masterClrMapping/>
+  </p:clrMapOvr>
+</p:sld>
+</file>
+
+<file path=ppt/slides/slide31.xml><?xml version="1.0" encoding="utf-8"?>
+<p:sld xmlns:a="http://schemas.openxmlformats.org/drawingml/2006/main" xmlns:r="http://schemas.openxmlformats.org/officeDocument/2006/relationships" xmlns:p="http://schemas.openxmlformats.org/presentationml/2006/main">
+  <p:cSld>
+    <p:spTree>
+      <p:nvGrpSpPr>
+        <p:cNvPr id="1" name=""/>
+        <p:cNvGrpSpPr/>
+        <p:nvPr/>
+      </p:nvGrpSpPr>
+      <p:grpSpPr>
+        <a:xfrm>
+          <a:off x="0" y="0"/>
+          <a:ext cx="0" cy="0"/>
+          <a:chOff x="0" y="0"/>
+          <a:chExt cx="0" cy="0"/>
+        </a:xfrm>
+      </p:grpSpPr>
+      <p:sp>
+        <p:nvSpPr>
+          <p:cNvPr id="2" name="Title 1">
+            <a:extLst>
+              <a:ext uri="{FF2B5EF4-FFF2-40B4-BE49-F238E27FC236}">
+                <a16:creationId xmlns:a16="http://schemas.microsoft.com/office/drawing/2014/main" id="{DDC9D10A-5C64-4299-B8CA-56C13F54FB0C}"/>
+              </a:ext>
+            </a:extLst>
+          </p:cNvPr>
+          <p:cNvSpPr>
+            <a:spLocks noGrp="1"/>
+          </p:cNvSpPr>
+          <p:nvPr>
+            <p:ph type="title"/>
+          </p:nvPr>
+        </p:nvSpPr>
+        <p:spPr/>
+        <p:txBody>
+          <a:bodyPr/>
+          <a:lstStyle/>
+          <a:p>
+            <a:endParaRPr lang="en-US"/>
+          </a:p>
+        </p:txBody>
+      </p:sp>
+      <p:sp>
+        <p:nvSpPr>
+          <p:cNvPr id="3" name="Picture Placeholder 2">
+            <a:extLst>
+              <a:ext uri="{FF2B5EF4-FFF2-40B4-BE49-F238E27FC236}">
+                <a16:creationId xmlns:a16="http://schemas.microsoft.com/office/drawing/2014/main" id="{E5400C45-7B49-42B1-9E39-FEB42CE8A0A1}"/>
+              </a:ext>
+            </a:extLst>
+          </p:cNvPr>
+          <p:cNvSpPr>
+            <a:spLocks noGrp="1"/>
+          </p:cNvSpPr>
+          <p:nvPr>
+            <p:ph type="pic" idx="1"/>
+          </p:nvPr>
+        </p:nvSpPr>
+        <p:spPr/>
+      </p:sp>
+      <p:sp>
+        <p:nvSpPr>
+          <p:cNvPr id="4" name="Text Placeholder 3">
+            <a:extLst>
+              <a:ext uri="{FF2B5EF4-FFF2-40B4-BE49-F238E27FC236}">
+                <a16:creationId xmlns:a16="http://schemas.microsoft.com/office/drawing/2014/main" id="{C7F40BE6-AE39-45CE-8FE0-1C580DD8A216}"/>
+              </a:ext>
+            </a:extLst>
+          </p:cNvPr>
+          <p:cNvSpPr>
+            <a:spLocks noGrp="1"/>
+          </p:cNvSpPr>
+          <p:nvPr>
+            <p:ph type="body" sz="half" idx="2"/>
+          </p:nvPr>
+        </p:nvSpPr>
+        <p:spPr/>
+        <p:txBody>
+          <a:bodyPr/>
+          <a:lstStyle/>
+          <a:p>
+            <a:endParaRPr lang="en-US"/>
+          </a:p>
+        </p:txBody>
+      </p:sp>
+    </p:spTree>
+    <p:extLst>
+      <p:ext uri="{BB962C8B-B14F-4D97-AF65-F5344CB8AC3E}">
+        <p14:creationId xmlns:p14="http://schemas.microsoft.com/office/powerpoint/2010/main" val="530341613"/>
+      </p:ext>
+    </p:extLst>
+  </p:cSld>
+  <p:clrMapOvr>
+    <a:masterClrMapping/>
+  </p:clrMapOvr>
+</p:sld>
+</file>
+
+<file path=ppt/slides/slide32.xml><?xml version="1.0" encoding="utf-8"?>
+<p:sld xmlns:a="http://schemas.openxmlformats.org/drawingml/2006/main" xmlns:r="http://schemas.openxmlformats.org/officeDocument/2006/relationships" xmlns:p="http://schemas.openxmlformats.org/presentationml/2006/main">
+  <p:cSld>
+    <p:spTree>
+      <p:nvGrpSpPr>
+        <p:cNvPr id="1" name=""/>
+        <p:cNvGrpSpPr/>
+        <p:nvPr/>
+      </p:nvGrpSpPr>
+      <p:grpSpPr>
+        <a:xfrm>
+          <a:off x="0" y="0"/>
+          <a:ext cx="0" cy="0"/>
+          <a:chOff x="0" y="0"/>
+          <a:chExt cx="0" cy="0"/>
+        </a:xfrm>
+      </p:grpSpPr>
+      <p:sp>
+        <p:nvSpPr>
+          <p:cNvPr id="2" name="Title 1">
+            <a:extLst>
+              <a:ext uri="{FF2B5EF4-FFF2-40B4-BE49-F238E27FC236}">
+                <a16:creationId xmlns:a16="http://schemas.microsoft.com/office/drawing/2014/main" id="{C8008DF3-1D5A-4345-9D49-A0B34037C392}"/>
+              </a:ext>
+            </a:extLst>
+          </p:cNvPr>
+          <p:cNvSpPr>
+            <a:spLocks noGrp="1"/>
+          </p:cNvSpPr>
+          <p:nvPr>
+            <p:ph type="title"/>
+          </p:nvPr>
+        </p:nvSpPr>
+        <p:spPr/>
+        <p:txBody>
+          <a:bodyPr/>
+          <a:lstStyle/>
+          <a:p>
+            <a:endParaRPr lang="en-US"/>
+          </a:p>
+        </p:txBody>
+      </p:sp>
+      <p:sp>
+        <p:nvSpPr>
+          <p:cNvPr id="3" name="Picture Placeholder 2">
+            <a:extLst>
+              <a:ext uri="{FF2B5EF4-FFF2-40B4-BE49-F238E27FC236}">
+                <a16:creationId xmlns:a16="http://schemas.microsoft.com/office/drawing/2014/main" id="{BADFA80F-41EC-49E7-9763-BF6E171AACF3}"/>
+              </a:ext>
+            </a:extLst>
+          </p:cNvPr>
+          <p:cNvSpPr>
+            <a:spLocks noGrp="1"/>
+          </p:cNvSpPr>
+          <p:nvPr>
+            <p:ph type="pic" idx="1"/>
+          </p:nvPr>
+        </p:nvSpPr>
+        <p:spPr/>
+      </p:sp>
+      <p:sp>
+        <p:nvSpPr>
+          <p:cNvPr id="4" name="Text Placeholder 3">
+            <a:extLst>
+              <a:ext uri="{FF2B5EF4-FFF2-40B4-BE49-F238E27FC236}">
+                <a16:creationId xmlns:a16="http://schemas.microsoft.com/office/drawing/2014/main" id="{0B833BDF-AAB8-48D2-93F9-6E93A8ADE8E6}"/>
+              </a:ext>
+            </a:extLst>
+          </p:cNvPr>
+          <p:cNvSpPr>
+            <a:spLocks noGrp="1"/>
+          </p:cNvSpPr>
+          <p:nvPr>
+            <p:ph type="body" sz="half" idx="2"/>
+          </p:nvPr>
+        </p:nvSpPr>
+        <p:spPr/>
+        <p:txBody>
+          <a:bodyPr/>
+          <a:lstStyle/>
+          <a:p>
+            <a:endParaRPr lang="en-US"/>
+          </a:p>
+        </p:txBody>
+      </p:sp>
+    </p:spTree>
+    <p:extLst>
+      <p:ext uri="{BB962C8B-B14F-4D97-AF65-F5344CB8AC3E}">
+        <p14:creationId xmlns:p14="http://schemas.microsoft.com/office/powerpoint/2010/main" val="4150970551"/>
+      </p:ext>
+    </p:extLst>
+  </p:cSld>
+  <p:clrMapOvr>
+    <a:masterClrMapping/>
+  </p:clrMapOvr>
+</p:sld>
+</file>
+
+<file path=ppt/slides/slide33.xml><?xml version="1.0" encoding="utf-8"?>
+<p:sld xmlns:a="http://schemas.openxmlformats.org/drawingml/2006/main" xmlns:r="http://schemas.openxmlformats.org/officeDocument/2006/relationships" xmlns:p="http://schemas.openxmlformats.org/presentationml/2006/main">
+  <p:cSld>
+    <p:spTree>
+      <p:nvGrpSpPr>
+        <p:cNvPr id="1" name=""/>
+        <p:cNvGrpSpPr/>
+        <p:nvPr/>
+      </p:nvGrpSpPr>
+      <p:grpSpPr>
+        <a:xfrm>
+          <a:off x="0" y="0"/>
+          <a:ext cx="0" cy="0"/>
+          <a:chOff x="0" y="0"/>
+          <a:chExt cx="0" cy="0"/>
+        </a:xfrm>
+      </p:grpSpPr>
+      <p:sp>
+        <p:nvSpPr>
+          <p:cNvPr id="2" name="Title 1">
+            <a:extLst>
+              <a:ext uri="{FF2B5EF4-FFF2-40B4-BE49-F238E27FC236}">
+                <a16:creationId xmlns:a16="http://schemas.microsoft.com/office/drawing/2014/main" id="{D641C548-0BA5-4765-9B72-9AC871843DDF}"/>
+              </a:ext>
+            </a:extLst>
+          </p:cNvPr>
+          <p:cNvSpPr>
+            <a:spLocks noGrp="1"/>
+          </p:cNvSpPr>
+          <p:nvPr>
+            <p:ph type="title"/>
+          </p:nvPr>
+        </p:nvSpPr>
+        <p:spPr>
+          <a:xfrm>
+            <a:off x="1141412" y="400050"/>
+            <a:ext cx="9905998" cy="1049338"/>
+          </a:xfrm>
+        </p:spPr>
+        <p:txBody>
+          <a:bodyPr/>
+          <a:lstStyle/>
+          <a:p>
+            <a:r>
+              <a:rPr lang="en-US" dirty="0"/>
+              <a:t>Coding and its ui design</a:t>
+            </a:r>
+          </a:p>
+        </p:txBody>
+      </p:sp>
+      <p:sp>
+        <p:nvSpPr>
+          <p:cNvPr id="3" name="Content Placeholder 2">
+            <a:extLst>
+              <a:ext uri="{FF2B5EF4-FFF2-40B4-BE49-F238E27FC236}">
+                <a16:creationId xmlns:a16="http://schemas.microsoft.com/office/drawing/2014/main" id="{AE5B442C-9717-4DA6-93BC-F7C288E743BB}"/>
+              </a:ext>
+            </a:extLst>
+          </p:cNvPr>
+          <p:cNvSpPr>
+            <a:spLocks noGrp="1"/>
+          </p:cNvSpPr>
+          <p:nvPr>
+            <p:ph idx="1"/>
+          </p:nvPr>
+        </p:nvSpPr>
+        <p:spPr>
+          <a:xfrm>
+            <a:off x="1143000" y="1658143"/>
+            <a:ext cx="9905999" cy="3541714"/>
+          </a:xfrm>
+        </p:spPr>
+        <p:txBody>
+          <a:bodyPr/>
+          <a:lstStyle/>
+          <a:p>
+            <a:endParaRPr lang="en-US" dirty="0"/>
+          </a:p>
+        </p:txBody>
+      </p:sp>
+    </p:spTree>
+    <p:extLst>
+      <p:ext uri="{BB962C8B-B14F-4D97-AF65-F5344CB8AC3E}">
+        <p14:creationId xmlns:p14="http://schemas.microsoft.com/office/powerpoint/2010/main" val="1938924297"/>
+      </p:ext>
+    </p:extLst>
+  </p:cSld>
+  <p:clrMapOvr>
+    <a:masterClrMapping/>
+  </p:clrMapOvr>
+</p:sld>
+</file>
+
+<file path=ppt/slides/slide34.xml><?xml version="1.0" encoding="utf-8"?>
+<p:sld xmlns:a="http://schemas.openxmlformats.org/drawingml/2006/main" xmlns:r="http://schemas.openxmlformats.org/officeDocument/2006/relationships" xmlns:p="http://schemas.openxmlformats.org/presentationml/2006/main">
+  <p:cSld>
+    <p:spTree>
+      <p:nvGrpSpPr>
+        <p:cNvPr id="1" name=""/>
+        <p:cNvGrpSpPr/>
+        <p:nvPr/>
+      </p:nvGrpSpPr>
+      <p:grpSpPr>
+        <a:xfrm>
+          <a:off x="0" y="0"/>
+          <a:ext cx="0" cy="0"/>
+          <a:chOff x="0" y="0"/>
+          <a:chExt cx="0" cy="0"/>
+        </a:xfrm>
+      </p:grpSpPr>
+    </p:spTree>
+    <p:extLst>
+      <p:ext uri="{BB962C8B-B14F-4D97-AF65-F5344CB8AC3E}">
+        <p14:creationId xmlns:p14="http://schemas.microsoft.com/office/powerpoint/2010/main" val="4149811341"/>
+      </p:ext>
+    </p:extLst>
+  </p:cSld>
+  <p:clrMapOvr>
+    <a:masterClrMapping/>
+  </p:clrMapOvr>
+</p:sld>
+</file>
+
+<file path=ppt/slides/slide35.xml><?xml version="1.0" encoding="utf-8"?>
+<p:sld xmlns:a="http://schemas.openxmlformats.org/drawingml/2006/main" xmlns:r="http://schemas.openxmlformats.org/officeDocument/2006/relationships" xmlns:p="http://schemas.openxmlformats.org/presentationml/2006/main">
+  <p:cSld>
+    <p:spTree>
+      <p:nvGrpSpPr>
+        <p:cNvPr id="1" name=""/>
+        <p:cNvGrpSpPr/>
+        <p:nvPr/>
+      </p:nvGrpSpPr>
+      <p:grpSpPr>
+        <a:xfrm>
+          <a:off x="0" y="0"/>
+          <a:ext cx="0" cy="0"/>
+          <a:chOff x="0" y="0"/>
+          <a:chExt cx="0" cy="0"/>
+        </a:xfrm>
+      </p:grpSpPr>
+    </p:spTree>
+    <p:extLst>
+      <p:ext uri="{BB962C8B-B14F-4D97-AF65-F5344CB8AC3E}">
+        <p14:creationId xmlns:p14="http://schemas.microsoft.com/office/powerpoint/2010/main" val="3985281872"/>
+      </p:ext>
+    </p:extLst>
+  </p:cSld>
+  <p:clrMapOvr>
+    <a:masterClrMapping/>
+  </p:clrMapOvr>
+</p:sld>
+</file>
+
+<file path=ppt/slides/slide36.xml><?xml version="1.0" encoding="utf-8"?>
+<p:sld xmlns:a="http://schemas.openxmlformats.org/drawingml/2006/main" xmlns:r="http://schemas.openxmlformats.org/officeDocument/2006/relationships" xmlns:p="http://schemas.openxmlformats.org/presentationml/2006/main">
+  <p:cSld>
+    <p:spTree>
+      <p:nvGrpSpPr>
+        <p:cNvPr id="1" name=""/>
+        <p:cNvGrpSpPr/>
+        <p:nvPr/>
+      </p:nvGrpSpPr>
+      <p:grpSpPr>
+        <a:xfrm>
+          <a:off x="0" y="0"/>
+          <a:ext cx="0" cy="0"/>
+          <a:chOff x="0" y="0"/>
+          <a:chExt cx="0" cy="0"/>
+        </a:xfrm>
+      </p:grpSpPr>
+    </p:spTree>
+    <p:extLst>
+      <p:ext uri="{BB962C8B-B14F-4D97-AF65-F5344CB8AC3E}">
+        <p14:creationId xmlns:p14="http://schemas.microsoft.com/office/powerpoint/2010/main" val="2276985824"/>
+      </p:ext>
+    </p:extLst>
+  </p:cSld>
+  <p:clrMapOvr>
+    <a:masterClrMapping/>
+  </p:clrMapOvr>
+</p:sld>
+</file>
+
+<file path=ppt/slides/slide37.xml><?xml version="1.0" encoding="utf-8"?>
+<p:sld xmlns:a="http://schemas.openxmlformats.org/drawingml/2006/main" xmlns:r="http://schemas.openxmlformats.org/officeDocument/2006/relationships" xmlns:p="http://schemas.openxmlformats.org/presentationml/2006/main">
+  <p:cSld>
+    <p:spTree>
+      <p:nvGrpSpPr>
+        <p:cNvPr id="1" name=""/>
+        <p:cNvGrpSpPr/>
+        <p:nvPr/>
+      </p:nvGrpSpPr>
+      <p:grpSpPr>
+        <a:xfrm>
+          <a:off x="0" y="0"/>
+          <a:ext cx="0" cy="0"/>
+          <a:chOff x="0" y="0"/>
+          <a:chExt cx="0" cy="0"/>
+        </a:xfrm>
+      </p:grpSpPr>
+      <p:sp>
+        <p:nvSpPr>
+          <p:cNvPr id="2" name="Title 1">
+            <a:extLst>
+              <a:ext uri="{FF2B5EF4-FFF2-40B4-BE49-F238E27FC236}">
+                <a16:creationId xmlns:a16="http://schemas.microsoft.com/office/drawing/2014/main" id="{44664711-4F0A-4858-A435-AA07CE9FE8B4}"/>
+              </a:ext>
+            </a:extLst>
+          </p:cNvPr>
+          <p:cNvSpPr>
+            <a:spLocks noGrp="1"/>
+          </p:cNvSpPr>
+          <p:nvPr>
+            <p:ph type="title"/>
+          </p:nvPr>
+        </p:nvSpPr>
+        <p:spPr>
+          <a:xfrm>
+            <a:off x="1143001" y="361343"/>
+            <a:ext cx="9905998" cy="924532"/>
+          </a:xfrm>
+        </p:spPr>
+        <p:txBody>
+          <a:bodyPr/>
+          <a:lstStyle/>
+          <a:p>
+            <a:r>
+              <a:rPr lang="en-US" dirty="0">
+                <a:latin typeface="Arial" panose="020B0604020202020204" pitchFamily="34" charset="0"/>
+                <a:cs typeface="Arial" panose="020B0604020202020204" pitchFamily="34" charset="0"/>
+              </a:rPr>
+              <a:t>Test cases</a:t>
+            </a:r>
+          </a:p>
+        </p:txBody>
+      </p:sp>
+      <p:sp>
+        <p:nvSpPr>
+          <p:cNvPr id="3" name="Content Placeholder 2">
+            <a:extLst>
+              <a:ext uri="{FF2B5EF4-FFF2-40B4-BE49-F238E27FC236}">
+                <a16:creationId xmlns:a16="http://schemas.microsoft.com/office/drawing/2014/main" id="{2250339F-B7B0-41AA-8759-A7154FFCC94E}"/>
+              </a:ext>
+            </a:extLst>
+          </p:cNvPr>
+          <p:cNvSpPr>
+            <a:spLocks noGrp="1"/>
+          </p:cNvSpPr>
+          <p:nvPr>
+            <p:ph idx="1"/>
+          </p:nvPr>
+        </p:nvSpPr>
+        <p:spPr>
+          <a:xfrm>
+            <a:off x="1143001" y="1487487"/>
+            <a:ext cx="9905999" cy="3541714"/>
+          </a:xfrm>
+        </p:spPr>
+        <p:txBody>
+          <a:bodyPr/>
+          <a:lstStyle/>
+          <a:p>
+            <a:endParaRPr lang="en-US">
+              <a:latin typeface="Arial" panose="020B0604020202020204" pitchFamily="34" charset="0"/>
+              <a:cs typeface="Arial" panose="020B0604020202020204" pitchFamily="34" charset="0"/>
+            </a:endParaRPr>
+          </a:p>
+        </p:txBody>
+      </p:sp>
+    </p:spTree>
+    <p:extLst>
+      <p:ext uri="{BB962C8B-B14F-4D97-AF65-F5344CB8AC3E}">
+        <p14:creationId xmlns:p14="http://schemas.microsoft.com/office/powerpoint/2010/main" val="2911294904"/>
+      </p:ext>
+    </p:extLst>
+  </p:cSld>
+  <p:clrMapOvr>
+    <a:masterClrMapping/>
+  </p:clrMapOvr>
+</p:sld>
+</file>
+
+<file path=ppt/slides/slide38.xml><?xml version="1.0" encoding="utf-8"?>
+<p:sld xmlns:a="http://schemas.openxmlformats.org/drawingml/2006/main" xmlns:r="http://schemas.openxmlformats.org/officeDocument/2006/relationships" xmlns:p="http://schemas.openxmlformats.org/presentationml/2006/main">
+  <p:cSld>
+    <p:spTree>
+      <p:nvGrpSpPr>
+        <p:cNvPr id="1" name=""/>
+        <p:cNvGrpSpPr/>
+        <p:nvPr/>
+      </p:nvGrpSpPr>
+      <p:grpSpPr>
+        <a:xfrm>
+          <a:off x="0" y="0"/>
+          <a:ext cx="0" cy="0"/>
+          <a:chOff x="0" y="0"/>
+          <a:chExt cx="0" cy="0"/>
+        </a:xfrm>
+      </p:grpSpPr>
+      <p:sp>
+        <p:nvSpPr>
+          <p:cNvPr id="2" name="Title 1">
+            <a:extLst>
+              <a:ext uri="{FF2B5EF4-FFF2-40B4-BE49-F238E27FC236}">
+                <a16:creationId xmlns:a16="http://schemas.microsoft.com/office/drawing/2014/main" id="{4E98BAD5-5412-4078-9038-85B6723E8D22}"/>
+              </a:ext>
+            </a:extLst>
+          </p:cNvPr>
+          <p:cNvSpPr>
+            <a:spLocks noGrp="1"/>
+          </p:cNvSpPr>
+          <p:nvPr>
+            <p:ph type="title"/>
+          </p:nvPr>
+        </p:nvSpPr>
+        <p:spPr>
+          <a:xfrm>
+            <a:off x="1141413" y="294668"/>
+            <a:ext cx="9905998" cy="1048357"/>
+          </a:xfrm>
+        </p:spPr>
+        <p:txBody>
+          <a:bodyPr/>
+          <a:lstStyle/>
+          <a:p>
+            <a:r>
+              <a:rPr lang="en-US" dirty="0">
+                <a:latin typeface="Arial" panose="020B0604020202020204" pitchFamily="34" charset="0"/>
+                <a:cs typeface="Arial" panose="020B0604020202020204" pitchFamily="34" charset="0"/>
+              </a:rPr>
+              <a:t>Future work</a:t>
+            </a:r>
+          </a:p>
+        </p:txBody>
+      </p:sp>
+      <p:sp>
+        <p:nvSpPr>
+          <p:cNvPr id="3" name="Content Placeholder 2">
+            <a:extLst>
+              <a:ext uri="{FF2B5EF4-FFF2-40B4-BE49-F238E27FC236}">
+                <a16:creationId xmlns:a16="http://schemas.microsoft.com/office/drawing/2014/main" id="{D0034F5F-4075-45F0-B953-6F29F74F2D8C}"/>
+              </a:ext>
+            </a:extLst>
+          </p:cNvPr>
+          <p:cNvSpPr>
+            <a:spLocks noGrp="1"/>
+          </p:cNvSpPr>
+          <p:nvPr>
+            <p:ph idx="1"/>
+          </p:nvPr>
+        </p:nvSpPr>
+        <p:spPr>
+          <a:xfrm>
+            <a:off x="1141413" y="1582737"/>
+            <a:ext cx="9905999" cy="3541714"/>
+          </a:xfrm>
+        </p:spPr>
+        <p:txBody>
+          <a:bodyPr/>
+          <a:lstStyle/>
+          <a:p>
+            <a:endParaRPr lang="en-US" dirty="0">
+              <a:latin typeface="Arial" panose="020B0604020202020204" pitchFamily="34" charset="0"/>
+              <a:cs typeface="Arial" panose="020B0604020202020204" pitchFamily="34" charset="0"/>
+            </a:endParaRPr>
+          </a:p>
+        </p:txBody>
+      </p:sp>
+    </p:spTree>
+    <p:extLst>
+      <p:ext uri="{BB962C8B-B14F-4D97-AF65-F5344CB8AC3E}">
+        <p14:creationId xmlns:p14="http://schemas.microsoft.com/office/powerpoint/2010/main" val="1802389579"/>
+      </p:ext>
+    </p:extLst>
+  </p:cSld>
+  <p:clrMapOvr>
+    <a:masterClrMapping/>
+  </p:clrMapOvr>
+</p:sld>
+</file>
+
+<file path=ppt/slides/slide39.xml><?xml version="1.0" encoding="utf-8"?>
+<p:sld xmlns:a="http://schemas.openxmlformats.org/drawingml/2006/main" xmlns:r="http://schemas.openxmlformats.org/officeDocument/2006/relationships" xmlns:p="http://schemas.openxmlformats.org/presentationml/2006/main">
+  <p:cSld>
+    <p:spTree>
+      <p:nvGrpSpPr>
+        <p:cNvPr id="1" name=""/>
+        <p:cNvGrpSpPr/>
+        <p:nvPr/>
+      </p:nvGrpSpPr>
+      <p:grpSpPr>
+        <a:xfrm>
+          <a:off x="0" y="0"/>
+          <a:ext cx="0" cy="0"/>
+          <a:chOff x="0" y="0"/>
+          <a:chExt cx="0" cy="0"/>
+        </a:xfrm>
+      </p:grpSpPr>
+      <p:sp>
+        <p:nvSpPr>
+          <p:cNvPr id="2" name="Title 1">
+            <a:extLst>
+              <a:ext uri="{FF2B5EF4-FFF2-40B4-BE49-F238E27FC236}">
+                <a16:creationId xmlns:a16="http://schemas.microsoft.com/office/drawing/2014/main" id="{06A34261-0AC8-4C03-AB42-9D07A9850B29}"/>
+              </a:ext>
+            </a:extLst>
+          </p:cNvPr>
+          <p:cNvSpPr>
+            <a:spLocks noGrp="1"/>
+          </p:cNvSpPr>
+          <p:nvPr>
+            <p:ph type="title"/>
+          </p:nvPr>
+        </p:nvSpPr>
+        <p:spPr>
+          <a:xfrm>
+            <a:off x="1141413" y="618518"/>
+            <a:ext cx="9905998" cy="1048357"/>
+          </a:xfrm>
+        </p:spPr>
+        <p:txBody>
+          <a:bodyPr/>
+          <a:lstStyle/>
+          <a:p>
+            <a:r>
+              <a:rPr lang="en-US" dirty="0">
+                <a:latin typeface="Arial" panose="020B0604020202020204" pitchFamily="34" charset="0"/>
+                <a:cs typeface="Arial" panose="020B0604020202020204" pitchFamily="34" charset="0"/>
+              </a:rPr>
+              <a:t>Limitation </a:t>
+            </a:r>
+          </a:p>
+        </p:txBody>
+      </p:sp>
+      <p:sp>
+        <p:nvSpPr>
+          <p:cNvPr id="3" name="Content Placeholder 2">
+            <a:extLst>
+              <a:ext uri="{FF2B5EF4-FFF2-40B4-BE49-F238E27FC236}">
+                <a16:creationId xmlns:a16="http://schemas.microsoft.com/office/drawing/2014/main" id="{D1BDBC79-AF01-4C08-B034-36571B91E97C}"/>
+              </a:ext>
+            </a:extLst>
+          </p:cNvPr>
+          <p:cNvSpPr>
+            <a:spLocks noGrp="1"/>
+          </p:cNvSpPr>
+          <p:nvPr>
+            <p:ph idx="1"/>
+          </p:nvPr>
+        </p:nvSpPr>
+        <p:spPr>
+          <a:xfrm>
+            <a:off x="1141413" y="1906587"/>
+            <a:ext cx="9905999" cy="3541714"/>
+          </a:xfrm>
+        </p:spPr>
+        <p:txBody>
+          <a:bodyPr/>
+          <a:lstStyle/>
+          <a:p>
+            <a:endParaRPr lang="en-US">
+              <a:latin typeface="Arial" panose="020B0604020202020204" pitchFamily="34" charset="0"/>
+              <a:cs typeface="Arial" panose="020B0604020202020204" pitchFamily="34" charset="0"/>
+            </a:endParaRPr>
+          </a:p>
+        </p:txBody>
+      </p:sp>
+    </p:spTree>
+    <p:extLst>
+      <p:ext uri="{BB962C8B-B14F-4D97-AF65-F5344CB8AC3E}">
+        <p14:creationId xmlns:p14="http://schemas.microsoft.com/office/powerpoint/2010/main" val="2010395731"/>
+      </p:ext>
+    </p:extLst>
+  </p:cSld>
+  <p:clrMapOvr>
+    <a:masterClrMapping/>
+  </p:clrMapOvr>
+</p:sld>
+</file>
+
+<file path=ppt/slides/slide4.xml><?xml version="1.0" encoding="utf-8"?>
+<p:sld xmlns:a="http://schemas.openxmlformats.org/drawingml/2006/main" xmlns:r="http://schemas.openxmlformats.org/officeDocument/2006/relationships" xmlns:p="http://schemas.openxmlformats.org/presentationml/2006/main">
+  <p:cSld>
+    <p:spTree>
+      <p:nvGrpSpPr>
+        <p:cNvPr id="1" name=""/>
+        <p:cNvGrpSpPr/>
+        <p:nvPr/>
+      </p:nvGrpSpPr>
+      <p:grpSpPr>
+        <a:xfrm>
+          <a:off x="0" y="0"/>
+          <a:ext cx="0" cy="0"/>
+          <a:chOff x="0" y="0"/>
+          <a:chExt cx="0" cy="0"/>
+        </a:xfrm>
+      </p:grpSpPr>
+      <p:sp>
+        <p:nvSpPr>
+          <p:cNvPr id="2" name="Title 1">
+            <a:extLst>
+              <a:ext uri="{FF2B5EF4-FFF2-40B4-BE49-F238E27FC236}">
+                <a16:creationId xmlns:a16="http://schemas.microsoft.com/office/drawing/2014/main" id="{2C5EBBAE-6AE2-4A86-AB64-069F4E34C562}"/>
+              </a:ext>
+            </a:extLst>
+          </p:cNvPr>
+          <p:cNvSpPr>
+            <a:spLocks noGrp="1"/>
+          </p:cNvSpPr>
+          <p:nvPr>
+            <p:ph type="title"/>
+          </p:nvPr>
+        </p:nvSpPr>
+        <p:spPr>
+          <a:xfrm>
+            <a:off x="1143001" y="208943"/>
+            <a:ext cx="9905998" cy="1478570"/>
+          </a:xfrm>
+        </p:spPr>
+        <p:txBody>
+          <a:bodyPr/>
+          <a:lstStyle/>
+          <a:p>
+            <a:r>
+              <a:rPr lang="en-US" dirty="0">
+                <a:latin typeface="Arial" panose="020B0604020202020204" pitchFamily="34" charset="0"/>
+                <a:cs typeface="Arial" panose="020B0604020202020204" pitchFamily="34" charset="0"/>
+              </a:rPr>
+              <a:t>Background of the project</a:t>
+            </a:r>
+          </a:p>
+        </p:txBody>
+      </p:sp>
+      <p:sp>
+        <p:nvSpPr>
+          <p:cNvPr id="3" name="Content Placeholder 2">
+            <a:extLst>
+              <a:ext uri="{FF2B5EF4-FFF2-40B4-BE49-F238E27FC236}">
+                <a16:creationId xmlns:a16="http://schemas.microsoft.com/office/drawing/2014/main" id="{ED254479-5F9D-4B5F-BEFB-F86623B8B74C}"/>
+              </a:ext>
+            </a:extLst>
+          </p:cNvPr>
+          <p:cNvSpPr>
+            <a:spLocks noGrp="1"/>
+          </p:cNvSpPr>
+          <p:nvPr>
+            <p:ph idx="1"/>
+          </p:nvPr>
+        </p:nvSpPr>
+        <p:spPr>
+          <a:xfrm>
+            <a:off x="1143001" y="1754187"/>
+            <a:ext cx="9905999" cy="4427537"/>
+          </a:xfrm>
+        </p:spPr>
+        <p:txBody>
+          <a:bodyPr/>
+          <a:lstStyle/>
+          <a:p>
+            <a:r>
+              <a:rPr lang="en-US" dirty="0">
+                <a:latin typeface="Arial" panose="020B0604020202020204" pitchFamily="34" charset="0"/>
+                <a:cs typeface="Arial" panose="020B0604020202020204" pitchFamily="34" charset="0"/>
+              </a:rPr>
+              <a:t>Both pharmacist and user can login into the system with unique email address.</a:t>
+            </a:r>
+          </a:p>
+          <a:p>
+            <a:r>
+              <a:rPr lang="en-US" dirty="0">
+                <a:latin typeface="Arial" panose="020B0604020202020204" pitchFamily="34" charset="0"/>
+                <a:cs typeface="Arial" panose="020B0604020202020204" pitchFamily="34" charset="0"/>
+              </a:rPr>
+              <a:t>Adding, updating and deleting medicine information are managed by pharmacist.</a:t>
+            </a:r>
+          </a:p>
+          <a:p>
+            <a:r>
+              <a:rPr lang="en-US" dirty="0">
+                <a:latin typeface="Arial" panose="020B0604020202020204" pitchFamily="34" charset="0"/>
+                <a:cs typeface="Arial" panose="020B0604020202020204" pitchFamily="34" charset="0"/>
+              </a:rPr>
+              <a:t>User can search and view medicine detail and can place their order.</a:t>
+            </a:r>
+          </a:p>
+          <a:p>
+            <a:r>
+              <a:rPr lang="en-US" dirty="0">
+                <a:latin typeface="Arial" panose="020B0604020202020204" pitchFamily="34" charset="0"/>
+                <a:cs typeface="Arial" panose="020B0604020202020204" pitchFamily="34" charset="0"/>
+              </a:rPr>
+              <a:t>Automated bill generation.</a:t>
+            </a:r>
+          </a:p>
+          <a:p>
+            <a:endParaRPr lang="en-US" dirty="0">
+              <a:latin typeface="Arial" panose="020B0604020202020204" pitchFamily="34" charset="0"/>
+              <a:cs typeface="Arial" panose="020B0604020202020204" pitchFamily="34" charset="0"/>
+            </a:endParaRPr>
+          </a:p>
+          <a:p>
+            <a:endParaRPr lang="en-US" dirty="0">
+              <a:latin typeface="Arial" panose="020B0604020202020204" pitchFamily="34" charset="0"/>
+              <a:cs typeface="Arial" panose="020B0604020202020204" pitchFamily="34" charset="0"/>
+            </a:endParaRPr>
+          </a:p>
+        </p:txBody>
+      </p:sp>
+    </p:spTree>
+    <p:extLst>
+      <p:ext uri="{BB962C8B-B14F-4D97-AF65-F5344CB8AC3E}">
+        <p14:creationId xmlns:p14="http://schemas.microsoft.com/office/powerpoint/2010/main" val="2268040905"/>
+      </p:ext>
+    </p:extLst>
+  </p:cSld>
+  <p:clrMapOvr>
+    <a:masterClrMapping/>
+  </p:clrMapOvr>
+</p:sld>
+</file>
+
+<file path=ppt/slides/slide40.xml><?xml version="1.0" encoding="utf-8"?>
+<p:sld xmlns:a="http://schemas.openxmlformats.org/drawingml/2006/main" xmlns:r="http://schemas.openxmlformats.org/officeDocument/2006/relationships" xmlns:p="http://schemas.openxmlformats.org/presentationml/2006/main">
+  <p:cSld>
+    <p:spTree>
+      <p:nvGrpSpPr>
+        <p:cNvPr id="1" name=""/>
+        <p:cNvGrpSpPr/>
+        <p:nvPr/>
+      </p:nvGrpSpPr>
+      <p:grpSpPr>
+        <a:xfrm>
+          <a:off x="0" y="0"/>
+          <a:ext cx="0" cy="0"/>
+          <a:chOff x="0" y="0"/>
+          <a:chExt cx="0" cy="0"/>
+        </a:xfrm>
+      </p:grpSpPr>
+      <p:sp>
+        <p:nvSpPr>
+          <p:cNvPr id="2" name="Title 1">
+            <a:extLst>
+              <a:ext uri="{FF2B5EF4-FFF2-40B4-BE49-F238E27FC236}">
+                <a16:creationId xmlns:a16="http://schemas.microsoft.com/office/drawing/2014/main" id="{E129C55A-1DAF-4427-8186-52710364D7A5}"/>
+              </a:ext>
+            </a:extLst>
+          </p:cNvPr>
+          <p:cNvSpPr>
+            <a:spLocks noGrp="1"/>
+          </p:cNvSpPr>
+          <p:nvPr>
+            <p:ph type="title"/>
+          </p:nvPr>
+        </p:nvSpPr>
+        <p:spPr>
+          <a:xfrm>
+            <a:off x="1141413" y="418493"/>
+            <a:ext cx="9905998" cy="1067407"/>
+          </a:xfrm>
+        </p:spPr>
+        <p:txBody>
+          <a:bodyPr/>
+          <a:lstStyle/>
+          <a:p>
+            <a:r>
+              <a:rPr lang="en-US" dirty="0">
+                <a:latin typeface="Arial" panose="020B0604020202020204" pitchFamily="34" charset="0"/>
+                <a:cs typeface="Arial" panose="020B0604020202020204" pitchFamily="34" charset="0"/>
+              </a:rPr>
+              <a:t>User manual </a:t>
+            </a:r>
+          </a:p>
+        </p:txBody>
+      </p:sp>
+      <p:sp>
+        <p:nvSpPr>
+          <p:cNvPr id="3" name="Content Placeholder 2">
+            <a:extLst>
+              <a:ext uri="{FF2B5EF4-FFF2-40B4-BE49-F238E27FC236}">
+                <a16:creationId xmlns:a16="http://schemas.microsoft.com/office/drawing/2014/main" id="{060BDCD0-AD2C-4350-88D0-6DBBDB7B4463}"/>
+              </a:ext>
+            </a:extLst>
+          </p:cNvPr>
+          <p:cNvSpPr>
+            <a:spLocks noGrp="1"/>
+          </p:cNvSpPr>
+          <p:nvPr>
+            <p:ph idx="1"/>
+          </p:nvPr>
+        </p:nvSpPr>
+        <p:spPr>
+          <a:xfrm>
+            <a:off x="1141411" y="1811337"/>
+            <a:ext cx="9905999" cy="3541714"/>
+          </a:xfrm>
+        </p:spPr>
+        <p:txBody>
+          <a:bodyPr/>
+          <a:lstStyle/>
+          <a:p>
+            <a:endParaRPr lang="en-US">
+              <a:latin typeface="Arial" panose="020B0604020202020204" pitchFamily="34" charset="0"/>
+              <a:cs typeface="Arial" panose="020B0604020202020204" pitchFamily="34" charset="0"/>
+            </a:endParaRPr>
+          </a:p>
+        </p:txBody>
+      </p:sp>
+    </p:spTree>
+    <p:extLst>
+      <p:ext uri="{BB962C8B-B14F-4D97-AF65-F5344CB8AC3E}">
+        <p14:creationId xmlns:p14="http://schemas.microsoft.com/office/powerpoint/2010/main" val="3483258742"/>
+      </p:ext>
+    </p:extLst>
+  </p:cSld>
+  <p:clrMapOvr>
+    <a:masterClrMapping/>
+  </p:clrMapOvr>
+</p:sld>
+</file>
+
+<file path=ppt/slides/slide41.xml><?xml version="1.0" encoding="utf-8"?>
+<p:sld xmlns:a="http://schemas.openxmlformats.org/drawingml/2006/main" xmlns:r="http://schemas.openxmlformats.org/officeDocument/2006/relationships" xmlns:p="http://schemas.openxmlformats.org/presentationml/2006/main">
+  <p:cSld>
+    <p:spTree>
+      <p:nvGrpSpPr>
+        <p:cNvPr id="1" name=""/>
+        <p:cNvGrpSpPr/>
+        <p:nvPr/>
+      </p:nvGrpSpPr>
+      <p:grpSpPr>
+        <a:xfrm>
+          <a:off x="0" y="0"/>
+          <a:ext cx="0" cy="0"/>
+          <a:chOff x="0" y="0"/>
+          <a:chExt cx="0" cy="0"/>
+        </a:xfrm>
+      </p:grpSpPr>
+      <p:sp>
+        <p:nvSpPr>
+          <p:cNvPr id="2" name="Title 1">
+            <a:extLst>
+              <a:ext uri="{FF2B5EF4-FFF2-40B4-BE49-F238E27FC236}">
+                <a16:creationId xmlns:a16="http://schemas.microsoft.com/office/drawing/2014/main" id="{482F2FAA-C271-4F15-9933-B5EDB3788E62}"/>
+              </a:ext>
+            </a:extLst>
+          </p:cNvPr>
+          <p:cNvSpPr>
+            <a:spLocks noGrp="1"/>
+          </p:cNvSpPr>
+          <p:nvPr>
+            <p:ph type="title"/>
+          </p:nvPr>
+        </p:nvSpPr>
+        <p:spPr>
+          <a:xfrm>
+            <a:off x="1141413" y="332768"/>
+            <a:ext cx="9905998" cy="1095982"/>
+          </a:xfrm>
+        </p:spPr>
+        <p:txBody>
+          <a:bodyPr/>
+          <a:lstStyle/>
+          <a:p>
+            <a:r>
+              <a:rPr lang="en-US" dirty="0">
+                <a:latin typeface="Arial" panose="020B0604020202020204" pitchFamily="34" charset="0"/>
+                <a:cs typeface="Arial" panose="020B0604020202020204" pitchFamily="34" charset="0"/>
+              </a:rPr>
+              <a:t>conclusion</a:t>
+            </a:r>
+          </a:p>
+        </p:txBody>
+      </p:sp>
+      <p:sp>
+        <p:nvSpPr>
+          <p:cNvPr id="3" name="Content Placeholder 2">
+            <a:extLst>
+              <a:ext uri="{FF2B5EF4-FFF2-40B4-BE49-F238E27FC236}">
+                <a16:creationId xmlns:a16="http://schemas.microsoft.com/office/drawing/2014/main" id="{36DBE5C2-1CB7-4BEE-8347-01808FAF2B05}"/>
+              </a:ext>
+            </a:extLst>
+          </p:cNvPr>
+          <p:cNvSpPr>
+            <a:spLocks noGrp="1"/>
+          </p:cNvSpPr>
+          <p:nvPr>
+            <p:ph idx="1"/>
+          </p:nvPr>
+        </p:nvSpPr>
+        <p:spPr>
+          <a:xfrm>
+            <a:off x="1141413" y="1563687"/>
+            <a:ext cx="9905999" cy="3541714"/>
+          </a:xfrm>
+        </p:spPr>
+        <p:txBody>
+          <a:bodyPr/>
+          <a:lstStyle/>
+          <a:p>
+            <a:endParaRPr lang="en-US" dirty="0">
+              <a:latin typeface="Arial" panose="020B0604020202020204" pitchFamily="34" charset="0"/>
+              <a:cs typeface="Arial" panose="020B0604020202020204" pitchFamily="34" charset="0"/>
+            </a:endParaRPr>
+          </a:p>
+        </p:txBody>
+      </p:sp>
+    </p:spTree>
+    <p:extLst>
+      <p:ext uri="{BB962C8B-B14F-4D97-AF65-F5344CB8AC3E}">
+        <p14:creationId xmlns:p14="http://schemas.microsoft.com/office/powerpoint/2010/main" val="2165210028"/>
+      </p:ext>
+    </p:extLst>
+  </p:cSld>
+  <p:clrMapOvr>
+    <a:masterClrMapping/>
+  </p:clrMapOvr>
+</p:sld>
+</file>
+
+<file path=ppt/slides/slide42.xml><?xml version="1.0" encoding="utf-8"?>
+<p:sld xmlns:a="http://schemas.openxmlformats.org/drawingml/2006/main" xmlns:r="http://schemas.openxmlformats.org/officeDocument/2006/relationships" xmlns:p="http://schemas.openxmlformats.org/presentationml/2006/main">
+  <p:cSld>
+    <p:spTree>
+      <p:nvGrpSpPr>
+        <p:cNvPr id="1" name=""/>
+        <p:cNvGrpSpPr/>
+        <p:nvPr/>
+      </p:nvGrpSpPr>
+      <p:grpSpPr>
+        <a:xfrm>
+          <a:off x="0" y="0"/>
+          <a:ext cx="0" cy="0"/>
+          <a:chOff x="0" y="0"/>
+          <a:chExt cx="0" cy="0"/>
+        </a:xfrm>
+      </p:grpSpPr>
+      <p:sp>
+        <p:nvSpPr>
+          <p:cNvPr id="2" name="Title 1">
+            <a:extLst>
+              <a:ext uri="{FF2B5EF4-FFF2-40B4-BE49-F238E27FC236}">
+                <a16:creationId xmlns:a16="http://schemas.microsoft.com/office/drawing/2014/main" id="{2BA57A25-E266-4164-8D30-5F03DDB5C165}"/>
+              </a:ext>
+            </a:extLst>
+          </p:cNvPr>
+          <p:cNvSpPr>
+            <a:spLocks noGrp="1"/>
+          </p:cNvSpPr>
+          <p:nvPr>
+            <p:ph type="title"/>
+          </p:nvPr>
+        </p:nvSpPr>
+        <p:spPr>
+          <a:xfrm>
+            <a:off x="1141413" y="618518"/>
+            <a:ext cx="9905998" cy="1172182"/>
+          </a:xfrm>
+        </p:spPr>
+        <p:txBody>
+          <a:bodyPr/>
+          <a:lstStyle/>
+          <a:p>
+            <a:r>
+              <a:rPr lang="en-US" dirty="0">
+                <a:latin typeface="Arial" panose="020B0604020202020204" pitchFamily="34" charset="0"/>
+                <a:cs typeface="Arial" panose="020B0604020202020204" pitchFamily="34" charset="0"/>
+              </a:rPr>
+              <a:t>references</a:t>
+            </a:r>
+          </a:p>
+        </p:txBody>
+      </p:sp>
+      <p:sp>
+        <p:nvSpPr>
+          <p:cNvPr id="3" name="Content Placeholder 2">
+            <a:extLst>
+              <a:ext uri="{FF2B5EF4-FFF2-40B4-BE49-F238E27FC236}">
+                <a16:creationId xmlns:a16="http://schemas.microsoft.com/office/drawing/2014/main" id="{1CFF9084-52EC-4888-B36F-C3CD263F6CA4}"/>
+              </a:ext>
+            </a:extLst>
+          </p:cNvPr>
+          <p:cNvSpPr>
+            <a:spLocks noGrp="1"/>
+          </p:cNvSpPr>
+          <p:nvPr>
+            <p:ph idx="1"/>
+          </p:nvPr>
+        </p:nvSpPr>
+        <p:spPr>
+          <a:xfrm>
+            <a:off x="1141413" y="1982787"/>
+            <a:ext cx="9905999" cy="3541714"/>
+          </a:xfrm>
+        </p:spPr>
+        <p:txBody>
+          <a:bodyPr/>
+          <a:lstStyle/>
+          <a:p>
+            <a:endParaRPr lang="en-US" dirty="0">
+              <a:latin typeface="Arial" panose="020B0604020202020204" pitchFamily="34" charset="0"/>
+              <a:cs typeface="Arial" panose="020B0604020202020204" pitchFamily="34" charset="0"/>
+            </a:endParaRPr>
+          </a:p>
+        </p:txBody>
+      </p:sp>
+    </p:spTree>
+    <p:extLst>
+      <p:ext uri="{BB962C8B-B14F-4D97-AF65-F5344CB8AC3E}">
+        <p14:creationId xmlns:p14="http://schemas.microsoft.com/office/powerpoint/2010/main" val="329500837"/>
+      </p:ext>
+    </p:extLst>
+  </p:cSld>
+  <p:clrMapOvr>
+    <a:masterClrMapping/>
+  </p:clrMapOvr>
+</p:sld>
+</file>
+
+<file path=ppt/slides/slide43.xml><?xml version="1.0" encoding="utf-8"?>
+<p:sld xmlns:a="http://schemas.openxmlformats.org/drawingml/2006/main" xmlns:r="http://schemas.openxmlformats.org/officeDocument/2006/relationships" xmlns:p="http://schemas.openxmlformats.org/presentationml/2006/main">
+  <p:cSld>
+    <p:spTree>
+      <p:nvGrpSpPr>
+        <p:cNvPr id="1" name=""/>
+        <p:cNvGrpSpPr/>
+        <p:nvPr/>
+      </p:nvGrpSpPr>
+      <p:grpSpPr>
+        <a:xfrm>
+          <a:off x="0" y="0"/>
+          <a:ext cx="0" cy="0"/>
+          <a:chOff x="0" y="0"/>
+          <a:chExt cx="0" cy="0"/>
+        </a:xfrm>
+      </p:grpSpPr>
+      <p:sp>
+        <p:nvSpPr>
+          <p:cNvPr id="2" name="Title 1">
+            <a:extLst>
+              <a:ext uri="{FF2B5EF4-FFF2-40B4-BE49-F238E27FC236}">
+                <a16:creationId xmlns:a16="http://schemas.microsoft.com/office/drawing/2014/main" id="{A0F5789A-7972-4EF3-815A-6E4CC4566CED}"/>
+              </a:ext>
+            </a:extLst>
+          </p:cNvPr>
+          <p:cNvSpPr>
+            <a:spLocks noGrp="1"/>
+          </p:cNvSpPr>
+          <p:nvPr>
+            <p:ph type="title"/>
+          </p:nvPr>
+        </p:nvSpPr>
+        <p:spPr>
+          <a:xfrm>
+            <a:off x="2990850" y="2342543"/>
+            <a:ext cx="6972300" cy="1478570"/>
+          </a:xfrm>
+        </p:spPr>
+        <p:txBody>
+          <a:bodyPr>
+            <a:noAutofit/>
+          </a:bodyPr>
+          <a:lstStyle/>
+          <a:p>
+            <a:r>
+              <a:rPr lang="en-US" sz="5400" dirty="0">
+                <a:latin typeface="Arial" panose="020B0604020202020204" pitchFamily="34" charset="0"/>
+                <a:cs typeface="Arial" panose="020B0604020202020204" pitchFamily="34" charset="0"/>
+              </a:rPr>
+              <a:t>Any question ?</a:t>
+            </a:r>
+          </a:p>
+        </p:txBody>
+      </p:sp>
+    </p:spTree>
+    <p:extLst>
+      <p:ext uri="{BB962C8B-B14F-4D97-AF65-F5344CB8AC3E}">
+        <p14:creationId xmlns:p14="http://schemas.microsoft.com/office/powerpoint/2010/main" val="1102077726"/>
+      </p:ext>
+    </p:extLst>
+  </p:cSld>
+  <p:clrMapOvr>
+    <a:masterClrMapping/>
+  </p:clrMapOvr>
+</p:sld>
+</file>
+
+<file path=ppt/slides/slide44.xml><?xml version="1.0" encoding="utf-8"?>
+<p:sld xmlns:a="http://schemas.openxmlformats.org/drawingml/2006/main" xmlns:r="http://schemas.openxmlformats.org/officeDocument/2006/relationships" xmlns:p="http://schemas.openxmlformats.org/presentationml/2006/main">
+  <p:cSld>
+    <p:spTree>
+      <p:nvGrpSpPr>
+        <p:cNvPr id="1" name=""/>
+        <p:cNvGrpSpPr/>
+        <p:nvPr/>
+      </p:nvGrpSpPr>
+      <p:grpSpPr>
+        <a:xfrm>
+          <a:off x="0" y="0"/>
+          <a:ext cx="0" cy="0"/>
+          <a:chOff x="0" y="0"/>
+          <a:chExt cx="0" cy="0"/>
+        </a:xfrm>
+      </p:grpSpPr>
+      <p:sp>
+        <p:nvSpPr>
+          <p:cNvPr id="2" name="Title 1">
+            <a:extLst>
+              <a:ext uri="{FF2B5EF4-FFF2-40B4-BE49-F238E27FC236}">
+                <a16:creationId xmlns:a16="http://schemas.microsoft.com/office/drawing/2014/main" id="{913FDB3D-EE8A-48E3-A027-3E2419D31637}"/>
+              </a:ext>
+            </a:extLst>
+          </p:cNvPr>
+          <p:cNvSpPr>
+            <a:spLocks noGrp="1"/>
+          </p:cNvSpPr>
+          <p:nvPr>
+            <p:ph type="title"/>
+          </p:nvPr>
+        </p:nvSpPr>
+        <p:spPr>
+          <a:xfrm>
+            <a:off x="4008438" y="2689715"/>
+            <a:ext cx="4983162" cy="1478570"/>
+          </a:xfrm>
+        </p:spPr>
+        <p:txBody>
+          <a:bodyPr>
+            <a:normAutofit/>
+          </a:bodyPr>
+          <a:lstStyle/>
+          <a:p>
+            <a:r>
+              <a:rPr lang="en-US" sz="5400" dirty="0">
+                <a:latin typeface="Arial" panose="020B0604020202020204" pitchFamily="34" charset="0"/>
+                <a:cs typeface="Arial" panose="020B0604020202020204" pitchFamily="34" charset="0"/>
+              </a:rPr>
+              <a:t>Thank you !</a:t>
+            </a:r>
+          </a:p>
+        </p:txBody>
+      </p:sp>
+    </p:spTree>
+    <p:extLst>
+      <p:ext uri="{BB962C8B-B14F-4D97-AF65-F5344CB8AC3E}">
+        <p14:creationId xmlns:p14="http://schemas.microsoft.com/office/powerpoint/2010/main" val="1245647373"/>
+      </p:ext>
+    </p:extLst>
+  </p:cSld>
+  <p:clrMapOvr>
+    <a:masterClrMapping/>
+  </p:clrMapOvr>
+</p:sld>
+</file>
+
+<file path=ppt/slides/slide5.xml><?xml version="1.0" encoding="utf-8"?>
+<p:sld xmlns:a="http://schemas.openxmlformats.org/drawingml/2006/main" xmlns:r="http://schemas.openxmlformats.org/officeDocument/2006/relationships" xmlns:p="http://schemas.openxmlformats.org/presentationml/2006/main">
+  <p:cSld>
+    <p:spTree>
+      <p:nvGrpSpPr>
+        <p:cNvPr id="1" name=""/>
+        <p:cNvGrpSpPr/>
+        <p:nvPr/>
+      </p:nvGrpSpPr>
+      <p:grpSpPr>
+        <a:xfrm>
+          <a:off x="0" y="0"/>
+          <a:ext cx="0" cy="0"/>
+          <a:chOff x="0" y="0"/>
+          <a:chExt cx="0" cy="0"/>
+        </a:xfrm>
+      </p:grpSpPr>
+      <p:sp>
+        <p:nvSpPr>
+          <p:cNvPr id="2" name="Title 1">
+            <a:extLst>
+              <a:ext uri="{FF2B5EF4-FFF2-40B4-BE49-F238E27FC236}">
+                <a16:creationId xmlns:a16="http://schemas.microsoft.com/office/drawing/2014/main" id="{2750F766-482B-464E-AB7E-412FE35322CF}"/>
+              </a:ext>
+            </a:extLst>
+          </p:cNvPr>
+          <p:cNvSpPr>
+            <a:spLocks noGrp="1"/>
+          </p:cNvSpPr>
+          <p:nvPr>
+            <p:ph type="title"/>
+          </p:nvPr>
+        </p:nvSpPr>
+        <p:spPr>
+          <a:xfrm>
+            <a:off x="1143001" y="294668"/>
+            <a:ext cx="9905998" cy="1478570"/>
+          </a:xfrm>
+        </p:spPr>
+        <p:txBody>
+          <a:bodyPr/>
+          <a:lstStyle/>
+          <a:p>
+            <a:r>
+              <a:rPr lang="en-US" dirty="0">
+                <a:latin typeface="Arial" panose="020B0604020202020204" pitchFamily="34" charset="0"/>
+                <a:cs typeface="Arial" panose="020B0604020202020204" pitchFamily="34" charset="0"/>
+              </a:rPr>
+              <a:t>Aims and Objectives </a:t>
+            </a:r>
+          </a:p>
+        </p:txBody>
+      </p:sp>
+      <p:sp>
+        <p:nvSpPr>
+          <p:cNvPr id="3" name="Content Placeholder 2">
+            <a:extLst>
+              <a:ext uri="{FF2B5EF4-FFF2-40B4-BE49-F238E27FC236}">
+                <a16:creationId xmlns:a16="http://schemas.microsoft.com/office/drawing/2014/main" id="{FCDDFE34-D386-47BA-8254-649AC057419C}"/>
+              </a:ext>
+            </a:extLst>
+          </p:cNvPr>
+          <p:cNvSpPr>
+            <a:spLocks noGrp="1"/>
+          </p:cNvSpPr>
+          <p:nvPr>
+            <p:ph idx="1"/>
+          </p:nvPr>
+        </p:nvSpPr>
+        <p:spPr>
+          <a:xfrm>
+            <a:off x="1143000" y="1773237"/>
+            <a:ext cx="9905999" cy="4389437"/>
+          </a:xfrm>
+        </p:spPr>
+        <p:txBody>
+          <a:bodyPr>
+            <a:normAutofit/>
+          </a:bodyPr>
+          <a:lstStyle/>
+          <a:p>
+            <a:r>
+              <a:rPr lang="en-US" dirty="0">
+                <a:latin typeface="Arial" panose="020B0604020202020204" pitchFamily="34" charset="0"/>
+                <a:cs typeface="Arial" panose="020B0604020202020204" pitchFamily="34" charset="0"/>
+              </a:rPr>
+              <a:t>Computerized pharmacy system.</a:t>
+            </a:r>
+          </a:p>
+          <a:p>
+            <a:r>
+              <a:rPr lang="en-US" dirty="0">
+                <a:latin typeface="Arial" panose="020B0604020202020204" pitchFamily="34" charset="0"/>
+                <a:cs typeface="Arial" panose="020B0604020202020204" pitchFamily="34" charset="0"/>
+              </a:rPr>
+              <a:t>Manage and maintain daily activities of pharmacy.</a:t>
+            </a:r>
+          </a:p>
+          <a:p>
+            <a:r>
+              <a:rPr lang="en-US" dirty="0">
+                <a:latin typeface="Arial" panose="020B0604020202020204" pitchFamily="34" charset="0"/>
+                <a:cs typeface="Arial" panose="020B0604020202020204" pitchFamily="34" charset="0"/>
+              </a:rPr>
+              <a:t>Secure data processing and storage.</a:t>
+            </a:r>
+          </a:p>
+          <a:p>
+            <a:r>
+              <a:rPr lang="en-US" dirty="0">
+                <a:latin typeface="Arial" panose="020B0604020202020204" pitchFamily="34" charset="0"/>
+                <a:cs typeface="Arial" panose="020B0604020202020204" pitchFamily="34" charset="0"/>
+              </a:rPr>
+              <a:t>Less paper work.</a:t>
+            </a:r>
+          </a:p>
+          <a:p>
+            <a:r>
+              <a:rPr lang="en-US" dirty="0">
+                <a:latin typeface="Arial" panose="020B0604020202020204" pitchFamily="34" charset="0"/>
+                <a:cs typeface="Arial" panose="020B0604020202020204" pitchFamily="34" charset="0"/>
+              </a:rPr>
+              <a:t>Overcome manual efforts.</a:t>
+            </a:r>
+          </a:p>
+          <a:p>
+            <a:r>
+              <a:rPr lang="en-US" dirty="0">
+                <a:latin typeface="Arial" panose="020B0604020202020204" pitchFamily="34" charset="0"/>
+                <a:cs typeface="Arial" panose="020B0604020202020204" pitchFamily="34" charset="0"/>
+              </a:rPr>
+              <a:t>Enhances efficiency.</a:t>
+            </a:r>
+          </a:p>
+          <a:p>
+            <a:r>
+              <a:rPr lang="en-US" dirty="0">
+                <a:latin typeface="Arial" panose="020B0604020202020204" pitchFamily="34" charset="0"/>
+                <a:cs typeface="Arial" panose="020B0604020202020204" pitchFamily="34" charset="0"/>
+              </a:rPr>
+              <a:t>Easy placing order.</a:t>
+            </a:r>
+          </a:p>
+          <a:p>
+            <a:endParaRPr lang="en-US" dirty="0">
+              <a:latin typeface="Arial" panose="020B0604020202020204" pitchFamily="34" charset="0"/>
+              <a:cs typeface="Arial" panose="020B0604020202020204" pitchFamily="34" charset="0"/>
+            </a:endParaRPr>
+          </a:p>
+          <a:p>
+            <a:endParaRPr lang="en-US" dirty="0">
+              <a:latin typeface="Arial" panose="020B0604020202020204" pitchFamily="34" charset="0"/>
+              <a:cs typeface="Arial" panose="020B0604020202020204" pitchFamily="34" charset="0"/>
+            </a:endParaRPr>
+          </a:p>
+          <a:p>
+            <a:endParaRPr lang="en-US" dirty="0">
+              <a:latin typeface="Arial" panose="020B0604020202020204" pitchFamily="34" charset="0"/>
+              <a:cs typeface="Arial" panose="020B0604020202020204" pitchFamily="34" charset="0"/>
+            </a:endParaRPr>
+          </a:p>
+        </p:txBody>
+      </p:sp>
+    </p:spTree>
+    <p:extLst>
+      <p:ext uri="{BB962C8B-B14F-4D97-AF65-F5344CB8AC3E}">
+        <p14:creationId xmlns:p14="http://schemas.microsoft.com/office/powerpoint/2010/main" val="303143609"/>
+      </p:ext>
+    </p:extLst>
+  </p:cSld>
+  <p:clrMapOvr>
+    <a:masterClrMapping/>
+  </p:clrMapOvr>
+</p:sld>
+</file>
+
+<file path=ppt/slides/slide6.xml><?xml version="1.0" encoding="utf-8"?>
+<p:sld xmlns:a="http://schemas.openxmlformats.org/drawingml/2006/main" xmlns:r="http://schemas.openxmlformats.org/officeDocument/2006/relationships" xmlns:p="http://schemas.openxmlformats.org/presentationml/2006/main">
+  <p:cSld>
+    <p:spTree>
+      <p:nvGrpSpPr>
+        <p:cNvPr id="1" name=""/>
+        <p:cNvGrpSpPr/>
+        <p:nvPr/>
+      </p:nvGrpSpPr>
+      <p:grpSpPr>
+        <a:xfrm>
+          <a:off x="0" y="0"/>
+          <a:ext cx="0" cy="0"/>
+          <a:chOff x="0" y="0"/>
+          <a:chExt cx="0" cy="0"/>
+        </a:xfrm>
+      </p:grpSpPr>
+      <p:sp>
+        <p:nvSpPr>
+          <p:cNvPr id="2" name="Title 1">
+            <a:extLst>
+              <a:ext uri="{FF2B5EF4-FFF2-40B4-BE49-F238E27FC236}">
+                <a16:creationId xmlns:a16="http://schemas.microsoft.com/office/drawing/2014/main" id="{40B18BFD-90A5-49C6-947D-8E963F56FF79}"/>
+              </a:ext>
+            </a:extLst>
+          </p:cNvPr>
+          <p:cNvSpPr>
+            <a:spLocks noGrp="1"/>
+          </p:cNvSpPr>
+          <p:nvPr>
+            <p:ph type="title"/>
+          </p:nvPr>
+        </p:nvSpPr>
+        <p:spPr>
+          <a:xfrm>
+            <a:off x="1141413" y="113693"/>
+            <a:ext cx="9905998" cy="1478570"/>
+          </a:xfrm>
+        </p:spPr>
+        <p:txBody>
+          <a:bodyPr/>
+          <a:lstStyle/>
+          <a:p>
+            <a:r>
+              <a:rPr lang="en-US" dirty="0">
+                <a:latin typeface="Arial" panose="020B0604020202020204" pitchFamily="34" charset="0"/>
+                <a:cs typeface="Arial" panose="020B0604020202020204" pitchFamily="34" charset="0"/>
+              </a:rPr>
+              <a:t>Features of the project - 1</a:t>
+            </a:r>
+          </a:p>
+        </p:txBody>
+      </p:sp>
+      <p:sp>
+        <p:nvSpPr>
+          <p:cNvPr id="3" name="Content Placeholder 2">
+            <a:extLst>
+              <a:ext uri="{FF2B5EF4-FFF2-40B4-BE49-F238E27FC236}">
+                <a16:creationId xmlns:a16="http://schemas.microsoft.com/office/drawing/2014/main" id="{CC2071BD-051E-4CF1-9582-D3F456AFFFC9}"/>
+              </a:ext>
+            </a:extLst>
+          </p:cNvPr>
+          <p:cNvSpPr>
+            <a:spLocks noGrp="1"/>
+          </p:cNvSpPr>
+          <p:nvPr>
+            <p:ph idx="1"/>
+          </p:nvPr>
+        </p:nvSpPr>
+        <p:spPr>
+          <a:xfrm>
+            <a:off x="1046162" y="1590674"/>
+            <a:ext cx="9905999" cy="4733926"/>
+          </a:xfrm>
+        </p:spPr>
+        <p:txBody>
+          <a:bodyPr/>
+          <a:lstStyle/>
+          <a:p>
+            <a:r>
+              <a:rPr lang="en-US" dirty="0">
+                <a:latin typeface="Arial" panose="020B0604020202020204" pitchFamily="34" charset="0"/>
+                <a:cs typeface="Arial" panose="020B0604020202020204" pitchFamily="34" charset="0"/>
+              </a:rPr>
+              <a:t>Pharmacist and user login </a:t>
+            </a:r>
+          </a:p>
+          <a:p>
+            <a:r>
+              <a:rPr lang="en-US" dirty="0">
+                <a:latin typeface="Arial" panose="020B0604020202020204" pitchFamily="34" charset="0"/>
+                <a:cs typeface="Arial" panose="020B0604020202020204" pitchFamily="34" charset="0"/>
+              </a:rPr>
+              <a:t>Store medicine and its related information</a:t>
+            </a:r>
+          </a:p>
+          <a:p>
+            <a:r>
+              <a:rPr lang="en-US" dirty="0">
+                <a:latin typeface="Arial" panose="020B0604020202020204" pitchFamily="34" charset="0"/>
+                <a:cs typeface="Arial" panose="020B0604020202020204" pitchFamily="34" charset="0"/>
+              </a:rPr>
+              <a:t>Modify and delete medicine</a:t>
+            </a:r>
+          </a:p>
+          <a:p>
+            <a:r>
+              <a:rPr lang="en-US" dirty="0">
+                <a:latin typeface="Arial" panose="020B0604020202020204" pitchFamily="34" charset="0"/>
+                <a:cs typeface="Arial" panose="020B0604020202020204" pitchFamily="34" charset="0"/>
+              </a:rPr>
+              <a:t>Effective search of medicine</a:t>
+            </a:r>
+          </a:p>
+          <a:p>
+            <a:r>
+              <a:rPr lang="en-US" dirty="0">
+                <a:latin typeface="Arial" panose="020B0604020202020204" pitchFamily="34" charset="0"/>
+                <a:cs typeface="Arial" panose="020B0604020202020204" pitchFamily="34" charset="0"/>
+              </a:rPr>
+              <a:t>Display extensible list of available medicine</a:t>
+            </a:r>
+          </a:p>
+          <a:p>
+            <a:r>
+              <a:rPr lang="en-US" dirty="0">
+                <a:latin typeface="Arial" panose="020B0604020202020204" pitchFamily="34" charset="0"/>
+                <a:cs typeface="Arial" panose="020B0604020202020204" pitchFamily="34" charset="0"/>
+              </a:rPr>
+              <a:t>Upload prescription report</a:t>
+            </a:r>
+          </a:p>
+          <a:p>
+            <a:endParaRPr lang="en-US" dirty="0">
+              <a:latin typeface="Arial" panose="020B0604020202020204" pitchFamily="34" charset="0"/>
+              <a:cs typeface="Arial" panose="020B0604020202020204" pitchFamily="34" charset="0"/>
+            </a:endParaRPr>
+          </a:p>
+          <a:p>
+            <a:endParaRPr lang="en-US" dirty="0">
+              <a:latin typeface="Arial" panose="020B0604020202020204" pitchFamily="34" charset="0"/>
+              <a:cs typeface="Arial" panose="020B0604020202020204" pitchFamily="34" charset="0"/>
+            </a:endParaRPr>
+          </a:p>
+          <a:p>
+            <a:endParaRPr lang="en-US" dirty="0">
+              <a:latin typeface="Arial" panose="020B0604020202020204" pitchFamily="34" charset="0"/>
+              <a:cs typeface="Arial" panose="020B0604020202020204" pitchFamily="34" charset="0"/>
+            </a:endParaRPr>
+          </a:p>
+          <a:p>
+            <a:endParaRPr lang="en-US" dirty="0">
+              <a:latin typeface="Arial" panose="020B0604020202020204" pitchFamily="34" charset="0"/>
+              <a:cs typeface="Arial" panose="020B0604020202020204" pitchFamily="34" charset="0"/>
+            </a:endParaRPr>
+          </a:p>
+          <a:p>
+            <a:endParaRPr lang="en-US" dirty="0">
+              <a:latin typeface="Arial" panose="020B0604020202020204" pitchFamily="34" charset="0"/>
+              <a:cs typeface="Arial" panose="020B0604020202020204" pitchFamily="34" charset="0"/>
+            </a:endParaRPr>
+          </a:p>
+          <a:p>
+            <a:endParaRPr lang="en-US" dirty="0">
+              <a:latin typeface="Arial" panose="020B0604020202020204" pitchFamily="34" charset="0"/>
+              <a:cs typeface="Arial" panose="020B0604020202020204" pitchFamily="34" charset="0"/>
+            </a:endParaRPr>
+          </a:p>
+          <a:p>
+            <a:endParaRPr lang="en-US" dirty="0">
+              <a:latin typeface="Arial" panose="020B0604020202020204" pitchFamily="34" charset="0"/>
+              <a:cs typeface="Arial" panose="020B0604020202020204" pitchFamily="34" charset="0"/>
+            </a:endParaRPr>
+          </a:p>
+        </p:txBody>
+      </p:sp>
+    </p:spTree>
+    <p:extLst>
+      <p:ext uri="{BB962C8B-B14F-4D97-AF65-F5344CB8AC3E}">
+        <p14:creationId xmlns:p14="http://schemas.microsoft.com/office/powerpoint/2010/main" val="3880718733"/>
+      </p:ext>
+    </p:extLst>
+  </p:cSld>
+  <p:clrMapOvr>
+    <a:masterClrMapping/>
+  </p:clrMapOvr>
+</p:sld>
+</file>
+
+<file path=ppt/slides/slide7.xml><?xml version="1.0" encoding="utf-8"?>
+<p:sld xmlns:a="http://schemas.openxmlformats.org/drawingml/2006/main" xmlns:r="http://schemas.openxmlformats.org/officeDocument/2006/relationships" xmlns:p="http://schemas.openxmlformats.org/presentationml/2006/main">
+  <p:cSld>
+    <p:spTree>
+      <p:nvGrpSpPr>
+        <p:cNvPr id="1" name=""/>
+        <p:cNvGrpSpPr/>
+        <p:nvPr/>
+      </p:nvGrpSpPr>
+      <p:grpSpPr>
+        <a:xfrm>
+          <a:off x="0" y="0"/>
+          <a:ext cx="0" cy="0"/>
+          <a:chOff x="0" y="0"/>
+          <a:chExt cx="0" cy="0"/>
+        </a:xfrm>
+      </p:grpSpPr>
+      <p:sp>
+        <p:nvSpPr>
+          <p:cNvPr id="2" name="Title 1">
+            <a:extLst>
+              <a:ext uri="{FF2B5EF4-FFF2-40B4-BE49-F238E27FC236}">
+                <a16:creationId xmlns:a16="http://schemas.microsoft.com/office/drawing/2014/main" id="{8C9F9256-4E83-4463-AECA-AED98E7342A2}"/>
+              </a:ext>
+            </a:extLst>
+          </p:cNvPr>
+          <p:cNvSpPr>
+            <a:spLocks noGrp="1"/>
+          </p:cNvSpPr>
+          <p:nvPr>
+            <p:ph type="title"/>
+          </p:nvPr>
+        </p:nvSpPr>
+        <p:spPr>
+          <a:xfrm>
+            <a:off x="1141413" y="327514"/>
+            <a:ext cx="9905998" cy="1478570"/>
+          </a:xfrm>
+        </p:spPr>
+        <p:txBody>
+          <a:bodyPr/>
+          <a:lstStyle/>
+          <a:p>
+            <a:r>
+              <a:rPr lang="en-US" dirty="0">
+                <a:latin typeface="Arial" panose="020B0604020202020204" pitchFamily="34" charset="0"/>
+                <a:cs typeface="Arial" panose="020B0604020202020204" pitchFamily="34" charset="0"/>
+              </a:rPr>
+              <a:t>Features of the project - 2</a:t>
+            </a:r>
+          </a:p>
+        </p:txBody>
+      </p:sp>
+      <p:sp>
+        <p:nvSpPr>
+          <p:cNvPr id="3" name="Content Placeholder 2">
+            <a:extLst>
+              <a:ext uri="{FF2B5EF4-FFF2-40B4-BE49-F238E27FC236}">
+                <a16:creationId xmlns:a16="http://schemas.microsoft.com/office/drawing/2014/main" id="{FB9D5FEE-5B2E-4AD8-B755-232880566FDB}"/>
+              </a:ext>
+            </a:extLst>
+          </p:cNvPr>
+          <p:cNvSpPr>
+            <a:spLocks noGrp="1"/>
+          </p:cNvSpPr>
+          <p:nvPr>
+            <p:ph idx="1"/>
+          </p:nvPr>
+        </p:nvSpPr>
+        <p:spPr>
+          <a:xfrm>
+            <a:off x="1141412" y="1806084"/>
+            <a:ext cx="9905999" cy="3541714"/>
+          </a:xfrm>
+        </p:spPr>
+        <p:txBody>
+          <a:bodyPr/>
+          <a:lstStyle/>
+          <a:p>
+            <a:r>
+              <a:rPr lang="en-US" dirty="0">
+                <a:latin typeface="Arial" panose="020B0604020202020204" pitchFamily="34" charset="0"/>
+                <a:cs typeface="Arial" panose="020B0604020202020204" pitchFamily="34" charset="0"/>
+              </a:rPr>
+              <a:t>Order medicine</a:t>
+            </a:r>
+          </a:p>
+          <a:p>
+            <a:r>
+              <a:rPr lang="en-US" dirty="0">
+                <a:latin typeface="Arial" panose="020B0604020202020204" pitchFamily="34" charset="0"/>
+                <a:cs typeface="Arial" panose="020B0604020202020204" pitchFamily="34" charset="0"/>
+              </a:rPr>
+              <a:t>Auto generate bill, save and print bill</a:t>
+            </a:r>
+          </a:p>
+          <a:p>
+            <a:r>
+              <a:rPr lang="en-US" dirty="0">
+                <a:latin typeface="Arial" panose="020B0604020202020204" pitchFamily="34" charset="0"/>
+                <a:cs typeface="Arial" panose="020B0604020202020204" pitchFamily="34" charset="0"/>
+              </a:rPr>
+              <a:t>Record customer order</a:t>
+            </a:r>
+          </a:p>
+          <a:p>
+            <a:r>
+              <a:rPr lang="en-US" dirty="0">
+                <a:latin typeface="Arial" panose="020B0604020202020204" pitchFamily="34" charset="0"/>
+                <a:cs typeface="Arial" panose="020B0604020202020204" pitchFamily="34" charset="0"/>
+              </a:rPr>
+              <a:t>User-friendly</a:t>
+            </a:r>
+          </a:p>
+          <a:p>
+            <a:endParaRPr lang="en-US" dirty="0">
+              <a:latin typeface="Arial" panose="020B0604020202020204" pitchFamily="34" charset="0"/>
+              <a:cs typeface="Arial" panose="020B0604020202020204" pitchFamily="34" charset="0"/>
+            </a:endParaRPr>
+          </a:p>
+          <a:p>
+            <a:endParaRPr lang="en-US" dirty="0">
+              <a:latin typeface="Arial" panose="020B0604020202020204" pitchFamily="34" charset="0"/>
+              <a:cs typeface="Arial" panose="020B0604020202020204" pitchFamily="34" charset="0"/>
+            </a:endParaRPr>
+          </a:p>
+        </p:txBody>
+      </p:sp>
+    </p:spTree>
+    <p:extLst>
+      <p:ext uri="{BB962C8B-B14F-4D97-AF65-F5344CB8AC3E}">
+        <p14:creationId xmlns:p14="http://schemas.microsoft.com/office/powerpoint/2010/main" val="3933797590"/>
+      </p:ext>
+    </p:extLst>
+  </p:cSld>
+  <p:clrMapOvr>
+    <a:masterClrMapping/>
+  </p:clrMapOvr>
+</p:sld>
+</file>
+
+<file path=ppt/slides/slide8.xml><?xml version="1.0" encoding="utf-8"?>
+<p:sld xmlns:a="http://schemas.openxmlformats.org/drawingml/2006/main" xmlns:r="http://schemas.openxmlformats.org/officeDocument/2006/relationships" xmlns:p="http://schemas.openxmlformats.org/presentationml/2006/main">
+  <p:cSld>
+    <p:spTree>
+      <p:nvGrpSpPr>
+        <p:cNvPr id="1" name=""/>
+        <p:cNvGrpSpPr/>
+        <p:nvPr/>
+      </p:nvGrpSpPr>
+      <p:grpSpPr>
+        <a:xfrm>
+          <a:off x="0" y="0"/>
+          <a:ext cx="0" cy="0"/>
+          <a:chOff x="0" y="0"/>
+          <a:chExt cx="0" cy="0"/>
+        </a:xfrm>
+      </p:grpSpPr>
+      <p:sp>
+        <p:nvSpPr>
+          <p:cNvPr id="2" name="Title 1">
+            <a:extLst>
+              <a:ext uri="{FF2B5EF4-FFF2-40B4-BE49-F238E27FC236}">
+                <a16:creationId xmlns:a16="http://schemas.microsoft.com/office/drawing/2014/main" id="{F6F4444F-B3E0-4FFF-9680-10822FE1FEA0}"/>
+              </a:ext>
+            </a:extLst>
+          </p:cNvPr>
+          <p:cNvSpPr>
+            <a:spLocks noGrp="1"/>
+          </p:cNvSpPr>
+          <p:nvPr>
+            <p:ph type="title"/>
+          </p:nvPr>
+        </p:nvSpPr>
+        <p:spPr>
+          <a:xfrm>
+            <a:off x="1141412" y="175114"/>
+            <a:ext cx="9905998" cy="1301261"/>
+          </a:xfrm>
+        </p:spPr>
+        <p:txBody>
+          <a:bodyPr/>
+          <a:lstStyle/>
+          <a:p>
+            <a:r>
+              <a:rPr lang="en-US" dirty="0">
+                <a:latin typeface="Arial" panose="020B0604020202020204" pitchFamily="34" charset="0"/>
+                <a:cs typeface="Arial" panose="020B0604020202020204" pitchFamily="34" charset="0"/>
+              </a:rPr>
+              <a:t>MOSCOW Prioritization </a:t>
+            </a:r>
+          </a:p>
+        </p:txBody>
+      </p:sp>
+      <p:sp>
+        <p:nvSpPr>
+          <p:cNvPr id="3" name="Content Placeholder 2">
+            <a:extLst>
+              <a:ext uri="{FF2B5EF4-FFF2-40B4-BE49-F238E27FC236}">
+                <a16:creationId xmlns:a16="http://schemas.microsoft.com/office/drawing/2014/main" id="{3F96FB23-2A0B-4F77-881D-AC1407D84758}"/>
+              </a:ext>
+            </a:extLst>
+          </p:cNvPr>
+          <p:cNvSpPr>
+            <a:spLocks noGrp="1"/>
+          </p:cNvSpPr>
+          <p:nvPr>
+            <p:ph idx="1"/>
+          </p:nvPr>
+        </p:nvSpPr>
+        <p:spPr>
+          <a:xfrm>
+            <a:off x="1141412" y="1560816"/>
+            <a:ext cx="9905999" cy="4649484"/>
+          </a:xfrm>
+        </p:spPr>
+        <p:txBody>
+          <a:bodyPr/>
+          <a:lstStyle/>
+          <a:p>
+            <a:r>
+              <a:rPr lang="en-US" dirty="0">
+                <a:latin typeface="Arial" panose="020B0604020202020204" pitchFamily="34" charset="0"/>
+                <a:cs typeface="Arial" panose="020B0604020202020204" pitchFamily="34" charset="0"/>
+              </a:rPr>
+              <a:t>MoSCoW prioritization is a technique to understand the relative importance of the work to be done. </a:t>
+            </a:r>
+          </a:p>
+          <a:p>
+            <a:r>
+              <a:rPr lang="en-US" dirty="0">
+                <a:latin typeface="Arial" panose="020B0604020202020204" pitchFamily="34" charset="0"/>
+                <a:cs typeface="Arial" panose="020B0604020202020204" pitchFamily="34" charset="0"/>
+              </a:rPr>
+              <a:t>It helps to make progress and keep deadlines.</a:t>
+            </a:r>
+          </a:p>
+          <a:p>
+            <a:r>
+              <a:rPr lang="en-US" dirty="0">
+                <a:latin typeface="Arial" panose="020B0604020202020204" pitchFamily="34" charset="0"/>
+                <a:cs typeface="Arial" panose="020B0604020202020204" pitchFamily="34" charset="0"/>
+              </a:rPr>
+              <a:t>And MoSCoW stands for:</a:t>
+            </a:r>
+          </a:p>
+          <a:p>
+            <a:pPr marL="0" indent="0">
+              <a:lnSpc>
+                <a:spcPct val="100000"/>
+              </a:lnSpc>
+              <a:spcBef>
+                <a:spcPts val="0"/>
+              </a:spcBef>
+              <a:buNone/>
+            </a:pPr>
+            <a:r>
+              <a:rPr lang="en-US" dirty="0">
+                <a:latin typeface="Arial" panose="020B0604020202020204" pitchFamily="34" charset="0"/>
+                <a:cs typeface="Arial" panose="020B0604020202020204" pitchFamily="34" charset="0"/>
+              </a:rPr>
+              <a:t>           </a:t>
+            </a:r>
+            <a:r>
+              <a:rPr lang="en-US" b="1" dirty="0">
+                <a:latin typeface="Arial" panose="020B0604020202020204" pitchFamily="34" charset="0"/>
+                <a:cs typeface="Arial" panose="020B0604020202020204" pitchFamily="34" charset="0"/>
+              </a:rPr>
+              <a:t>M</a:t>
+            </a:r>
+            <a:r>
+              <a:rPr lang="en-US" dirty="0">
+                <a:latin typeface="Arial" panose="020B0604020202020204" pitchFamily="34" charset="0"/>
+                <a:cs typeface="Arial" panose="020B0604020202020204" pitchFamily="34" charset="0"/>
+              </a:rPr>
+              <a:t>ust Have</a:t>
+            </a:r>
+          </a:p>
+          <a:p>
+            <a:pPr marL="0" indent="0">
+              <a:lnSpc>
+                <a:spcPct val="100000"/>
+              </a:lnSpc>
+              <a:spcBef>
+                <a:spcPts val="0"/>
+              </a:spcBef>
+              <a:buNone/>
+            </a:pPr>
+            <a:r>
+              <a:rPr lang="en-US" dirty="0">
+                <a:latin typeface="Arial" panose="020B0604020202020204" pitchFamily="34" charset="0"/>
+                <a:cs typeface="Arial" panose="020B0604020202020204" pitchFamily="34" charset="0"/>
+              </a:rPr>
+              <a:t>           </a:t>
+            </a:r>
+            <a:r>
+              <a:rPr lang="en-US" b="1" dirty="0">
+                <a:latin typeface="Arial" panose="020B0604020202020204" pitchFamily="34" charset="0"/>
+                <a:cs typeface="Arial" panose="020B0604020202020204" pitchFamily="34" charset="0"/>
+              </a:rPr>
+              <a:t>S</a:t>
+            </a:r>
+            <a:r>
+              <a:rPr lang="en-US" dirty="0">
+                <a:latin typeface="Arial" panose="020B0604020202020204" pitchFamily="34" charset="0"/>
+                <a:cs typeface="Arial" panose="020B0604020202020204" pitchFamily="34" charset="0"/>
+              </a:rPr>
+              <a:t>hould Have</a:t>
+            </a:r>
+          </a:p>
+          <a:p>
+            <a:pPr marL="0" indent="0">
+              <a:lnSpc>
+                <a:spcPct val="100000"/>
+              </a:lnSpc>
+              <a:spcBef>
+                <a:spcPts val="0"/>
+              </a:spcBef>
+              <a:buNone/>
+            </a:pPr>
+            <a:r>
+              <a:rPr lang="en-US" dirty="0">
+                <a:latin typeface="Arial" panose="020B0604020202020204" pitchFamily="34" charset="0"/>
+                <a:cs typeface="Arial" panose="020B0604020202020204" pitchFamily="34" charset="0"/>
+              </a:rPr>
+              <a:t>           </a:t>
+            </a:r>
+            <a:r>
+              <a:rPr lang="en-US" b="1" dirty="0">
+                <a:latin typeface="Arial" panose="020B0604020202020204" pitchFamily="34" charset="0"/>
+                <a:cs typeface="Arial" panose="020B0604020202020204" pitchFamily="34" charset="0"/>
+              </a:rPr>
+              <a:t>C</a:t>
+            </a:r>
+            <a:r>
+              <a:rPr lang="en-US" dirty="0">
+                <a:latin typeface="Arial" panose="020B0604020202020204" pitchFamily="34" charset="0"/>
+                <a:cs typeface="Arial" panose="020B0604020202020204" pitchFamily="34" charset="0"/>
+              </a:rPr>
+              <a:t>ould Have</a:t>
+            </a:r>
+          </a:p>
+          <a:p>
+            <a:pPr marL="0" indent="0">
+              <a:lnSpc>
+                <a:spcPct val="100000"/>
+              </a:lnSpc>
+              <a:spcBef>
+                <a:spcPts val="0"/>
+              </a:spcBef>
+              <a:buNone/>
+            </a:pPr>
+            <a:r>
+              <a:rPr lang="en-US" dirty="0">
+                <a:latin typeface="Arial" panose="020B0604020202020204" pitchFamily="34" charset="0"/>
+                <a:cs typeface="Arial" panose="020B0604020202020204" pitchFamily="34" charset="0"/>
+              </a:rPr>
+              <a:t>           </a:t>
+            </a:r>
+            <a:r>
+              <a:rPr lang="en-US" b="1" dirty="0">
+                <a:latin typeface="Arial" panose="020B0604020202020204" pitchFamily="34" charset="0"/>
+                <a:cs typeface="Arial" panose="020B0604020202020204" pitchFamily="34" charset="0"/>
+              </a:rPr>
+              <a:t>W</a:t>
+            </a:r>
+            <a:r>
+              <a:rPr lang="en-US" dirty="0">
+                <a:latin typeface="Arial" panose="020B0604020202020204" pitchFamily="34" charset="0"/>
+                <a:cs typeface="Arial" panose="020B0604020202020204" pitchFamily="34" charset="0"/>
+              </a:rPr>
+              <a:t>on’t Have this time</a:t>
+            </a:r>
+          </a:p>
+          <a:p>
+            <a:pPr marL="0" indent="0">
+              <a:buNone/>
+            </a:pPr>
+            <a:endParaRPr lang="en-US" dirty="0">
+              <a:latin typeface="Arial" panose="020B0604020202020204" pitchFamily="34" charset="0"/>
+              <a:cs typeface="Arial" panose="020B0604020202020204" pitchFamily="34" charset="0"/>
+            </a:endParaRPr>
+          </a:p>
+        </p:txBody>
+      </p:sp>
+    </p:spTree>
+    <p:extLst>
+      <p:ext uri="{BB962C8B-B14F-4D97-AF65-F5344CB8AC3E}">
+        <p14:creationId xmlns:p14="http://schemas.microsoft.com/office/powerpoint/2010/main" val="560914484"/>
+      </p:ext>
+    </p:extLst>
+  </p:cSld>
+  <p:clrMapOvr>
+    <a:masterClrMapping/>
+  </p:clrMapOvr>
+</p:sld>
+</file>
+
+<file path=ppt/slides/slide9.xml><?xml version="1.0" encoding="utf-8"?>
+<p:sld xmlns:a="http://schemas.openxmlformats.org/drawingml/2006/main" xmlns:r="http://schemas.openxmlformats.org/officeDocument/2006/relationships" xmlns:p="http://schemas.openxmlformats.org/presentationml/2006/main">
+  <p:cSld>
+    <p:spTree>
+      <p:nvGrpSpPr>
+        <p:cNvPr id="1" name=""/>
+        <p:cNvGrpSpPr/>
+        <p:nvPr/>
+      </p:nvGrpSpPr>
+      <p:grpSpPr>
+        <a:xfrm>
+          <a:off x="0" y="0"/>
+          <a:ext cx="0" cy="0"/>
+          <a:chOff x="0" y="0"/>
+          <a:chExt cx="0" cy="0"/>
+        </a:xfrm>
+      </p:grpSpPr>
+      <p:sp>
+        <p:nvSpPr>
+          <p:cNvPr id="2" name="Title 1">
+            <a:extLst>
+              <a:ext uri="{FF2B5EF4-FFF2-40B4-BE49-F238E27FC236}">
+                <a16:creationId xmlns:a16="http://schemas.microsoft.com/office/drawing/2014/main" id="{95C4EACF-ACF0-4EA8-9581-88055CAC72E8}"/>
+              </a:ext>
+            </a:extLst>
+          </p:cNvPr>
+          <p:cNvSpPr>
+            <a:spLocks noGrp="1"/>
+          </p:cNvSpPr>
+          <p:nvPr>
+            <p:ph type="title"/>
+          </p:nvPr>
+        </p:nvSpPr>
+        <p:spPr>
+          <a:xfrm>
+            <a:off x="2114551" y="213214"/>
+            <a:ext cx="9905998" cy="1154113"/>
+          </a:xfrm>
+        </p:spPr>
+        <p:txBody>
+          <a:bodyPr/>
+          <a:lstStyle/>
+          <a:p>
+            <a:r>
+              <a:rPr lang="en-US" dirty="0">
+                <a:latin typeface="Arial" panose="020B0604020202020204" pitchFamily="34" charset="0"/>
+                <a:cs typeface="Arial" panose="020B0604020202020204" pitchFamily="34" charset="0"/>
+              </a:rPr>
+              <a:t>Work breakdown structure</a:t>
+            </a:r>
+          </a:p>
+        </p:txBody>
+      </p:sp>
+      <p:pic>
+        <p:nvPicPr>
+          <p:cNvPr id="5" name="Content Placeholder 4">
+            <a:extLst>
+              <a:ext uri="{FF2B5EF4-FFF2-40B4-BE49-F238E27FC236}">
+                <a16:creationId xmlns:a16="http://schemas.microsoft.com/office/drawing/2014/main" id="{085B78C2-C38F-419D-9113-D2B942C8609B}"/>
+              </a:ext>
+            </a:extLst>
+          </p:cNvPr>
+          <p:cNvPicPr>
+            <a:picLocks noGrp="1" noChangeAspect="1"/>
+          </p:cNvPicPr>
+          <p:nvPr>
+            <p:ph idx="1"/>
+          </p:nvPr>
+        </p:nvPicPr>
+        <p:blipFill>
+          <a:blip r:embed="rId2"/>
+          <a:stretch>
+            <a:fillRect/>
+          </a:stretch>
+        </p:blipFill>
+        <p:spPr>
+          <a:xfrm>
+            <a:off x="1763426" y="1228726"/>
+            <a:ext cx="8980774" cy="5320810"/>
+          </a:xfrm>
+        </p:spPr>
+      </p:pic>
+    </p:spTree>
+    <p:extLst>
+      <p:ext uri="{BB962C8B-B14F-4D97-AF65-F5344CB8AC3E}">
+        <p14:creationId xmlns:p14="http://schemas.microsoft.com/office/powerpoint/2010/main" val="3026840943"/>
       </p:ext>
     </p:extLst>
   </p:cSld>

--- a/Design/Medino Pharmacy.pptx
+++ b/Design/Medino Pharmacy.pptx
@@ -21,34 +21,30 @@
     <p:sldId id="272" r:id="rId15"/>
     <p:sldId id="273" r:id="rId16"/>
     <p:sldId id="274" r:id="rId17"/>
-    <p:sldId id="275" r:id="rId18"/>
-    <p:sldId id="276" r:id="rId19"/>
-    <p:sldId id="277" r:id="rId20"/>
-    <p:sldId id="278" r:id="rId21"/>
-    <p:sldId id="279" r:id="rId22"/>
-    <p:sldId id="291" r:id="rId23"/>
-    <p:sldId id="284" r:id="rId24"/>
-    <p:sldId id="289" r:id="rId25"/>
-    <p:sldId id="290" r:id="rId26"/>
-    <p:sldId id="292" r:id="rId27"/>
-    <p:sldId id="293" r:id="rId28"/>
-    <p:sldId id="294" r:id="rId29"/>
-    <p:sldId id="295" r:id="rId30"/>
-    <p:sldId id="296" r:id="rId31"/>
-    <p:sldId id="297" r:id="rId32"/>
-    <p:sldId id="298" r:id="rId33"/>
-    <p:sldId id="299" r:id="rId34"/>
-    <p:sldId id="300" r:id="rId35"/>
-    <p:sldId id="301" r:id="rId36"/>
-    <p:sldId id="302" r:id="rId37"/>
-    <p:sldId id="303" r:id="rId38"/>
-    <p:sldId id="304" r:id="rId39"/>
-    <p:sldId id="305" r:id="rId40"/>
-    <p:sldId id="306" r:id="rId41"/>
-    <p:sldId id="307" r:id="rId42"/>
-    <p:sldId id="308" r:id="rId43"/>
-    <p:sldId id="310" r:id="rId44"/>
-    <p:sldId id="309" r:id="rId45"/>
+    <p:sldId id="311" r:id="rId18"/>
+    <p:sldId id="275" r:id="rId19"/>
+    <p:sldId id="276" r:id="rId20"/>
+    <p:sldId id="277" r:id="rId21"/>
+    <p:sldId id="278" r:id="rId22"/>
+    <p:sldId id="279" r:id="rId23"/>
+    <p:sldId id="291" r:id="rId24"/>
+    <p:sldId id="284" r:id="rId25"/>
+    <p:sldId id="289" r:id="rId26"/>
+    <p:sldId id="290" r:id="rId27"/>
+    <p:sldId id="312" r:id="rId28"/>
+    <p:sldId id="295" r:id="rId29"/>
+    <p:sldId id="299" r:id="rId30"/>
+    <p:sldId id="300" r:id="rId31"/>
+    <p:sldId id="301" r:id="rId32"/>
+    <p:sldId id="302" r:id="rId33"/>
+    <p:sldId id="303" r:id="rId34"/>
+    <p:sldId id="304" r:id="rId35"/>
+    <p:sldId id="305" r:id="rId36"/>
+    <p:sldId id="306" r:id="rId37"/>
+    <p:sldId id="307" r:id="rId38"/>
+    <p:sldId id="308" r:id="rId39"/>
+    <p:sldId id="310" r:id="rId40"/>
+    <p:sldId id="309" r:id="rId41"/>
   </p:sldIdLst>
   <p:sldSz cx="12192000" cy="6858000"/>
   <p:notesSz cx="6858000" cy="9144000"/>
@@ -781,263 +777,6 @@
 </p:sldLayout>
 </file>
 
-<file path=ppt/slideLayouts/slideLayout12.xml><?xml version="1.0" encoding="utf-8"?>
-<p:sldLayout xmlns:a="http://schemas.openxmlformats.org/drawingml/2006/main" xmlns:r="http://schemas.openxmlformats.org/officeDocument/2006/relationships" xmlns:p="http://schemas.openxmlformats.org/presentationml/2006/main">
-  <p:cSld name="Panoramic Picture with Caption">
-    <p:spTree>
-      <p:nvGrpSpPr>
-        <p:cNvPr id="1" name=""/>
-        <p:cNvGrpSpPr/>
-        <p:nvPr/>
-      </p:nvGrpSpPr>
-      <p:grpSpPr>
-        <a:xfrm>
-          <a:off x="0" y="0"/>
-          <a:ext cx="0" cy="0"/>
-          <a:chOff x="0" y="0"/>
-          <a:chExt cx="0" cy="0"/>
-        </a:xfrm>
-      </p:grpSpPr>
-      <p:sp>
-        <p:nvSpPr>
-          <p:cNvPr id="2" name="Title 1"/>
-          <p:cNvSpPr>
-            <a:spLocks noGrp="1"/>
-          </p:cNvSpPr>
-          <p:nvPr>
-            <p:ph type="title"/>
-          </p:nvPr>
-        </p:nvSpPr>
-        <p:spPr>
-          <a:xfrm>
-            <a:off x="1141410" y="4304664"/>
-            <a:ext cx="9912355" cy="819355"/>
-          </a:xfrm>
-        </p:spPr>
-        <p:txBody>
-          <a:bodyPr anchor="b">
-            <a:normAutofit/>
-          </a:bodyPr>
-          <a:lstStyle>
-            <a:lvl1pPr>
-              <a:defRPr sz="3200"/>
-            </a:lvl1pPr>
-          </a:lstStyle>
-          <a:p>
-            <a:r>
-              <a:rPr lang="en-US"/>
-              <a:t>Click to edit Master title style</a:t>
-            </a:r>
-            <a:endParaRPr lang="en-US" dirty="0"/>
-          </a:p>
-        </p:txBody>
-      </p:sp>
-      <p:sp>
-        <p:nvSpPr>
-          <p:cNvPr id="3" name="Picture Placeholder 2"/>
-          <p:cNvSpPr>
-            <a:spLocks noGrp="1" noChangeAspect="1"/>
-          </p:cNvSpPr>
-          <p:nvPr>
-            <p:ph type="pic" idx="1"/>
-          </p:nvPr>
-        </p:nvSpPr>
-        <p:spPr>
-          <a:xfrm>
-            <a:off x="1141411" y="606426"/>
-            <a:ext cx="9912354" cy="3299778"/>
-          </a:xfrm>
-          <a:prstGeom prst="round2DiagRect">
-            <a:avLst>
-              <a:gd name="adj1" fmla="val 4860"/>
-              <a:gd name="adj2" fmla="val 0"/>
-            </a:avLst>
-          </a:prstGeom>
-          <a:ln w="19050" cap="sq">
-            <a:solidFill>
-              <a:schemeClr val="tx2">
-                <a:lumMod val="60000"/>
-                <a:lumOff val="40000"/>
-                <a:alpha val="60000"/>
-              </a:schemeClr>
-            </a:solidFill>
-            <a:miter lim="800000"/>
-          </a:ln>
-          <a:effectLst>
-            <a:outerShdw blurRad="88900" dist="38100" dir="5400000" algn="t" rotWithShape="0">
-              <a:prstClr val="black">
-                <a:alpha val="40000"/>
-              </a:prstClr>
-            </a:outerShdw>
-          </a:effectLst>
-        </p:spPr>
-        <p:txBody>
-          <a:bodyPr vert="horz" lIns="91440" tIns="45720" rIns="91440" bIns="45720" rtlCol="0" anchor="t">
-            <a:normAutofit/>
-          </a:bodyPr>
-          <a:lstStyle>
-            <a:lvl1pPr>
-              <a:buNone/>
-              <a:defRPr lang="en-US" sz="3200"/>
-            </a:lvl1pPr>
-          </a:lstStyle>
-          <a:p>
-            <a:pPr marL="0" lvl="0" indent="0">
-              <a:buNone/>
-            </a:pPr>
-            <a:r>
-              <a:rPr lang="en-US"/>
-              <a:t>Click icon to add picture</a:t>
-            </a:r>
-            <a:endParaRPr lang="en-US" dirty="0"/>
-          </a:p>
-        </p:txBody>
-      </p:sp>
-      <p:sp>
-        <p:nvSpPr>
-          <p:cNvPr id="4" name="Text Placeholder 3"/>
-          <p:cNvSpPr>
-            <a:spLocks noGrp="1"/>
-          </p:cNvSpPr>
-          <p:nvPr>
-            <p:ph type="body" sz="half" idx="2"/>
-          </p:nvPr>
-        </p:nvSpPr>
-        <p:spPr>
-          <a:xfrm>
-            <a:off x="1141364" y="5124020"/>
-            <a:ext cx="9910859" cy="682472"/>
-          </a:xfrm>
-        </p:spPr>
-        <p:txBody>
-          <a:bodyPr>
-            <a:normAutofit/>
-          </a:bodyPr>
-          <a:lstStyle>
-            <a:lvl1pPr marL="0" indent="0">
-              <a:buNone/>
-              <a:defRPr sz="1600"/>
-            </a:lvl1pPr>
-            <a:lvl2pPr marL="457200" indent="0">
-              <a:buNone/>
-              <a:defRPr sz="1400"/>
-            </a:lvl2pPr>
-            <a:lvl3pPr marL="914400" indent="0">
-              <a:buNone/>
-              <a:defRPr sz="1200"/>
-            </a:lvl3pPr>
-            <a:lvl4pPr marL="1371600" indent="0">
-              <a:buNone/>
-              <a:defRPr sz="1000"/>
-            </a:lvl4pPr>
-            <a:lvl5pPr marL="1828800" indent="0">
-              <a:buNone/>
-              <a:defRPr sz="1000"/>
-            </a:lvl5pPr>
-            <a:lvl6pPr marL="2286000" indent="0">
-              <a:buNone/>
-              <a:defRPr sz="1000"/>
-            </a:lvl6pPr>
-            <a:lvl7pPr marL="2743200" indent="0">
-              <a:buNone/>
-              <a:defRPr sz="1000"/>
-            </a:lvl7pPr>
-            <a:lvl8pPr marL="3200400" indent="0">
-              <a:buNone/>
-              <a:defRPr sz="1000"/>
-            </a:lvl8pPr>
-            <a:lvl9pPr marL="3657600" indent="0">
-              <a:buNone/>
-              <a:defRPr sz="1000"/>
-            </a:lvl9pPr>
-          </a:lstStyle>
-          <a:p>
-            <a:pPr lvl="0"/>
-            <a:r>
-              <a:rPr lang="en-US"/>
-              <a:t>Click to edit Master text styles</a:t>
-            </a:r>
-          </a:p>
-        </p:txBody>
-      </p:sp>
-      <p:sp>
-        <p:nvSpPr>
-          <p:cNvPr id="5" name="Date Placeholder 4"/>
-          <p:cNvSpPr>
-            <a:spLocks noGrp="1"/>
-          </p:cNvSpPr>
-          <p:nvPr>
-            <p:ph type="dt" sz="half" idx="10"/>
-          </p:nvPr>
-        </p:nvSpPr>
-        <p:spPr/>
-        <p:txBody>
-          <a:bodyPr/>
-          <a:lstStyle/>
-          <a:p>
-            <a:fld id="{48A87A34-81AB-432B-8DAE-1953F412C126}" type="datetimeFigureOut">
-              <a:rPr lang="en-US" smtClean="0"/>
-              <a:t>4/2/2019</a:t>
-            </a:fld>
-            <a:endParaRPr lang="en-US" dirty="0"/>
-          </a:p>
-        </p:txBody>
-      </p:sp>
-      <p:sp>
-        <p:nvSpPr>
-          <p:cNvPr id="6" name="Footer Placeholder 5"/>
-          <p:cNvSpPr>
-            <a:spLocks noGrp="1"/>
-          </p:cNvSpPr>
-          <p:nvPr>
-            <p:ph type="ftr" sz="quarter" idx="11"/>
-          </p:nvPr>
-        </p:nvSpPr>
-        <p:spPr/>
-        <p:txBody>
-          <a:bodyPr/>
-          <a:lstStyle/>
-          <a:p>
-            <a:endParaRPr lang="en-US" dirty="0"/>
-          </a:p>
-        </p:txBody>
-      </p:sp>
-      <p:sp>
-        <p:nvSpPr>
-          <p:cNvPr id="7" name="Slide Number Placeholder 6"/>
-          <p:cNvSpPr>
-            <a:spLocks noGrp="1"/>
-          </p:cNvSpPr>
-          <p:nvPr>
-            <p:ph type="sldNum" sz="quarter" idx="12"/>
-          </p:nvPr>
-        </p:nvSpPr>
-        <p:spPr/>
-        <p:txBody>
-          <a:bodyPr/>
-          <a:lstStyle/>
-          <a:p>
-            <a:fld id="{6D22F896-40B5-4ADD-8801-0D06FADFA095}" type="slidenum">
-              <a:rPr lang="en-US" smtClean="0"/>
-              <a:t>‹#›</a:t>
-            </a:fld>
-            <a:endParaRPr lang="en-US" dirty="0"/>
-          </a:p>
-        </p:txBody>
-      </p:sp>
-    </p:spTree>
-    <p:extLst>
-      <p:ext uri="{BB962C8B-B14F-4D97-AF65-F5344CB8AC3E}">
-        <p14:creationId xmlns:p14="http://schemas.microsoft.com/office/powerpoint/2010/main" val="2028853106"/>
-      </p:ext>
-    </p:extLst>
-  </p:cSld>
-  <p:clrMapOvr>
-    <a:masterClrMapping/>
-  </p:clrMapOvr>
-</p:sldLayout>
-</file>
-
 <file path=ppt/slideLayouts/slideLayout2.xml><?xml version="1.0" encoding="utf-8"?>
 <p:sldLayout xmlns:a="http://schemas.openxmlformats.org/drawingml/2006/main" xmlns:r="http://schemas.openxmlformats.org/officeDocument/2006/relationships" xmlns:p="http://schemas.openxmlformats.org/presentationml/2006/main" type="obj" preserve="1">
   <p:cSld name="Title and Content">
@@ -3327,7 +3066,6 @@
     <p:sldLayoutId id="2147483776" r:id="rId9"/>
     <p:sldLayoutId id="2147483777" r:id="rId10"/>
     <p:sldLayoutId id="2147483778" r:id="rId11"/>
-    <p:sldLayoutId id="2147483779" r:id="rId12"/>
   </p:sldLayoutIdLst>
   <p:txStyles>
     <p:titleStyle>
@@ -3658,12 +3396,8 @@
           <a:lstStyle/>
           <a:p>
             <a:r>
-              <a:rPr lang="en-US" dirty="0" err="1"/>
-              <a:t>Medino</a:t>
-            </a:r>
-            <a:r>
               <a:rPr lang="en-US" dirty="0"/>
-              <a:t> Pharmacy</a:t>
+              <a:t>Medino Pharmacy</a:t>
             </a:r>
           </a:p>
         </p:txBody>
@@ -3696,9 +3430,10 @@
           </a:bodyPr>
           <a:lstStyle/>
           <a:p>
+            <a:pPr algn="just"/>
             <a:r>
               <a:rPr lang="en-US" sz="1800" dirty="0"/>
-              <a:t>Daisyna</a:t>
+              <a:t>Name: Daisyna</a:t>
             </a:r>
             <a:r>
               <a:rPr lang="en-US" dirty="0"/>
@@ -3706,22 +3441,25 @@
             </a:r>
             <a:r>
               <a:rPr lang="en-US" sz="1800" dirty="0"/>
-              <a:t>SHRESTHA</a:t>
-            </a:r>
-          </a:p>
-          <a:p>
+              <a:t>Shrestha</a:t>
+            </a:r>
+          </a:p>
+          <a:p>
+            <a:pPr algn="just"/>
             <a:r>
               <a:rPr lang="en-US" sz="1800" dirty="0"/>
               <a:t>NCC-ID: 00172899</a:t>
             </a:r>
           </a:p>
           <a:p>
+            <a:pPr algn="just"/>
             <a:r>
               <a:rPr lang="en-US" sz="1800" dirty="0"/>
               <a:t>Subject: Computing Project</a:t>
             </a:r>
           </a:p>
           <a:p>
+            <a:pPr algn="just"/>
             <a:r>
               <a:rPr lang="en-US" sz="1800" dirty="0"/>
               <a:t>Date: 23</a:t>
@@ -3830,7 +3568,7 @@
           <a:lstStyle/>
           <a:p>
             <a:r>
-              <a:rPr lang="en-US" dirty="0"/>
+              <a:rPr lang="en-US" b="1" dirty="0"/>
               <a:t>Gantt Chart</a:t>
             </a:r>
           </a:p>
@@ -3922,7 +3660,7 @@
           <a:lstStyle/>
           <a:p>
             <a:r>
-              <a:rPr lang="en-US" dirty="0"/>
+              <a:rPr lang="en-US" b="1" dirty="0"/>
               <a:t>Scheduling</a:t>
             </a:r>
           </a:p>
@@ -4014,7 +3752,7 @@
           <a:lstStyle/>
           <a:p>
             <a:r>
-              <a:rPr lang="en-US" dirty="0"/>
+              <a:rPr lang="en-US" b="1" dirty="0"/>
               <a:t>Waterfall methodology</a:t>
             </a:r>
           </a:p>
@@ -4188,6 +3926,45 @@
           <a:bodyPr/>
           <a:lstStyle/>
           <a:p>
+            <a:r>
+              <a:rPr lang="en-US" dirty="0">
+                <a:latin typeface="Arial" panose="020B0604020202020204" pitchFamily="34" charset="0"/>
+                <a:cs typeface="Arial" panose="020B0604020202020204" pitchFamily="34" charset="0"/>
+              </a:rPr>
+              <a:t>It is suitable for small project.</a:t>
+            </a:r>
+          </a:p>
+          <a:p>
+            <a:r>
+              <a:rPr lang="en-US" dirty="0">
+                <a:latin typeface="Arial" panose="020B0604020202020204" pitchFamily="34" charset="0"/>
+                <a:cs typeface="Arial" panose="020B0604020202020204" pitchFamily="34" charset="0"/>
+              </a:rPr>
+              <a:t>It is easy to understand and simple to use.</a:t>
+            </a:r>
+          </a:p>
+          <a:p>
+            <a:r>
+              <a:rPr lang="en-US" dirty="0"/>
+              <a:t>It is easy to manage and each phase has specific goals and review process.</a:t>
+            </a:r>
+          </a:p>
+          <a:p>
+            <a:r>
+              <a:rPr lang="en-US" dirty="0"/>
+              <a:t>It helps to measure project milestone.</a:t>
+            </a:r>
+          </a:p>
+          <a:p>
+            <a:r>
+              <a:rPr lang="en-US" dirty="0"/>
+              <a:t>It works well where the requirements are clear and understandable.</a:t>
+            </a:r>
+          </a:p>
+          <a:p>
+            <a:endParaRPr lang="en-US" dirty="0"/>
+          </a:p>
+          <a:p>
             <a:endParaRPr lang="en-US" dirty="0">
               <a:latin typeface="Arial" panose="020B0604020202020204" pitchFamily="34" charset="0"/>
               <a:cs typeface="Arial" panose="020B0604020202020204" pitchFamily="34" charset="0"/>
@@ -4256,7 +4033,7 @@
                 <a:latin typeface="Arial" panose="020B0604020202020204" pitchFamily="34" charset="0"/>
                 <a:cs typeface="Arial" panose="020B0604020202020204" pitchFamily="34" charset="0"/>
               </a:rPr>
-              <a:t>Architecture</a:t>
+              <a:t>Architecture – 3-tier architecture</a:t>
             </a:r>
           </a:p>
         </p:txBody>
@@ -4279,58 +4056,164 @@
         </p:nvSpPr>
         <p:spPr>
           <a:xfrm>
-            <a:off x="1141412" y="1506535"/>
-            <a:ext cx="4878389" cy="4541839"/>
+            <a:off x="1141410" y="1219200"/>
+            <a:ext cx="5164140" cy="4856165"/>
           </a:xfrm>
         </p:spPr>
         <p:txBody>
           <a:bodyPr>
-            <a:normAutofit/>
+            <a:normAutofit fontScale="85000" lnSpcReduction="10000"/>
           </a:bodyPr>
           <a:lstStyle/>
           <a:p>
+            <a:r>
+              <a:rPr lang="en-US" dirty="0">
+                <a:latin typeface="Arial" panose="020B0604020202020204" pitchFamily="34" charset="0"/>
+                <a:cs typeface="Arial" panose="020B0604020202020204" pitchFamily="34" charset="0"/>
+              </a:rPr>
+              <a:t>MVC architecture is used.</a:t>
+            </a:r>
+          </a:p>
+          <a:p>
+            <a:r>
+              <a:rPr lang="en-US" dirty="0">
+                <a:latin typeface="Arial" panose="020B0604020202020204" pitchFamily="34" charset="0"/>
+                <a:cs typeface="Arial" panose="020B0604020202020204" pitchFamily="34" charset="0"/>
+              </a:rPr>
+              <a:t>It stands for “Model-View-Controller”. </a:t>
+            </a:r>
+          </a:p>
+          <a:p>
+            <a:pPr marL="0" lvl="0" indent="0">
+              <a:buNone/>
+            </a:pPr>
+            <a:r>
+              <a:rPr lang="en-US" dirty="0">
+                <a:latin typeface="Arial" panose="020B0604020202020204" pitchFamily="34" charset="0"/>
+                <a:cs typeface="Arial" panose="020B0604020202020204" pitchFamily="34" charset="0"/>
+              </a:rPr>
+              <a:t>   </a:t>
+            </a:r>
+            <a:r>
+              <a:rPr lang="en-US" b="1" dirty="0">
+                <a:latin typeface="Arial" panose="020B0604020202020204" pitchFamily="34" charset="0"/>
+                <a:cs typeface="Arial" panose="020B0604020202020204" pitchFamily="34" charset="0"/>
+              </a:rPr>
+              <a:t>1. Model</a:t>
+            </a:r>
             <a:endParaRPr lang="en-US" dirty="0">
               <a:latin typeface="Arial" panose="020B0604020202020204" pitchFamily="34" charset="0"/>
               <a:cs typeface="Arial" panose="020B0604020202020204" pitchFamily="34" charset="0"/>
             </a:endParaRPr>
           </a:p>
-        </p:txBody>
-      </p:sp>
-      <p:sp>
-        <p:nvSpPr>
-          <p:cNvPr id="4" name="Content Placeholder 3">
-            <a:extLst>
-              <a:ext uri="{FF2B5EF4-FFF2-40B4-BE49-F238E27FC236}">
-                <a16:creationId xmlns:a16="http://schemas.microsoft.com/office/drawing/2014/main" id="{437106C8-21AB-44B1-B6A0-C04B25F2AD70}"/>
-              </a:ext>
-            </a:extLst>
-          </p:cNvPr>
-          <p:cNvSpPr>
-            <a:spLocks noGrp="1"/>
-          </p:cNvSpPr>
-          <p:nvPr>
-            <p:ph sz="half" idx="2"/>
-          </p:nvPr>
-        </p:nvSpPr>
-        <p:spPr>
-          <a:xfrm>
-            <a:off x="6172197" y="1506536"/>
-            <a:ext cx="4875211" cy="3541714"/>
-          </a:xfrm>
-        </p:spPr>
-        <p:txBody>
-          <a:bodyPr>
-            <a:normAutofit/>
-          </a:bodyPr>
-          <a:lstStyle/>
-          <a:p>
+          <a:p>
+            <a:pPr marL="0" indent="0">
+              <a:buNone/>
+            </a:pPr>
+            <a:r>
+              <a:rPr lang="en-US" dirty="0">
+                <a:latin typeface="Arial" panose="020B0604020202020204" pitchFamily="34" charset="0"/>
+                <a:cs typeface="Arial" panose="020B0604020202020204" pitchFamily="34" charset="0"/>
+              </a:rPr>
+              <a:t>        It carries data and can contain                 business logic used by the program.</a:t>
+            </a:r>
+          </a:p>
+          <a:p>
+            <a:pPr marL="0" lvl="0" indent="0">
+              <a:buNone/>
+            </a:pPr>
+            <a:r>
+              <a:rPr lang="en-US" b="1" dirty="0">
+                <a:latin typeface="Arial" panose="020B0604020202020204" pitchFamily="34" charset="0"/>
+                <a:cs typeface="Arial" panose="020B0604020202020204" pitchFamily="34" charset="0"/>
+              </a:rPr>
+              <a:t>    2. View</a:t>
+            </a:r>
             <a:endParaRPr lang="en-US" dirty="0">
               <a:latin typeface="Arial" panose="020B0604020202020204" pitchFamily="34" charset="0"/>
               <a:cs typeface="Arial" panose="020B0604020202020204" pitchFamily="34" charset="0"/>
             </a:endParaRPr>
           </a:p>
-        </p:txBody>
-      </p:sp>
+          <a:p>
+            <a:pPr marL="0" indent="0">
+              <a:buNone/>
+            </a:pPr>
+            <a:r>
+              <a:rPr lang="en-US" dirty="0">
+                <a:latin typeface="Arial" panose="020B0604020202020204" pitchFamily="34" charset="0"/>
+                <a:cs typeface="Arial" panose="020B0604020202020204" pitchFamily="34" charset="0"/>
+              </a:rPr>
+              <a:t>    It represents the GUI part with         which user will interact.  </a:t>
+            </a:r>
+          </a:p>
+          <a:p>
+            <a:pPr marL="0" lvl="0" indent="0">
+              <a:buNone/>
+            </a:pPr>
+            <a:r>
+              <a:rPr lang="en-US" b="1" dirty="0">
+                <a:latin typeface="Arial" panose="020B0604020202020204" pitchFamily="34" charset="0"/>
+                <a:cs typeface="Arial" panose="020B0604020202020204" pitchFamily="34" charset="0"/>
+              </a:rPr>
+              <a:t>   3. Controller</a:t>
+            </a:r>
+            <a:endParaRPr lang="en-US" dirty="0">
+              <a:latin typeface="Arial" panose="020B0604020202020204" pitchFamily="34" charset="0"/>
+              <a:cs typeface="Arial" panose="020B0604020202020204" pitchFamily="34" charset="0"/>
+            </a:endParaRPr>
+          </a:p>
+          <a:p>
+            <a:pPr marL="0" indent="0">
+              <a:buNone/>
+            </a:pPr>
+            <a:r>
+              <a:rPr lang="en-US" dirty="0">
+                <a:latin typeface="Arial" panose="020B0604020202020204" pitchFamily="34" charset="0"/>
+                <a:cs typeface="Arial" panose="020B0604020202020204" pitchFamily="34" charset="0"/>
+              </a:rPr>
+              <a:t>     It controls the data flow into         model and update view. It connects user with the system.</a:t>
+            </a:r>
+          </a:p>
+          <a:p>
+            <a:pPr marL="0" indent="0">
+              <a:buNone/>
+            </a:pPr>
+            <a:endParaRPr lang="en-US" dirty="0">
+              <a:latin typeface="Arial" panose="020B0604020202020204" pitchFamily="34" charset="0"/>
+              <a:cs typeface="Arial" panose="020B0604020202020204" pitchFamily="34" charset="0"/>
+            </a:endParaRPr>
+          </a:p>
+        </p:txBody>
+      </p:sp>
+      <p:pic>
+        <p:nvPicPr>
+          <p:cNvPr id="12" name="Content Placeholder 11">
+            <a:extLst>
+              <a:ext uri="{FF2B5EF4-FFF2-40B4-BE49-F238E27FC236}">
+                <a16:creationId xmlns:a16="http://schemas.microsoft.com/office/drawing/2014/main" id="{89DCABF2-2540-48A3-BCD2-D04C5AF1CCC5}"/>
+              </a:ext>
+            </a:extLst>
+          </p:cNvPr>
+          <p:cNvPicPr>
+            <a:picLocks noGrp="1" noChangeAspect="1"/>
+          </p:cNvPicPr>
+          <p:nvPr>
+            <p:ph sz="half" idx="2"/>
+          </p:nvPr>
+        </p:nvPicPr>
+        <p:blipFill>
+          <a:blip r:embed="rId2"/>
+          <a:stretch>
+            <a:fillRect/>
+          </a:stretch>
+        </p:blipFill>
+        <p:spPr>
+          <a:xfrm>
+            <a:off x="6966899" y="1573210"/>
+            <a:ext cx="3861433" cy="3339832"/>
+          </a:xfrm>
+        </p:spPr>
+      </p:pic>
     </p:spTree>
     <p:extLst>
       <p:ext uri="{BB962C8B-B14F-4D97-AF65-F5344CB8AC3E}">
@@ -4416,14 +4299,97 @@
         <p:spPr>
           <a:xfrm>
             <a:off x="1168398" y="1658143"/>
-            <a:ext cx="9905999" cy="3541714"/>
-          </a:xfrm>
-        </p:spPr>
-        <p:txBody>
-          <a:bodyPr/>
-          <a:lstStyle/>
-          <a:p>
-            <a:endParaRPr lang="en-US" dirty="0">
+            <a:ext cx="9905999" cy="4409282"/>
+          </a:xfrm>
+        </p:spPr>
+        <p:txBody>
+          <a:bodyPr>
+            <a:normAutofit/>
+          </a:bodyPr>
+          <a:lstStyle/>
+          <a:p>
+            <a:r>
+              <a:rPr lang="en-US" sz="2400" dirty="0">
+                <a:latin typeface="Arial" panose="020B0604020202020204" pitchFamily="34" charset="0"/>
+                <a:cs typeface="Arial" panose="020B0604020202020204" pitchFamily="34" charset="0"/>
+              </a:rPr>
+              <a:t>Identification and prioritization of risks and analyzing with various tools and economical application resources to minimize their impact on the system. </a:t>
+            </a:r>
+          </a:p>
+          <a:p>
+            <a:r>
+              <a:rPr lang="en-US" sz="2400" dirty="0">
+                <a:latin typeface="Arial" panose="020B0604020202020204" pitchFamily="34" charset="0"/>
+                <a:cs typeface="Arial" panose="020B0604020202020204" pitchFamily="34" charset="0"/>
+              </a:rPr>
+              <a:t>It can be managed in five steps :</a:t>
+            </a:r>
+          </a:p>
+          <a:p>
+            <a:pPr marL="0" indent="0">
+              <a:buNone/>
+            </a:pPr>
+            <a:r>
+              <a:rPr lang="en-US" sz="2400" dirty="0">
+                <a:latin typeface="Arial" panose="020B0604020202020204" pitchFamily="34" charset="0"/>
+                <a:cs typeface="Arial" panose="020B0604020202020204" pitchFamily="34" charset="0"/>
+              </a:rPr>
+              <a:t>               1. Identify the risk</a:t>
+            </a:r>
+          </a:p>
+          <a:p>
+            <a:pPr marL="0" indent="0">
+              <a:buNone/>
+            </a:pPr>
+            <a:r>
+              <a:rPr lang="en-US" sz="2400" dirty="0">
+                <a:latin typeface="Arial" panose="020B0604020202020204" pitchFamily="34" charset="0"/>
+                <a:cs typeface="Arial" panose="020B0604020202020204" pitchFamily="34" charset="0"/>
+              </a:rPr>
+              <a:t>               2. Analyze the risk</a:t>
+            </a:r>
+          </a:p>
+          <a:p>
+            <a:pPr marL="0" indent="0">
+              <a:buNone/>
+            </a:pPr>
+            <a:r>
+              <a:rPr lang="en-US" sz="2400" dirty="0">
+                <a:latin typeface="Arial" panose="020B0604020202020204" pitchFamily="34" charset="0"/>
+                <a:cs typeface="Arial" panose="020B0604020202020204" pitchFamily="34" charset="0"/>
+              </a:rPr>
+              <a:t>               3. Evaluate or rank the risk</a:t>
+            </a:r>
+          </a:p>
+          <a:p>
+            <a:pPr marL="0" indent="0">
+              <a:buNone/>
+            </a:pPr>
+            <a:r>
+              <a:rPr lang="en-US" sz="2400" dirty="0">
+                <a:latin typeface="Arial" panose="020B0604020202020204" pitchFamily="34" charset="0"/>
+                <a:cs typeface="Arial" panose="020B0604020202020204" pitchFamily="34" charset="0"/>
+              </a:rPr>
+              <a:t>               4. Treat the risk</a:t>
+            </a:r>
+          </a:p>
+          <a:p>
+            <a:pPr marL="0" indent="0">
+              <a:buNone/>
+            </a:pPr>
+            <a:r>
+              <a:rPr lang="en-US" sz="2400" dirty="0">
+                <a:latin typeface="Arial" panose="020B0604020202020204" pitchFamily="34" charset="0"/>
+                <a:cs typeface="Arial" panose="020B0604020202020204" pitchFamily="34" charset="0"/>
+              </a:rPr>
+              <a:t>               5. Monitor and review the risk</a:t>
+            </a:r>
+          </a:p>
+          <a:p>
+            <a:pPr marL="0" indent="0">
+              <a:buNone/>
+            </a:pPr>
+            <a:endParaRPr lang="en-US" sz="2400" dirty="0">
               <a:latin typeface="Arial" panose="020B0604020202020204" pitchFamily="34" charset="0"/>
               <a:cs typeface="Arial" panose="020B0604020202020204" pitchFamily="34" charset="0"/>
             </a:endParaRPr>
@@ -4479,7 +4445,7 @@
         <p:spPr>
           <a:xfrm>
             <a:off x="1141413" y="151793"/>
-            <a:ext cx="9905998" cy="1210282"/>
+            <a:ext cx="9905998" cy="1108494"/>
           </a:xfrm>
         </p:spPr>
         <p:txBody>
@@ -4514,15 +4480,119 @@
         </p:nvSpPr>
         <p:spPr>
           <a:xfrm>
-            <a:off x="1141413" y="1688912"/>
-            <a:ext cx="9905999" cy="3541714"/>
-          </a:xfrm>
-        </p:spPr>
-        <p:txBody>
-          <a:bodyPr/>
-          <a:lstStyle/>
-          <a:p>
-            <a:endParaRPr lang="en-US" dirty="0">
+            <a:off x="1141413" y="1260287"/>
+            <a:ext cx="9905999" cy="4940488"/>
+          </a:xfrm>
+        </p:spPr>
+        <p:txBody>
+          <a:bodyPr>
+            <a:normAutofit/>
+          </a:bodyPr>
+          <a:lstStyle/>
+          <a:p>
+            <a:r>
+              <a:rPr lang="en-US" sz="2400" dirty="0">
+                <a:latin typeface="Arial" panose="020B0604020202020204" pitchFamily="34" charset="0"/>
+                <a:cs typeface="Arial" panose="020B0604020202020204" pitchFamily="34" charset="0"/>
+              </a:rPr>
+              <a:t>A way to maintain consistency between physical and logical assets in an operational environment throughout project life. </a:t>
+            </a:r>
+          </a:p>
+          <a:p>
+            <a:r>
+              <a:rPr lang="en-US" sz="2400" dirty="0">
+                <a:latin typeface="Arial" panose="020B0604020202020204" pitchFamily="34" charset="0"/>
+                <a:cs typeface="Arial" panose="020B0604020202020204" pitchFamily="34" charset="0"/>
+              </a:rPr>
+              <a:t>Identifies bad configuration changes and ensures quick service restoration. </a:t>
+            </a:r>
+          </a:p>
+          <a:p>
+            <a:pPr marL="0" indent="0">
+              <a:buNone/>
+            </a:pPr>
+            <a:r>
+              <a:rPr lang="en-US" sz="2400" dirty="0">
+                <a:latin typeface="Arial" panose="020B0604020202020204" pitchFamily="34" charset="0"/>
+                <a:cs typeface="Arial" panose="020B0604020202020204" pitchFamily="34" charset="0"/>
+              </a:rPr>
+              <a:t>  </a:t>
+            </a:r>
+            <a:r>
+              <a:rPr lang="en-US" b="1" dirty="0">
+                <a:latin typeface="Arial" panose="020B0604020202020204" pitchFamily="34" charset="0"/>
+                <a:cs typeface="Arial" panose="020B0604020202020204" pitchFamily="34" charset="0"/>
+              </a:rPr>
+              <a:t>Why?</a:t>
+            </a:r>
+          </a:p>
+          <a:p>
+            <a:pPr>
+              <a:buFont typeface="Wingdings" panose="05000000000000000000" pitchFamily="2" charset="2"/>
+              <a:buChar char="ü"/>
+            </a:pPr>
+            <a:r>
+              <a:rPr lang="en-US" sz="2400" dirty="0">
+                <a:latin typeface="Arial" panose="020B0604020202020204" pitchFamily="34" charset="0"/>
+                <a:cs typeface="Arial" panose="020B0604020202020204" pitchFamily="34" charset="0"/>
+              </a:rPr>
+              <a:t>Increased efficiency</a:t>
+            </a:r>
+          </a:p>
+          <a:p>
+            <a:pPr>
+              <a:buFont typeface="Wingdings" panose="05000000000000000000" pitchFamily="2" charset="2"/>
+              <a:buChar char="ü"/>
+            </a:pPr>
+            <a:r>
+              <a:rPr lang="en-US" sz="2400" dirty="0">
+                <a:latin typeface="Arial" panose="020B0604020202020204" pitchFamily="34" charset="0"/>
+                <a:cs typeface="Arial" panose="020B0604020202020204" pitchFamily="34" charset="0"/>
+              </a:rPr>
+              <a:t>Cost reduction </a:t>
+            </a:r>
+          </a:p>
+          <a:p>
+            <a:pPr>
+              <a:buFont typeface="Wingdings" panose="05000000000000000000" pitchFamily="2" charset="2"/>
+              <a:buChar char="ü"/>
+            </a:pPr>
+            <a:r>
+              <a:rPr lang="en-US" sz="2400" dirty="0">
+                <a:latin typeface="Arial" panose="020B0604020202020204" pitchFamily="34" charset="0"/>
+                <a:cs typeface="Arial" panose="020B0604020202020204" pitchFamily="34" charset="0"/>
+              </a:rPr>
+              <a:t>Efficient change management</a:t>
+            </a:r>
+          </a:p>
+          <a:p>
+            <a:pPr>
+              <a:buFont typeface="Wingdings" panose="05000000000000000000" pitchFamily="2" charset="2"/>
+              <a:buChar char="ü"/>
+            </a:pPr>
+            <a:r>
+              <a:rPr lang="en-US" sz="2400" dirty="0">
+                <a:latin typeface="Arial" panose="020B0604020202020204" pitchFamily="34" charset="0"/>
+                <a:cs typeface="Arial" panose="020B0604020202020204" pitchFamily="34" charset="0"/>
+              </a:rPr>
+              <a:t>Faster restoration of your service if a process failure occurs. </a:t>
+            </a:r>
+          </a:p>
+          <a:p>
+            <a:pPr>
+              <a:buFont typeface="Wingdings" panose="05000000000000000000" pitchFamily="2" charset="2"/>
+              <a:buChar char="ü"/>
+            </a:pPr>
+            <a:endParaRPr lang="en-US" sz="2400" dirty="0">
+              <a:latin typeface="Arial" panose="020B0604020202020204" pitchFamily="34" charset="0"/>
+              <a:cs typeface="Arial" panose="020B0604020202020204" pitchFamily="34" charset="0"/>
+            </a:endParaRPr>
+          </a:p>
+          <a:p>
+            <a:pPr marL="0" indent="0">
+              <a:buNone/>
+            </a:pPr>
+            <a:endParaRPr lang="en-US" sz="2400" dirty="0">
               <a:latin typeface="Arial" panose="020B0604020202020204" pitchFamily="34" charset="0"/>
               <a:cs typeface="Arial" panose="020B0604020202020204" pitchFamily="34" charset="0"/>
             </a:endParaRPr>
@@ -4559,79 +4629,40 @@
           <a:chExt cx="0" cy="0"/>
         </a:xfrm>
       </p:grpSpPr>
-      <p:sp>
-        <p:nvSpPr>
-          <p:cNvPr id="2" name="Title 1">
-            <a:extLst>
-              <a:ext uri="{FF2B5EF4-FFF2-40B4-BE49-F238E27FC236}">
-                <a16:creationId xmlns:a16="http://schemas.microsoft.com/office/drawing/2014/main" id="{1C4EFCA2-DC43-4669-B92D-90B5BE159043}"/>
-              </a:ext>
-            </a:extLst>
-          </p:cNvPr>
-          <p:cNvSpPr>
-            <a:spLocks noGrp="1"/>
-          </p:cNvSpPr>
-          <p:nvPr>
-            <p:ph type="title"/>
-          </p:nvPr>
-        </p:nvSpPr>
-        <p:spPr>
-          <a:xfrm>
-            <a:off x="1141413" y="327514"/>
-            <a:ext cx="9905998" cy="996461"/>
-          </a:xfrm>
-        </p:spPr>
-        <p:txBody>
-          <a:bodyPr/>
-          <a:lstStyle/>
-          <a:p>
-            <a:r>
-              <a:rPr lang="en-US" dirty="0">
-                <a:latin typeface="Arial" panose="020B0604020202020204" pitchFamily="34" charset="0"/>
-                <a:cs typeface="Arial" panose="020B0604020202020204" pitchFamily="34" charset="0"/>
-              </a:rPr>
-              <a:t>Design – initial class diagram</a:t>
-            </a:r>
-          </a:p>
-        </p:txBody>
-      </p:sp>
-      <p:sp>
-        <p:nvSpPr>
-          <p:cNvPr id="3" name="Content Placeholder 2">
-            <a:extLst>
-              <a:ext uri="{FF2B5EF4-FFF2-40B4-BE49-F238E27FC236}">
-                <a16:creationId xmlns:a16="http://schemas.microsoft.com/office/drawing/2014/main" id="{6B878EF5-712F-4683-AE18-79E0F8AE2E4F}"/>
-              </a:ext>
-            </a:extLst>
-          </p:cNvPr>
-          <p:cNvSpPr>
-            <a:spLocks noGrp="1"/>
-          </p:cNvSpPr>
-          <p:nvPr>
-            <p:ph idx="1"/>
-          </p:nvPr>
-        </p:nvSpPr>
-        <p:spPr>
-          <a:xfrm>
-            <a:off x="1141412" y="1487487"/>
-            <a:ext cx="9905999" cy="3541714"/>
-          </a:xfrm>
-        </p:spPr>
-        <p:txBody>
-          <a:bodyPr/>
-          <a:lstStyle/>
-          <a:p>
-            <a:endParaRPr lang="en-US" dirty="0">
-              <a:latin typeface="Arial" panose="020B0604020202020204" pitchFamily="34" charset="0"/>
-              <a:cs typeface="Arial" panose="020B0604020202020204" pitchFamily="34" charset="0"/>
-            </a:endParaRPr>
-          </a:p>
-        </p:txBody>
-      </p:sp>
+      <p:pic>
+        <p:nvPicPr>
+          <p:cNvPr id="3" name="Picture 2">
+            <a:extLst>
+              <a:ext uri="{FF2B5EF4-FFF2-40B4-BE49-F238E27FC236}">
+                <a16:creationId xmlns:a16="http://schemas.microsoft.com/office/drawing/2014/main" id="{8521695A-E6F8-4A67-AC1C-3B196E8EF711}"/>
+              </a:ext>
+            </a:extLst>
+          </p:cNvPr>
+          <p:cNvPicPr>
+            <a:picLocks noChangeAspect="1"/>
+          </p:cNvPicPr>
+          <p:nvPr/>
+        </p:nvPicPr>
+        <p:blipFill>
+          <a:blip r:embed="rId2"/>
+          <a:stretch>
+            <a:fillRect/>
+          </a:stretch>
+        </p:blipFill>
+        <p:spPr>
+          <a:xfrm>
+            <a:off x="1422400" y="1816100"/>
+            <a:ext cx="9347200" cy="3225800"/>
+          </a:xfrm>
+          <a:prstGeom prst="rect">
+            <a:avLst/>
+          </a:prstGeom>
+        </p:spPr>
+      </p:pic>
     </p:spTree>
     <p:extLst>
       <p:ext uri="{BB962C8B-B14F-4D97-AF65-F5344CB8AC3E}">
-        <p14:creationId xmlns:p14="http://schemas.microsoft.com/office/powerpoint/2010/main" val="888697162"/>
+        <p14:creationId xmlns:p14="http://schemas.microsoft.com/office/powerpoint/2010/main" val="1258393995"/>
       </p:ext>
     </p:extLst>
   </p:cSld>
@@ -4658,10 +4689,90 @@
           <a:chExt cx="0" cy="0"/>
         </a:xfrm>
       </p:grpSpPr>
+      <p:sp>
+        <p:nvSpPr>
+          <p:cNvPr id="2" name="Title 1">
+            <a:extLst>
+              <a:ext uri="{FF2B5EF4-FFF2-40B4-BE49-F238E27FC236}">
+                <a16:creationId xmlns:a16="http://schemas.microsoft.com/office/drawing/2014/main" id="{1C4EFCA2-DC43-4669-B92D-90B5BE159043}"/>
+              </a:ext>
+            </a:extLst>
+          </p:cNvPr>
+          <p:cNvSpPr>
+            <a:spLocks noGrp="1"/>
+          </p:cNvSpPr>
+          <p:nvPr>
+            <p:ph type="title"/>
+          </p:nvPr>
+        </p:nvSpPr>
+        <p:spPr>
+          <a:xfrm>
+            <a:off x="1141413" y="327514"/>
+            <a:ext cx="9905998" cy="996461"/>
+          </a:xfrm>
+        </p:spPr>
+        <p:txBody>
+          <a:bodyPr/>
+          <a:lstStyle/>
+          <a:p>
+            <a:r>
+              <a:rPr lang="en-US" dirty="0">
+                <a:latin typeface="Arial" panose="020B0604020202020204" pitchFamily="34" charset="0"/>
+                <a:cs typeface="Arial" panose="020B0604020202020204" pitchFamily="34" charset="0"/>
+              </a:rPr>
+              <a:t>Design – Initial class diagram</a:t>
+            </a:r>
+          </a:p>
+        </p:txBody>
+      </p:sp>
+      <p:sp>
+        <p:nvSpPr>
+          <p:cNvPr id="3" name="Content Placeholder 2">
+            <a:extLst>
+              <a:ext uri="{FF2B5EF4-FFF2-40B4-BE49-F238E27FC236}">
+                <a16:creationId xmlns:a16="http://schemas.microsoft.com/office/drawing/2014/main" id="{6B878EF5-712F-4683-AE18-79E0F8AE2E4F}"/>
+              </a:ext>
+            </a:extLst>
+          </p:cNvPr>
+          <p:cNvSpPr>
+            <a:spLocks noGrp="1"/>
+          </p:cNvSpPr>
+          <p:nvPr>
+            <p:ph idx="1"/>
+          </p:nvPr>
+        </p:nvSpPr>
+        <p:spPr>
+          <a:xfrm>
+            <a:off x="1141413" y="1487487"/>
+            <a:ext cx="9905998" cy="4827588"/>
+          </a:xfrm>
+        </p:spPr>
+        <p:txBody>
+          <a:bodyPr>
+            <a:normAutofit/>
+          </a:bodyPr>
+          <a:lstStyle/>
+          <a:p>
+            <a:r>
+              <a:rPr lang="en-US" sz="2400" dirty="0">
+                <a:latin typeface="Arial" panose="020B0604020202020204" pitchFamily="34" charset="0"/>
+                <a:cs typeface="Arial" panose="020B0604020202020204" pitchFamily="34" charset="0"/>
+              </a:rPr>
+              <a:t>The static structure providing the overview of the system through classes and defining the relationships among the classes. </a:t>
+            </a:r>
+          </a:p>
+          <a:p>
+            <a:endParaRPr lang="en-US" sz="2400" dirty="0">
+              <a:latin typeface="Arial" panose="020B0604020202020204" pitchFamily="34" charset="0"/>
+              <a:cs typeface="Arial" panose="020B0604020202020204" pitchFamily="34" charset="0"/>
+            </a:endParaRPr>
+          </a:p>
+        </p:txBody>
+      </p:sp>
     </p:spTree>
     <p:extLst>
       <p:ext uri="{BB962C8B-B14F-4D97-AF65-F5344CB8AC3E}">
-        <p14:creationId xmlns:p14="http://schemas.microsoft.com/office/powerpoint/2010/main" val="816022677"/>
+        <p14:creationId xmlns:p14="http://schemas.microsoft.com/office/powerpoint/2010/main" val="888697162"/>
       </p:ext>
     </p:extLst>
   </p:cSld>
@@ -4688,79 +4799,40 @@
           <a:chExt cx="0" cy="0"/>
         </a:xfrm>
       </p:grpSpPr>
-      <p:sp>
-        <p:nvSpPr>
-          <p:cNvPr id="2" name="Title 1">
-            <a:extLst>
-              <a:ext uri="{FF2B5EF4-FFF2-40B4-BE49-F238E27FC236}">
-                <a16:creationId xmlns:a16="http://schemas.microsoft.com/office/drawing/2014/main" id="{2997996C-55AB-43B9-AC26-D074C79C5AAB}"/>
-              </a:ext>
-            </a:extLst>
-          </p:cNvPr>
-          <p:cNvSpPr>
-            <a:spLocks noGrp="1"/>
-          </p:cNvSpPr>
-          <p:nvPr>
-            <p:ph type="title"/>
-          </p:nvPr>
-        </p:nvSpPr>
-        <p:spPr>
-          <a:xfrm>
-            <a:off x="1141412" y="227993"/>
-            <a:ext cx="9905998" cy="1191232"/>
-          </a:xfrm>
-        </p:spPr>
-        <p:txBody>
-          <a:bodyPr/>
-          <a:lstStyle/>
-          <a:p>
-            <a:r>
-              <a:rPr lang="en-US" dirty="0">
-                <a:latin typeface="Arial" panose="020B0604020202020204" pitchFamily="34" charset="0"/>
-                <a:cs typeface="Arial" panose="020B0604020202020204" pitchFamily="34" charset="0"/>
-              </a:rPr>
-              <a:t>Design – class diagram</a:t>
-            </a:r>
-          </a:p>
-        </p:txBody>
-      </p:sp>
-      <p:sp>
-        <p:nvSpPr>
-          <p:cNvPr id="3" name="Content Placeholder 2">
-            <a:extLst>
-              <a:ext uri="{FF2B5EF4-FFF2-40B4-BE49-F238E27FC236}">
-                <a16:creationId xmlns:a16="http://schemas.microsoft.com/office/drawing/2014/main" id="{669846E0-BB7F-4B35-AD24-A45D4DEBE8CC}"/>
-              </a:ext>
-            </a:extLst>
-          </p:cNvPr>
-          <p:cNvSpPr>
-            <a:spLocks noGrp="1"/>
-          </p:cNvSpPr>
-          <p:nvPr>
-            <p:ph idx="1"/>
-          </p:nvPr>
-        </p:nvSpPr>
-        <p:spPr>
-          <a:xfrm>
-            <a:off x="1141411" y="1554162"/>
-            <a:ext cx="9905999" cy="3541714"/>
-          </a:xfrm>
-        </p:spPr>
-        <p:txBody>
-          <a:bodyPr/>
-          <a:lstStyle/>
-          <a:p>
-            <a:endParaRPr lang="en-US" dirty="0">
-              <a:latin typeface="Arial" panose="020B0604020202020204" pitchFamily="34" charset="0"/>
-              <a:cs typeface="Arial" panose="020B0604020202020204" pitchFamily="34" charset="0"/>
-            </a:endParaRPr>
-          </a:p>
-        </p:txBody>
-      </p:sp>
+      <p:pic>
+        <p:nvPicPr>
+          <p:cNvPr id="3" name="Picture 2">
+            <a:extLst>
+              <a:ext uri="{FF2B5EF4-FFF2-40B4-BE49-F238E27FC236}">
+                <a16:creationId xmlns:a16="http://schemas.microsoft.com/office/drawing/2014/main" id="{DB24047F-203F-435C-8CF4-427AEF9291F8}"/>
+              </a:ext>
+            </a:extLst>
+          </p:cNvPr>
+          <p:cNvPicPr>
+            <a:picLocks noChangeAspect="1"/>
+          </p:cNvPicPr>
+          <p:nvPr/>
+        </p:nvPicPr>
+        <p:blipFill>
+          <a:blip r:embed="rId2"/>
+          <a:stretch>
+            <a:fillRect/>
+          </a:stretch>
+        </p:blipFill>
+        <p:spPr>
+          <a:xfrm>
+            <a:off x="1963615" y="0"/>
+            <a:ext cx="8264769" cy="6858000"/>
+          </a:xfrm>
+          <a:prstGeom prst="rect">
+            <a:avLst/>
+          </a:prstGeom>
+        </p:spPr>
+      </p:pic>
     </p:spTree>
     <p:extLst>
       <p:ext uri="{BB962C8B-B14F-4D97-AF65-F5344CB8AC3E}">
-        <p14:creationId xmlns:p14="http://schemas.microsoft.com/office/powerpoint/2010/main" val="3762583143"/>
+        <p14:creationId xmlns:p14="http://schemas.microsoft.com/office/powerpoint/2010/main" val="816022677"/>
       </p:ext>
     </p:extLst>
   </p:cSld>
@@ -4967,10 +5039,134 @@
           <a:chExt cx="0" cy="0"/>
         </a:xfrm>
       </p:grpSpPr>
+      <p:sp>
+        <p:nvSpPr>
+          <p:cNvPr id="2" name="Title 1">
+            <a:extLst>
+              <a:ext uri="{FF2B5EF4-FFF2-40B4-BE49-F238E27FC236}">
+                <a16:creationId xmlns:a16="http://schemas.microsoft.com/office/drawing/2014/main" id="{2997996C-55AB-43B9-AC26-D074C79C5AAB}"/>
+              </a:ext>
+            </a:extLst>
+          </p:cNvPr>
+          <p:cNvSpPr>
+            <a:spLocks noGrp="1"/>
+          </p:cNvSpPr>
+          <p:nvPr>
+            <p:ph type="title"/>
+          </p:nvPr>
+        </p:nvSpPr>
+        <p:spPr>
+          <a:xfrm>
+            <a:off x="1141412" y="227993"/>
+            <a:ext cx="9905998" cy="1191232"/>
+          </a:xfrm>
+        </p:spPr>
+        <p:txBody>
+          <a:bodyPr>
+            <a:normAutofit/>
+          </a:bodyPr>
+          <a:lstStyle/>
+          <a:p>
+            <a:r>
+              <a:rPr lang="en-US" dirty="0">
+                <a:latin typeface="Arial" panose="020B0604020202020204" pitchFamily="34" charset="0"/>
+                <a:cs typeface="Arial" panose="020B0604020202020204" pitchFamily="34" charset="0"/>
+              </a:rPr>
+              <a:t>Design – Class diagram</a:t>
+            </a:r>
+          </a:p>
+        </p:txBody>
+      </p:sp>
+      <p:sp>
+        <p:nvSpPr>
+          <p:cNvPr id="3" name="Content Placeholder 2">
+            <a:extLst>
+              <a:ext uri="{FF2B5EF4-FFF2-40B4-BE49-F238E27FC236}">
+                <a16:creationId xmlns:a16="http://schemas.microsoft.com/office/drawing/2014/main" id="{669846E0-BB7F-4B35-AD24-A45D4DEBE8CC}"/>
+              </a:ext>
+            </a:extLst>
+          </p:cNvPr>
+          <p:cNvSpPr>
+            <a:spLocks noGrp="1"/>
+          </p:cNvSpPr>
+          <p:nvPr>
+            <p:ph idx="1"/>
+          </p:nvPr>
+        </p:nvSpPr>
+        <p:spPr>
+          <a:xfrm>
+            <a:off x="1141411" y="1554162"/>
+            <a:ext cx="9905999" cy="3541714"/>
+          </a:xfrm>
+        </p:spPr>
+        <p:txBody>
+          <a:bodyPr>
+            <a:normAutofit/>
+          </a:bodyPr>
+          <a:lstStyle/>
+          <a:p>
+            <a:pPr>
+              <a:lnSpc>
+                <a:spcPct val="150000"/>
+              </a:lnSpc>
+            </a:pPr>
+            <a:r>
+              <a:rPr lang="en-US" sz="2400" dirty="0">
+                <a:latin typeface="Arial" panose="020B0604020202020204" pitchFamily="34" charset="0"/>
+                <a:cs typeface="Arial" panose="020B0604020202020204" pitchFamily="34" charset="0"/>
+              </a:rPr>
+              <a:t>It is a static structure and modelling of the system.</a:t>
+            </a:r>
+          </a:p>
+          <a:p>
+            <a:pPr>
+              <a:lnSpc>
+                <a:spcPct val="150000"/>
+              </a:lnSpc>
+            </a:pPr>
+            <a:r>
+              <a:rPr lang="en-US" sz="2400" dirty="0">
+                <a:latin typeface="Arial" panose="020B0604020202020204" pitchFamily="34" charset="0"/>
+                <a:cs typeface="Arial" panose="020B0604020202020204" pitchFamily="34" charset="0"/>
+              </a:rPr>
+              <a:t>It helps to describe general overview of the system.</a:t>
+            </a:r>
+          </a:p>
+          <a:p>
+            <a:pPr>
+              <a:lnSpc>
+                <a:spcPct val="150000"/>
+              </a:lnSpc>
+            </a:pPr>
+            <a:r>
+              <a:rPr lang="en-US" sz="2400" dirty="0">
+                <a:latin typeface="Arial" panose="020B0604020202020204" pitchFamily="34" charset="0"/>
+                <a:cs typeface="Arial" panose="020B0604020202020204" pitchFamily="34" charset="0"/>
+              </a:rPr>
+              <a:t>Illustrates relationships and dependencies among classes present in the system.</a:t>
+            </a:r>
+          </a:p>
+          <a:p>
+            <a:pPr marL="0" indent="0">
+              <a:buNone/>
+            </a:pPr>
+            <a:endParaRPr lang="en-US" sz="2400" dirty="0">
+              <a:latin typeface="Arial" panose="020B0604020202020204" pitchFamily="34" charset="0"/>
+              <a:cs typeface="Arial" panose="020B0604020202020204" pitchFamily="34" charset="0"/>
+            </a:endParaRPr>
+          </a:p>
+          <a:p>
+            <a:endParaRPr lang="en-US" sz="2400" dirty="0">
+              <a:latin typeface="Arial" panose="020B0604020202020204" pitchFamily="34" charset="0"/>
+              <a:cs typeface="Arial" panose="020B0604020202020204" pitchFamily="34" charset="0"/>
+            </a:endParaRPr>
+          </a:p>
+        </p:txBody>
+      </p:sp>
     </p:spTree>
     <p:extLst>
       <p:ext uri="{BB962C8B-B14F-4D97-AF65-F5344CB8AC3E}">
-        <p14:creationId xmlns:p14="http://schemas.microsoft.com/office/powerpoint/2010/main" val="3390182370"/>
+        <p14:creationId xmlns:p14="http://schemas.microsoft.com/office/powerpoint/2010/main" val="3762583143"/>
       </p:ext>
     </p:extLst>
   </p:cSld>
@@ -4997,79 +5193,40 @@
           <a:chExt cx="0" cy="0"/>
         </a:xfrm>
       </p:grpSpPr>
-      <p:sp>
-        <p:nvSpPr>
-          <p:cNvPr id="2" name="Title 1">
-            <a:extLst>
-              <a:ext uri="{FF2B5EF4-FFF2-40B4-BE49-F238E27FC236}">
-                <a16:creationId xmlns:a16="http://schemas.microsoft.com/office/drawing/2014/main" id="{3E7EE023-9D69-4BE4-B447-BCD954B5ABAC}"/>
-              </a:ext>
-            </a:extLst>
-          </p:cNvPr>
-          <p:cNvSpPr>
-            <a:spLocks noGrp="1"/>
-          </p:cNvSpPr>
-          <p:nvPr>
-            <p:ph type="title"/>
-          </p:nvPr>
-        </p:nvSpPr>
-        <p:spPr>
-          <a:xfrm>
-            <a:off x="1141413" y="327514"/>
-            <a:ext cx="9905998" cy="1148861"/>
-          </a:xfrm>
-        </p:spPr>
-        <p:txBody>
-          <a:bodyPr/>
-          <a:lstStyle/>
-          <a:p>
-            <a:r>
-              <a:rPr lang="en-US" dirty="0">
-                <a:latin typeface="Arial" panose="020B0604020202020204" pitchFamily="34" charset="0"/>
-                <a:cs typeface="Arial" panose="020B0604020202020204" pitchFamily="34" charset="0"/>
-              </a:rPr>
-              <a:t>Design – Er-diagram </a:t>
-            </a:r>
-          </a:p>
-        </p:txBody>
-      </p:sp>
-      <p:sp>
-        <p:nvSpPr>
-          <p:cNvPr id="3" name="Content Placeholder 2">
-            <a:extLst>
-              <a:ext uri="{FF2B5EF4-FFF2-40B4-BE49-F238E27FC236}">
-                <a16:creationId xmlns:a16="http://schemas.microsoft.com/office/drawing/2014/main" id="{6593562A-4E05-4D02-84E0-D4DDC4069A00}"/>
-              </a:ext>
-            </a:extLst>
-          </p:cNvPr>
-          <p:cNvSpPr>
-            <a:spLocks noGrp="1"/>
-          </p:cNvSpPr>
-          <p:nvPr>
-            <p:ph idx="1"/>
-          </p:nvPr>
-        </p:nvSpPr>
-        <p:spPr>
-          <a:xfrm>
-            <a:off x="1141413" y="1573212"/>
-            <a:ext cx="9905999" cy="3541714"/>
-          </a:xfrm>
-        </p:spPr>
-        <p:txBody>
-          <a:bodyPr/>
-          <a:lstStyle/>
-          <a:p>
-            <a:endParaRPr lang="en-US" dirty="0">
-              <a:latin typeface="Arial" panose="020B0604020202020204" pitchFamily="34" charset="0"/>
-              <a:cs typeface="Arial" panose="020B0604020202020204" pitchFamily="34" charset="0"/>
-            </a:endParaRPr>
-          </a:p>
-        </p:txBody>
-      </p:sp>
+      <p:pic>
+        <p:nvPicPr>
+          <p:cNvPr id="3" name="Picture 2">
+            <a:extLst>
+              <a:ext uri="{FF2B5EF4-FFF2-40B4-BE49-F238E27FC236}">
+                <a16:creationId xmlns:a16="http://schemas.microsoft.com/office/drawing/2014/main" id="{EE59F161-2C03-44A7-88C0-B09B532599E2}"/>
+              </a:ext>
+            </a:extLst>
+          </p:cNvPr>
+          <p:cNvPicPr>
+            <a:picLocks noChangeAspect="1"/>
+          </p:cNvPicPr>
+          <p:nvPr/>
+        </p:nvPicPr>
+        <p:blipFill>
+          <a:blip r:embed="rId2"/>
+          <a:stretch>
+            <a:fillRect/>
+          </a:stretch>
+        </p:blipFill>
+        <p:spPr>
+          <a:xfrm>
+            <a:off x="1591585" y="0"/>
+            <a:ext cx="9066889" cy="6858000"/>
+          </a:xfrm>
+          <a:prstGeom prst="rect">
+            <a:avLst/>
+          </a:prstGeom>
+        </p:spPr>
+      </p:pic>
     </p:spTree>
     <p:extLst>
       <p:ext uri="{BB962C8B-B14F-4D97-AF65-F5344CB8AC3E}">
-        <p14:creationId xmlns:p14="http://schemas.microsoft.com/office/powerpoint/2010/main" val="3623085918"/>
+        <p14:creationId xmlns:p14="http://schemas.microsoft.com/office/powerpoint/2010/main" val="3390182370"/>
       </p:ext>
     </p:extLst>
   </p:cSld>
@@ -5096,10 +5253,82 @@
           <a:chExt cx="0" cy="0"/>
         </a:xfrm>
       </p:grpSpPr>
+      <p:sp>
+        <p:nvSpPr>
+          <p:cNvPr id="2" name="Title 1">
+            <a:extLst>
+              <a:ext uri="{FF2B5EF4-FFF2-40B4-BE49-F238E27FC236}">
+                <a16:creationId xmlns:a16="http://schemas.microsoft.com/office/drawing/2014/main" id="{3E7EE023-9D69-4BE4-B447-BCD954B5ABAC}"/>
+              </a:ext>
+            </a:extLst>
+          </p:cNvPr>
+          <p:cNvSpPr>
+            <a:spLocks noGrp="1"/>
+          </p:cNvSpPr>
+          <p:nvPr>
+            <p:ph type="title"/>
+          </p:nvPr>
+        </p:nvSpPr>
+        <p:spPr>
+          <a:xfrm>
+            <a:off x="1141413" y="327514"/>
+            <a:ext cx="9905998" cy="1148861"/>
+          </a:xfrm>
+        </p:spPr>
+        <p:txBody>
+          <a:bodyPr/>
+          <a:lstStyle/>
+          <a:p>
+            <a:r>
+              <a:rPr lang="en-US" dirty="0">
+                <a:latin typeface="Arial" panose="020B0604020202020204" pitchFamily="34" charset="0"/>
+                <a:cs typeface="Arial" panose="020B0604020202020204" pitchFamily="34" charset="0"/>
+              </a:rPr>
+              <a:t>Design – ER-diagram </a:t>
+            </a:r>
+          </a:p>
+        </p:txBody>
+      </p:sp>
+      <p:sp>
+        <p:nvSpPr>
+          <p:cNvPr id="3" name="Content Placeholder 2">
+            <a:extLst>
+              <a:ext uri="{FF2B5EF4-FFF2-40B4-BE49-F238E27FC236}">
+                <a16:creationId xmlns:a16="http://schemas.microsoft.com/office/drawing/2014/main" id="{6593562A-4E05-4D02-84E0-D4DDC4069A00}"/>
+              </a:ext>
+            </a:extLst>
+          </p:cNvPr>
+          <p:cNvSpPr>
+            <a:spLocks noGrp="1"/>
+          </p:cNvSpPr>
+          <p:nvPr>
+            <p:ph idx="1"/>
+          </p:nvPr>
+        </p:nvSpPr>
+        <p:spPr>
+          <a:xfrm>
+            <a:off x="1141413" y="1573212"/>
+            <a:ext cx="9905999" cy="3541714"/>
+          </a:xfrm>
+        </p:spPr>
+        <p:txBody>
+          <a:bodyPr/>
+          <a:lstStyle/>
+          <a:p>
+            <a:r>
+              <a:rPr lang="en-US" dirty="0">
+                <a:latin typeface="Arial" panose="020B0604020202020204" pitchFamily="34" charset="0"/>
+                <a:cs typeface="Arial" panose="020B0604020202020204" pitchFamily="34" charset="0"/>
+              </a:rPr>
+              <a:t>It is analytical structure of entities</a:t>
+            </a:r>
+          </a:p>
+        </p:txBody>
+      </p:sp>
     </p:spTree>
     <p:extLst>
       <p:ext uri="{BB962C8B-B14F-4D97-AF65-F5344CB8AC3E}">
-        <p14:creationId xmlns:p14="http://schemas.microsoft.com/office/powerpoint/2010/main" val="1712369369"/>
+        <p14:creationId xmlns:p14="http://schemas.microsoft.com/office/powerpoint/2010/main" val="3623085918"/>
       </p:ext>
     </p:extLst>
   </p:cSld>
@@ -5126,79 +5355,40 @@
           <a:chExt cx="0" cy="0"/>
         </a:xfrm>
       </p:grpSpPr>
-      <p:sp>
-        <p:nvSpPr>
-          <p:cNvPr id="2" name="Title 1">
-            <a:extLst>
-              <a:ext uri="{FF2B5EF4-FFF2-40B4-BE49-F238E27FC236}">
-                <a16:creationId xmlns:a16="http://schemas.microsoft.com/office/drawing/2014/main" id="{6A63AD4E-4C5F-4CBC-945A-D0EE37608585}"/>
-              </a:ext>
-            </a:extLst>
-          </p:cNvPr>
-          <p:cNvSpPr>
-            <a:spLocks noGrp="1"/>
-          </p:cNvSpPr>
-          <p:nvPr>
-            <p:ph type="title"/>
-          </p:nvPr>
-        </p:nvSpPr>
-        <p:spPr>
-          <a:xfrm>
-            <a:off x="1141413" y="323243"/>
-            <a:ext cx="9905998" cy="1038832"/>
-          </a:xfrm>
-        </p:spPr>
-        <p:txBody>
-          <a:bodyPr/>
-          <a:lstStyle/>
-          <a:p>
-            <a:r>
-              <a:rPr lang="en-US" dirty="0">
-                <a:latin typeface="Arial" panose="020B0604020202020204" pitchFamily="34" charset="0"/>
-                <a:cs typeface="Arial" panose="020B0604020202020204" pitchFamily="34" charset="0"/>
-              </a:rPr>
-              <a:t>Design – Use case diagram </a:t>
-            </a:r>
-          </a:p>
-        </p:txBody>
-      </p:sp>
-      <p:sp>
-        <p:nvSpPr>
-          <p:cNvPr id="3" name="Content Placeholder 2">
-            <a:extLst>
-              <a:ext uri="{FF2B5EF4-FFF2-40B4-BE49-F238E27FC236}">
-                <a16:creationId xmlns:a16="http://schemas.microsoft.com/office/drawing/2014/main" id="{486AA1F0-1FDF-4DFF-95CF-8B21C3953E55}"/>
-              </a:ext>
-            </a:extLst>
-          </p:cNvPr>
-          <p:cNvSpPr>
-            <a:spLocks noGrp="1"/>
-          </p:cNvSpPr>
-          <p:nvPr>
-            <p:ph idx="1"/>
-          </p:nvPr>
-        </p:nvSpPr>
-        <p:spPr>
-          <a:xfrm>
-            <a:off x="1141413" y="1516062"/>
-            <a:ext cx="9905999" cy="3541714"/>
-          </a:xfrm>
-        </p:spPr>
-        <p:txBody>
-          <a:bodyPr/>
-          <a:lstStyle/>
-          <a:p>
-            <a:endParaRPr lang="en-US" dirty="0">
-              <a:latin typeface="Arial" panose="020B0604020202020204" pitchFamily="34" charset="0"/>
-              <a:cs typeface="Arial" panose="020B0604020202020204" pitchFamily="34" charset="0"/>
-            </a:endParaRPr>
-          </a:p>
-        </p:txBody>
-      </p:sp>
+      <p:pic>
+        <p:nvPicPr>
+          <p:cNvPr id="3" name="Picture 2">
+            <a:extLst>
+              <a:ext uri="{FF2B5EF4-FFF2-40B4-BE49-F238E27FC236}">
+                <a16:creationId xmlns:a16="http://schemas.microsoft.com/office/drawing/2014/main" id="{2AC7B442-D709-4471-AE6C-752736B8119C}"/>
+              </a:ext>
+            </a:extLst>
+          </p:cNvPr>
+          <p:cNvPicPr>
+            <a:picLocks noChangeAspect="1"/>
+          </p:cNvPicPr>
+          <p:nvPr/>
+        </p:nvPicPr>
+        <p:blipFill>
+          <a:blip r:embed="rId2"/>
+          <a:stretch>
+            <a:fillRect/>
+          </a:stretch>
+        </p:blipFill>
+        <p:spPr>
+          <a:xfrm>
+            <a:off x="1352550" y="781050"/>
+            <a:ext cx="9486900" cy="5295900"/>
+          </a:xfrm>
+          <a:prstGeom prst="rect">
+            <a:avLst/>
+          </a:prstGeom>
+        </p:spPr>
+      </p:pic>
     </p:spTree>
     <p:extLst>
       <p:ext uri="{BB962C8B-B14F-4D97-AF65-F5344CB8AC3E}">
-        <p14:creationId xmlns:p14="http://schemas.microsoft.com/office/powerpoint/2010/main" val="3130339992"/>
+        <p14:creationId xmlns:p14="http://schemas.microsoft.com/office/powerpoint/2010/main" val="1712369369"/>
       </p:ext>
     </p:extLst>
   </p:cSld>
@@ -5225,10 +5415,79 @@
           <a:chExt cx="0" cy="0"/>
         </a:xfrm>
       </p:grpSpPr>
+      <p:sp>
+        <p:nvSpPr>
+          <p:cNvPr id="2" name="Title 1">
+            <a:extLst>
+              <a:ext uri="{FF2B5EF4-FFF2-40B4-BE49-F238E27FC236}">
+                <a16:creationId xmlns:a16="http://schemas.microsoft.com/office/drawing/2014/main" id="{6A63AD4E-4C5F-4CBC-945A-D0EE37608585}"/>
+              </a:ext>
+            </a:extLst>
+          </p:cNvPr>
+          <p:cNvSpPr>
+            <a:spLocks noGrp="1"/>
+          </p:cNvSpPr>
+          <p:nvPr>
+            <p:ph type="title"/>
+          </p:nvPr>
+        </p:nvSpPr>
+        <p:spPr>
+          <a:xfrm>
+            <a:off x="1141413" y="323243"/>
+            <a:ext cx="9905998" cy="1038832"/>
+          </a:xfrm>
+        </p:spPr>
+        <p:txBody>
+          <a:bodyPr/>
+          <a:lstStyle/>
+          <a:p>
+            <a:r>
+              <a:rPr lang="en-US" dirty="0">
+                <a:latin typeface="Arial" panose="020B0604020202020204" pitchFamily="34" charset="0"/>
+                <a:cs typeface="Arial" panose="020B0604020202020204" pitchFamily="34" charset="0"/>
+              </a:rPr>
+              <a:t>Design – Use case diagram </a:t>
+            </a:r>
+          </a:p>
+        </p:txBody>
+      </p:sp>
+      <p:sp>
+        <p:nvSpPr>
+          <p:cNvPr id="3" name="Content Placeholder 2">
+            <a:extLst>
+              <a:ext uri="{FF2B5EF4-FFF2-40B4-BE49-F238E27FC236}">
+                <a16:creationId xmlns:a16="http://schemas.microsoft.com/office/drawing/2014/main" id="{486AA1F0-1FDF-4DFF-95CF-8B21C3953E55}"/>
+              </a:ext>
+            </a:extLst>
+          </p:cNvPr>
+          <p:cNvSpPr>
+            <a:spLocks noGrp="1"/>
+          </p:cNvSpPr>
+          <p:nvPr>
+            <p:ph idx="1"/>
+          </p:nvPr>
+        </p:nvSpPr>
+        <p:spPr>
+          <a:xfrm>
+            <a:off x="1141413" y="1516062"/>
+            <a:ext cx="9905999" cy="3541714"/>
+          </a:xfrm>
+        </p:spPr>
+        <p:txBody>
+          <a:bodyPr/>
+          <a:lstStyle/>
+          <a:p>
+            <a:endParaRPr lang="en-US" dirty="0">
+              <a:latin typeface="Arial" panose="020B0604020202020204" pitchFamily="34" charset="0"/>
+              <a:cs typeface="Arial" panose="020B0604020202020204" pitchFamily="34" charset="0"/>
+            </a:endParaRPr>
+          </a:p>
+        </p:txBody>
+      </p:sp>
     </p:spTree>
     <p:extLst>
       <p:ext uri="{BB962C8B-B14F-4D97-AF65-F5344CB8AC3E}">
-        <p14:creationId xmlns:p14="http://schemas.microsoft.com/office/powerpoint/2010/main" val="3254536861"/>
+        <p14:creationId xmlns:p14="http://schemas.microsoft.com/office/powerpoint/2010/main" val="3130339992"/>
       </p:ext>
     </p:extLst>
   </p:cSld>
@@ -5255,79 +5514,40 @@
           <a:chExt cx="0" cy="0"/>
         </a:xfrm>
       </p:grpSpPr>
-      <p:sp>
-        <p:nvSpPr>
-          <p:cNvPr id="2" name="Title 1">
-            <a:extLst>
-              <a:ext uri="{FF2B5EF4-FFF2-40B4-BE49-F238E27FC236}">
-                <a16:creationId xmlns:a16="http://schemas.microsoft.com/office/drawing/2014/main" id="{E061F906-E05F-486F-BF44-A0FF57FB17A6}"/>
-              </a:ext>
-            </a:extLst>
-          </p:cNvPr>
-          <p:cNvSpPr>
-            <a:spLocks noGrp="1"/>
-          </p:cNvSpPr>
-          <p:nvPr>
-            <p:ph type="title"/>
-          </p:nvPr>
-        </p:nvSpPr>
-        <p:spPr>
-          <a:xfrm>
-            <a:off x="1141412" y="247043"/>
-            <a:ext cx="9905998" cy="1172182"/>
-          </a:xfrm>
-        </p:spPr>
-        <p:txBody>
-          <a:bodyPr/>
-          <a:lstStyle/>
-          <a:p>
-            <a:r>
-              <a:rPr lang="en-US" dirty="0">
-                <a:latin typeface="Arial" panose="020B0604020202020204" pitchFamily="34" charset="0"/>
-                <a:cs typeface="Arial" panose="020B0604020202020204" pitchFamily="34" charset="0"/>
-              </a:rPr>
-              <a:t>Design – activity diagram </a:t>
-            </a:r>
-          </a:p>
-        </p:txBody>
-      </p:sp>
-      <p:sp>
-        <p:nvSpPr>
-          <p:cNvPr id="3" name="Content Placeholder 2">
-            <a:extLst>
-              <a:ext uri="{FF2B5EF4-FFF2-40B4-BE49-F238E27FC236}">
-                <a16:creationId xmlns:a16="http://schemas.microsoft.com/office/drawing/2014/main" id="{E98A64D0-0D68-4070-8832-C6E8D0862088}"/>
-              </a:ext>
-            </a:extLst>
-          </p:cNvPr>
-          <p:cNvSpPr>
-            <a:spLocks noGrp="1"/>
-          </p:cNvSpPr>
-          <p:nvPr>
-            <p:ph idx="1"/>
-          </p:nvPr>
-        </p:nvSpPr>
-        <p:spPr>
-          <a:xfrm>
-            <a:off x="1141411" y="1419225"/>
-            <a:ext cx="9905999" cy="3541714"/>
-          </a:xfrm>
-        </p:spPr>
-        <p:txBody>
-          <a:bodyPr/>
-          <a:lstStyle/>
-          <a:p>
-            <a:endParaRPr lang="en-US" dirty="0">
-              <a:latin typeface="Arial" panose="020B0604020202020204" pitchFamily="34" charset="0"/>
-              <a:cs typeface="Arial" panose="020B0604020202020204" pitchFamily="34" charset="0"/>
-            </a:endParaRPr>
-          </a:p>
-        </p:txBody>
-      </p:sp>
+      <p:pic>
+        <p:nvPicPr>
+          <p:cNvPr id="3" name="Picture 2">
+            <a:extLst>
+              <a:ext uri="{FF2B5EF4-FFF2-40B4-BE49-F238E27FC236}">
+                <a16:creationId xmlns:a16="http://schemas.microsoft.com/office/drawing/2014/main" id="{35DFB292-4ECA-42B0-BA33-E35D649A97D3}"/>
+              </a:ext>
+            </a:extLst>
+          </p:cNvPr>
+          <p:cNvPicPr>
+            <a:picLocks noChangeAspect="1"/>
+          </p:cNvPicPr>
+          <p:nvPr/>
+        </p:nvPicPr>
+        <p:blipFill>
+          <a:blip r:embed="rId2"/>
+          <a:stretch>
+            <a:fillRect/>
+          </a:stretch>
+        </p:blipFill>
+        <p:spPr>
+          <a:xfrm>
+            <a:off x="2664871" y="0"/>
+            <a:ext cx="6862257" cy="6858000"/>
+          </a:xfrm>
+          <a:prstGeom prst="rect">
+            <a:avLst/>
+          </a:prstGeom>
+        </p:spPr>
+      </p:pic>
     </p:spTree>
     <p:extLst>
       <p:ext uri="{BB962C8B-B14F-4D97-AF65-F5344CB8AC3E}">
-        <p14:creationId xmlns:p14="http://schemas.microsoft.com/office/powerpoint/2010/main" val="910121684"/>
+        <p14:creationId xmlns:p14="http://schemas.microsoft.com/office/powerpoint/2010/main" val="3254536861"/>
       </p:ext>
     </p:extLst>
   </p:cSld>
@@ -5359,7 +5579,7 @@
           <p:cNvPr id="2" name="Title 1">
             <a:extLst>
               <a:ext uri="{FF2B5EF4-FFF2-40B4-BE49-F238E27FC236}">
-                <a16:creationId xmlns:a16="http://schemas.microsoft.com/office/drawing/2014/main" id="{41ADEB29-2525-48F7-A943-B1449C894DDA}"/>
+                <a16:creationId xmlns:a16="http://schemas.microsoft.com/office/drawing/2014/main" id="{E061F906-E05F-486F-BF44-A0FF57FB17A6}"/>
               </a:ext>
             </a:extLst>
           </p:cNvPr>
@@ -5370,62 +5590,63 @@
             <p:ph type="title"/>
           </p:nvPr>
         </p:nvSpPr>
-        <p:spPr/>
-        <p:txBody>
-          <a:bodyPr/>
-          <a:lstStyle/>
-          <a:p>
-            <a:endParaRPr lang="en-US"/>
-          </a:p>
-        </p:txBody>
-      </p:sp>
-      <p:sp>
-        <p:nvSpPr>
-          <p:cNvPr id="5" name="Picture Placeholder 4">
-            <a:extLst>
-              <a:ext uri="{FF2B5EF4-FFF2-40B4-BE49-F238E27FC236}">
-                <a16:creationId xmlns:a16="http://schemas.microsoft.com/office/drawing/2014/main" id="{A90A21E3-43C3-44D1-8468-BE926F958A29}"/>
-              </a:ext>
-            </a:extLst>
-          </p:cNvPr>
-          <p:cNvSpPr>
-            <a:spLocks noGrp="1"/>
-          </p:cNvSpPr>
-          <p:nvPr>
-            <p:ph type="pic" idx="1"/>
-          </p:nvPr>
-        </p:nvSpPr>
-        <p:spPr/>
-      </p:sp>
-      <p:sp>
-        <p:nvSpPr>
-          <p:cNvPr id="4" name="Text Placeholder 3">
-            <a:extLst>
-              <a:ext uri="{FF2B5EF4-FFF2-40B4-BE49-F238E27FC236}">
-                <a16:creationId xmlns:a16="http://schemas.microsoft.com/office/drawing/2014/main" id="{76ED3A76-654D-4845-8195-71EAABC3B2E1}"/>
-              </a:ext>
-            </a:extLst>
-          </p:cNvPr>
-          <p:cNvSpPr>
-            <a:spLocks noGrp="1"/>
-          </p:cNvSpPr>
-          <p:nvPr>
-            <p:ph type="body" sz="half" idx="2"/>
-          </p:nvPr>
-        </p:nvSpPr>
-        <p:spPr/>
-        <p:txBody>
-          <a:bodyPr/>
-          <a:lstStyle/>
-          <a:p>
-            <a:endParaRPr lang="en-US" dirty="0"/>
+        <p:spPr>
+          <a:xfrm>
+            <a:off x="1141412" y="247043"/>
+            <a:ext cx="9905998" cy="1172182"/>
+          </a:xfrm>
+        </p:spPr>
+        <p:txBody>
+          <a:bodyPr/>
+          <a:lstStyle/>
+          <a:p>
+            <a:r>
+              <a:rPr lang="en-US" dirty="0">
+                <a:latin typeface="Arial" panose="020B0604020202020204" pitchFamily="34" charset="0"/>
+                <a:cs typeface="Arial" panose="020B0604020202020204" pitchFamily="34" charset="0"/>
+              </a:rPr>
+              <a:t>Design – Activity diagram </a:t>
+            </a:r>
+          </a:p>
+        </p:txBody>
+      </p:sp>
+      <p:sp>
+        <p:nvSpPr>
+          <p:cNvPr id="3" name="Content Placeholder 2">
+            <a:extLst>
+              <a:ext uri="{FF2B5EF4-FFF2-40B4-BE49-F238E27FC236}">
+                <a16:creationId xmlns:a16="http://schemas.microsoft.com/office/drawing/2014/main" id="{E98A64D0-0D68-4070-8832-C6E8D0862088}"/>
+              </a:ext>
+            </a:extLst>
+          </p:cNvPr>
+          <p:cNvSpPr>
+            <a:spLocks noGrp="1"/>
+          </p:cNvSpPr>
+          <p:nvPr>
+            <p:ph idx="1"/>
+          </p:nvPr>
+        </p:nvSpPr>
+        <p:spPr>
+          <a:xfrm>
+            <a:off x="1141411" y="1419225"/>
+            <a:ext cx="9905999" cy="3541714"/>
+          </a:xfrm>
+        </p:spPr>
+        <p:txBody>
+          <a:bodyPr/>
+          <a:lstStyle/>
+          <a:p>
+            <a:endParaRPr lang="en-US" dirty="0">
+              <a:latin typeface="Arial" panose="020B0604020202020204" pitchFamily="34" charset="0"/>
+              <a:cs typeface="Arial" panose="020B0604020202020204" pitchFamily="34" charset="0"/>
+            </a:endParaRPr>
           </a:p>
         </p:txBody>
       </p:sp>
     </p:spTree>
     <p:extLst>
       <p:ext uri="{BB962C8B-B14F-4D97-AF65-F5344CB8AC3E}">
-        <p14:creationId xmlns:p14="http://schemas.microsoft.com/office/powerpoint/2010/main" val="4014128296"/>
+        <p14:creationId xmlns:p14="http://schemas.microsoft.com/office/powerpoint/2010/main" val="910121684"/>
       </p:ext>
     </p:extLst>
   </p:cSld>
@@ -5452,78 +5673,40 @@
           <a:chExt cx="0" cy="0"/>
         </a:xfrm>
       </p:grpSpPr>
-      <p:sp>
-        <p:nvSpPr>
-          <p:cNvPr id="2" name="Title 1">
-            <a:extLst>
-              <a:ext uri="{FF2B5EF4-FFF2-40B4-BE49-F238E27FC236}">
-                <a16:creationId xmlns:a16="http://schemas.microsoft.com/office/drawing/2014/main" id="{08FBB0C8-22F7-4181-BB29-069ECAFA43F1}"/>
-              </a:ext>
-            </a:extLst>
-          </p:cNvPr>
-          <p:cNvSpPr>
-            <a:spLocks noGrp="1"/>
-          </p:cNvSpPr>
-          <p:nvPr>
-            <p:ph type="title"/>
-          </p:nvPr>
-        </p:nvSpPr>
-        <p:spPr/>
-        <p:txBody>
-          <a:bodyPr/>
-          <a:lstStyle/>
-          <a:p>
-            <a:endParaRPr lang="en-US"/>
-          </a:p>
-        </p:txBody>
-      </p:sp>
-      <p:sp>
-        <p:nvSpPr>
-          <p:cNvPr id="3" name="Picture Placeholder 2">
-            <a:extLst>
-              <a:ext uri="{FF2B5EF4-FFF2-40B4-BE49-F238E27FC236}">
-                <a16:creationId xmlns:a16="http://schemas.microsoft.com/office/drawing/2014/main" id="{07D1A8CB-C1DE-47F6-A8B7-2E05163A2DB0}"/>
-              </a:ext>
-            </a:extLst>
-          </p:cNvPr>
-          <p:cNvSpPr>
-            <a:spLocks noGrp="1"/>
-          </p:cNvSpPr>
-          <p:nvPr>
-            <p:ph type="pic" idx="1"/>
-          </p:nvPr>
-        </p:nvSpPr>
-        <p:spPr/>
-      </p:sp>
-      <p:sp>
-        <p:nvSpPr>
-          <p:cNvPr id="4" name="Text Placeholder 3">
-            <a:extLst>
-              <a:ext uri="{FF2B5EF4-FFF2-40B4-BE49-F238E27FC236}">
-                <a16:creationId xmlns:a16="http://schemas.microsoft.com/office/drawing/2014/main" id="{30343783-76E9-48EE-B36E-347A19C70E45}"/>
-              </a:ext>
-            </a:extLst>
-          </p:cNvPr>
-          <p:cNvSpPr>
-            <a:spLocks noGrp="1"/>
-          </p:cNvSpPr>
-          <p:nvPr>
-            <p:ph type="body" sz="half" idx="2"/>
-          </p:nvPr>
-        </p:nvSpPr>
-        <p:spPr/>
-        <p:txBody>
-          <a:bodyPr/>
-          <a:lstStyle/>
-          <a:p>
-            <a:endParaRPr lang="en-US"/>
-          </a:p>
-        </p:txBody>
-      </p:sp>
+      <p:pic>
+        <p:nvPicPr>
+          <p:cNvPr id="3" name="Picture 2">
+            <a:extLst>
+              <a:ext uri="{FF2B5EF4-FFF2-40B4-BE49-F238E27FC236}">
+                <a16:creationId xmlns:a16="http://schemas.microsoft.com/office/drawing/2014/main" id="{E5FEAF73-3976-4F9F-9CFE-612278F44A23}"/>
+              </a:ext>
+            </a:extLst>
+          </p:cNvPr>
+          <p:cNvPicPr>
+            <a:picLocks noChangeAspect="1"/>
+          </p:cNvPicPr>
+          <p:nvPr/>
+        </p:nvPicPr>
+        <p:blipFill>
+          <a:blip r:embed="rId2"/>
+          <a:stretch>
+            <a:fillRect/>
+          </a:stretch>
+        </p:blipFill>
+        <p:spPr>
+          <a:xfrm>
+            <a:off x="1571625" y="0"/>
+            <a:ext cx="8534400" cy="6858000"/>
+          </a:xfrm>
+          <a:prstGeom prst="rect">
+            <a:avLst/>
+          </a:prstGeom>
+        </p:spPr>
+      </p:pic>
     </p:spTree>
     <p:extLst>
       <p:ext uri="{BB962C8B-B14F-4D97-AF65-F5344CB8AC3E}">
-        <p14:creationId xmlns:p14="http://schemas.microsoft.com/office/powerpoint/2010/main" val="490055022"/>
+        <p14:creationId xmlns:p14="http://schemas.microsoft.com/office/powerpoint/2010/main" val="1715980377"/>
       </p:ext>
     </p:extLst>
   </p:cSld>
@@ -5555,7 +5738,7 @@
           <p:cNvPr id="2" name="Title 1">
             <a:extLst>
               <a:ext uri="{FF2B5EF4-FFF2-40B4-BE49-F238E27FC236}">
-                <a16:creationId xmlns:a16="http://schemas.microsoft.com/office/drawing/2014/main" id="{F7EEA196-BE5B-4AC9-95B5-150D62D1B85B}"/>
+                <a16:creationId xmlns:a16="http://schemas.microsoft.com/office/drawing/2014/main" id="{5AC7E32A-353C-4589-9AA9-F1A34D9B05AC}"/>
               </a:ext>
             </a:extLst>
           </p:cNvPr>
@@ -5566,62 +5749,63 @@
             <p:ph type="title"/>
           </p:nvPr>
         </p:nvSpPr>
-        <p:spPr/>
-        <p:txBody>
-          <a:bodyPr/>
-          <a:lstStyle/>
-          <a:p>
-            <a:endParaRPr lang="en-US"/>
-          </a:p>
-        </p:txBody>
-      </p:sp>
-      <p:sp>
-        <p:nvSpPr>
-          <p:cNvPr id="3" name="Picture Placeholder 2">
-            <a:extLst>
-              <a:ext uri="{FF2B5EF4-FFF2-40B4-BE49-F238E27FC236}">
-                <a16:creationId xmlns:a16="http://schemas.microsoft.com/office/drawing/2014/main" id="{F3804F79-5CA3-4F78-A9C1-26E885BDD290}"/>
-              </a:ext>
-            </a:extLst>
-          </p:cNvPr>
-          <p:cNvSpPr>
-            <a:spLocks noGrp="1"/>
-          </p:cNvSpPr>
-          <p:nvPr>
-            <p:ph type="pic" idx="1"/>
-          </p:nvPr>
-        </p:nvSpPr>
-        <p:spPr/>
-      </p:sp>
-      <p:sp>
-        <p:nvSpPr>
-          <p:cNvPr id="4" name="Text Placeholder 3">
-            <a:extLst>
-              <a:ext uri="{FF2B5EF4-FFF2-40B4-BE49-F238E27FC236}">
-                <a16:creationId xmlns:a16="http://schemas.microsoft.com/office/drawing/2014/main" id="{540CF9D0-0896-4710-8972-3B38602ED066}"/>
-              </a:ext>
-            </a:extLst>
-          </p:cNvPr>
-          <p:cNvSpPr>
-            <a:spLocks noGrp="1"/>
-          </p:cNvSpPr>
-          <p:nvPr>
-            <p:ph type="body" sz="half" idx="2"/>
-          </p:nvPr>
-        </p:nvSpPr>
-        <p:spPr/>
-        <p:txBody>
-          <a:bodyPr/>
-          <a:lstStyle/>
-          <a:p>
-            <a:endParaRPr lang="en-US"/>
+        <p:spPr>
+          <a:xfrm>
+            <a:off x="1141412" y="351818"/>
+            <a:ext cx="9905998" cy="934057"/>
+          </a:xfrm>
+        </p:spPr>
+        <p:txBody>
+          <a:bodyPr/>
+          <a:lstStyle/>
+          <a:p>
+            <a:r>
+              <a:rPr lang="en-US" dirty="0">
+                <a:latin typeface="Arial" panose="020B0604020202020204" pitchFamily="34" charset="0"/>
+                <a:cs typeface="Arial" panose="020B0604020202020204" pitchFamily="34" charset="0"/>
+              </a:rPr>
+              <a:t>Design – Sequence diagram</a:t>
+            </a:r>
+          </a:p>
+        </p:txBody>
+      </p:sp>
+      <p:sp>
+        <p:nvSpPr>
+          <p:cNvPr id="3" name="Content Placeholder 2">
+            <a:extLst>
+              <a:ext uri="{FF2B5EF4-FFF2-40B4-BE49-F238E27FC236}">
+                <a16:creationId xmlns:a16="http://schemas.microsoft.com/office/drawing/2014/main" id="{38943E30-995C-4E45-9CC9-59CBD506ACDE}"/>
+              </a:ext>
+            </a:extLst>
+          </p:cNvPr>
+          <p:cNvSpPr>
+            <a:spLocks noGrp="1"/>
+          </p:cNvSpPr>
+          <p:nvPr>
+            <p:ph idx="1"/>
+          </p:nvPr>
+        </p:nvSpPr>
+        <p:spPr>
+          <a:xfrm>
+            <a:off x="1141411" y="1497012"/>
+            <a:ext cx="9905999" cy="3541714"/>
+          </a:xfrm>
+        </p:spPr>
+        <p:txBody>
+          <a:bodyPr/>
+          <a:lstStyle/>
+          <a:p>
+            <a:endParaRPr lang="en-US" dirty="0">
+              <a:latin typeface="Arial" panose="020B0604020202020204" pitchFamily="34" charset="0"/>
+              <a:cs typeface="Arial" panose="020B0604020202020204" pitchFamily="34" charset="0"/>
+            </a:endParaRPr>
           </a:p>
         </p:txBody>
       </p:sp>
     </p:spTree>
     <p:extLst>
       <p:ext uri="{BB962C8B-B14F-4D97-AF65-F5344CB8AC3E}">
-        <p14:creationId xmlns:p14="http://schemas.microsoft.com/office/powerpoint/2010/main" val="220699234"/>
+        <p14:creationId xmlns:p14="http://schemas.microsoft.com/office/powerpoint/2010/main" val="1519005315"/>
       </p:ext>
     </p:extLst>
   </p:cSld>
@@ -5653,7 +5837,7 @@
           <p:cNvPr id="2" name="Title 1">
             <a:extLst>
               <a:ext uri="{FF2B5EF4-FFF2-40B4-BE49-F238E27FC236}">
-                <a16:creationId xmlns:a16="http://schemas.microsoft.com/office/drawing/2014/main" id="{5AC7E32A-353C-4589-9AA9-F1A34D9B05AC}"/>
+                <a16:creationId xmlns:a16="http://schemas.microsoft.com/office/drawing/2014/main" id="{D641C548-0BA5-4765-9B72-9AC871843DDF}"/>
               </a:ext>
             </a:extLst>
           </p:cNvPr>
@@ -5666,8 +5850,8 @@
         </p:nvSpPr>
         <p:spPr>
           <a:xfrm>
-            <a:off x="1141412" y="351818"/>
-            <a:ext cx="9905998" cy="934057"/>
+            <a:off x="1141412" y="400050"/>
+            <a:ext cx="9905998" cy="1049338"/>
           </a:xfrm>
         </p:spPr>
         <p:txBody>
@@ -5676,7 +5860,7 @@
           <a:p>
             <a:r>
               <a:rPr lang="en-US" dirty="0"/>
-              <a:t>Design – sequence diagram</a:t>
+              <a:t>Coding and its UI design</a:t>
             </a:r>
           </a:p>
         </p:txBody>
@@ -5686,7 +5870,7 @@
           <p:cNvPr id="3" name="Content Placeholder 2">
             <a:extLst>
               <a:ext uri="{FF2B5EF4-FFF2-40B4-BE49-F238E27FC236}">
-                <a16:creationId xmlns:a16="http://schemas.microsoft.com/office/drawing/2014/main" id="{38943E30-995C-4E45-9CC9-59CBD506ACDE}"/>
+                <a16:creationId xmlns:a16="http://schemas.microsoft.com/office/drawing/2014/main" id="{AE5B442C-9717-4DA6-93BC-F7C288E743BB}"/>
               </a:ext>
             </a:extLst>
           </p:cNvPr>
@@ -5699,7 +5883,7 @@
         </p:nvSpPr>
         <p:spPr>
           <a:xfrm>
-            <a:off x="1141411" y="1497012"/>
+            <a:off x="1143000" y="1658143"/>
             <a:ext cx="9905999" cy="3541714"/>
           </a:xfrm>
         </p:spPr>
@@ -5714,7 +5898,7 @@
     </p:spTree>
     <p:extLst>
       <p:ext uri="{BB962C8B-B14F-4D97-AF65-F5344CB8AC3E}">
-        <p14:creationId xmlns:p14="http://schemas.microsoft.com/office/powerpoint/2010/main" val="1519005315"/>
+        <p14:creationId xmlns:p14="http://schemas.microsoft.com/office/powerpoint/2010/main" val="1938924297"/>
       </p:ext>
     </p:extLst>
   </p:cSld>
@@ -5912,393 +6096,6 @@
           <a:chExt cx="0" cy="0"/>
         </a:xfrm>
       </p:grpSpPr>
-      <p:sp>
-        <p:nvSpPr>
-          <p:cNvPr id="2" name="Title 1">
-            <a:extLst>
-              <a:ext uri="{FF2B5EF4-FFF2-40B4-BE49-F238E27FC236}">
-                <a16:creationId xmlns:a16="http://schemas.microsoft.com/office/drawing/2014/main" id="{EFCD2672-A4F7-4CD7-AC3D-28C7A3ADA034}"/>
-              </a:ext>
-            </a:extLst>
-          </p:cNvPr>
-          <p:cNvSpPr>
-            <a:spLocks noGrp="1"/>
-          </p:cNvSpPr>
-          <p:nvPr>
-            <p:ph type="title"/>
-          </p:nvPr>
-        </p:nvSpPr>
-        <p:spPr/>
-        <p:txBody>
-          <a:bodyPr/>
-          <a:lstStyle/>
-          <a:p>
-            <a:endParaRPr lang="en-US"/>
-          </a:p>
-        </p:txBody>
-      </p:sp>
-      <p:sp>
-        <p:nvSpPr>
-          <p:cNvPr id="3" name="Picture Placeholder 2">
-            <a:extLst>
-              <a:ext uri="{FF2B5EF4-FFF2-40B4-BE49-F238E27FC236}">
-                <a16:creationId xmlns:a16="http://schemas.microsoft.com/office/drawing/2014/main" id="{5D7563EE-BC50-493A-A373-735A8A072D3C}"/>
-              </a:ext>
-            </a:extLst>
-          </p:cNvPr>
-          <p:cNvSpPr>
-            <a:spLocks noGrp="1"/>
-          </p:cNvSpPr>
-          <p:nvPr>
-            <p:ph type="pic" idx="1"/>
-          </p:nvPr>
-        </p:nvSpPr>
-        <p:spPr/>
-      </p:sp>
-      <p:sp>
-        <p:nvSpPr>
-          <p:cNvPr id="4" name="Text Placeholder 3">
-            <a:extLst>
-              <a:ext uri="{FF2B5EF4-FFF2-40B4-BE49-F238E27FC236}">
-                <a16:creationId xmlns:a16="http://schemas.microsoft.com/office/drawing/2014/main" id="{110A8C58-AF77-4C12-AA9C-5E0F80BCDF5B}"/>
-              </a:ext>
-            </a:extLst>
-          </p:cNvPr>
-          <p:cNvSpPr>
-            <a:spLocks noGrp="1"/>
-          </p:cNvSpPr>
-          <p:nvPr>
-            <p:ph type="body" sz="half" idx="2"/>
-          </p:nvPr>
-        </p:nvSpPr>
-        <p:spPr/>
-        <p:txBody>
-          <a:bodyPr/>
-          <a:lstStyle/>
-          <a:p>
-            <a:endParaRPr lang="en-US"/>
-          </a:p>
-        </p:txBody>
-      </p:sp>
-    </p:spTree>
-    <p:extLst>
-      <p:ext uri="{BB962C8B-B14F-4D97-AF65-F5344CB8AC3E}">
-        <p14:creationId xmlns:p14="http://schemas.microsoft.com/office/powerpoint/2010/main" val="2898451970"/>
-      </p:ext>
-    </p:extLst>
-  </p:cSld>
-  <p:clrMapOvr>
-    <a:masterClrMapping/>
-  </p:clrMapOvr>
-</p:sld>
-</file>
-
-<file path=ppt/slides/slide31.xml><?xml version="1.0" encoding="utf-8"?>
-<p:sld xmlns:a="http://schemas.openxmlformats.org/drawingml/2006/main" xmlns:r="http://schemas.openxmlformats.org/officeDocument/2006/relationships" xmlns:p="http://schemas.openxmlformats.org/presentationml/2006/main">
-  <p:cSld>
-    <p:spTree>
-      <p:nvGrpSpPr>
-        <p:cNvPr id="1" name=""/>
-        <p:cNvGrpSpPr/>
-        <p:nvPr/>
-      </p:nvGrpSpPr>
-      <p:grpSpPr>
-        <a:xfrm>
-          <a:off x="0" y="0"/>
-          <a:ext cx="0" cy="0"/>
-          <a:chOff x="0" y="0"/>
-          <a:chExt cx="0" cy="0"/>
-        </a:xfrm>
-      </p:grpSpPr>
-      <p:sp>
-        <p:nvSpPr>
-          <p:cNvPr id="2" name="Title 1">
-            <a:extLst>
-              <a:ext uri="{FF2B5EF4-FFF2-40B4-BE49-F238E27FC236}">
-                <a16:creationId xmlns:a16="http://schemas.microsoft.com/office/drawing/2014/main" id="{DDC9D10A-5C64-4299-B8CA-56C13F54FB0C}"/>
-              </a:ext>
-            </a:extLst>
-          </p:cNvPr>
-          <p:cNvSpPr>
-            <a:spLocks noGrp="1"/>
-          </p:cNvSpPr>
-          <p:nvPr>
-            <p:ph type="title"/>
-          </p:nvPr>
-        </p:nvSpPr>
-        <p:spPr/>
-        <p:txBody>
-          <a:bodyPr/>
-          <a:lstStyle/>
-          <a:p>
-            <a:endParaRPr lang="en-US"/>
-          </a:p>
-        </p:txBody>
-      </p:sp>
-      <p:sp>
-        <p:nvSpPr>
-          <p:cNvPr id="3" name="Picture Placeholder 2">
-            <a:extLst>
-              <a:ext uri="{FF2B5EF4-FFF2-40B4-BE49-F238E27FC236}">
-                <a16:creationId xmlns:a16="http://schemas.microsoft.com/office/drawing/2014/main" id="{E5400C45-7B49-42B1-9E39-FEB42CE8A0A1}"/>
-              </a:ext>
-            </a:extLst>
-          </p:cNvPr>
-          <p:cNvSpPr>
-            <a:spLocks noGrp="1"/>
-          </p:cNvSpPr>
-          <p:nvPr>
-            <p:ph type="pic" idx="1"/>
-          </p:nvPr>
-        </p:nvSpPr>
-        <p:spPr/>
-      </p:sp>
-      <p:sp>
-        <p:nvSpPr>
-          <p:cNvPr id="4" name="Text Placeholder 3">
-            <a:extLst>
-              <a:ext uri="{FF2B5EF4-FFF2-40B4-BE49-F238E27FC236}">
-                <a16:creationId xmlns:a16="http://schemas.microsoft.com/office/drawing/2014/main" id="{C7F40BE6-AE39-45CE-8FE0-1C580DD8A216}"/>
-              </a:ext>
-            </a:extLst>
-          </p:cNvPr>
-          <p:cNvSpPr>
-            <a:spLocks noGrp="1"/>
-          </p:cNvSpPr>
-          <p:nvPr>
-            <p:ph type="body" sz="half" idx="2"/>
-          </p:nvPr>
-        </p:nvSpPr>
-        <p:spPr/>
-        <p:txBody>
-          <a:bodyPr/>
-          <a:lstStyle/>
-          <a:p>
-            <a:endParaRPr lang="en-US"/>
-          </a:p>
-        </p:txBody>
-      </p:sp>
-    </p:spTree>
-    <p:extLst>
-      <p:ext uri="{BB962C8B-B14F-4D97-AF65-F5344CB8AC3E}">
-        <p14:creationId xmlns:p14="http://schemas.microsoft.com/office/powerpoint/2010/main" val="530341613"/>
-      </p:ext>
-    </p:extLst>
-  </p:cSld>
-  <p:clrMapOvr>
-    <a:masterClrMapping/>
-  </p:clrMapOvr>
-</p:sld>
-</file>
-
-<file path=ppt/slides/slide32.xml><?xml version="1.0" encoding="utf-8"?>
-<p:sld xmlns:a="http://schemas.openxmlformats.org/drawingml/2006/main" xmlns:r="http://schemas.openxmlformats.org/officeDocument/2006/relationships" xmlns:p="http://schemas.openxmlformats.org/presentationml/2006/main">
-  <p:cSld>
-    <p:spTree>
-      <p:nvGrpSpPr>
-        <p:cNvPr id="1" name=""/>
-        <p:cNvGrpSpPr/>
-        <p:nvPr/>
-      </p:nvGrpSpPr>
-      <p:grpSpPr>
-        <a:xfrm>
-          <a:off x="0" y="0"/>
-          <a:ext cx="0" cy="0"/>
-          <a:chOff x="0" y="0"/>
-          <a:chExt cx="0" cy="0"/>
-        </a:xfrm>
-      </p:grpSpPr>
-      <p:sp>
-        <p:nvSpPr>
-          <p:cNvPr id="2" name="Title 1">
-            <a:extLst>
-              <a:ext uri="{FF2B5EF4-FFF2-40B4-BE49-F238E27FC236}">
-                <a16:creationId xmlns:a16="http://schemas.microsoft.com/office/drawing/2014/main" id="{C8008DF3-1D5A-4345-9D49-A0B34037C392}"/>
-              </a:ext>
-            </a:extLst>
-          </p:cNvPr>
-          <p:cNvSpPr>
-            <a:spLocks noGrp="1"/>
-          </p:cNvSpPr>
-          <p:nvPr>
-            <p:ph type="title"/>
-          </p:nvPr>
-        </p:nvSpPr>
-        <p:spPr/>
-        <p:txBody>
-          <a:bodyPr/>
-          <a:lstStyle/>
-          <a:p>
-            <a:endParaRPr lang="en-US"/>
-          </a:p>
-        </p:txBody>
-      </p:sp>
-      <p:sp>
-        <p:nvSpPr>
-          <p:cNvPr id="3" name="Picture Placeholder 2">
-            <a:extLst>
-              <a:ext uri="{FF2B5EF4-FFF2-40B4-BE49-F238E27FC236}">
-                <a16:creationId xmlns:a16="http://schemas.microsoft.com/office/drawing/2014/main" id="{BADFA80F-41EC-49E7-9763-BF6E171AACF3}"/>
-              </a:ext>
-            </a:extLst>
-          </p:cNvPr>
-          <p:cNvSpPr>
-            <a:spLocks noGrp="1"/>
-          </p:cNvSpPr>
-          <p:nvPr>
-            <p:ph type="pic" idx="1"/>
-          </p:nvPr>
-        </p:nvSpPr>
-        <p:spPr/>
-      </p:sp>
-      <p:sp>
-        <p:nvSpPr>
-          <p:cNvPr id="4" name="Text Placeholder 3">
-            <a:extLst>
-              <a:ext uri="{FF2B5EF4-FFF2-40B4-BE49-F238E27FC236}">
-                <a16:creationId xmlns:a16="http://schemas.microsoft.com/office/drawing/2014/main" id="{0B833BDF-AAB8-48D2-93F9-6E93A8ADE8E6}"/>
-              </a:ext>
-            </a:extLst>
-          </p:cNvPr>
-          <p:cNvSpPr>
-            <a:spLocks noGrp="1"/>
-          </p:cNvSpPr>
-          <p:nvPr>
-            <p:ph type="body" sz="half" idx="2"/>
-          </p:nvPr>
-        </p:nvSpPr>
-        <p:spPr/>
-        <p:txBody>
-          <a:bodyPr/>
-          <a:lstStyle/>
-          <a:p>
-            <a:endParaRPr lang="en-US"/>
-          </a:p>
-        </p:txBody>
-      </p:sp>
-    </p:spTree>
-    <p:extLst>
-      <p:ext uri="{BB962C8B-B14F-4D97-AF65-F5344CB8AC3E}">
-        <p14:creationId xmlns:p14="http://schemas.microsoft.com/office/powerpoint/2010/main" val="4150970551"/>
-      </p:ext>
-    </p:extLst>
-  </p:cSld>
-  <p:clrMapOvr>
-    <a:masterClrMapping/>
-  </p:clrMapOvr>
-</p:sld>
-</file>
-
-<file path=ppt/slides/slide33.xml><?xml version="1.0" encoding="utf-8"?>
-<p:sld xmlns:a="http://schemas.openxmlformats.org/drawingml/2006/main" xmlns:r="http://schemas.openxmlformats.org/officeDocument/2006/relationships" xmlns:p="http://schemas.openxmlformats.org/presentationml/2006/main">
-  <p:cSld>
-    <p:spTree>
-      <p:nvGrpSpPr>
-        <p:cNvPr id="1" name=""/>
-        <p:cNvGrpSpPr/>
-        <p:nvPr/>
-      </p:nvGrpSpPr>
-      <p:grpSpPr>
-        <a:xfrm>
-          <a:off x="0" y="0"/>
-          <a:ext cx="0" cy="0"/>
-          <a:chOff x="0" y="0"/>
-          <a:chExt cx="0" cy="0"/>
-        </a:xfrm>
-      </p:grpSpPr>
-      <p:sp>
-        <p:nvSpPr>
-          <p:cNvPr id="2" name="Title 1">
-            <a:extLst>
-              <a:ext uri="{FF2B5EF4-FFF2-40B4-BE49-F238E27FC236}">
-                <a16:creationId xmlns:a16="http://schemas.microsoft.com/office/drawing/2014/main" id="{D641C548-0BA5-4765-9B72-9AC871843DDF}"/>
-              </a:ext>
-            </a:extLst>
-          </p:cNvPr>
-          <p:cNvSpPr>
-            <a:spLocks noGrp="1"/>
-          </p:cNvSpPr>
-          <p:nvPr>
-            <p:ph type="title"/>
-          </p:nvPr>
-        </p:nvSpPr>
-        <p:spPr>
-          <a:xfrm>
-            <a:off x="1141412" y="400050"/>
-            <a:ext cx="9905998" cy="1049338"/>
-          </a:xfrm>
-        </p:spPr>
-        <p:txBody>
-          <a:bodyPr/>
-          <a:lstStyle/>
-          <a:p>
-            <a:r>
-              <a:rPr lang="en-US" dirty="0"/>
-              <a:t>Coding and its ui design</a:t>
-            </a:r>
-          </a:p>
-        </p:txBody>
-      </p:sp>
-      <p:sp>
-        <p:nvSpPr>
-          <p:cNvPr id="3" name="Content Placeholder 2">
-            <a:extLst>
-              <a:ext uri="{FF2B5EF4-FFF2-40B4-BE49-F238E27FC236}">
-                <a16:creationId xmlns:a16="http://schemas.microsoft.com/office/drawing/2014/main" id="{AE5B442C-9717-4DA6-93BC-F7C288E743BB}"/>
-              </a:ext>
-            </a:extLst>
-          </p:cNvPr>
-          <p:cNvSpPr>
-            <a:spLocks noGrp="1"/>
-          </p:cNvSpPr>
-          <p:nvPr>
-            <p:ph idx="1"/>
-          </p:nvPr>
-        </p:nvSpPr>
-        <p:spPr>
-          <a:xfrm>
-            <a:off x="1143000" y="1658143"/>
-            <a:ext cx="9905999" cy="3541714"/>
-          </a:xfrm>
-        </p:spPr>
-        <p:txBody>
-          <a:bodyPr/>
-          <a:lstStyle/>
-          <a:p>
-            <a:endParaRPr lang="en-US" dirty="0"/>
-          </a:p>
-        </p:txBody>
-      </p:sp>
-    </p:spTree>
-    <p:extLst>
-      <p:ext uri="{BB962C8B-B14F-4D97-AF65-F5344CB8AC3E}">
-        <p14:creationId xmlns:p14="http://schemas.microsoft.com/office/powerpoint/2010/main" val="1938924297"/>
-      </p:ext>
-    </p:extLst>
-  </p:cSld>
-  <p:clrMapOvr>
-    <a:masterClrMapping/>
-  </p:clrMapOvr>
-</p:sld>
-</file>
-
-<file path=ppt/slides/slide34.xml><?xml version="1.0" encoding="utf-8"?>
-<p:sld xmlns:a="http://schemas.openxmlformats.org/drawingml/2006/main" xmlns:r="http://schemas.openxmlformats.org/officeDocument/2006/relationships" xmlns:p="http://schemas.openxmlformats.org/presentationml/2006/main">
-  <p:cSld>
-    <p:spTree>
-      <p:nvGrpSpPr>
-        <p:cNvPr id="1" name=""/>
-        <p:cNvGrpSpPr/>
-        <p:nvPr/>
-      </p:nvGrpSpPr>
-      <p:grpSpPr>
-        <a:xfrm>
-          <a:off x="0" y="0"/>
-          <a:ext cx="0" cy="0"/>
-          <a:chOff x="0" y="0"/>
-          <a:chExt cx="0" cy="0"/>
-        </a:xfrm>
-      </p:grpSpPr>
     </p:spTree>
     <p:extLst>
       <p:ext uri="{BB962C8B-B14F-4D97-AF65-F5344CB8AC3E}">
@@ -6312,7 +6109,7 @@
 </p:sld>
 </file>
 
-<file path=ppt/slides/slide35.xml><?xml version="1.0" encoding="utf-8"?>
+<file path=ppt/slides/slide31.xml><?xml version="1.0" encoding="utf-8"?>
 <p:sld xmlns:a="http://schemas.openxmlformats.org/drawingml/2006/main" xmlns:r="http://schemas.openxmlformats.org/officeDocument/2006/relationships" xmlns:p="http://schemas.openxmlformats.org/presentationml/2006/main">
   <p:cSld>
     <p:spTree>
@@ -6342,7 +6139,7 @@
 </p:sld>
 </file>
 
-<file path=ppt/slides/slide36.xml><?xml version="1.0" encoding="utf-8"?>
+<file path=ppt/slides/slide32.xml><?xml version="1.0" encoding="utf-8"?>
 <p:sld xmlns:a="http://schemas.openxmlformats.org/drawingml/2006/main" xmlns:r="http://schemas.openxmlformats.org/officeDocument/2006/relationships" xmlns:p="http://schemas.openxmlformats.org/presentationml/2006/main">
   <p:cSld>
     <p:spTree>
@@ -6372,6 +6169,402 @@
 </p:sld>
 </file>
 
+<file path=ppt/slides/slide33.xml><?xml version="1.0" encoding="utf-8"?>
+<p:sld xmlns:a="http://schemas.openxmlformats.org/drawingml/2006/main" xmlns:r="http://schemas.openxmlformats.org/officeDocument/2006/relationships" xmlns:p="http://schemas.openxmlformats.org/presentationml/2006/main">
+  <p:cSld>
+    <p:spTree>
+      <p:nvGrpSpPr>
+        <p:cNvPr id="1" name=""/>
+        <p:cNvGrpSpPr/>
+        <p:nvPr/>
+      </p:nvGrpSpPr>
+      <p:grpSpPr>
+        <a:xfrm>
+          <a:off x="0" y="0"/>
+          <a:ext cx="0" cy="0"/>
+          <a:chOff x="0" y="0"/>
+          <a:chExt cx="0" cy="0"/>
+        </a:xfrm>
+      </p:grpSpPr>
+      <p:sp>
+        <p:nvSpPr>
+          <p:cNvPr id="2" name="Title 1">
+            <a:extLst>
+              <a:ext uri="{FF2B5EF4-FFF2-40B4-BE49-F238E27FC236}">
+                <a16:creationId xmlns:a16="http://schemas.microsoft.com/office/drawing/2014/main" id="{44664711-4F0A-4858-A435-AA07CE9FE8B4}"/>
+              </a:ext>
+            </a:extLst>
+          </p:cNvPr>
+          <p:cNvSpPr>
+            <a:spLocks noGrp="1"/>
+          </p:cNvSpPr>
+          <p:nvPr>
+            <p:ph type="title"/>
+          </p:nvPr>
+        </p:nvSpPr>
+        <p:spPr>
+          <a:xfrm>
+            <a:off x="1143001" y="361343"/>
+            <a:ext cx="9905998" cy="924532"/>
+          </a:xfrm>
+        </p:spPr>
+        <p:txBody>
+          <a:bodyPr/>
+          <a:lstStyle/>
+          <a:p>
+            <a:r>
+              <a:rPr lang="en-US" dirty="0">
+                <a:latin typeface="Arial" panose="020B0604020202020204" pitchFamily="34" charset="0"/>
+                <a:cs typeface="Arial" panose="020B0604020202020204" pitchFamily="34" charset="0"/>
+              </a:rPr>
+              <a:t>Test cases</a:t>
+            </a:r>
+          </a:p>
+        </p:txBody>
+      </p:sp>
+      <p:sp>
+        <p:nvSpPr>
+          <p:cNvPr id="3" name="Content Placeholder 2">
+            <a:extLst>
+              <a:ext uri="{FF2B5EF4-FFF2-40B4-BE49-F238E27FC236}">
+                <a16:creationId xmlns:a16="http://schemas.microsoft.com/office/drawing/2014/main" id="{2250339F-B7B0-41AA-8759-A7154FFCC94E}"/>
+              </a:ext>
+            </a:extLst>
+          </p:cNvPr>
+          <p:cNvSpPr>
+            <a:spLocks noGrp="1"/>
+          </p:cNvSpPr>
+          <p:nvPr>
+            <p:ph idx="1"/>
+          </p:nvPr>
+        </p:nvSpPr>
+        <p:spPr>
+          <a:xfrm>
+            <a:off x="1143001" y="1487487"/>
+            <a:ext cx="9905999" cy="3541714"/>
+          </a:xfrm>
+        </p:spPr>
+        <p:txBody>
+          <a:bodyPr/>
+          <a:lstStyle/>
+          <a:p>
+            <a:endParaRPr lang="en-US">
+              <a:latin typeface="Arial" panose="020B0604020202020204" pitchFamily="34" charset="0"/>
+              <a:cs typeface="Arial" panose="020B0604020202020204" pitchFamily="34" charset="0"/>
+            </a:endParaRPr>
+          </a:p>
+        </p:txBody>
+      </p:sp>
+    </p:spTree>
+    <p:extLst>
+      <p:ext uri="{BB962C8B-B14F-4D97-AF65-F5344CB8AC3E}">
+        <p14:creationId xmlns:p14="http://schemas.microsoft.com/office/powerpoint/2010/main" val="2911294904"/>
+      </p:ext>
+    </p:extLst>
+  </p:cSld>
+  <p:clrMapOvr>
+    <a:masterClrMapping/>
+  </p:clrMapOvr>
+</p:sld>
+</file>
+
+<file path=ppt/slides/slide34.xml><?xml version="1.0" encoding="utf-8"?>
+<p:sld xmlns:a="http://schemas.openxmlformats.org/drawingml/2006/main" xmlns:r="http://schemas.openxmlformats.org/officeDocument/2006/relationships" xmlns:p="http://schemas.openxmlformats.org/presentationml/2006/main">
+  <p:cSld>
+    <p:spTree>
+      <p:nvGrpSpPr>
+        <p:cNvPr id="1" name=""/>
+        <p:cNvGrpSpPr/>
+        <p:nvPr/>
+      </p:nvGrpSpPr>
+      <p:grpSpPr>
+        <a:xfrm>
+          <a:off x="0" y="0"/>
+          <a:ext cx="0" cy="0"/>
+          <a:chOff x="0" y="0"/>
+          <a:chExt cx="0" cy="0"/>
+        </a:xfrm>
+      </p:grpSpPr>
+      <p:sp>
+        <p:nvSpPr>
+          <p:cNvPr id="2" name="Title 1">
+            <a:extLst>
+              <a:ext uri="{FF2B5EF4-FFF2-40B4-BE49-F238E27FC236}">
+                <a16:creationId xmlns:a16="http://schemas.microsoft.com/office/drawing/2014/main" id="{4E98BAD5-5412-4078-9038-85B6723E8D22}"/>
+              </a:ext>
+            </a:extLst>
+          </p:cNvPr>
+          <p:cNvSpPr>
+            <a:spLocks noGrp="1"/>
+          </p:cNvSpPr>
+          <p:nvPr>
+            <p:ph type="title"/>
+          </p:nvPr>
+        </p:nvSpPr>
+        <p:spPr>
+          <a:xfrm>
+            <a:off x="1141413" y="294668"/>
+            <a:ext cx="9905998" cy="1048357"/>
+          </a:xfrm>
+        </p:spPr>
+        <p:txBody>
+          <a:bodyPr/>
+          <a:lstStyle/>
+          <a:p>
+            <a:r>
+              <a:rPr lang="en-US" dirty="0">
+                <a:latin typeface="Arial" panose="020B0604020202020204" pitchFamily="34" charset="0"/>
+                <a:cs typeface="Arial" panose="020B0604020202020204" pitchFamily="34" charset="0"/>
+              </a:rPr>
+              <a:t>Future work</a:t>
+            </a:r>
+          </a:p>
+        </p:txBody>
+      </p:sp>
+      <p:sp>
+        <p:nvSpPr>
+          <p:cNvPr id="3" name="Content Placeholder 2">
+            <a:extLst>
+              <a:ext uri="{FF2B5EF4-FFF2-40B4-BE49-F238E27FC236}">
+                <a16:creationId xmlns:a16="http://schemas.microsoft.com/office/drawing/2014/main" id="{D0034F5F-4075-45F0-B953-6F29F74F2D8C}"/>
+              </a:ext>
+            </a:extLst>
+          </p:cNvPr>
+          <p:cNvSpPr>
+            <a:spLocks noGrp="1"/>
+          </p:cNvSpPr>
+          <p:nvPr>
+            <p:ph idx="1"/>
+          </p:nvPr>
+        </p:nvSpPr>
+        <p:spPr>
+          <a:xfrm>
+            <a:off x="1141413" y="1582737"/>
+            <a:ext cx="9905999" cy="3541714"/>
+          </a:xfrm>
+        </p:spPr>
+        <p:txBody>
+          <a:bodyPr/>
+          <a:lstStyle/>
+          <a:p>
+            <a:endParaRPr lang="en-US" dirty="0">
+              <a:latin typeface="Arial" panose="020B0604020202020204" pitchFamily="34" charset="0"/>
+              <a:cs typeface="Arial" panose="020B0604020202020204" pitchFamily="34" charset="0"/>
+            </a:endParaRPr>
+          </a:p>
+        </p:txBody>
+      </p:sp>
+    </p:spTree>
+    <p:extLst>
+      <p:ext uri="{BB962C8B-B14F-4D97-AF65-F5344CB8AC3E}">
+        <p14:creationId xmlns:p14="http://schemas.microsoft.com/office/powerpoint/2010/main" val="1802389579"/>
+      </p:ext>
+    </p:extLst>
+  </p:cSld>
+  <p:clrMapOvr>
+    <a:masterClrMapping/>
+  </p:clrMapOvr>
+</p:sld>
+</file>
+
+<file path=ppt/slides/slide35.xml><?xml version="1.0" encoding="utf-8"?>
+<p:sld xmlns:a="http://schemas.openxmlformats.org/drawingml/2006/main" xmlns:r="http://schemas.openxmlformats.org/officeDocument/2006/relationships" xmlns:p="http://schemas.openxmlformats.org/presentationml/2006/main">
+  <p:cSld>
+    <p:spTree>
+      <p:nvGrpSpPr>
+        <p:cNvPr id="1" name=""/>
+        <p:cNvGrpSpPr/>
+        <p:nvPr/>
+      </p:nvGrpSpPr>
+      <p:grpSpPr>
+        <a:xfrm>
+          <a:off x="0" y="0"/>
+          <a:ext cx="0" cy="0"/>
+          <a:chOff x="0" y="0"/>
+          <a:chExt cx="0" cy="0"/>
+        </a:xfrm>
+      </p:grpSpPr>
+      <p:sp>
+        <p:nvSpPr>
+          <p:cNvPr id="2" name="Title 1">
+            <a:extLst>
+              <a:ext uri="{FF2B5EF4-FFF2-40B4-BE49-F238E27FC236}">
+                <a16:creationId xmlns:a16="http://schemas.microsoft.com/office/drawing/2014/main" id="{06A34261-0AC8-4C03-AB42-9D07A9850B29}"/>
+              </a:ext>
+            </a:extLst>
+          </p:cNvPr>
+          <p:cNvSpPr>
+            <a:spLocks noGrp="1"/>
+          </p:cNvSpPr>
+          <p:nvPr>
+            <p:ph type="title"/>
+          </p:nvPr>
+        </p:nvSpPr>
+        <p:spPr>
+          <a:xfrm>
+            <a:off x="1141413" y="618518"/>
+            <a:ext cx="9905998" cy="1048357"/>
+          </a:xfrm>
+        </p:spPr>
+        <p:txBody>
+          <a:bodyPr/>
+          <a:lstStyle/>
+          <a:p>
+            <a:r>
+              <a:rPr lang="en-US" dirty="0">
+                <a:latin typeface="Arial" panose="020B0604020202020204" pitchFamily="34" charset="0"/>
+                <a:cs typeface="Arial" panose="020B0604020202020204" pitchFamily="34" charset="0"/>
+              </a:rPr>
+              <a:t>Limitation </a:t>
+            </a:r>
+          </a:p>
+        </p:txBody>
+      </p:sp>
+      <p:sp>
+        <p:nvSpPr>
+          <p:cNvPr id="3" name="Content Placeholder 2">
+            <a:extLst>
+              <a:ext uri="{FF2B5EF4-FFF2-40B4-BE49-F238E27FC236}">
+                <a16:creationId xmlns:a16="http://schemas.microsoft.com/office/drawing/2014/main" id="{D1BDBC79-AF01-4C08-B034-36571B91E97C}"/>
+              </a:ext>
+            </a:extLst>
+          </p:cNvPr>
+          <p:cNvSpPr>
+            <a:spLocks noGrp="1"/>
+          </p:cNvSpPr>
+          <p:nvPr>
+            <p:ph idx="1"/>
+          </p:nvPr>
+        </p:nvSpPr>
+        <p:spPr>
+          <a:xfrm>
+            <a:off x="1141413" y="1906587"/>
+            <a:ext cx="9905999" cy="3541714"/>
+          </a:xfrm>
+        </p:spPr>
+        <p:txBody>
+          <a:bodyPr/>
+          <a:lstStyle/>
+          <a:p>
+            <a:endParaRPr lang="en-US">
+              <a:latin typeface="Arial" panose="020B0604020202020204" pitchFamily="34" charset="0"/>
+              <a:cs typeface="Arial" panose="020B0604020202020204" pitchFamily="34" charset="0"/>
+            </a:endParaRPr>
+          </a:p>
+        </p:txBody>
+      </p:sp>
+    </p:spTree>
+    <p:extLst>
+      <p:ext uri="{BB962C8B-B14F-4D97-AF65-F5344CB8AC3E}">
+        <p14:creationId xmlns:p14="http://schemas.microsoft.com/office/powerpoint/2010/main" val="2010395731"/>
+      </p:ext>
+    </p:extLst>
+  </p:cSld>
+  <p:clrMapOvr>
+    <a:masterClrMapping/>
+  </p:clrMapOvr>
+</p:sld>
+</file>
+
+<file path=ppt/slides/slide36.xml><?xml version="1.0" encoding="utf-8"?>
+<p:sld xmlns:a="http://schemas.openxmlformats.org/drawingml/2006/main" xmlns:r="http://schemas.openxmlformats.org/officeDocument/2006/relationships" xmlns:p="http://schemas.openxmlformats.org/presentationml/2006/main">
+  <p:cSld>
+    <p:spTree>
+      <p:nvGrpSpPr>
+        <p:cNvPr id="1" name=""/>
+        <p:cNvGrpSpPr/>
+        <p:nvPr/>
+      </p:nvGrpSpPr>
+      <p:grpSpPr>
+        <a:xfrm>
+          <a:off x="0" y="0"/>
+          <a:ext cx="0" cy="0"/>
+          <a:chOff x="0" y="0"/>
+          <a:chExt cx="0" cy="0"/>
+        </a:xfrm>
+      </p:grpSpPr>
+      <p:sp>
+        <p:nvSpPr>
+          <p:cNvPr id="2" name="Title 1">
+            <a:extLst>
+              <a:ext uri="{FF2B5EF4-FFF2-40B4-BE49-F238E27FC236}">
+                <a16:creationId xmlns:a16="http://schemas.microsoft.com/office/drawing/2014/main" id="{E129C55A-1DAF-4427-8186-52710364D7A5}"/>
+              </a:ext>
+            </a:extLst>
+          </p:cNvPr>
+          <p:cNvSpPr>
+            <a:spLocks noGrp="1"/>
+          </p:cNvSpPr>
+          <p:nvPr>
+            <p:ph type="title"/>
+          </p:nvPr>
+        </p:nvSpPr>
+        <p:spPr>
+          <a:xfrm>
+            <a:off x="1141413" y="418493"/>
+            <a:ext cx="9905998" cy="1067407"/>
+          </a:xfrm>
+        </p:spPr>
+        <p:txBody>
+          <a:bodyPr/>
+          <a:lstStyle/>
+          <a:p>
+            <a:r>
+              <a:rPr lang="en-US" dirty="0">
+                <a:latin typeface="Arial" panose="020B0604020202020204" pitchFamily="34" charset="0"/>
+                <a:cs typeface="Arial" panose="020B0604020202020204" pitchFamily="34" charset="0"/>
+              </a:rPr>
+              <a:t>User manual </a:t>
+            </a:r>
+          </a:p>
+        </p:txBody>
+      </p:sp>
+      <p:sp>
+        <p:nvSpPr>
+          <p:cNvPr id="3" name="Content Placeholder 2">
+            <a:extLst>
+              <a:ext uri="{FF2B5EF4-FFF2-40B4-BE49-F238E27FC236}">
+                <a16:creationId xmlns:a16="http://schemas.microsoft.com/office/drawing/2014/main" id="{060BDCD0-AD2C-4350-88D0-6DBBDB7B4463}"/>
+              </a:ext>
+            </a:extLst>
+          </p:cNvPr>
+          <p:cNvSpPr>
+            <a:spLocks noGrp="1"/>
+          </p:cNvSpPr>
+          <p:nvPr>
+            <p:ph idx="1"/>
+          </p:nvPr>
+        </p:nvSpPr>
+        <p:spPr>
+          <a:xfrm>
+            <a:off x="1141411" y="1811337"/>
+            <a:ext cx="9905999" cy="3541714"/>
+          </a:xfrm>
+        </p:spPr>
+        <p:txBody>
+          <a:bodyPr/>
+          <a:lstStyle/>
+          <a:p>
+            <a:endParaRPr lang="en-US">
+              <a:latin typeface="Arial" panose="020B0604020202020204" pitchFamily="34" charset="0"/>
+              <a:cs typeface="Arial" panose="020B0604020202020204" pitchFamily="34" charset="0"/>
+            </a:endParaRPr>
+          </a:p>
+        </p:txBody>
+      </p:sp>
+    </p:spTree>
+    <p:extLst>
+      <p:ext uri="{BB962C8B-B14F-4D97-AF65-F5344CB8AC3E}">
+        <p14:creationId xmlns:p14="http://schemas.microsoft.com/office/powerpoint/2010/main" val="3483258742"/>
+      </p:ext>
+    </p:extLst>
+  </p:cSld>
+  <p:clrMapOvr>
+    <a:masterClrMapping/>
+  </p:clrMapOvr>
+</p:sld>
+</file>
+
 <file path=ppt/slides/slide37.xml><?xml version="1.0" encoding="utf-8"?>
 <p:sld xmlns:a="http://schemas.openxmlformats.org/drawingml/2006/main" xmlns:r="http://schemas.openxmlformats.org/officeDocument/2006/relationships" xmlns:p="http://schemas.openxmlformats.org/presentationml/2006/main">
   <p:cSld>
@@ -6394,7 +6587,7 @@
           <p:cNvPr id="2" name="Title 1">
             <a:extLst>
               <a:ext uri="{FF2B5EF4-FFF2-40B4-BE49-F238E27FC236}">
-                <a16:creationId xmlns:a16="http://schemas.microsoft.com/office/drawing/2014/main" id="{44664711-4F0A-4858-A435-AA07CE9FE8B4}"/>
+                <a16:creationId xmlns:a16="http://schemas.microsoft.com/office/drawing/2014/main" id="{482F2FAA-C271-4F15-9933-B5EDB3788E62}"/>
               </a:ext>
             </a:extLst>
           </p:cNvPr>
@@ -6407,8 +6600,8 @@
         </p:nvSpPr>
         <p:spPr>
           <a:xfrm>
-            <a:off x="1143001" y="361343"/>
-            <a:ext cx="9905998" cy="924532"/>
+            <a:off x="1141413" y="332768"/>
+            <a:ext cx="9905998" cy="1095982"/>
           </a:xfrm>
         </p:spPr>
         <p:txBody>
@@ -6420,7 +6613,7 @@
                 <a:latin typeface="Arial" panose="020B0604020202020204" pitchFamily="34" charset="0"/>
                 <a:cs typeface="Arial" panose="020B0604020202020204" pitchFamily="34" charset="0"/>
               </a:rPr>
-              <a:t>Test cases</a:t>
+              <a:t>Conclusion</a:t>
             </a:r>
           </a:p>
         </p:txBody>
@@ -6430,7 +6623,7 @@
           <p:cNvPr id="3" name="Content Placeholder 2">
             <a:extLst>
               <a:ext uri="{FF2B5EF4-FFF2-40B4-BE49-F238E27FC236}">
-                <a16:creationId xmlns:a16="http://schemas.microsoft.com/office/drawing/2014/main" id="{2250339F-B7B0-41AA-8759-A7154FFCC94E}"/>
+                <a16:creationId xmlns:a16="http://schemas.microsoft.com/office/drawing/2014/main" id="{36DBE5C2-1CB7-4BEE-8347-01808FAF2B05}"/>
               </a:ext>
             </a:extLst>
           </p:cNvPr>
@@ -6443,7 +6636,7 @@
         </p:nvSpPr>
         <p:spPr>
           <a:xfrm>
-            <a:off x="1143001" y="1487487"/>
+            <a:off x="1141413" y="1563687"/>
             <a:ext cx="9905999" cy="3541714"/>
           </a:xfrm>
         </p:spPr>
@@ -6451,7 +6644,7 @@
           <a:bodyPr/>
           <a:lstStyle/>
           <a:p>
-            <a:endParaRPr lang="en-US">
+            <a:endParaRPr lang="en-US" dirty="0">
               <a:latin typeface="Arial" panose="020B0604020202020204" pitchFamily="34" charset="0"/>
               <a:cs typeface="Arial" panose="020B0604020202020204" pitchFamily="34" charset="0"/>
             </a:endParaRPr>
@@ -6461,7 +6654,7 @@
     </p:spTree>
     <p:extLst>
       <p:ext uri="{BB962C8B-B14F-4D97-AF65-F5344CB8AC3E}">
-        <p14:creationId xmlns:p14="http://schemas.microsoft.com/office/powerpoint/2010/main" val="2911294904"/>
+        <p14:creationId xmlns:p14="http://schemas.microsoft.com/office/powerpoint/2010/main" val="2165210028"/>
       </p:ext>
     </p:extLst>
   </p:cSld>
@@ -6493,7 +6686,7 @@
           <p:cNvPr id="2" name="Title 1">
             <a:extLst>
               <a:ext uri="{FF2B5EF4-FFF2-40B4-BE49-F238E27FC236}">
-                <a16:creationId xmlns:a16="http://schemas.microsoft.com/office/drawing/2014/main" id="{4E98BAD5-5412-4078-9038-85B6723E8D22}"/>
+                <a16:creationId xmlns:a16="http://schemas.microsoft.com/office/drawing/2014/main" id="{2BA57A25-E266-4164-8D30-5F03DDB5C165}"/>
               </a:ext>
             </a:extLst>
           </p:cNvPr>
@@ -6506,8 +6699,8 @@
         </p:nvSpPr>
         <p:spPr>
           <a:xfrm>
-            <a:off x="1141413" y="294668"/>
-            <a:ext cx="9905998" cy="1048357"/>
+            <a:off x="1141413" y="618518"/>
+            <a:ext cx="9905998" cy="1172182"/>
           </a:xfrm>
         </p:spPr>
         <p:txBody>
@@ -6519,7 +6712,7 @@
                 <a:latin typeface="Arial" panose="020B0604020202020204" pitchFamily="34" charset="0"/>
                 <a:cs typeface="Arial" panose="020B0604020202020204" pitchFamily="34" charset="0"/>
               </a:rPr>
-              <a:t>Future work</a:t>
+              <a:t>References</a:t>
             </a:r>
           </a:p>
         </p:txBody>
@@ -6529,7 +6722,7 @@
           <p:cNvPr id="3" name="Content Placeholder 2">
             <a:extLst>
               <a:ext uri="{FF2B5EF4-FFF2-40B4-BE49-F238E27FC236}">
-                <a16:creationId xmlns:a16="http://schemas.microsoft.com/office/drawing/2014/main" id="{D0034F5F-4075-45F0-B953-6F29F74F2D8C}"/>
+                <a16:creationId xmlns:a16="http://schemas.microsoft.com/office/drawing/2014/main" id="{1CFF9084-52EC-4888-B36F-C3CD263F6CA4}"/>
               </a:ext>
             </a:extLst>
           </p:cNvPr>
@@ -6542,25 +6735,106 @@
         </p:nvSpPr>
         <p:spPr>
           <a:xfrm>
-            <a:off x="1141413" y="1582737"/>
-            <a:ext cx="9905999" cy="3541714"/>
-          </a:xfrm>
-        </p:spPr>
-        <p:txBody>
-          <a:bodyPr/>
-          <a:lstStyle/>
-          <a:p>
-            <a:endParaRPr lang="en-US" dirty="0">
+            <a:off x="1141413" y="1982786"/>
+            <a:ext cx="9905999" cy="4398963"/>
+          </a:xfrm>
+        </p:spPr>
+        <p:txBody>
+          <a:bodyPr>
+            <a:normAutofit/>
+          </a:bodyPr>
+          <a:lstStyle/>
+          <a:p>
+            <a:pPr marL="0" indent="0">
+              <a:lnSpc>
+                <a:spcPct val="150000"/>
+              </a:lnSpc>
+              <a:buNone/>
+            </a:pPr>
+            <a:r>
+              <a:rPr lang="en-US" sz="2400" u="sng" dirty="0">
+                <a:latin typeface="Arial" panose="020B0604020202020204" pitchFamily="34" charset="0"/>
+                <a:cs typeface="Arial" panose="020B0604020202020204" pitchFamily="34" charset="0"/>
+                <a:hlinkClick r:id="rId2"/>
+              </a:rPr>
+              <a:t>https://www.interserver.net/tips/kb/mvc-advantages-disadvantages-mvc/</a:t>
+            </a:r>
+            <a:endParaRPr lang="en-US" sz="2400" u="sng" dirty="0">
               <a:latin typeface="Arial" panose="020B0604020202020204" pitchFamily="34" charset="0"/>
               <a:cs typeface="Arial" panose="020B0604020202020204" pitchFamily="34" charset="0"/>
             </a:endParaRPr>
           </a:p>
+          <a:p>
+            <a:pPr marL="0" indent="0">
+              <a:lnSpc>
+                <a:spcPct val="150000"/>
+              </a:lnSpc>
+              <a:buNone/>
+            </a:pPr>
+            <a:r>
+              <a:rPr lang="en-US" sz="2400" u="sng" dirty="0">
+                <a:latin typeface="Arial" panose="020B0604020202020204" pitchFamily="34" charset="0"/>
+                <a:cs typeface="Arial" panose="020B0604020202020204" pitchFamily="34" charset="0"/>
+                <a:hlinkClick r:id="rId3"/>
+              </a:rPr>
+              <a:t>https://www.tutorialspoint.com/sdlc/sdlc_waterfall_model.htm</a:t>
+            </a:r>
+            <a:endParaRPr lang="en-US" sz="2400" u="sng" dirty="0">
+              <a:latin typeface="Arial" panose="020B0604020202020204" pitchFamily="34" charset="0"/>
+              <a:cs typeface="Arial" panose="020B0604020202020204" pitchFamily="34" charset="0"/>
+            </a:endParaRPr>
+          </a:p>
+          <a:p>
+            <a:pPr marL="0" indent="0">
+              <a:lnSpc>
+                <a:spcPct val="150000"/>
+              </a:lnSpc>
+              <a:buNone/>
+            </a:pPr>
+            <a:r>
+              <a:rPr lang="en-US" sz="2400" u="sng" dirty="0">
+                <a:hlinkClick r:id="rId4"/>
+              </a:rPr>
+              <a:t>https://c2sconsultinggroup.com/the-importance-of-configuration-management/</a:t>
+            </a:r>
+            <a:r>
+              <a:rPr lang="en-US" sz="2400" dirty="0"/>
+              <a:t> </a:t>
+            </a:r>
+          </a:p>
+          <a:p>
+            <a:pPr marL="0" indent="0">
+              <a:lnSpc>
+                <a:spcPct val="150000"/>
+              </a:lnSpc>
+              <a:buNone/>
+            </a:pPr>
+            <a:r>
+              <a:rPr lang="en-US" sz="2400" u="sng" dirty="0">
+                <a:hlinkClick r:id="rId5"/>
+              </a:rPr>
+              <a:t>https://www.slideshare.net/HabtamuAsmare/pharmacy-management-system-requirement-analysis-and-elicitaion-document</a:t>
+            </a:r>
+            <a:endParaRPr lang="en-US" sz="2400" u="sng" dirty="0">
+              <a:latin typeface="Arial" panose="020B0604020202020204" pitchFamily="34" charset="0"/>
+              <a:cs typeface="Arial" panose="020B0604020202020204" pitchFamily="34" charset="0"/>
+            </a:endParaRPr>
+          </a:p>
+          <a:p>
+            <a:pPr marL="0" indent="0">
+              <a:buNone/>
+            </a:pPr>
+            <a:endParaRPr lang="en-US" sz="2400" dirty="0">
+              <a:latin typeface="Arial" panose="020B0604020202020204" pitchFamily="34" charset="0"/>
+              <a:cs typeface="Arial" panose="020B0604020202020204" pitchFamily="34" charset="0"/>
+            </a:endParaRPr>
+          </a:p>
         </p:txBody>
       </p:sp>
     </p:spTree>
     <p:extLst>
       <p:ext uri="{BB962C8B-B14F-4D97-AF65-F5344CB8AC3E}">
-        <p14:creationId xmlns:p14="http://schemas.microsoft.com/office/powerpoint/2010/main" val="1802389579"/>
+        <p14:creationId xmlns:p14="http://schemas.microsoft.com/office/powerpoint/2010/main" val="329500837"/>
       </p:ext>
     </p:extLst>
   </p:cSld>
@@ -6592,7 +6866,7 @@
           <p:cNvPr id="2" name="Title 1">
             <a:extLst>
               <a:ext uri="{FF2B5EF4-FFF2-40B4-BE49-F238E27FC236}">
-                <a16:creationId xmlns:a16="http://schemas.microsoft.com/office/drawing/2014/main" id="{06A34261-0AC8-4C03-AB42-9D07A9850B29}"/>
+                <a16:creationId xmlns:a16="http://schemas.microsoft.com/office/drawing/2014/main" id="{A0F5789A-7972-4EF3-815A-6E4CC4566CED}"/>
               </a:ext>
             </a:extLst>
           </p:cNvPr>
@@ -6605,61 +6879,30 @@
         </p:nvSpPr>
         <p:spPr>
           <a:xfrm>
-            <a:off x="1141413" y="618518"/>
-            <a:ext cx="9905998" cy="1048357"/>
-          </a:xfrm>
-        </p:spPr>
-        <p:txBody>
-          <a:bodyPr/>
-          <a:lstStyle/>
-          <a:p>
-            <a:r>
-              <a:rPr lang="en-US" dirty="0">
-                <a:latin typeface="Arial" panose="020B0604020202020204" pitchFamily="34" charset="0"/>
-                <a:cs typeface="Arial" panose="020B0604020202020204" pitchFamily="34" charset="0"/>
-              </a:rPr>
-              <a:t>Limitation </a:t>
-            </a:r>
-          </a:p>
-        </p:txBody>
-      </p:sp>
-      <p:sp>
-        <p:nvSpPr>
-          <p:cNvPr id="3" name="Content Placeholder 2">
-            <a:extLst>
-              <a:ext uri="{FF2B5EF4-FFF2-40B4-BE49-F238E27FC236}">
-                <a16:creationId xmlns:a16="http://schemas.microsoft.com/office/drawing/2014/main" id="{D1BDBC79-AF01-4C08-B034-36571B91E97C}"/>
-              </a:ext>
-            </a:extLst>
-          </p:cNvPr>
-          <p:cNvSpPr>
-            <a:spLocks noGrp="1"/>
-          </p:cNvSpPr>
-          <p:nvPr>
-            <p:ph idx="1"/>
-          </p:nvPr>
-        </p:nvSpPr>
-        <p:spPr>
-          <a:xfrm>
-            <a:off x="1141413" y="1906587"/>
-            <a:ext cx="9905999" cy="3541714"/>
-          </a:xfrm>
-        </p:spPr>
-        <p:txBody>
-          <a:bodyPr/>
-          <a:lstStyle/>
-          <a:p>
-            <a:endParaRPr lang="en-US">
-              <a:latin typeface="Arial" panose="020B0604020202020204" pitchFamily="34" charset="0"/>
-              <a:cs typeface="Arial" panose="020B0604020202020204" pitchFamily="34" charset="0"/>
-            </a:endParaRPr>
+            <a:off x="3800475" y="2371118"/>
+            <a:ext cx="4943475" cy="1478570"/>
+          </a:xfrm>
+        </p:spPr>
+        <p:txBody>
+          <a:bodyPr>
+            <a:noAutofit/>
+          </a:bodyPr>
+          <a:lstStyle/>
+          <a:p>
+            <a:r>
+              <a:rPr lang="en-US" sz="5400" dirty="0">
+                <a:latin typeface="Arial" panose="020B0604020202020204" pitchFamily="34" charset="0"/>
+                <a:cs typeface="Arial" panose="020B0604020202020204" pitchFamily="34" charset="0"/>
+              </a:rPr>
+              <a:t>Any question ?</a:t>
+            </a:r>
           </a:p>
         </p:txBody>
       </p:sp>
     </p:spTree>
     <p:extLst>
       <p:ext uri="{BB962C8B-B14F-4D97-AF65-F5344CB8AC3E}">
-        <p14:creationId xmlns:p14="http://schemas.microsoft.com/office/powerpoint/2010/main" val="2010395731"/>
+        <p14:creationId xmlns:p14="http://schemas.microsoft.com/office/powerpoint/2010/main" val="1102077726"/>
       </p:ext>
     </p:extLst>
   </p:cSld>
@@ -6832,373 +7075,6 @@
           <p:cNvPr id="2" name="Title 1">
             <a:extLst>
               <a:ext uri="{FF2B5EF4-FFF2-40B4-BE49-F238E27FC236}">
-                <a16:creationId xmlns:a16="http://schemas.microsoft.com/office/drawing/2014/main" id="{E129C55A-1DAF-4427-8186-52710364D7A5}"/>
-              </a:ext>
-            </a:extLst>
-          </p:cNvPr>
-          <p:cNvSpPr>
-            <a:spLocks noGrp="1"/>
-          </p:cNvSpPr>
-          <p:nvPr>
-            <p:ph type="title"/>
-          </p:nvPr>
-        </p:nvSpPr>
-        <p:spPr>
-          <a:xfrm>
-            <a:off x="1141413" y="418493"/>
-            <a:ext cx="9905998" cy="1067407"/>
-          </a:xfrm>
-        </p:spPr>
-        <p:txBody>
-          <a:bodyPr/>
-          <a:lstStyle/>
-          <a:p>
-            <a:r>
-              <a:rPr lang="en-US" dirty="0">
-                <a:latin typeface="Arial" panose="020B0604020202020204" pitchFamily="34" charset="0"/>
-                <a:cs typeface="Arial" panose="020B0604020202020204" pitchFamily="34" charset="0"/>
-              </a:rPr>
-              <a:t>User manual </a:t>
-            </a:r>
-          </a:p>
-        </p:txBody>
-      </p:sp>
-      <p:sp>
-        <p:nvSpPr>
-          <p:cNvPr id="3" name="Content Placeholder 2">
-            <a:extLst>
-              <a:ext uri="{FF2B5EF4-FFF2-40B4-BE49-F238E27FC236}">
-                <a16:creationId xmlns:a16="http://schemas.microsoft.com/office/drawing/2014/main" id="{060BDCD0-AD2C-4350-88D0-6DBBDB7B4463}"/>
-              </a:ext>
-            </a:extLst>
-          </p:cNvPr>
-          <p:cNvSpPr>
-            <a:spLocks noGrp="1"/>
-          </p:cNvSpPr>
-          <p:nvPr>
-            <p:ph idx="1"/>
-          </p:nvPr>
-        </p:nvSpPr>
-        <p:spPr>
-          <a:xfrm>
-            <a:off x="1141411" y="1811337"/>
-            <a:ext cx="9905999" cy="3541714"/>
-          </a:xfrm>
-        </p:spPr>
-        <p:txBody>
-          <a:bodyPr/>
-          <a:lstStyle/>
-          <a:p>
-            <a:endParaRPr lang="en-US">
-              <a:latin typeface="Arial" panose="020B0604020202020204" pitchFamily="34" charset="0"/>
-              <a:cs typeface="Arial" panose="020B0604020202020204" pitchFamily="34" charset="0"/>
-            </a:endParaRPr>
-          </a:p>
-        </p:txBody>
-      </p:sp>
-    </p:spTree>
-    <p:extLst>
-      <p:ext uri="{BB962C8B-B14F-4D97-AF65-F5344CB8AC3E}">
-        <p14:creationId xmlns:p14="http://schemas.microsoft.com/office/powerpoint/2010/main" val="3483258742"/>
-      </p:ext>
-    </p:extLst>
-  </p:cSld>
-  <p:clrMapOvr>
-    <a:masterClrMapping/>
-  </p:clrMapOvr>
-</p:sld>
-</file>
-
-<file path=ppt/slides/slide41.xml><?xml version="1.0" encoding="utf-8"?>
-<p:sld xmlns:a="http://schemas.openxmlformats.org/drawingml/2006/main" xmlns:r="http://schemas.openxmlformats.org/officeDocument/2006/relationships" xmlns:p="http://schemas.openxmlformats.org/presentationml/2006/main">
-  <p:cSld>
-    <p:spTree>
-      <p:nvGrpSpPr>
-        <p:cNvPr id="1" name=""/>
-        <p:cNvGrpSpPr/>
-        <p:nvPr/>
-      </p:nvGrpSpPr>
-      <p:grpSpPr>
-        <a:xfrm>
-          <a:off x="0" y="0"/>
-          <a:ext cx="0" cy="0"/>
-          <a:chOff x="0" y="0"/>
-          <a:chExt cx="0" cy="0"/>
-        </a:xfrm>
-      </p:grpSpPr>
-      <p:sp>
-        <p:nvSpPr>
-          <p:cNvPr id="2" name="Title 1">
-            <a:extLst>
-              <a:ext uri="{FF2B5EF4-FFF2-40B4-BE49-F238E27FC236}">
-                <a16:creationId xmlns:a16="http://schemas.microsoft.com/office/drawing/2014/main" id="{482F2FAA-C271-4F15-9933-B5EDB3788E62}"/>
-              </a:ext>
-            </a:extLst>
-          </p:cNvPr>
-          <p:cNvSpPr>
-            <a:spLocks noGrp="1"/>
-          </p:cNvSpPr>
-          <p:nvPr>
-            <p:ph type="title"/>
-          </p:nvPr>
-        </p:nvSpPr>
-        <p:spPr>
-          <a:xfrm>
-            <a:off x="1141413" y="332768"/>
-            <a:ext cx="9905998" cy="1095982"/>
-          </a:xfrm>
-        </p:spPr>
-        <p:txBody>
-          <a:bodyPr/>
-          <a:lstStyle/>
-          <a:p>
-            <a:r>
-              <a:rPr lang="en-US" dirty="0">
-                <a:latin typeface="Arial" panose="020B0604020202020204" pitchFamily="34" charset="0"/>
-                <a:cs typeface="Arial" panose="020B0604020202020204" pitchFamily="34" charset="0"/>
-              </a:rPr>
-              <a:t>conclusion</a:t>
-            </a:r>
-          </a:p>
-        </p:txBody>
-      </p:sp>
-      <p:sp>
-        <p:nvSpPr>
-          <p:cNvPr id="3" name="Content Placeholder 2">
-            <a:extLst>
-              <a:ext uri="{FF2B5EF4-FFF2-40B4-BE49-F238E27FC236}">
-                <a16:creationId xmlns:a16="http://schemas.microsoft.com/office/drawing/2014/main" id="{36DBE5C2-1CB7-4BEE-8347-01808FAF2B05}"/>
-              </a:ext>
-            </a:extLst>
-          </p:cNvPr>
-          <p:cNvSpPr>
-            <a:spLocks noGrp="1"/>
-          </p:cNvSpPr>
-          <p:nvPr>
-            <p:ph idx="1"/>
-          </p:nvPr>
-        </p:nvSpPr>
-        <p:spPr>
-          <a:xfrm>
-            <a:off x="1141413" y="1563687"/>
-            <a:ext cx="9905999" cy="3541714"/>
-          </a:xfrm>
-        </p:spPr>
-        <p:txBody>
-          <a:bodyPr/>
-          <a:lstStyle/>
-          <a:p>
-            <a:endParaRPr lang="en-US" dirty="0">
-              <a:latin typeface="Arial" panose="020B0604020202020204" pitchFamily="34" charset="0"/>
-              <a:cs typeface="Arial" panose="020B0604020202020204" pitchFamily="34" charset="0"/>
-            </a:endParaRPr>
-          </a:p>
-        </p:txBody>
-      </p:sp>
-    </p:spTree>
-    <p:extLst>
-      <p:ext uri="{BB962C8B-B14F-4D97-AF65-F5344CB8AC3E}">
-        <p14:creationId xmlns:p14="http://schemas.microsoft.com/office/powerpoint/2010/main" val="2165210028"/>
-      </p:ext>
-    </p:extLst>
-  </p:cSld>
-  <p:clrMapOvr>
-    <a:masterClrMapping/>
-  </p:clrMapOvr>
-</p:sld>
-</file>
-
-<file path=ppt/slides/slide42.xml><?xml version="1.0" encoding="utf-8"?>
-<p:sld xmlns:a="http://schemas.openxmlformats.org/drawingml/2006/main" xmlns:r="http://schemas.openxmlformats.org/officeDocument/2006/relationships" xmlns:p="http://schemas.openxmlformats.org/presentationml/2006/main">
-  <p:cSld>
-    <p:spTree>
-      <p:nvGrpSpPr>
-        <p:cNvPr id="1" name=""/>
-        <p:cNvGrpSpPr/>
-        <p:nvPr/>
-      </p:nvGrpSpPr>
-      <p:grpSpPr>
-        <a:xfrm>
-          <a:off x="0" y="0"/>
-          <a:ext cx="0" cy="0"/>
-          <a:chOff x="0" y="0"/>
-          <a:chExt cx="0" cy="0"/>
-        </a:xfrm>
-      </p:grpSpPr>
-      <p:sp>
-        <p:nvSpPr>
-          <p:cNvPr id="2" name="Title 1">
-            <a:extLst>
-              <a:ext uri="{FF2B5EF4-FFF2-40B4-BE49-F238E27FC236}">
-                <a16:creationId xmlns:a16="http://schemas.microsoft.com/office/drawing/2014/main" id="{2BA57A25-E266-4164-8D30-5F03DDB5C165}"/>
-              </a:ext>
-            </a:extLst>
-          </p:cNvPr>
-          <p:cNvSpPr>
-            <a:spLocks noGrp="1"/>
-          </p:cNvSpPr>
-          <p:nvPr>
-            <p:ph type="title"/>
-          </p:nvPr>
-        </p:nvSpPr>
-        <p:spPr>
-          <a:xfrm>
-            <a:off x="1141413" y="618518"/>
-            <a:ext cx="9905998" cy="1172182"/>
-          </a:xfrm>
-        </p:spPr>
-        <p:txBody>
-          <a:bodyPr/>
-          <a:lstStyle/>
-          <a:p>
-            <a:r>
-              <a:rPr lang="en-US" dirty="0">
-                <a:latin typeface="Arial" panose="020B0604020202020204" pitchFamily="34" charset="0"/>
-                <a:cs typeface="Arial" panose="020B0604020202020204" pitchFamily="34" charset="0"/>
-              </a:rPr>
-              <a:t>references</a:t>
-            </a:r>
-          </a:p>
-        </p:txBody>
-      </p:sp>
-      <p:sp>
-        <p:nvSpPr>
-          <p:cNvPr id="3" name="Content Placeholder 2">
-            <a:extLst>
-              <a:ext uri="{FF2B5EF4-FFF2-40B4-BE49-F238E27FC236}">
-                <a16:creationId xmlns:a16="http://schemas.microsoft.com/office/drawing/2014/main" id="{1CFF9084-52EC-4888-B36F-C3CD263F6CA4}"/>
-              </a:ext>
-            </a:extLst>
-          </p:cNvPr>
-          <p:cNvSpPr>
-            <a:spLocks noGrp="1"/>
-          </p:cNvSpPr>
-          <p:nvPr>
-            <p:ph idx="1"/>
-          </p:nvPr>
-        </p:nvSpPr>
-        <p:spPr>
-          <a:xfrm>
-            <a:off x="1141413" y="1982787"/>
-            <a:ext cx="9905999" cy="3541714"/>
-          </a:xfrm>
-        </p:spPr>
-        <p:txBody>
-          <a:bodyPr>
-            <a:normAutofit/>
-          </a:bodyPr>
-          <a:lstStyle/>
-          <a:p>
-            <a:endParaRPr lang="en-US" dirty="0">
-              <a:latin typeface="Arial" panose="020B0604020202020204" pitchFamily="34" charset="0"/>
-              <a:cs typeface="Arial" panose="020B0604020202020204" pitchFamily="34" charset="0"/>
-            </a:endParaRPr>
-          </a:p>
-        </p:txBody>
-      </p:sp>
-    </p:spTree>
-    <p:extLst>
-      <p:ext uri="{BB962C8B-B14F-4D97-AF65-F5344CB8AC3E}">
-        <p14:creationId xmlns:p14="http://schemas.microsoft.com/office/powerpoint/2010/main" val="329500837"/>
-      </p:ext>
-    </p:extLst>
-  </p:cSld>
-  <p:clrMapOvr>
-    <a:masterClrMapping/>
-  </p:clrMapOvr>
-</p:sld>
-</file>
-
-<file path=ppt/slides/slide43.xml><?xml version="1.0" encoding="utf-8"?>
-<p:sld xmlns:a="http://schemas.openxmlformats.org/drawingml/2006/main" xmlns:r="http://schemas.openxmlformats.org/officeDocument/2006/relationships" xmlns:p="http://schemas.openxmlformats.org/presentationml/2006/main">
-  <p:cSld>
-    <p:spTree>
-      <p:nvGrpSpPr>
-        <p:cNvPr id="1" name=""/>
-        <p:cNvGrpSpPr/>
-        <p:nvPr/>
-      </p:nvGrpSpPr>
-      <p:grpSpPr>
-        <a:xfrm>
-          <a:off x="0" y="0"/>
-          <a:ext cx="0" cy="0"/>
-          <a:chOff x="0" y="0"/>
-          <a:chExt cx="0" cy="0"/>
-        </a:xfrm>
-      </p:grpSpPr>
-      <p:sp>
-        <p:nvSpPr>
-          <p:cNvPr id="2" name="Title 1">
-            <a:extLst>
-              <a:ext uri="{FF2B5EF4-FFF2-40B4-BE49-F238E27FC236}">
-                <a16:creationId xmlns:a16="http://schemas.microsoft.com/office/drawing/2014/main" id="{A0F5789A-7972-4EF3-815A-6E4CC4566CED}"/>
-              </a:ext>
-            </a:extLst>
-          </p:cNvPr>
-          <p:cNvSpPr>
-            <a:spLocks noGrp="1"/>
-          </p:cNvSpPr>
-          <p:nvPr>
-            <p:ph type="title"/>
-          </p:nvPr>
-        </p:nvSpPr>
-        <p:spPr>
-          <a:xfrm>
-            <a:off x="3800475" y="2371118"/>
-            <a:ext cx="4943475" cy="1478570"/>
-          </a:xfrm>
-        </p:spPr>
-        <p:txBody>
-          <a:bodyPr>
-            <a:noAutofit/>
-          </a:bodyPr>
-          <a:lstStyle/>
-          <a:p>
-            <a:r>
-              <a:rPr lang="en-US" sz="5400" dirty="0">
-                <a:latin typeface="Arial" panose="020B0604020202020204" pitchFamily="34" charset="0"/>
-                <a:cs typeface="Arial" panose="020B0604020202020204" pitchFamily="34" charset="0"/>
-              </a:rPr>
-              <a:t>Any question ?</a:t>
-            </a:r>
-          </a:p>
-        </p:txBody>
-      </p:sp>
-    </p:spTree>
-    <p:extLst>
-      <p:ext uri="{BB962C8B-B14F-4D97-AF65-F5344CB8AC3E}">
-        <p14:creationId xmlns:p14="http://schemas.microsoft.com/office/powerpoint/2010/main" val="1102077726"/>
-      </p:ext>
-    </p:extLst>
-  </p:cSld>
-  <p:clrMapOvr>
-    <a:masterClrMapping/>
-  </p:clrMapOvr>
-</p:sld>
-</file>
-
-<file path=ppt/slides/slide44.xml><?xml version="1.0" encoding="utf-8"?>
-<p:sld xmlns:a="http://schemas.openxmlformats.org/drawingml/2006/main" xmlns:r="http://schemas.openxmlformats.org/officeDocument/2006/relationships" xmlns:p="http://schemas.openxmlformats.org/presentationml/2006/main">
-  <p:cSld>
-    <p:spTree>
-      <p:nvGrpSpPr>
-        <p:cNvPr id="1" name=""/>
-        <p:cNvGrpSpPr/>
-        <p:nvPr/>
-      </p:nvGrpSpPr>
-      <p:grpSpPr>
-        <a:xfrm>
-          <a:off x="0" y="0"/>
-          <a:ext cx="0" cy="0"/>
-          <a:chOff x="0" y="0"/>
-          <a:chExt cx="0" cy="0"/>
-        </a:xfrm>
-      </p:grpSpPr>
-      <p:sp>
-        <p:nvSpPr>
-          <p:cNvPr id="2" name="Title 1">
-            <a:extLst>
-              <a:ext uri="{FF2B5EF4-FFF2-40B4-BE49-F238E27FC236}">
                 <a16:creationId xmlns:a16="http://schemas.microsoft.com/office/drawing/2014/main" id="{913FDB3D-EE8A-48E3-A027-3E2419D31637}"/>
               </a:ext>
             </a:extLst>
@@ -7799,7 +7675,7 @@
                 <a:latin typeface="Arial" panose="020B0604020202020204" pitchFamily="34" charset="0"/>
                 <a:cs typeface="Arial" panose="020B0604020202020204" pitchFamily="34" charset="0"/>
               </a:rPr>
-              <a:t>MOSCOW Prioritization </a:t>
+              <a:t>MoSCoW Prioritization </a:t>
             </a:r>
           </a:p>
         </p:txBody>
@@ -7822,7 +7698,7 @@
         </p:nvSpPr>
         <p:spPr>
           <a:xfrm>
-            <a:off x="1141412" y="1560816"/>
+            <a:off x="1141412" y="1627491"/>
             <a:ext cx="9905999" cy="4649484"/>
           </a:xfrm>
         </p:spPr>
@@ -8085,8 +7961,8 @@
         </p:blipFill>
         <p:spPr>
           <a:xfrm>
-            <a:off x="2498725" y="1877219"/>
-            <a:ext cx="7194550" cy="4248150"/>
+            <a:off x="1635186" y="1367327"/>
+            <a:ext cx="8058089" cy="4758042"/>
           </a:xfrm>
         </p:spPr>
       </p:pic>

--- a/Design/Medino Pharmacy.pptx
+++ b/Design/Medino Pharmacy.pptx
@@ -33,18 +33,19 @@
     <p:sldId id="290" r:id="rId27"/>
     <p:sldId id="312" r:id="rId28"/>
     <p:sldId id="295" r:id="rId29"/>
-    <p:sldId id="299" r:id="rId30"/>
-    <p:sldId id="300" r:id="rId31"/>
-    <p:sldId id="301" r:id="rId32"/>
-    <p:sldId id="302" r:id="rId33"/>
-    <p:sldId id="303" r:id="rId34"/>
-    <p:sldId id="304" r:id="rId35"/>
-    <p:sldId id="305" r:id="rId36"/>
-    <p:sldId id="306" r:id="rId37"/>
-    <p:sldId id="307" r:id="rId38"/>
-    <p:sldId id="308" r:id="rId39"/>
-    <p:sldId id="310" r:id="rId40"/>
-    <p:sldId id="309" r:id="rId41"/>
+    <p:sldId id="313" r:id="rId30"/>
+    <p:sldId id="299" r:id="rId31"/>
+    <p:sldId id="300" r:id="rId32"/>
+    <p:sldId id="301" r:id="rId33"/>
+    <p:sldId id="302" r:id="rId34"/>
+    <p:sldId id="303" r:id="rId35"/>
+    <p:sldId id="304" r:id="rId36"/>
+    <p:sldId id="305" r:id="rId37"/>
+    <p:sldId id="306" r:id="rId38"/>
+    <p:sldId id="307" r:id="rId39"/>
+    <p:sldId id="308" r:id="rId40"/>
+    <p:sldId id="310" r:id="rId41"/>
+    <p:sldId id="309" r:id="rId42"/>
   </p:sldIdLst>
   <p:sldSz cx="12192000" cy="6858000"/>
   <p:notesSz cx="6858000" cy="9144000"/>
@@ -298,7 +299,7 @@
           <a:p>
             <a:fld id="{48A87A34-81AB-432B-8DAE-1953F412C126}" type="datetimeFigureOut">
               <a:rPr lang="en-US" smtClean="0"/>
-              <a:t>4/2/2019</a:t>
+              <a:t>4/3/2019</a:t>
             </a:fld>
             <a:endParaRPr lang="en-US" dirty="0"/>
           </a:p>
@@ -496,7 +497,7 @@
           <a:p>
             <a:fld id="{48A87A34-81AB-432B-8DAE-1953F412C126}" type="datetimeFigureOut">
               <a:rPr lang="en-US" smtClean="0"/>
-              <a:t>4/2/2019</a:t>
+              <a:t>4/3/2019</a:t>
             </a:fld>
             <a:endParaRPr lang="en-US" dirty="0"/>
           </a:p>
@@ -704,7 +705,7 @@
           <a:p>
             <a:fld id="{48A87A34-81AB-432B-8DAE-1953F412C126}" type="datetimeFigureOut">
               <a:rPr lang="en-US" smtClean="0"/>
-              <a:t>4/2/2019</a:t>
+              <a:t>4/3/2019</a:t>
             </a:fld>
             <a:endParaRPr lang="en-US" dirty="0"/>
           </a:p>
@@ -902,7 +903,7 @@
           <a:p>
             <a:fld id="{48A87A34-81AB-432B-8DAE-1953F412C126}" type="datetimeFigureOut">
               <a:rPr lang="en-US" smtClean="0"/>
-              <a:t>4/2/2019</a:t>
+              <a:t>4/3/2019</a:t>
             </a:fld>
             <a:endParaRPr lang="en-US" dirty="0"/>
           </a:p>
@@ -1177,7 +1178,7 @@
           <a:p>
             <a:fld id="{48A87A34-81AB-432B-8DAE-1953F412C126}" type="datetimeFigureOut">
               <a:rPr lang="en-US" smtClean="0"/>
-              <a:t>4/2/2019</a:t>
+              <a:t>4/3/2019</a:t>
             </a:fld>
             <a:endParaRPr lang="en-US" dirty="0"/>
           </a:p>
@@ -1442,7 +1443,7 @@
           <a:p>
             <a:fld id="{48A87A34-81AB-432B-8DAE-1953F412C126}" type="datetimeFigureOut">
               <a:rPr lang="en-US" smtClean="0"/>
-              <a:t>4/2/2019</a:t>
+              <a:t>4/3/2019</a:t>
             </a:fld>
             <a:endParaRPr lang="en-US" dirty="0"/>
           </a:p>
@@ -1854,7 +1855,7 @@
           <a:p>
             <a:fld id="{48A87A34-81AB-432B-8DAE-1953F412C126}" type="datetimeFigureOut">
               <a:rPr lang="en-US" smtClean="0"/>
-              <a:t>4/2/2019</a:t>
+              <a:t>4/3/2019</a:t>
             </a:fld>
             <a:endParaRPr lang="en-US" dirty="0"/>
           </a:p>
@@ -1995,7 +1996,7 @@
           <a:p>
             <a:fld id="{48A87A34-81AB-432B-8DAE-1953F412C126}" type="datetimeFigureOut">
               <a:rPr lang="en-US" smtClean="0"/>
-              <a:t>4/2/2019</a:t>
+              <a:t>4/3/2019</a:t>
             </a:fld>
             <a:endParaRPr lang="en-US" dirty="0"/>
           </a:p>
@@ -2108,7 +2109,7 @@
           <a:p>
             <a:fld id="{48A87A34-81AB-432B-8DAE-1953F412C126}" type="datetimeFigureOut">
               <a:rPr lang="en-US" smtClean="0"/>
-              <a:t>4/2/2019</a:t>
+              <a:t>4/3/2019</a:t>
             </a:fld>
             <a:endParaRPr lang="en-US" dirty="0"/>
           </a:p>
@@ -2419,7 +2420,7 @@
           <a:p>
             <a:fld id="{48A87A34-81AB-432B-8DAE-1953F412C126}" type="datetimeFigureOut">
               <a:rPr lang="en-US" smtClean="0"/>
-              <a:t>4/2/2019</a:t>
+              <a:t>4/3/2019</a:t>
             </a:fld>
             <a:endParaRPr lang="en-US" dirty="0"/>
           </a:p>
@@ -2707,7 +2708,7 @@
           <a:p>
             <a:fld id="{48A87A34-81AB-432B-8DAE-1953F412C126}" type="datetimeFigureOut">
               <a:rPr lang="en-US" smtClean="0"/>
-              <a:t>4/2/2019</a:t>
+              <a:t>4/3/2019</a:t>
             </a:fld>
             <a:endParaRPr lang="en-US" dirty="0"/>
           </a:p>
@@ -2949,7 +2950,7 @@
             <a:fld id="{48A87A34-81AB-432B-8DAE-1953F412C126}" type="datetimeFigureOut">
               <a:rPr lang="en-US" smtClean="0"/>
               <a:pPr/>
-              <a:t>4/2/2019</a:t>
+              <a:t>4/3/2019</a:t>
             </a:fld>
             <a:endParaRPr lang="en-US" dirty="0"/>
           </a:p>
@@ -5832,73 +5833,40 @@
           <a:chExt cx="0" cy="0"/>
         </a:xfrm>
       </p:grpSpPr>
-      <p:sp>
-        <p:nvSpPr>
-          <p:cNvPr id="2" name="Title 1">
-            <a:extLst>
-              <a:ext uri="{FF2B5EF4-FFF2-40B4-BE49-F238E27FC236}">
-                <a16:creationId xmlns:a16="http://schemas.microsoft.com/office/drawing/2014/main" id="{D641C548-0BA5-4765-9B72-9AC871843DDF}"/>
-              </a:ext>
-            </a:extLst>
-          </p:cNvPr>
-          <p:cNvSpPr>
-            <a:spLocks noGrp="1"/>
-          </p:cNvSpPr>
-          <p:nvPr>
-            <p:ph type="title"/>
-          </p:nvPr>
-        </p:nvSpPr>
-        <p:spPr>
-          <a:xfrm>
-            <a:off x="1141412" y="400050"/>
-            <a:ext cx="9905998" cy="1049338"/>
-          </a:xfrm>
-        </p:spPr>
-        <p:txBody>
-          <a:bodyPr/>
-          <a:lstStyle/>
-          <a:p>
-            <a:r>
-              <a:rPr lang="en-US" dirty="0"/>
-              <a:t>Coding and its UI design</a:t>
-            </a:r>
-          </a:p>
-        </p:txBody>
-      </p:sp>
-      <p:sp>
-        <p:nvSpPr>
-          <p:cNvPr id="3" name="Content Placeholder 2">
-            <a:extLst>
-              <a:ext uri="{FF2B5EF4-FFF2-40B4-BE49-F238E27FC236}">
-                <a16:creationId xmlns:a16="http://schemas.microsoft.com/office/drawing/2014/main" id="{AE5B442C-9717-4DA6-93BC-F7C288E743BB}"/>
-              </a:ext>
-            </a:extLst>
-          </p:cNvPr>
-          <p:cNvSpPr>
-            <a:spLocks noGrp="1"/>
-          </p:cNvSpPr>
-          <p:nvPr>
-            <p:ph idx="1"/>
-          </p:nvPr>
-        </p:nvSpPr>
-        <p:spPr>
-          <a:xfrm>
-            <a:off x="1143000" y="1658143"/>
-            <a:ext cx="9905999" cy="3541714"/>
-          </a:xfrm>
-        </p:spPr>
-        <p:txBody>
-          <a:bodyPr/>
-          <a:lstStyle/>
-          <a:p>
-            <a:endParaRPr lang="en-US" dirty="0"/>
-          </a:p>
-        </p:txBody>
-      </p:sp>
+      <p:pic>
+        <p:nvPicPr>
+          <p:cNvPr id="3" name="Picture 2">
+            <a:extLst>
+              <a:ext uri="{FF2B5EF4-FFF2-40B4-BE49-F238E27FC236}">
+                <a16:creationId xmlns:a16="http://schemas.microsoft.com/office/drawing/2014/main" id="{63D03622-A8A8-4F5C-B90A-2C2D48DB0221}"/>
+              </a:ext>
+            </a:extLst>
+          </p:cNvPr>
+          <p:cNvPicPr>
+            <a:picLocks noChangeAspect="1"/>
+          </p:cNvPicPr>
+          <p:nvPr/>
+        </p:nvPicPr>
+        <p:blipFill>
+          <a:blip r:embed="rId2"/>
+          <a:stretch>
+            <a:fillRect/>
+          </a:stretch>
+        </p:blipFill>
+        <p:spPr>
+          <a:xfrm>
+            <a:off x="0" y="409639"/>
+            <a:ext cx="12192000" cy="6038722"/>
+          </a:xfrm>
+          <a:prstGeom prst="rect">
+            <a:avLst/>
+          </a:prstGeom>
+        </p:spPr>
+      </p:pic>
     </p:spTree>
     <p:extLst>
       <p:ext uri="{BB962C8B-B14F-4D97-AF65-F5344CB8AC3E}">
-        <p14:creationId xmlns:p14="http://schemas.microsoft.com/office/powerpoint/2010/main" val="1938924297"/>
+        <p14:creationId xmlns:p14="http://schemas.microsoft.com/office/powerpoint/2010/main" val="337965065"/>
       </p:ext>
     </p:extLst>
   </p:cSld>
@@ -6096,6 +6064,158 @@
           <a:chExt cx="0" cy="0"/>
         </a:xfrm>
       </p:grpSpPr>
+      <p:sp>
+        <p:nvSpPr>
+          <p:cNvPr id="2" name="Title 1">
+            <a:extLst>
+              <a:ext uri="{FF2B5EF4-FFF2-40B4-BE49-F238E27FC236}">
+                <a16:creationId xmlns:a16="http://schemas.microsoft.com/office/drawing/2014/main" id="{D641C548-0BA5-4765-9B72-9AC871843DDF}"/>
+              </a:ext>
+            </a:extLst>
+          </p:cNvPr>
+          <p:cNvSpPr>
+            <a:spLocks noGrp="1"/>
+          </p:cNvSpPr>
+          <p:nvPr>
+            <p:ph type="title"/>
+          </p:nvPr>
+        </p:nvSpPr>
+        <p:spPr>
+          <a:xfrm>
+            <a:off x="1141412" y="400050"/>
+            <a:ext cx="9905998" cy="1049338"/>
+          </a:xfrm>
+        </p:spPr>
+        <p:txBody>
+          <a:bodyPr/>
+          <a:lstStyle/>
+          <a:p>
+            <a:r>
+              <a:rPr lang="en-US" dirty="0"/>
+              <a:t>Coding and its UI design</a:t>
+            </a:r>
+          </a:p>
+        </p:txBody>
+      </p:sp>
+      <p:pic>
+        <p:nvPicPr>
+          <p:cNvPr id="5" name="Content Placeholder 4">
+            <a:extLst>
+              <a:ext uri="{FF2B5EF4-FFF2-40B4-BE49-F238E27FC236}">
+                <a16:creationId xmlns:a16="http://schemas.microsoft.com/office/drawing/2014/main" id="{889DDFB9-CB5C-4A1C-91DC-761253E909D9}"/>
+              </a:ext>
+            </a:extLst>
+          </p:cNvPr>
+          <p:cNvPicPr>
+            <a:picLocks noGrp="1" noChangeAspect="1"/>
+          </p:cNvPicPr>
+          <p:nvPr>
+            <p:ph idx="1"/>
+          </p:nvPr>
+        </p:nvPicPr>
+        <p:blipFill>
+          <a:blip r:embed="rId2"/>
+          <a:stretch>
+            <a:fillRect/>
+          </a:stretch>
+        </p:blipFill>
+        <p:spPr>
+          <a:xfrm>
+            <a:off x="2562225" y="1868487"/>
+            <a:ext cx="5334000" cy="3341687"/>
+          </a:xfrm>
+        </p:spPr>
+      </p:pic>
+    </p:spTree>
+    <p:extLst>
+      <p:ext uri="{BB962C8B-B14F-4D97-AF65-F5344CB8AC3E}">
+        <p14:creationId xmlns:p14="http://schemas.microsoft.com/office/powerpoint/2010/main" val="1938924297"/>
+      </p:ext>
+    </p:extLst>
+  </p:cSld>
+  <p:clrMapOvr>
+    <a:masterClrMapping/>
+  </p:clrMapOvr>
+</p:sld>
+</file>
+
+<file path=ppt/slides/slide31.xml><?xml version="1.0" encoding="utf-8"?>
+<p:sld xmlns:a="http://schemas.openxmlformats.org/drawingml/2006/main" xmlns:r="http://schemas.openxmlformats.org/officeDocument/2006/relationships" xmlns:p="http://schemas.openxmlformats.org/presentationml/2006/main">
+  <p:cSld>
+    <p:spTree>
+      <p:nvGrpSpPr>
+        <p:cNvPr id="1" name=""/>
+        <p:cNvGrpSpPr/>
+        <p:nvPr/>
+      </p:nvGrpSpPr>
+      <p:grpSpPr>
+        <a:xfrm>
+          <a:off x="0" y="0"/>
+          <a:ext cx="0" cy="0"/>
+          <a:chOff x="0" y="0"/>
+          <a:chExt cx="0" cy="0"/>
+        </a:xfrm>
+      </p:grpSpPr>
+      <p:pic>
+        <p:nvPicPr>
+          <p:cNvPr id="3" name="Picture 2">
+            <a:extLst>
+              <a:ext uri="{FF2B5EF4-FFF2-40B4-BE49-F238E27FC236}">
+                <a16:creationId xmlns:a16="http://schemas.microsoft.com/office/drawing/2014/main" id="{5FD223EB-30A1-4C7D-BCC9-147DC493F94E}"/>
+              </a:ext>
+            </a:extLst>
+          </p:cNvPr>
+          <p:cNvPicPr>
+            <a:picLocks noChangeAspect="1"/>
+          </p:cNvPicPr>
+          <p:nvPr/>
+        </p:nvPicPr>
+        <p:blipFill>
+          <a:blip r:embed="rId2"/>
+          <a:stretch>
+            <a:fillRect/>
+          </a:stretch>
+        </p:blipFill>
+        <p:spPr>
+          <a:xfrm>
+            <a:off x="225425" y="412750"/>
+            <a:ext cx="4768850" cy="4902200"/>
+          </a:xfrm>
+          <a:prstGeom prst="rect">
+            <a:avLst/>
+          </a:prstGeom>
+        </p:spPr>
+      </p:pic>
+      <p:pic>
+        <p:nvPicPr>
+          <p:cNvPr id="5" name="Picture 4">
+            <a:extLst>
+              <a:ext uri="{FF2B5EF4-FFF2-40B4-BE49-F238E27FC236}">
+                <a16:creationId xmlns:a16="http://schemas.microsoft.com/office/drawing/2014/main" id="{2E506E45-331A-4A6D-BD33-40615A3416F9}"/>
+              </a:ext>
+            </a:extLst>
+          </p:cNvPr>
+          <p:cNvPicPr>
+            <a:picLocks noChangeAspect="1"/>
+          </p:cNvPicPr>
+          <p:nvPr/>
+        </p:nvPicPr>
+        <p:blipFill>
+          <a:blip r:embed="rId3"/>
+          <a:stretch>
+            <a:fillRect/>
+          </a:stretch>
+        </p:blipFill>
+        <p:spPr>
+          <a:xfrm>
+            <a:off x="5013324" y="412750"/>
+            <a:ext cx="6702425" cy="5892800"/>
+          </a:xfrm>
+          <a:prstGeom prst="rect">
+            <a:avLst/>
+          </a:prstGeom>
+        </p:spPr>
+      </p:pic>
     </p:spTree>
     <p:extLst>
       <p:ext uri="{BB962C8B-B14F-4D97-AF65-F5344CB8AC3E}">
@@ -6109,7 +6229,7 @@
 </p:sld>
 </file>
 
-<file path=ppt/slides/slide31.xml><?xml version="1.0" encoding="utf-8"?>
+<file path=ppt/slides/slide32.xml><?xml version="1.0" encoding="utf-8"?>
 <p:sld xmlns:a="http://schemas.openxmlformats.org/drawingml/2006/main" xmlns:r="http://schemas.openxmlformats.org/officeDocument/2006/relationships" xmlns:p="http://schemas.openxmlformats.org/presentationml/2006/main">
   <p:cSld>
     <p:spTree>
@@ -6139,7 +6259,7 @@
 </p:sld>
 </file>
 
-<file path=ppt/slides/slide32.xml><?xml version="1.0" encoding="utf-8"?>
+<file path=ppt/slides/slide33.xml><?xml version="1.0" encoding="utf-8"?>
 <p:sld xmlns:a="http://schemas.openxmlformats.org/drawingml/2006/main" xmlns:r="http://schemas.openxmlformats.org/officeDocument/2006/relationships" xmlns:p="http://schemas.openxmlformats.org/presentationml/2006/main">
   <p:cSld>
     <p:spTree>
@@ -6169,105 +6289,6 @@
 </p:sld>
 </file>
 
-<file path=ppt/slides/slide33.xml><?xml version="1.0" encoding="utf-8"?>
-<p:sld xmlns:a="http://schemas.openxmlformats.org/drawingml/2006/main" xmlns:r="http://schemas.openxmlformats.org/officeDocument/2006/relationships" xmlns:p="http://schemas.openxmlformats.org/presentationml/2006/main">
-  <p:cSld>
-    <p:spTree>
-      <p:nvGrpSpPr>
-        <p:cNvPr id="1" name=""/>
-        <p:cNvGrpSpPr/>
-        <p:nvPr/>
-      </p:nvGrpSpPr>
-      <p:grpSpPr>
-        <a:xfrm>
-          <a:off x="0" y="0"/>
-          <a:ext cx="0" cy="0"/>
-          <a:chOff x="0" y="0"/>
-          <a:chExt cx="0" cy="0"/>
-        </a:xfrm>
-      </p:grpSpPr>
-      <p:sp>
-        <p:nvSpPr>
-          <p:cNvPr id="2" name="Title 1">
-            <a:extLst>
-              <a:ext uri="{FF2B5EF4-FFF2-40B4-BE49-F238E27FC236}">
-                <a16:creationId xmlns:a16="http://schemas.microsoft.com/office/drawing/2014/main" id="{44664711-4F0A-4858-A435-AA07CE9FE8B4}"/>
-              </a:ext>
-            </a:extLst>
-          </p:cNvPr>
-          <p:cNvSpPr>
-            <a:spLocks noGrp="1"/>
-          </p:cNvSpPr>
-          <p:nvPr>
-            <p:ph type="title"/>
-          </p:nvPr>
-        </p:nvSpPr>
-        <p:spPr>
-          <a:xfrm>
-            <a:off x="1143001" y="361343"/>
-            <a:ext cx="9905998" cy="924532"/>
-          </a:xfrm>
-        </p:spPr>
-        <p:txBody>
-          <a:bodyPr/>
-          <a:lstStyle/>
-          <a:p>
-            <a:r>
-              <a:rPr lang="en-US" dirty="0">
-                <a:latin typeface="Arial" panose="020B0604020202020204" pitchFamily="34" charset="0"/>
-                <a:cs typeface="Arial" panose="020B0604020202020204" pitchFamily="34" charset="0"/>
-              </a:rPr>
-              <a:t>Test cases</a:t>
-            </a:r>
-          </a:p>
-        </p:txBody>
-      </p:sp>
-      <p:sp>
-        <p:nvSpPr>
-          <p:cNvPr id="3" name="Content Placeholder 2">
-            <a:extLst>
-              <a:ext uri="{FF2B5EF4-FFF2-40B4-BE49-F238E27FC236}">
-                <a16:creationId xmlns:a16="http://schemas.microsoft.com/office/drawing/2014/main" id="{2250339F-B7B0-41AA-8759-A7154FFCC94E}"/>
-              </a:ext>
-            </a:extLst>
-          </p:cNvPr>
-          <p:cNvSpPr>
-            <a:spLocks noGrp="1"/>
-          </p:cNvSpPr>
-          <p:nvPr>
-            <p:ph idx="1"/>
-          </p:nvPr>
-        </p:nvSpPr>
-        <p:spPr>
-          <a:xfrm>
-            <a:off x="1143001" y="1487487"/>
-            <a:ext cx="9905999" cy="3541714"/>
-          </a:xfrm>
-        </p:spPr>
-        <p:txBody>
-          <a:bodyPr/>
-          <a:lstStyle/>
-          <a:p>
-            <a:endParaRPr lang="en-US">
-              <a:latin typeface="Arial" panose="020B0604020202020204" pitchFamily="34" charset="0"/>
-              <a:cs typeface="Arial" panose="020B0604020202020204" pitchFamily="34" charset="0"/>
-            </a:endParaRPr>
-          </a:p>
-        </p:txBody>
-      </p:sp>
-    </p:spTree>
-    <p:extLst>
-      <p:ext uri="{BB962C8B-B14F-4D97-AF65-F5344CB8AC3E}">
-        <p14:creationId xmlns:p14="http://schemas.microsoft.com/office/powerpoint/2010/main" val="2911294904"/>
-      </p:ext>
-    </p:extLst>
-  </p:cSld>
-  <p:clrMapOvr>
-    <a:masterClrMapping/>
-  </p:clrMapOvr>
-</p:sld>
-</file>
-
 <file path=ppt/slides/slide34.xml><?xml version="1.0" encoding="utf-8"?>
 <p:sld xmlns:a="http://schemas.openxmlformats.org/drawingml/2006/main" xmlns:r="http://schemas.openxmlformats.org/officeDocument/2006/relationships" xmlns:p="http://schemas.openxmlformats.org/presentationml/2006/main">
   <p:cSld>
@@ -6290,7 +6311,7 @@
           <p:cNvPr id="2" name="Title 1">
             <a:extLst>
               <a:ext uri="{FF2B5EF4-FFF2-40B4-BE49-F238E27FC236}">
-                <a16:creationId xmlns:a16="http://schemas.microsoft.com/office/drawing/2014/main" id="{4E98BAD5-5412-4078-9038-85B6723E8D22}"/>
+                <a16:creationId xmlns:a16="http://schemas.microsoft.com/office/drawing/2014/main" id="{44664711-4F0A-4858-A435-AA07CE9FE8B4}"/>
               </a:ext>
             </a:extLst>
           </p:cNvPr>
@@ -6303,8 +6324,8 @@
         </p:nvSpPr>
         <p:spPr>
           <a:xfrm>
-            <a:off x="1141413" y="294668"/>
-            <a:ext cx="9905998" cy="1048357"/>
+            <a:off x="1143001" y="361343"/>
+            <a:ext cx="9905998" cy="924532"/>
           </a:xfrm>
         </p:spPr>
         <p:txBody>
@@ -6316,7 +6337,7 @@
                 <a:latin typeface="Arial" panose="020B0604020202020204" pitchFamily="34" charset="0"/>
                 <a:cs typeface="Arial" panose="020B0604020202020204" pitchFamily="34" charset="0"/>
               </a:rPr>
-              <a:t>Future work</a:t>
+              <a:t>Test cases</a:t>
             </a:r>
           </a:p>
         </p:txBody>
@@ -6326,7 +6347,7 @@
           <p:cNvPr id="3" name="Content Placeholder 2">
             <a:extLst>
               <a:ext uri="{FF2B5EF4-FFF2-40B4-BE49-F238E27FC236}">
-                <a16:creationId xmlns:a16="http://schemas.microsoft.com/office/drawing/2014/main" id="{D0034F5F-4075-45F0-B953-6F29F74F2D8C}"/>
+                <a16:creationId xmlns:a16="http://schemas.microsoft.com/office/drawing/2014/main" id="{2250339F-B7B0-41AA-8759-A7154FFCC94E}"/>
               </a:ext>
             </a:extLst>
           </p:cNvPr>
@@ -6339,7 +6360,7 @@
         </p:nvSpPr>
         <p:spPr>
           <a:xfrm>
-            <a:off x="1141413" y="1582737"/>
+            <a:off x="1143001" y="1487487"/>
             <a:ext cx="9905999" cy="3541714"/>
           </a:xfrm>
         </p:spPr>
@@ -6347,7 +6368,7 @@
           <a:bodyPr/>
           <a:lstStyle/>
           <a:p>
-            <a:endParaRPr lang="en-US" dirty="0">
+            <a:endParaRPr lang="en-US">
               <a:latin typeface="Arial" panose="020B0604020202020204" pitchFamily="34" charset="0"/>
               <a:cs typeface="Arial" panose="020B0604020202020204" pitchFamily="34" charset="0"/>
             </a:endParaRPr>
@@ -6357,7 +6378,7 @@
     </p:spTree>
     <p:extLst>
       <p:ext uri="{BB962C8B-B14F-4D97-AF65-F5344CB8AC3E}">
-        <p14:creationId xmlns:p14="http://schemas.microsoft.com/office/powerpoint/2010/main" val="1802389579"/>
+        <p14:creationId xmlns:p14="http://schemas.microsoft.com/office/powerpoint/2010/main" val="2911294904"/>
       </p:ext>
     </p:extLst>
   </p:cSld>
@@ -6389,7 +6410,7 @@
           <p:cNvPr id="2" name="Title 1">
             <a:extLst>
               <a:ext uri="{FF2B5EF4-FFF2-40B4-BE49-F238E27FC236}">
-                <a16:creationId xmlns:a16="http://schemas.microsoft.com/office/drawing/2014/main" id="{06A34261-0AC8-4C03-AB42-9D07A9850B29}"/>
+                <a16:creationId xmlns:a16="http://schemas.microsoft.com/office/drawing/2014/main" id="{4E98BAD5-5412-4078-9038-85B6723E8D22}"/>
               </a:ext>
             </a:extLst>
           </p:cNvPr>
@@ -6402,7 +6423,7 @@
         </p:nvSpPr>
         <p:spPr>
           <a:xfrm>
-            <a:off x="1141413" y="618518"/>
+            <a:off x="1141413" y="294668"/>
             <a:ext cx="9905998" cy="1048357"/>
           </a:xfrm>
         </p:spPr>
@@ -6415,7 +6436,7 @@
                 <a:latin typeface="Arial" panose="020B0604020202020204" pitchFamily="34" charset="0"/>
                 <a:cs typeface="Arial" panose="020B0604020202020204" pitchFamily="34" charset="0"/>
               </a:rPr>
-              <a:t>Limitation </a:t>
+              <a:t>Future work</a:t>
             </a:r>
           </a:p>
         </p:txBody>
@@ -6425,7 +6446,7 @@
           <p:cNvPr id="3" name="Content Placeholder 2">
             <a:extLst>
               <a:ext uri="{FF2B5EF4-FFF2-40B4-BE49-F238E27FC236}">
-                <a16:creationId xmlns:a16="http://schemas.microsoft.com/office/drawing/2014/main" id="{D1BDBC79-AF01-4C08-B034-36571B91E97C}"/>
+                <a16:creationId xmlns:a16="http://schemas.microsoft.com/office/drawing/2014/main" id="{D0034F5F-4075-45F0-B953-6F29F74F2D8C}"/>
               </a:ext>
             </a:extLst>
           </p:cNvPr>
@@ -6438,7 +6459,7 @@
         </p:nvSpPr>
         <p:spPr>
           <a:xfrm>
-            <a:off x="1141413" y="1906587"/>
+            <a:off x="1141413" y="1582737"/>
             <a:ext cx="9905999" cy="3541714"/>
           </a:xfrm>
         </p:spPr>
@@ -6446,7 +6467,7 @@
           <a:bodyPr/>
           <a:lstStyle/>
           <a:p>
-            <a:endParaRPr lang="en-US">
+            <a:endParaRPr lang="en-US" dirty="0">
               <a:latin typeface="Arial" panose="020B0604020202020204" pitchFamily="34" charset="0"/>
               <a:cs typeface="Arial" panose="020B0604020202020204" pitchFamily="34" charset="0"/>
             </a:endParaRPr>
@@ -6456,7 +6477,7 @@
     </p:spTree>
     <p:extLst>
       <p:ext uri="{BB962C8B-B14F-4D97-AF65-F5344CB8AC3E}">
-        <p14:creationId xmlns:p14="http://schemas.microsoft.com/office/powerpoint/2010/main" val="2010395731"/>
+        <p14:creationId xmlns:p14="http://schemas.microsoft.com/office/powerpoint/2010/main" val="1802389579"/>
       </p:ext>
     </p:extLst>
   </p:cSld>
@@ -6488,7 +6509,7 @@
           <p:cNvPr id="2" name="Title 1">
             <a:extLst>
               <a:ext uri="{FF2B5EF4-FFF2-40B4-BE49-F238E27FC236}">
-                <a16:creationId xmlns:a16="http://schemas.microsoft.com/office/drawing/2014/main" id="{E129C55A-1DAF-4427-8186-52710364D7A5}"/>
+                <a16:creationId xmlns:a16="http://schemas.microsoft.com/office/drawing/2014/main" id="{06A34261-0AC8-4C03-AB42-9D07A9850B29}"/>
               </a:ext>
             </a:extLst>
           </p:cNvPr>
@@ -6501,8 +6522,8 @@
         </p:nvSpPr>
         <p:spPr>
           <a:xfrm>
-            <a:off x="1141413" y="418493"/>
-            <a:ext cx="9905998" cy="1067407"/>
+            <a:off x="1141413" y="618518"/>
+            <a:ext cx="9905998" cy="1048357"/>
           </a:xfrm>
         </p:spPr>
         <p:txBody>
@@ -6514,7 +6535,7 @@
                 <a:latin typeface="Arial" panose="020B0604020202020204" pitchFamily="34" charset="0"/>
                 <a:cs typeface="Arial" panose="020B0604020202020204" pitchFamily="34" charset="0"/>
               </a:rPr>
-              <a:t>User manual </a:t>
+              <a:t>Limitation </a:t>
             </a:r>
           </a:p>
         </p:txBody>
@@ -6524,7 +6545,7 @@
           <p:cNvPr id="3" name="Content Placeholder 2">
             <a:extLst>
               <a:ext uri="{FF2B5EF4-FFF2-40B4-BE49-F238E27FC236}">
-                <a16:creationId xmlns:a16="http://schemas.microsoft.com/office/drawing/2014/main" id="{060BDCD0-AD2C-4350-88D0-6DBBDB7B4463}"/>
+                <a16:creationId xmlns:a16="http://schemas.microsoft.com/office/drawing/2014/main" id="{D1BDBC79-AF01-4C08-B034-36571B91E97C}"/>
               </a:ext>
             </a:extLst>
           </p:cNvPr>
@@ -6537,7 +6558,7 @@
         </p:nvSpPr>
         <p:spPr>
           <a:xfrm>
-            <a:off x="1141411" y="1811337"/>
+            <a:off x="1141413" y="1906587"/>
             <a:ext cx="9905999" cy="3541714"/>
           </a:xfrm>
         </p:spPr>
@@ -6545,7 +6566,25 @@
           <a:bodyPr/>
           <a:lstStyle/>
           <a:p>
-            <a:endParaRPr lang="en-US">
+            <a:r>
+              <a:rPr lang="en-US" dirty="0">
+                <a:latin typeface="Arial" panose="020B0604020202020204" pitchFamily="34" charset="0"/>
+                <a:cs typeface="Arial" panose="020B0604020202020204" pitchFamily="34" charset="0"/>
+              </a:rPr>
+              <a:t>Lacks online payment system.</a:t>
+            </a:r>
+          </a:p>
+          <a:p>
+            <a:r>
+              <a:rPr lang="en-US" dirty="0">
+                <a:latin typeface="Arial" panose="020B0604020202020204" pitchFamily="34" charset="0"/>
+                <a:cs typeface="Arial" panose="020B0604020202020204" pitchFamily="34" charset="0"/>
+              </a:rPr>
+              <a:t>Validation while uploading prescribed report by user.</a:t>
+            </a:r>
+          </a:p>
+          <a:p>
+            <a:endParaRPr lang="en-US" dirty="0">
               <a:latin typeface="Arial" panose="020B0604020202020204" pitchFamily="34" charset="0"/>
               <a:cs typeface="Arial" panose="020B0604020202020204" pitchFamily="34" charset="0"/>
             </a:endParaRPr>
@@ -6555,7 +6594,7 @@
     </p:spTree>
     <p:extLst>
       <p:ext uri="{BB962C8B-B14F-4D97-AF65-F5344CB8AC3E}">
-        <p14:creationId xmlns:p14="http://schemas.microsoft.com/office/powerpoint/2010/main" val="3483258742"/>
+        <p14:creationId xmlns:p14="http://schemas.microsoft.com/office/powerpoint/2010/main" val="2010395731"/>
       </p:ext>
     </p:extLst>
   </p:cSld>
@@ -6587,7 +6626,7 @@
           <p:cNvPr id="2" name="Title 1">
             <a:extLst>
               <a:ext uri="{FF2B5EF4-FFF2-40B4-BE49-F238E27FC236}">
-                <a16:creationId xmlns:a16="http://schemas.microsoft.com/office/drawing/2014/main" id="{482F2FAA-C271-4F15-9933-B5EDB3788E62}"/>
+                <a16:creationId xmlns:a16="http://schemas.microsoft.com/office/drawing/2014/main" id="{E129C55A-1DAF-4427-8186-52710364D7A5}"/>
               </a:ext>
             </a:extLst>
           </p:cNvPr>
@@ -6600,8 +6639,8 @@
         </p:nvSpPr>
         <p:spPr>
           <a:xfrm>
-            <a:off x="1141413" y="332768"/>
-            <a:ext cx="9905998" cy="1095982"/>
+            <a:off x="1141413" y="418493"/>
+            <a:ext cx="9905998" cy="1067407"/>
           </a:xfrm>
         </p:spPr>
         <p:txBody>
@@ -6613,7 +6652,7 @@
                 <a:latin typeface="Arial" panose="020B0604020202020204" pitchFamily="34" charset="0"/>
                 <a:cs typeface="Arial" panose="020B0604020202020204" pitchFamily="34" charset="0"/>
               </a:rPr>
-              <a:t>Conclusion</a:t>
+              <a:t>User manual </a:t>
             </a:r>
           </a:p>
         </p:txBody>
@@ -6623,7 +6662,7 @@
           <p:cNvPr id="3" name="Content Placeholder 2">
             <a:extLst>
               <a:ext uri="{FF2B5EF4-FFF2-40B4-BE49-F238E27FC236}">
-                <a16:creationId xmlns:a16="http://schemas.microsoft.com/office/drawing/2014/main" id="{36DBE5C2-1CB7-4BEE-8347-01808FAF2B05}"/>
+                <a16:creationId xmlns:a16="http://schemas.microsoft.com/office/drawing/2014/main" id="{060BDCD0-AD2C-4350-88D0-6DBBDB7B4463}"/>
               </a:ext>
             </a:extLst>
           </p:cNvPr>
@@ -6636,7 +6675,7 @@
         </p:nvSpPr>
         <p:spPr>
           <a:xfrm>
-            <a:off x="1141413" y="1563687"/>
+            <a:off x="1141411" y="1811337"/>
             <a:ext cx="9905999" cy="3541714"/>
           </a:xfrm>
         </p:spPr>
@@ -6644,7 +6683,7 @@
           <a:bodyPr/>
           <a:lstStyle/>
           <a:p>
-            <a:endParaRPr lang="en-US" dirty="0">
+            <a:endParaRPr lang="en-US">
               <a:latin typeface="Arial" panose="020B0604020202020204" pitchFamily="34" charset="0"/>
               <a:cs typeface="Arial" panose="020B0604020202020204" pitchFamily="34" charset="0"/>
             </a:endParaRPr>
@@ -6654,7 +6693,7 @@
     </p:spTree>
     <p:extLst>
       <p:ext uri="{BB962C8B-B14F-4D97-AF65-F5344CB8AC3E}">
-        <p14:creationId xmlns:p14="http://schemas.microsoft.com/office/powerpoint/2010/main" val="2165210028"/>
+        <p14:creationId xmlns:p14="http://schemas.microsoft.com/office/powerpoint/2010/main" val="3483258742"/>
       </p:ext>
     </p:extLst>
   </p:cSld>
@@ -6686,7 +6725,7 @@
           <p:cNvPr id="2" name="Title 1">
             <a:extLst>
               <a:ext uri="{FF2B5EF4-FFF2-40B4-BE49-F238E27FC236}">
-                <a16:creationId xmlns:a16="http://schemas.microsoft.com/office/drawing/2014/main" id="{2BA57A25-E266-4164-8D30-5F03DDB5C165}"/>
+                <a16:creationId xmlns:a16="http://schemas.microsoft.com/office/drawing/2014/main" id="{482F2FAA-C271-4F15-9933-B5EDB3788E62}"/>
               </a:ext>
             </a:extLst>
           </p:cNvPr>
@@ -6699,8 +6738,8 @@
         </p:nvSpPr>
         <p:spPr>
           <a:xfrm>
-            <a:off x="1141413" y="618518"/>
-            <a:ext cx="9905998" cy="1172182"/>
+            <a:off x="1141413" y="332768"/>
+            <a:ext cx="9905998" cy="1095982"/>
           </a:xfrm>
         </p:spPr>
         <p:txBody>
@@ -6712,7 +6751,7 @@
                 <a:latin typeface="Arial" panose="020B0604020202020204" pitchFamily="34" charset="0"/>
                 <a:cs typeface="Arial" panose="020B0604020202020204" pitchFamily="34" charset="0"/>
               </a:rPr>
-              <a:t>References</a:t>
+              <a:t>Conclusion</a:t>
             </a:r>
           </a:p>
         </p:txBody>
@@ -6722,7 +6761,7 @@
           <p:cNvPr id="3" name="Content Placeholder 2">
             <a:extLst>
               <a:ext uri="{FF2B5EF4-FFF2-40B4-BE49-F238E27FC236}">
-                <a16:creationId xmlns:a16="http://schemas.microsoft.com/office/drawing/2014/main" id="{1CFF9084-52EC-4888-B36F-C3CD263F6CA4}"/>
+                <a16:creationId xmlns:a16="http://schemas.microsoft.com/office/drawing/2014/main" id="{36DBE5C2-1CB7-4BEE-8347-01808FAF2B05}"/>
               </a:ext>
             </a:extLst>
           </p:cNvPr>
@@ -6735,106 +6774,25 @@
         </p:nvSpPr>
         <p:spPr>
           <a:xfrm>
-            <a:off x="1141413" y="1982786"/>
-            <a:ext cx="9905999" cy="4398963"/>
-          </a:xfrm>
-        </p:spPr>
-        <p:txBody>
-          <a:bodyPr>
-            <a:normAutofit/>
-          </a:bodyPr>
-          <a:lstStyle/>
-          <a:p>
-            <a:pPr marL="0" indent="0">
-              <a:lnSpc>
-                <a:spcPct val="150000"/>
-              </a:lnSpc>
-              <a:buNone/>
-            </a:pPr>
-            <a:r>
-              <a:rPr lang="en-US" sz="2400" u="sng" dirty="0">
-                <a:latin typeface="Arial" panose="020B0604020202020204" pitchFamily="34" charset="0"/>
-                <a:cs typeface="Arial" panose="020B0604020202020204" pitchFamily="34" charset="0"/>
-                <a:hlinkClick r:id="rId2"/>
-              </a:rPr>
-              <a:t>https://www.interserver.net/tips/kb/mvc-advantages-disadvantages-mvc/</a:t>
-            </a:r>
-            <a:endParaRPr lang="en-US" sz="2400" u="sng" dirty="0">
+            <a:off x="1141413" y="1563687"/>
+            <a:ext cx="9905999" cy="3541714"/>
+          </a:xfrm>
+        </p:spPr>
+        <p:txBody>
+          <a:bodyPr/>
+          <a:lstStyle/>
+          <a:p>
+            <a:endParaRPr lang="en-US" dirty="0">
               <a:latin typeface="Arial" panose="020B0604020202020204" pitchFamily="34" charset="0"/>
               <a:cs typeface="Arial" panose="020B0604020202020204" pitchFamily="34" charset="0"/>
             </a:endParaRPr>
           </a:p>
-          <a:p>
-            <a:pPr marL="0" indent="0">
-              <a:lnSpc>
-                <a:spcPct val="150000"/>
-              </a:lnSpc>
-              <a:buNone/>
-            </a:pPr>
-            <a:r>
-              <a:rPr lang="en-US" sz="2400" u="sng" dirty="0">
-                <a:latin typeface="Arial" panose="020B0604020202020204" pitchFamily="34" charset="0"/>
-                <a:cs typeface="Arial" panose="020B0604020202020204" pitchFamily="34" charset="0"/>
-                <a:hlinkClick r:id="rId3"/>
-              </a:rPr>
-              <a:t>https://www.tutorialspoint.com/sdlc/sdlc_waterfall_model.htm</a:t>
-            </a:r>
-            <a:endParaRPr lang="en-US" sz="2400" u="sng" dirty="0">
-              <a:latin typeface="Arial" panose="020B0604020202020204" pitchFamily="34" charset="0"/>
-              <a:cs typeface="Arial" panose="020B0604020202020204" pitchFamily="34" charset="0"/>
-            </a:endParaRPr>
-          </a:p>
-          <a:p>
-            <a:pPr marL="0" indent="0">
-              <a:lnSpc>
-                <a:spcPct val="150000"/>
-              </a:lnSpc>
-              <a:buNone/>
-            </a:pPr>
-            <a:r>
-              <a:rPr lang="en-US" sz="2400" u="sng" dirty="0">
-                <a:hlinkClick r:id="rId4"/>
-              </a:rPr>
-              <a:t>https://c2sconsultinggroup.com/the-importance-of-configuration-management/</a:t>
-            </a:r>
-            <a:r>
-              <a:rPr lang="en-US" sz="2400" dirty="0"/>
-              <a:t> </a:t>
-            </a:r>
-          </a:p>
-          <a:p>
-            <a:pPr marL="0" indent="0">
-              <a:lnSpc>
-                <a:spcPct val="150000"/>
-              </a:lnSpc>
-              <a:buNone/>
-            </a:pPr>
-            <a:r>
-              <a:rPr lang="en-US" sz="2400" u="sng" dirty="0">
-                <a:hlinkClick r:id="rId5"/>
-              </a:rPr>
-              <a:t>https://www.slideshare.net/HabtamuAsmare/pharmacy-management-system-requirement-analysis-and-elicitaion-document</a:t>
-            </a:r>
-            <a:endParaRPr lang="en-US" sz="2400" u="sng" dirty="0">
-              <a:latin typeface="Arial" panose="020B0604020202020204" pitchFamily="34" charset="0"/>
-              <a:cs typeface="Arial" panose="020B0604020202020204" pitchFamily="34" charset="0"/>
-            </a:endParaRPr>
-          </a:p>
-          <a:p>
-            <a:pPr marL="0" indent="0">
-              <a:buNone/>
-            </a:pPr>
-            <a:endParaRPr lang="en-US" sz="2400" dirty="0">
-              <a:latin typeface="Arial" panose="020B0604020202020204" pitchFamily="34" charset="0"/>
-              <a:cs typeface="Arial" panose="020B0604020202020204" pitchFamily="34" charset="0"/>
-            </a:endParaRPr>
-          </a:p>
         </p:txBody>
       </p:sp>
     </p:spTree>
     <p:extLst>
       <p:ext uri="{BB962C8B-B14F-4D97-AF65-F5344CB8AC3E}">
-        <p14:creationId xmlns:p14="http://schemas.microsoft.com/office/powerpoint/2010/main" val="329500837"/>
+        <p14:creationId xmlns:p14="http://schemas.microsoft.com/office/powerpoint/2010/main" val="2165210028"/>
       </p:ext>
     </p:extLst>
   </p:cSld>
@@ -6866,7 +6824,7 @@
           <p:cNvPr id="2" name="Title 1">
             <a:extLst>
               <a:ext uri="{FF2B5EF4-FFF2-40B4-BE49-F238E27FC236}">
-                <a16:creationId xmlns:a16="http://schemas.microsoft.com/office/drawing/2014/main" id="{A0F5789A-7972-4EF3-815A-6E4CC4566CED}"/>
+                <a16:creationId xmlns:a16="http://schemas.microsoft.com/office/drawing/2014/main" id="{2BA57A25-E266-4164-8D30-5F03DDB5C165}"/>
               </a:ext>
             </a:extLst>
           </p:cNvPr>
@@ -6879,30 +6837,142 @@
         </p:nvSpPr>
         <p:spPr>
           <a:xfrm>
-            <a:off x="3800475" y="2371118"/>
-            <a:ext cx="4943475" cy="1478570"/>
+            <a:off x="1141413" y="618518"/>
+            <a:ext cx="9905998" cy="1172182"/>
+          </a:xfrm>
+        </p:spPr>
+        <p:txBody>
+          <a:bodyPr/>
+          <a:lstStyle/>
+          <a:p>
+            <a:r>
+              <a:rPr lang="en-US" dirty="0">
+                <a:latin typeface="Arial" panose="020B0604020202020204" pitchFamily="34" charset="0"/>
+                <a:cs typeface="Arial" panose="020B0604020202020204" pitchFamily="34" charset="0"/>
+              </a:rPr>
+              <a:t>References</a:t>
+            </a:r>
+          </a:p>
+        </p:txBody>
+      </p:sp>
+      <p:sp>
+        <p:nvSpPr>
+          <p:cNvPr id="3" name="Content Placeholder 2">
+            <a:extLst>
+              <a:ext uri="{FF2B5EF4-FFF2-40B4-BE49-F238E27FC236}">
+                <a16:creationId xmlns:a16="http://schemas.microsoft.com/office/drawing/2014/main" id="{1CFF9084-52EC-4888-B36F-C3CD263F6CA4}"/>
+              </a:ext>
+            </a:extLst>
+          </p:cNvPr>
+          <p:cNvSpPr>
+            <a:spLocks noGrp="1"/>
+          </p:cNvSpPr>
+          <p:nvPr>
+            <p:ph idx="1"/>
+          </p:nvPr>
+        </p:nvSpPr>
+        <p:spPr>
+          <a:xfrm>
+            <a:off x="1141413" y="1982786"/>
+            <a:ext cx="9905999" cy="4398963"/>
           </a:xfrm>
         </p:spPr>
         <p:txBody>
           <a:bodyPr>
-            <a:noAutofit/>
+            <a:normAutofit/>
           </a:bodyPr>
           <a:lstStyle/>
           <a:p>
-            <a:r>
-              <a:rPr lang="en-US" sz="5400" dirty="0">
-                <a:latin typeface="Arial" panose="020B0604020202020204" pitchFamily="34" charset="0"/>
-                <a:cs typeface="Arial" panose="020B0604020202020204" pitchFamily="34" charset="0"/>
-              </a:rPr>
-              <a:t>Any question ?</a:t>
-            </a:r>
+            <a:pPr marL="0" indent="0">
+              <a:lnSpc>
+                <a:spcPct val="150000"/>
+              </a:lnSpc>
+              <a:buNone/>
+            </a:pPr>
+            <a:r>
+              <a:rPr lang="en-US" sz="2400" u="sng" dirty="0">
+                <a:latin typeface="Arial" panose="020B0604020202020204" pitchFamily="34" charset="0"/>
+                <a:cs typeface="Arial" panose="020B0604020202020204" pitchFamily="34" charset="0"/>
+                <a:hlinkClick r:id="rId2"/>
+              </a:rPr>
+              <a:t>https://www.interserver.net/tips/kb/mvc-advantages-disadvantages-mvc/</a:t>
+            </a:r>
+            <a:endParaRPr lang="en-US" sz="2400" u="sng" dirty="0">
+              <a:latin typeface="Arial" panose="020B0604020202020204" pitchFamily="34" charset="0"/>
+              <a:cs typeface="Arial" panose="020B0604020202020204" pitchFamily="34" charset="0"/>
+            </a:endParaRPr>
+          </a:p>
+          <a:p>
+            <a:pPr marL="0" indent="0">
+              <a:lnSpc>
+                <a:spcPct val="150000"/>
+              </a:lnSpc>
+              <a:buNone/>
+            </a:pPr>
+            <a:r>
+              <a:rPr lang="en-US" sz="2400" u="sng" dirty="0">
+                <a:latin typeface="Arial" panose="020B0604020202020204" pitchFamily="34" charset="0"/>
+                <a:cs typeface="Arial" panose="020B0604020202020204" pitchFamily="34" charset="0"/>
+                <a:hlinkClick r:id="rId3"/>
+              </a:rPr>
+              <a:t>https://www.tutorialspoint.com/sdlc/sdlc_waterfall_model.htm</a:t>
+            </a:r>
+            <a:endParaRPr lang="en-US" sz="2400" u="sng" dirty="0">
+              <a:latin typeface="Arial" panose="020B0604020202020204" pitchFamily="34" charset="0"/>
+              <a:cs typeface="Arial" panose="020B0604020202020204" pitchFamily="34" charset="0"/>
+            </a:endParaRPr>
+          </a:p>
+          <a:p>
+            <a:pPr marL="0" indent="0">
+              <a:lnSpc>
+                <a:spcPct val="150000"/>
+              </a:lnSpc>
+              <a:buNone/>
+            </a:pPr>
+            <a:r>
+              <a:rPr lang="en-US" sz="2400" u="sng" dirty="0">
+                <a:hlinkClick r:id="rId4"/>
+              </a:rPr>
+              <a:t>https://c2sconsultinggroup.com/the-importance-of-configuration-management/</a:t>
+            </a:r>
+            <a:r>
+              <a:rPr lang="en-US" sz="2400" dirty="0"/>
+              <a:t> </a:t>
+            </a:r>
+          </a:p>
+          <a:p>
+            <a:pPr marL="0" indent="0">
+              <a:lnSpc>
+                <a:spcPct val="150000"/>
+              </a:lnSpc>
+              <a:buNone/>
+            </a:pPr>
+            <a:r>
+              <a:rPr lang="en-US" sz="2400" u="sng" dirty="0">
+                <a:hlinkClick r:id="rId5"/>
+              </a:rPr>
+              <a:t>https://www.slideshare.net/HabtamuAsmare/pharmacy-management-system-requirement-analysis-and-elicitaion-document</a:t>
+            </a:r>
+            <a:endParaRPr lang="en-US" sz="2400" u="sng" dirty="0">
+              <a:latin typeface="Arial" panose="020B0604020202020204" pitchFamily="34" charset="0"/>
+              <a:cs typeface="Arial" panose="020B0604020202020204" pitchFamily="34" charset="0"/>
+            </a:endParaRPr>
+          </a:p>
+          <a:p>
+            <a:pPr marL="0" indent="0">
+              <a:buNone/>
+            </a:pPr>
+            <a:endParaRPr lang="en-US" sz="2400" dirty="0">
+              <a:latin typeface="Arial" panose="020B0604020202020204" pitchFamily="34" charset="0"/>
+              <a:cs typeface="Arial" panose="020B0604020202020204" pitchFamily="34" charset="0"/>
+            </a:endParaRPr>
           </a:p>
         </p:txBody>
       </p:sp>
     </p:spTree>
     <p:extLst>
       <p:ext uri="{BB962C8B-B14F-4D97-AF65-F5344CB8AC3E}">
-        <p14:creationId xmlns:p14="http://schemas.microsoft.com/office/powerpoint/2010/main" val="1102077726"/>
+        <p14:creationId xmlns:p14="http://schemas.microsoft.com/office/powerpoint/2010/main" val="329500837"/>
       </p:ext>
     </p:extLst>
   </p:cSld>
@@ -7054,6 +7124,74 @@
 </file>
 
 <file path=ppt/slides/slide40.xml><?xml version="1.0" encoding="utf-8"?>
+<p:sld xmlns:a="http://schemas.openxmlformats.org/drawingml/2006/main" xmlns:r="http://schemas.openxmlformats.org/officeDocument/2006/relationships" xmlns:p="http://schemas.openxmlformats.org/presentationml/2006/main">
+  <p:cSld>
+    <p:spTree>
+      <p:nvGrpSpPr>
+        <p:cNvPr id="1" name=""/>
+        <p:cNvGrpSpPr/>
+        <p:nvPr/>
+      </p:nvGrpSpPr>
+      <p:grpSpPr>
+        <a:xfrm>
+          <a:off x="0" y="0"/>
+          <a:ext cx="0" cy="0"/>
+          <a:chOff x="0" y="0"/>
+          <a:chExt cx="0" cy="0"/>
+        </a:xfrm>
+      </p:grpSpPr>
+      <p:sp>
+        <p:nvSpPr>
+          <p:cNvPr id="2" name="Title 1">
+            <a:extLst>
+              <a:ext uri="{FF2B5EF4-FFF2-40B4-BE49-F238E27FC236}">
+                <a16:creationId xmlns:a16="http://schemas.microsoft.com/office/drawing/2014/main" id="{A0F5789A-7972-4EF3-815A-6E4CC4566CED}"/>
+              </a:ext>
+            </a:extLst>
+          </p:cNvPr>
+          <p:cNvSpPr>
+            <a:spLocks noGrp="1"/>
+          </p:cNvSpPr>
+          <p:nvPr>
+            <p:ph type="title"/>
+          </p:nvPr>
+        </p:nvSpPr>
+        <p:spPr>
+          <a:xfrm>
+            <a:off x="3800475" y="2371118"/>
+            <a:ext cx="4943475" cy="1478570"/>
+          </a:xfrm>
+        </p:spPr>
+        <p:txBody>
+          <a:bodyPr>
+            <a:noAutofit/>
+          </a:bodyPr>
+          <a:lstStyle/>
+          <a:p>
+            <a:r>
+              <a:rPr lang="en-US" sz="5400" dirty="0">
+                <a:latin typeface="Arial" panose="020B0604020202020204" pitchFamily="34" charset="0"/>
+                <a:cs typeface="Arial" panose="020B0604020202020204" pitchFamily="34" charset="0"/>
+              </a:rPr>
+              <a:t>Any question ?</a:t>
+            </a:r>
+          </a:p>
+        </p:txBody>
+      </p:sp>
+    </p:spTree>
+    <p:extLst>
+      <p:ext uri="{BB962C8B-B14F-4D97-AF65-F5344CB8AC3E}">
+        <p14:creationId xmlns:p14="http://schemas.microsoft.com/office/powerpoint/2010/main" val="1102077726"/>
+      </p:ext>
+    </p:extLst>
+  </p:cSld>
+  <p:clrMapOvr>
+    <a:masterClrMapping/>
+  </p:clrMapOvr>
+</p:sld>
+</file>
+
+<file path=ppt/slides/slide41.xml><?xml version="1.0" encoding="utf-8"?>
 <p:sld xmlns:a="http://schemas.openxmlformats.org/drawingml/2006/main" xmlns:r="http://schemas.openxmlformats.org/officeDocument/2006/relationships" xmlns:p="http://schemas.openxmlformats.org/presentationml/2006/main">
   <p:cSld>
     <p:spTree>
